--- a/week09/Lab09.pptx
+++ b/week09/Lab09.pptx
@@ -5,7 +5,7 @@
     <p:sldMasterId id="2147483648" r:id="rId1"/>
   </p:sldMasterIdLst>
   <p:notesMasterIdLst>
-    <p:notesMasterId r:id="rId19"/>
+    <p:notesMasterId r:id="rId22"/>
   </p:notesMasterIdLst>
   <p:sldIdLst>
     <p:sldId id="256" r:id="rId2"/>
@@ -22,9 +22,12 @@
     <p:sldId id="1070" r:id="rId13"/>
     <p:sldId id="1068" r:id="rId14"/>
     <p:sldId id="1071" r:id="rId15"/>
-    <p:sldId id="1039" r:id="rId16"/>
-    <p:sldId id="1065" r:id="rId17"/>
-    <p:sldId id="1072" r:id="rId18"/>
+    <p:sldId id="1073" r:id="rId16"/>
+    <p:sldId id="1075" r:id="rId17"/>
+    <p:sldId id="1074" r:id="rId18"/>
+    <p:sldId id="1039" r:id="rId19"/>
+    <p:sldId id="1065" r:id="rId20"/>
+    <p:sldId id="1072" r:id="rId21"/>
   </p:sldIdLst>
   <p:sldSz cx="12192000" cy="6858000"/>
   <p:notesSz cx="6858000" cy="9144000"/>
@@ -213,7 +216,7 @@
           <a:p>
             <a:fld id="{D1237EF7-A117-46B7-88A8-1B7FB98FF0F2}" type="datetimeFigureOut">
               <a:rPr lang="zh-CN" altLang="en-US" smtClean="0"/>
-              <a:t>2021/11/5</a:t>
+              <a:t>2021/11/8</a:t>
             </a:fld>
             <a:endParaRPr lang="zh-CN" altLang="en-US"/>
           </a:p>
@@ -990,7 +993,7 @@
           <a:p>
             <a:fld id="{FC19A4FA-3D9A-4114-B0D5-759CBD56F1AB}" type="datetimeFigureOut">
               <a:rPr lang="zh-CN" altLang="en-US" smtClean="0"/>
-              <a:t>2021/11/5</a:t>
+              <a:t>2021/11/8</a:t>
             </a:fld>
             <a:endParaRPr lang="zh-CN" altLang="en-US"/>
           </a:p>
@@ -1184,7 +1187,7 @@
           <a:p>
             <a:fld id="{FC19A4FA-3D9A-4114-B0D5-759CBD56F1AB}" type="datetimeFigureOut">
               <a:rPr lang="zh-CN" altLang="en-US" smtClean="0"/>
-              <a:t>2021/11/5</a:t>
+              <a:t>2021/11/8</a:t>
             </a:fld>
             <a:endParaRPr lang="zh-CN" altLang="en-US"/>
           </a:p>
@@ -1357,7 +1360,7 @@
           <a:p>
             <a:fld id="{FC19A4FA-3D9A-4114-B0D5-759CBD56F1AB}" type="datetimeFigureOut">
               <a:rPr lang="zh-CN" altLang="en-US" smtClean="0"/>
-              <a:t>2021/11/5</a:t>
+              <a:t>2021/11/8</a:t>
             </a:fld>
             <a:endParaRPr lang="zh-CN" altLang="en-US"/>
           </a:p>
@@ -1541,7 +1544,7 @@
           <a:p>
             <a:fld id="{FC19A4FA-3D9A-4114-B0D5-759CBD56F1AB}" type="datetimeFigureOut">
               <a:rPr lang="zh-CN" altLang="en-US" smtClean="0"/>
-              <a:t>2021/11/5</a:t>
+              <a:t>2021/11/8</a:t>
             </a:fld>
             <a:endParaRPr lang="zh-CN" altLang="en-US"/>
           </a:p>
@@ -1798,7 +1801,7 @@
           <a:p>
             <a:fld id="{FC19A4FA-3D9A-4114-B0D5-759CBD56F1AB}" type="datetimeFigureOut">
               <a:rPr lang="zh-CN" altLang="en-US" smtClean="0"/>
-              <a:t>2021/11/5</a:t>
+              <a:t>2021/11/8</a:t>
             </a:fld>
             <a:endParaRPr lang="zh-CN" altLang="en-US"/>
           </a:p>
@@ -2185,7 +2188,7 @@
           <a:p>
             <a:fld id="{FC19A4FA-3D9A-4114-B0D5-759CBD56F1AB}" type="datetimeFigureOut">
               <a:rPr lang="zh-CN" altLang="en-US" smtClean="0"/>
-              <a:t>2021/11/5</a:t>
+              <a:t>2021/11/8</a:t>
             </a:fld>
             <a:endParaRPr lang="zh-CN" altLang="en-US"/>
           </a:p>
@@ -2453,7 +2456,7 @@
           <a:p>
             <a:fld id="{FC19A4FA-3D9A-4114-B0D5-759CBD56F1AB}" type="datetimeFigureOut">
               <a:rPr lang="zh-CN" altLang="en-US" smtClean="0"/>
-              <a:t>2021/11/5</a:t>
+              <a:t>2021/11/8</a:t>
             </a:fld>
             <a:endParaRPr lang="zh-CN" altLang="en-US"/>
           </a:p>
@@ -2593,7 +2596,7 @@
           <a:p>
             <a:fld id="{FC19A4FA-3D9A-4114-B0D5-759CBD56F1AB}" type="datetimeFigureOut">
               <a:rPr lang="zh-CN" altLang="en-US" smtClean="0"/>
-              <a:t>2021/11/5</a:t>
+              <a:t>2021/11/8</a:t>
             </a:fld>
             <a:endParaRPr lang="zh-CN" altLang="en-US"/>
           </a:p>
@@ -2683,7 +2686,7 @@
           <a:p>
             <a:fld id="{FC19A4FA-3D9A-4114-B0D5-759CBD56F1AB}" type="datetimeFigureOut">
               <a:rPr lang="zh-CN" altLang="en-US" smtClean="0"/>
-              <a:t>2021/11/5</a:t>
+              <a:t>2021/11/8</a:t>
             </a:fld>
             <a:endParaRPr lang="zh-CN" altLang="en-US"/>
           </a:p>
@@ -2953,7 +2956,7 @@
           <a:p>
             <a:fld id="{FC19A4FA-3D9A-4114-B0D5-759CBD56F1AB}" type="datetimeFigureOut">
               <a:rPr lang="zh-CN" altLang="en-US" smtClean="0"/>
-              <a:t>2021/11/5</a:t>
+              <a:t>2021/11/8</a:t>
             </a:fld>
             <a:endParaRPr lang="zh-CN" altLang="en-US"/>
           </a:p>
@@ -3200,7 +3203,7 @@
           <a:p>
             <a:fld id="{FC19A4FA-3D9A-4114-B0D5-759CBD56F1AB}" type="datetimeFigureOut">
               <a:rPr lang="zh-CN" altLang="en-US" smtClean="0"/>
-              <a:t>2021/11/5</a:t>
+              <a:t>2021/11/8</a:t>
             </a:fld>
             <a:endParaRPr lang="zh-CN" altLang="en-US"/>
           </a:p>
@@ -3406,7 +3409,7 @@
           <a:p>
             <a:fld id="{FC19A4FA-3D9A-4114-B0D5-759CBD56F1AB}" type="datetimeFigureOut">
               <a:rPr lang="zh-CN" altLang="en-US" smtClean="0"/>
-              <a:t>2021/11/5</a:t>
+              <a:t>2021/11/8</a:t>
             </a:fld>
             <a:endParaRPr lang="zh-CN" altLang="en-US"/>
           </a:p>
@@ -4805,7 +4808,7 @@
             </a:r>
             <a:r>
               <a:rPr lang="en-US" altLang="zh-CN" sz="2400" dirty="0"/>
-              <a:t>. These const member variables can only be initialized by </a:t>
+              <a:t>. These const member variables can  be initialized by </a:t>
             </a:r>
             <a:r>
               <a:rPr lang="en-US" altLang="zh-CN" sz="2400" b="1" dirty="0">
@@ -6357,7 +6360,23 @@
           <a:p>
             <a:r>
               <a:rPr lang="en-US" altLang="zh-CN" sz="2400" dirty="0"/>
-              <a:t>A const member function defined outside the class body must specify the const modifier in both its declaration and definition. </a:t>
+              <a:t>A const member function defined outside the class body must specify the </a:t>
+            </a:r>
+            <a:r>
+              <a:rPr lang="en-US" altLang="zh-CN" sz="2400" b="1" dirty="0"/>
+              <a:t>const </a:t>
+            </a:r>
+            <a:r>
+              <a:rPr lang="en-US" altLang="zh-CN" sz="2400" dirty="0"/>
+              <a:t>modifier in </a:t>
+            </a:r>
+            <a:r>
+              <a:rPr lang="en-US" altLang="zh-CN" sz="2400" b="1" dirty="0"/>
+              <a:t>both its declaration and definition</a:t>
+            </a:r>
+            <a:r>
+              <a:rPr lang="en-US" altLang="zh-CN" sz="2400" dirty="0"/>
+              <a:t>. </a:t>
             </a:r>
             <a:endParaRPr lang="zh-CN" altLang="en-US" sz="2400" dirty="0"/>
           </a:p>
@@ -7032,6 +7051,1550 @@
         </p:nvSpPr>
         <p:spPr/>
         <p:txBody>
+          <a:bodyPr>
+            <a:normAutofit fontScale="90000"/>
+          </a:bodyPr>
+          <a:lstStyle/>
+          <a:p>
+            <a:r>
+              <a:rPr lang="en-US" altLang="zh-CN" dirty="0">
+                <a:sym typeface="+mn-ea"/>
+              </a:rPr>
+              <a:t>static member variables and member functions</a:t>
+            </a:r>
+            <a:endParaRPr lang="zh-CN" altLang="en-US" dirty="0"/>
+          </a:p>
+        </p:txBody>
+      </p:sp>
+      <p:sp>
+        <p:nvSpPr>
+          <p:cNvPr id="9" name="文本框 8">
+            <a:extLst>
+              <a:ext uri="{FF2B5EF4-FFF2-40B4-BE49-F238E27FC236}">
+                <a16:creationId xmlns:a16="http://schemas.microsoft.com/office/drawing/2014/main" id="{EA915B11-5495-48FC-9A53-7D1E8BDA487D}"/>
+              </a:ext>
+            </a:extLst>
+          </p:cNvPr>
+          <p:cNvSpPr txBox="1"/>
+          <p:nvPr/>
+        </p:nvSpPr>
+        <p:spPr>
+          <a:xfrm>
+            <a:off x="779929" y="1311592"/>
+            <a:ext cx="10632141" cy="1938992"/>
+          </a:xfrm>
+          <a:prstGeom prst="rect">
+            <a:avLst/>
+          </a:prstGeom>
+          <a:noFill/>
+        </p:spPr>
+        <p:txBody>
+          <a:bodyPr wrap="square">
+            <a:spAutoFit/>
+          </a:bodyPr>
+          <a:lstStyle/>
+          <a:p>
+            <a:r>
+              <a:rPr lang="en-US" altLang="zh-CN" sz="2400" dirty="0"/>
+              <a:t>A static data member represents a single, shared instance of that member that is accessible to all the objects of that class. </a:t>
+            </a:r>
+          </a:p>
+          <a:p>
+            <a:r>
+              <a:rPr lang="en-US" altLang="zh-CN" sz="2400" dirty="0"/>
+              <a:t>You must provide an explicit definition of that instance within a program text file. The definition looks like the global definition of an object except that its name is qualified with the class scope operator</a:t>
+            </a:r>
+            <a:r>
+              <a:rPr lang="en-US" altLang="zh-CN" sz="2400" b="1" dirty="0"/>
+              <a:t>: :</a:t>
+            </a:r>
+            <a:endParaRPr lang="zh-CN" altLang="en-US" sz="2400" b="1" dirty="0"/>
+          </a:p>
+        </p:txBody>
+      </p:sp>
+      <p:pic>
+        <p:nvPicPr>
+          <p:cNvPr id="4" name="图片 3">
+            <a:extLst>
+              <a:ext uri="{FF2B5EF4-FFF2-40B4-BE49-F238E27FC236}">
+                <a16:creationId xmlns:a16="http://schemas.microsoft.com/office/drawing/2014/main" id="{D5288847-85B4-4E43-A23B-B1499F6B6061}"/>
+              </a:ext>
+            </a:extLst>
+          </p:cNvPr>
+          <p:cNvPicPr>
+            <a:picLocks noChangeAspect="1"/>
+          </p:cNvPicPr>
+          <p:nvPr/>
+        </p:nvPicPr>
+        <p:blipFill>
+          <a:blip r:embed="rId2"/>
+          <a:stretch>
+            <a:fillRect/>
+          </a:stretch>
+        </p:blipFill>
+        <p:spPr>
+          <a:xfrm>
+            <a:off x="1376479" y="3400425"/>
+            <a:ext cx="9448800" cy="3457575"/>
+          </a:xfrm>
+          <a:prstGeom prst="rect">
+            <a:avLst/>
+          </a:prstGeom>
+        </p:spPr>
+      </p:pic>
+      <p:grpSp>
+        <p:nvGrpSpPr>
+          <p:cNvPr id="6" name="组合 5">
+            <a:extLst>
+              <a:ext uri="{FF2B5EF4-FFF2-40B4-BE49-F238E27FC236}">
+                <a16:creationId xmlns:a16="http://schemas.microsoft.com/office/drawing/2014/main" id="{E86D9877-62A9-4960-BB1D-9F5E8D2E3C48}"/>
+              </a:ext>
+            </a:extLst>
+          </p:cNvPr>
+          <p:cNvGrpSpPr/>
+          <p:nvPr/>
+        </p:nvGrpSpPr>
+        <p:grpSpPr>
+          <a:xfrm>
+            <a:off x="1810582" y="3872126"/>
+            <a:ext cx="7790456" cy="840890"/>
+            <a:chOff x="1284480" y="4497050"/>
+            <a:chExt cx="8583936" cy="926536"/>
+          </a:xfrm>
+        </p:grpSpPr>
+        <p:sp>
+          <p:nvSpPr>
+            <p:cNvPr id="7" name="矩形 6">
+              <a:extLst>
+                <a:ext uri="{FF2B5EF4-FFF2-40B4-BE49-F238E27FC236}">
+                  <a16:creationId xmlns:a16="http://schemas.microsoft.com/office/drawing/2014/main" id="{605AAB74-61BE-42D0-BF8C-9C0D366AC0AE}"/>
+                </a:ext>
+              </a:extLst>
+            </p:cNvPr>
+            <p:cNvSpPr/>
+            <p:nvPr/>
+          </p:nvSpPr>
+          <p:spPr>
+            <a:xfrm>
+              <a:off x="1284480" y="5097172"/>
+              <a:ext cx="2173425" cy="326414"/>
+            </a:xfrm>
+            <a:prstGeom prst="rect">
+              <a:avLst/>
+            </a:prstGeom>
+            <a:noFill/>
+            <a:ln w="19050">
+              <a:solidFill>
+                <a:srgbClr val="FF0000"/>
+              </a:solidFill>
+            </a:ln>
+          </p:spPr>
+          <p:style>
+            <a:lnRef idx="2">
+              <a:schemeClr val="accent1">
+                <a:shade val="50000"/>
+              </a:schemeClr>
+            </a:lnRef>
+            <a:fillRef idx="1">
+              <a:schemeClr val="accent1"/>
+            </a:fillRef>
+            <a:effectRef idx="0">
+              <a:schemeClr val="accent1"/>
+            </a:effectRef>
+            <a:fontRef idx="minor">
+              <a:schemeClr val="lt1"/>
+            </a:fontRef>
+          </p:style>
+          <p:txBody>
+            <a:bodyPr rtlCol="0" anchor="ctr"/>
+            <a:lstStyle/>
+            <a:p>
+              <a:pPr algn="ctr"/>
+              <a:endParaRPr lang="zh-CN" altLang="en-US" sz="1634"/>
+            </a:p>
+          </p:txBody>
+        </p:sp>
+        <p:grpSp>
+          <p:nvGrpSpPr>
+            <p:cNvPr id="8" name="组合 7">
+              <a:extLst>
+                <a:ext uri="{FF2B5EF4-FFF2-40B4-BE49-F238E27FC236}">
+                  <a16:creationId xmlns:a16="http://schemas.microsoft.com/office/drawing/2014/main" id="{6EB3837D-7A81-40CF-9030-2FA96937FCE7}"/>
+                </a:ext>
+              </a:extLst>
+            </p:cNvPr>
+            <p:cNvGrpSpPr/>
+            <p:nvPr/>
+          </p:nvGrpSpPr>
+          <p:grpSpPr>
+            <a:xfrm>
+              <a:off x="3457905" y="4497050"/>
+              <a:ext cx="6410511" cy="637924"/>
+              <a:chOff x="1369251" y="3937303"/>
+              <a:chExt cx="6410511" cy="637924"/>
+            </a:xfrm>
+          </p:grpSpPr>
+          <p:cxnSp>
+            <p:nvCxnSpPr>
+              <p:cNvPr id="10" name="直接箭头连接符 9">
+                <a:extLst>
+                  <a:ext uri="{FF2B5EF4-FFF2-40B4-BE49-F238E27FC236}">
+                    <a16:creationId xmlns:a16="http://schemas.microsoft.com/office/drawing/2014/main" id="{AFC9352F-1A1D-4DB7-A63D-8DFA852D23B9}"/>
+                  </a:ext>
+                </a:extLst>
+              </p:cNvPr>
+              <p:cNvCxnSpPr>
+                <a:cxnSpLocks/>
+              </p:cNvCxnSpPr>
+              <p:nvPr/>
+            </p:nvCxnSpPr>
+            <p:spPr>
+              <a:xfrm flipH="1">
+                <a:off x="1369251" y="4258738"/>
+                <a:ext cx="467936" cy="316489"/>
+              </a:xfrm>
+              <a:prstGeom prst="straightConnector1">
+                <a:avLst/>
+              </a:prstGeom>
+              <a:ln w="19050">
+                <a:solidFill>
+                  <a:srgbClr val="FF0000"/>
+                </a:solidFill>
+                <a:tailEnd type="arrow"/>
+              </a:ln>
+            </p:spPr>
+            <p:style>
+              <a:lnRef idx="1">
+                <a:schemeClr val="accent1"/>
+              </a:lnRef>
+              <a:fillRef idx="0">
+                <a:schemeClr val="accent1"/>
+              </a:fillRef>
+              <a:effectRef idx="0">
+                <a:schemeClr val="accent1"/>
+              </a:effectRef>
+              <a:fontRef idx="minor">
+                <a:schemeClr val="tx1"/>
+              </a:fontRef>
+            </p:style>
+          </p:cxnSp>
+          <p:sp>
+            <p:nvSpPr>
+              <p:cNvPr id="11" name="TextBox 11">
+                <a:extLst>
+                  <a:ext uri="{FF2B5EF4-FFF2-40B4-BE49-F238E27FC236}">
+                    <a16:creationId xmlns:a16="http://schemas.microsoft.com/office/drawing/2014/main" id="{25EEDEF6-7FF5-4BDA-B5A3-1F61061D25CE}"/>
+                  </a:ext>
+                </a:extLst>
+              </p:cNvPr>
+              <p:cNvSpPr txBox="1"/>
+              <p:nvPr/>
+            </p:nvSpPr>
+            <p:spPr>
+              <a:xfrm>
+                <a:off x="1753520" y="3937303"/>
+                <a:ext cx="6026242" cy="378830"/>
+              </a:xfrm>
+              <a:prstGeom prst="rect">
+                <a:avLst/>
+              </a:prstGeom>
+              <a:noFill/>
+            </p:spPr>
+            <p:txBody>
+              <a:bodyPr wrap="none" rtlCol="0">
+                <a:spAutoFit/>
+              </a:bodyPr>
+              <a:lstStyle/>
+              <a:p>
+                <a:r>
+                  <a:rPr lang="en-US" altLang="zh-CN" sz="1634" dirty="0"/>
+                  <a:t>static member variable can not be initialized when it is defined</a:t>
+                </a:r>
+                <a:endParaRPr lang="zh-CN" altLang="en-US" sz="1634" dirty="0"/>
+              </a:p>
+            </p:txBody>
+          </p:sp>
+        </p:grpSp>
+      </p:grpSp>
+      <p:grpSp>
+        <p:nvGrpSpPr>
+          <p:cNvPr id="12" name="组合 11">
+            <a:extLst>
+              <a:ext uri="{FF2B5EF4-FFF2-40B4-BE49-F238E27FC236}">
+                <a16:creationId xmlns:a16="http://schemas.microsoft.com/office/drawing/2014/main" id="{903BEA93-560F-4255-8317-2A794100FC79}"/>
+              </a:ext>
+            </a:extLst>
+          </p:cNvPr>
+          <p:cNvGrpSpPr/>
+          <p:nvPr/>
+        </p:nvGrpSpPr>
+        <p:grpSpPr>
+          <a:xfrm>
+            <a:off x="1483481" y="5942532"/>
+            <a:ext cx="8400559" cy="840890"/>
+            <a:chOff x="1284479" y="4497050"/>
+            <a:chExt cx="9256185" cy="926536"/>
+          </a:xfrm>
+        </p:grpSpPr>
+        <p:sp>
+          <p:nvSpPr>
+            <p:cNvPr id="13" name="矩形 12">
+              <a:extLst>
+                <a:ext uri="{FF2B5EF4-FFF2-40B4-BE49-F238E27FC236}">
+                  <a16:creationId xmlns:a16="http://schemas.microsoft.com/office/drawing/2014/main" id="{597734EF-A6CB-4EE8-9347-9694CACC0F9C}"/>
+                </a:ext>
+              </a:extLst>
+            </p:cNvPr>
+            <p:cNvSpPr/>
+            <p:nvPr/>
+          </p:nvSpPr>
+          <p:spPr>
+            <a:xfrm>
+              <a:off x="1284479" y="5097172"/>
+              <a:ext cx="3001777" cy="326414"/>
+            </a:xfrm>
+            <a:prstGeom prst="rect">
+              <a:avLst/>
+            </a:prstGeom>
+            <a:noFill/>
+            <a:ln w="19050">
+              <a:solidFill>
+                <a:srgbClr val="FF0000"/>
+              </a:solidFill>
+            </a:ln>
+          </p:spPr>
+          <p:style>
+            <a:lnRef idx="2">
+              <a:schemeClr val="accent1">
+                <a:shade val="50000"/>
+              </a:schemeClr>
+            </a:lnRef>
+            <a:fillRef idx="1">
+              <a:schemeClr val="accent1"/>
+            </a:fillRef>
+            <a:effectRef idx="0">
+              <a:schemeClr val="accent1"/>
+            </a:effectRef>
+            <a:fontRef idx="minor">
+              <a:schemeClr val="lt1"/>
+            </a:fontRef>
+          </p:style>
+          <p:txBody>
+            <a:bodyPr rtlCol="0" anchor="ctr"/>
+            <a:lstStyle/>
+            <a:p>
+              <a:pPr algn="ctr"/>
+              <a:endParaRPr lang="zh-CN" altLang="en-US" sz="1634"/>
+            </a:p>
+          </p:txBody>
+        </p:sp>
+        <p:grpSp>
+          <p:nvGrpSpPr>
+            <p:cNvPr id="14" name="组合 13">
+              <a:extLst>
+                <a:ext uri="{FF2B5EF4-FFF2-40B4-BE49-F238E27FC236}">
+                  <a16:creationId xmlns:a16="http://schemas.microsoft.com/office/drawing/2014/main" id="{C4C4CB7D-7CEF-4DBC-9877-A4563B403523}"/>
+                </a:ext>
+              </a:extLst>
+            </p:cNvPr>
+            <p:cNvGrpSpPr/>
+            <p:nvPr/>
+          </p:nvGrpSpPr>
+          <p:grpSpPr>
+            <a:xfrm>
+              <a:off x="3457905" y="4497050"/>
+              <a:ext cx="7082759" cy="637924"/>
+              <a:chOff x="1369251" y="3937303"/>
+              <a:chExt cx="7082759" cy="637924"/>
+            </a:xfrm>
+          </p:grpSpPr>
+          <p:cxnSp>
+            <p:nvCxnSpPr>
+              <p:cNvPr id="15" name="直接箭头连接符 14">
+                <a:extLst>
+                  <a:ext uri="{FF2B5EF4-FFF2-40B4-BE49-F238E27FC236}">
+                    <a16:creationId xmlns:a16="http://schemas.microsoft.com/office/drawing/2014/main" id="{0ACF2A4F-C3EB-424C-AF2E-6C1E3A5CC22D}"/>
+                  </a:ext>
+                </a:extLst>
+              </p:cNvPr>
+              <p:cNvCxnSpPr>
+                <a:cxnSpLocks/>
+              </p:cNvCxnSpPr>
+              <p:nvPr/>
+            </p:nvCxnSpPr>
+            <p:spPr>
+              <a:xfrm flipH="1">
+                <a:off x="1369251" y="4258738"/>
+                <a:ext cx="467936" cy="316489"/>
+              </a:xfrm>
+              <a:prstGeom prst="straightConnector1">
+                <a:avLst/>
+              </a:prstGeom>
+              <a:ln w="19050">
+                <a:solidFill>
+                  <a:srgbClr val="FF0000"/>
+                </a:solidFill>
+                <a:tailEnd type="arrow"/>
+              </a:ln>
+            </p:spPr>
+            <p:style>
+              <a:lnRef idx="1">
+                <a:schemeClr val="accent1"/>
+              </a:lnRef>
+              <a:fillRef idx="0">
+                <a:schemeClr val="accent1"/>
+              </a:fillRef>
+              <a:effectRef idx="0">
+                <a:schemeClr val="accent1"/>
+              </a:effectRef>
+              <a:fontRef idx="minor">
+                <a:schemeClr val="tx1"/>
+              </a:fontRef>
+            </p:style>
+          </p:cxnSp>
+          <p:sp>
+            <p:nvSpPr>
+              <p:cNvPr id="16" name="TextBox 11">
+                <a:extLst>
+                  <a:ext uri="{FF2B5EF4-FFF2-40B4-BE49-F238E27FC236}">
+                    <a16:creationId xmlns:a16="http://schemas.microsoft.com/office/drawing/2014/main" id="{F3E56645-B739-4629-A4E8-199AF5BE0F96}"/>
+                  </a:ext>
+                </a:extLst>
+              </p:cNvPr>
+              <p:cNvSpPr txBox="1"/>
+              <p:nvPr/>
+            </p:nvSpPr>
+            <p:spPr>
+              <a:xfrm>
+                <a:off x="1753520" y="3937303"/>
+                <a:ext cx="6698490" cy="378830"/>
+              </a:xfrm>
+              <a:prstGeom prst="rect">
+                <a:avLst/>
+              </a:prstGeom>
+              <a:noFill/>
+            </p:spPr>
+            <p:txBody>
+              <a:bodyPr wrap="none" rtlCol="0">
+                <a:spAutoFit/>
+              </a:bodyPr>
+              <a:lstStyle/>
+              <a:p>
+                <a:r>
+                  <a:rPr lang="en-US" altLang="zh-CN" sz="1634" dirty="0"/>
+                  <a:t>static member variable must be initialized outside the class definition</a:t>
+                </a:r>
+                <a:endParaRPr lang="zh-CN" altLang="en-US" sz="1634" dirty="0"/>
+              </a:p>
+            </p:txBody>
+          </p:sp>
+        </p:grpSp>
+      </p:grpSp>
+      <p:sp>
+        <p:nvSpPr>
+          <p:cNvPr id="5" name="椭圆 4">
+            <a:extLst>
+              <a:ext uri="{FF2B5EF4-FFF2-40B4-BE49-F238E27FC236}">
+                <a16:creationId xmlns:a16="http://schemas.microsoft.com/office/drawing/2014/main" id="{88C478BF-80FE-4C9D-8F33-CA649A7329F9}"/>
+              </a:ext>
+            </a:extLst>
+          </p:cNvPr>
+          <p:cNvSpPr/>
+          <p:nvPr/>
+        </p:nvSpPr>
+        <p:spPr>
+          <a:xfrm>
+            <a:off x="1810582" y="6526873"/>
+            <a:ext cx="1233701" cy="264221"/>
+          </a:xfrm>
+          <a:prstGeom prst="ellipse">
+            <a:avLst/>
+          </a:prstGeom>
+          <a:noFill/>
+          <a:ln>
+            <a:solidFill>
+              <a:srgbClr val="00B050"/>
+            </a:solidFill>
+          </a:ln>
+        </p:spPr>
+        <p:style>
+          <a:lnRef idx="2">
+            <a:schemeClr val="accent1">
+              <a:shade val="50000"/>
+            </a:schemeClr>
+          </a:lnRef>
+          <a:fillRef idx="1">
+            <a:schemeClr val="accent1"/>
+          </a:fillRef>
+          <a:effectRef idx="0">
+            <a:schemeClr val="accent1"/>
+          </a:effectRef>
+          <a:fontRef idx="minor">
+            <a:schemeClr val="lt1"/>
+          </a:fontRef>
+        </p:style>
+        <p:txBody>
+          <a:bodyPr rtlCol="0" anchor="ctr"/>
+          <a:lstStyle/>
+          <a:p>
+            <a:pPr algn="ctr"/>
+            <a:endParaRPr lang="zh-CN" altLang="en-US"/>
+          </a:p>
+        </p:txBody>
+      </p:sp>
+    </p:spTree>
+    <p:extLst>
+      <p:ext uri="{BB962C8B-B14F-4D97-AF65-F5344CB8AC3E}">
+        <p14:creationId xmlns:p14="http://schemas.microsoft.com/office/powerpoint/2010/main" val="4237391242"/>
+      </p:ext>
+    </p:extLst>
+  </p:cSld>
+  <p:clrMapOvr>
+    <a:masterClrMapping/>
+  </p:clrMapOvr>
+  <p:timing>
+    <p:tnLst>
+      <p:par>
+        <p:cTn id="1" dur="indefinite" restart="never" nodeType="tmRoot">
+          <p:childTnLst>
+            <p:seq concurrent="1" nextAc="seek">
+              <p:cTn id="2" dur="indefinite" nodeType="mainSeq">
+                <p:childTnLst>
+                  <p:par>
+                    <p:cTn id="3" fill="hold">
+                      <p:stCondLst>
+                        <p:cond delay="indefinite"/>
+                      </p:stCondLst>
+                      <p:childTnLst>
+                        <p:par>
+                          <p:cTn id="4" fill="hold">
+                            <p:stCondLst>
+                              <p:cond delay="0"/>
+                            </p:stCondLst>
+                            <p:childTnLst>
+                              <p:par>
+                                <p:cTn id="5" presetID="1" presetClass="entr" presetSubtype="0" fill="hold" nodeType="clickEffect">
+                                  <p:stCondLst>
+                                    <p:cond delay="0"/>
+                                  </p:stCondLst>
+                                  <p:childTnLst>
+                                    <p:set>
+                                      <p:cBhvr>
+                                        <p:cTn id="6" dur="1" fill="hold">
+                                          <p:stCondLst>
+                                            <p:cond delay="0"/>
+                                          </p:stCondLst>
+                                        </p:cTn>
+                                        <p:tgtEl>
+                                          <p:spTgt spid="4"/>
+                                        </p:tgtEl>
+                                        <p:attrNameLst>
+                                          <p:attrName>style.visibility</p:attrName>
+                                        </p:attrNameLst>
+                                      </p:cBhvr>
+                                      <p:to>
+                                        <p:strVal val="visible"/>
+                                      </p:to>
+                                    </p:set>
+                                  </p:childTnLst>
+                                </p:cTn>
+                              </p:par>
+                            </p:childTnLst>
+                          </p:cTn>
+                        </p:par>
+                      </p:childTnLst>
+                    </p:cTn>
+                  </p:par>
+                  <p:par>
+                    <p:cTn id="7" fill="hold">
+                      <p:stCondLst>
+                        <p:cond delay="indefinite"/>
+                      </p:stCondLst>
+                      <p:childTnLst>
+                        <p:par>
+                          <p:cTn id="8" fill="hold">
+                            <p:stCondLst>
+                              <p:cond delay="0"/>
+                            </p:stCondLst>
+                            <p:childTnLst>
+                              <p:par>
+                                <p:cTn id="9" presetID="1" presetClass="entr" presetSubtype="0" fill="hold" nodeType="clickEffect">
+                                  <p:stCondLst>
+                                    <p:cond delay="0"/>
+                                  </p:stCondLst>
+                                  <p:childTnLst>
+                                    <p:set>
+                                      <p:cBhvr>
+                                        <p:cTn id="10" dur="1" fill="hold">
+                                          <p:stCondLst>
+                                            <p:cond delay="0"/>
+                                          </p:stCondLst>
+                                        </p:cTn>
+                                        <p:tgtEl>
+                                          <p:spTgt spid="6"/>
+                                        </p:tgtEl>
+                                        <p:attrNameLst>
+                                          <p:attrName>style.visibility</p:attrName>
+                                        </p:attrNameLst>
+                                      </p:cBhvr>
+                                      <p:to>
+                                        <p:strVal val="visible"/>
+                                      </p:to>
+                                    </p:set>
+                                  </p:childTnLst>
+                                </p:cTn>
+                              </p:par>
+                            </p:childTnLst>
+                          </p:cTn>
+                        </p:par>
+                      </p:childTnLst>
+                    </p:cTn>
+                  </p:par>
+                  <p:par>
+                    <p:cTn id="11" fill="hold">
+                      <p:stCondLst>
+                        <p:cond delay="indefinite"/>
+                      </p:stCondLst>
+                      <p:childTnLst>
+                        <p:par>
+                          <p:cTn id="12" fill="hold">
+                            <p:stCondLst>
+                              <p:cond delay="0"/>
+                            </p:stCondLst>
+                            <p:childTnLst>
+                              <p:par>
+                                <p:cTn id="13" presetID="1" presetClass="entr" presetSubtype="0" fill="hold" nodeType="clickEffect">
+                                  <p:stCondLst>
+                                    <p:cond delay="0"/>
+                                  </p:stCondLst>
+                                  <p:childTnLst>
+                                    <p:set>
+                                      <p:cBhvr>
+                                        <p:cTn id="14" dur="1" fill="hold">
+                                          <p:stCondLst>
+                                            <p:cond delay="0"/>
+                                          </p:stCondLst>
+                                        </p:cTn>
+                                        <p:tgtEl>
+                                          <p:spTgt spid="12"/>
+                                        </p:tgtEl>
+                                        <p:attrNameLst>
+                                          <p:attrName>style.visibility</p:attrName>
+                                        </p:attrNameLst>
+                                      </p:cBhvr>
+                                      <p:to>
+                                        <p:strVal val="visible"/>
+                                      </p:to>
+                                    </p:set>
+                                  </p:childTnLst>
+                                </p:cTn>
+                              </p:par>
+                            </p:childTnLst>
+                          </p:cTn>
+                        </p:par>
+                      </p:childTnLst>
+                    </p:cTn>
+                  </p:par>
+                  <p:par>
+                    <p:cTn id="15" fill="hold">
+                      <p:stCondLst>
+                        <p:cond delay="indefinite"/>
+                      </p:stCondLst>
+                      <p:childTnLst>
+                        <p:par>
+                          <p:cTn id="16" fill="hold">
+                            <p:stCondLst>
+                              <p:cond delay="0"/>
+                            </p:stCondLst>
+                            <p:childTnLst>
+                              <p:par>
+                                <p:cTn id="17" presetID="1" presetClass="entr" presetSubtype="0" fill="hold" grpId="0" nodeType="clickEffect">
+                                  <p:stCondLst>
+                                    <p:cond delay="0"/>
+                                  </p:stCondLst>
+                                  <p:childTnLst>
+                                    <p:set>
+                                      <p:cBhvr>
+                                        <p:cTn id="18" dur="1" fill="hold">
+                                          <p:stCondLst>
+                                            <p:cond delay="0"/>
+                                          </p:stCondLst>
+                                        </p:cTn>
+                                        <p:tgtEl>
+                                          <p:spTgt spid="5"/>
+                                        </p:tgtEl>
+                                        <p:attrNameLst>
+                                          <p:attrName>style.visibility</p:attrName>
+                                        </p:attrNameLst>
+                                      </p:cBhvr>
+                                      <p:to>
+                                        <p:strVal val="visible"/>
+                                      </p:to>
+                                    </p:set>
+                                  </p:childTnLst>
+                                </p:cTn>
+                              </p:par>
+                            </p:childTnLst>
+                          </p:cTn>
+                        </p:par>
+                      </p:childTnLst>
+                    </p:cTn>
+                  </p:par>
+                </p:childTnLst>
+              </p:cTn>
+              <p:prevCondLst>
+                <p:cond evt="onPrev" delay="0">
+                  <p:tgtEl>
+                    <p:sldTgt/>
+                  </p:tgtEl>
+                </p:cond>
+              </p:prevCondLst>
+              <p:nextCondLst>
+                <p:cond evt="onNext" delay="0">
+                  <p:tgtEl>
+                    <p:sldTgt/>
+                  </p:tgtEl>
+                </p:cond>
+              </p:nextCondLst>
+            </p:seq>
+          </p:childTnLst>
+        </p:cTn>
+      </p:par>
+    </p:tnLst>
+    <p:bldLst>
+      <p:bldP spid="5" grpId="0" animBg="1"/>
+    </p:bldLst>
+  </p:timing>
+</p:sld>
+</file>
+
+<file path=ppt/slides/slide16.xml><?xml version="1.0" encoding="utf-8"?>
+<p:sld xmlns:a="http://schemas.openxmlformats.org/drawingml/2006/main" xmlns:r="http://schemas.openxmlformats.org/officeDocument/2006/relationships" xmlns:p="http://schemas.openxmlformats.org/presentationml/2006/main">
+  <p:cSld>
+    <p:spTree>
+      <p:nvGrpSpPr>
+        <p:cNvPr id="1" name=""/>
+        <p:cNvGrpSpPr/>
+        <p:nvPr/>
+      </p:nvGrpSpPr>
+      <p:grpSpPr>
+        <a:xfrm>
+          <a:off x="0" y="0"/>
+          <a:ext cx="0" cy="0"/>
+          <a:chOff x="0" y="0"/>
+          <a:chExt cx="0" cy="0"/>
+        </a:xfrm>
+      </p:grpSpPr>
+      <p:sp>
+        <p:nvSpPr>
+          <p:cNvPr id="2" name="标题 1"/>
+          <p:cNvSpPr>
+            <a:spLocks noGrp="1"/>
+          </p:cNvSpPr>
+          <p:nvPr>
+            <p:ph type="title"/>
+          </p:nvPr>
+        </p:nvSpPr>
+        <p:spPr/>
+        <p:txBody>
+          <a:bodyPr>
+            <a:normAutofit fontScale="90000"/>
+          </a:bodyPr>
+          <a:lstStyle/>
+          <a:p>
+            <a:r>
+              <a:rPr lang="en-US" altLang="zh-CN" dirty="0">
+                <a:sym typeface="+mn-ea"/>
+              </a:rPr>
+              <a:t>static member variables and member functions</a:t>
+            </a:r>
+            <a:endParaRPr lang="zh-CN" altLang="en-US" dirty="0"/>
+          </a:p>
+        </p:txBody>
+      </p:sp>
+      <p:sp>
+        <p:nvSpPr>
+          <p:cNvPr id="9" name="文本框 8">
+            <a:extLst>
+              <a:ext uri="{FF2B5EF4-FFF2-40B4-BE49-F238E27FC236}">
+                <a16:creationId xmlns:a16="http://schemas.microsoft.com/office/drawing/2014/main" id="{EA915B11-5495-48FC-9A53-7D1E8BDA487D}"/>
+              </a:ext>
+            </a:extLst>
+          </p:cNvPr>
+          <p:cNvSpPr txBox="1"/>
+          <p:nvPr/>
+        </p:nvSpPr>
+        <p:spPr>
+          <a:xfrm>
+            <a:off x="779929" y="1490008"/>
+            <a:ext cx="10632141" cy="1569660"/>
+          </a:xfrm>
+          <a:prstGeom prst="rect">
+            <a:avLst/>
+          </a:prstGeom>
+          <a:noFill/>
+        </p:spPr>
+        <p:txBody>
+          <a:bodyPr wrap="square">
+            <a:spAutoFit/>
+          </a:bodyPr>
+          <a:lstStyle/>
+          <a:p>
+            <a:r>
+              <a:rPr lang="en-US" altLang="zh-CN" sz="2400" dirty="0"/>
+              <a:t>A static member function can be invoked independently of a class object in exactly this way. A member function can be declared as static only if it does not access any </a:t>
+            </a:r>
+            <a:r>
+              <a:rPr lang="en-US" altLang="zh-CN" sz="2400" dirty="0" err="1"/>
+              <a:t>nonstatic</a:t>
+            </a:r>
+            <a:r>
+              <a:rPr lang="en-US" altLang="zh-CN" sz="2400" dirty="0"/>
+              <a:t> class members. We make it static by prefacing its declaration within the class definition with the keyword </a:t>
+            </a:r>
+            <a:r>
+              <a:rPr lang="en-US" altLang="zh-CN" sz="2400" b="1" dirty="0"/>
+              <a:t>static</a:t>
+            </a:r>
+            <a:endParaRPr lang="zh-CN" altLang="en-US" sz="2400" dirty="0"/>
+          </a:p>
+        </p:txBody>
+      </p:sp>
+      <p:pic>
+        <p:nvPicPr>
+          <p:cNvPr id="4" name="图片 3">
+            <a:extLst>
+              <a:ext uri="{FF2B5EF4-FFF2-40B4-BE49-F238E27FC236}">
+                <a16:creationId xmlns:a16="http://schemas.microsoft.com/office/drawing/2014/main" id="{D5288847-85B4-4E43-A23B-B1499F6B6061}"/>
+              </a:ext>
+            </a:extLst>
+          </p:cNvPr>
+          <p:cNvPicPr>
+            <a:picLocks noChangeAspect="1"/>
+          </p:cNvPicPr>
+          <p:nvPr/>
+        </p:nvPicPr>
+        <p:blipFill>
+          <a:blip r:embed="rId2"/>
+          <a:stretch>
+            <a:fillRect/>
+          </a:stretch>
+        </p:blipFill>
+        <p:spPr>
+          <a:xfrm>
+            <a:off x="1376479" y="3400425"/>
+            <a:ext cx="9448800" cy="3457575"/>
+          </a:xfrm>
+          <a:prstGeom prst="rect">
+            <a:avLst/>
+          </a:prstGeom>
+        </p:spPr>
+      </p:pic>
+      <p:grpSp>
+        <p:nvGrpSpPr>
+          <p:cNvPr id="6" name="组合 5">
+            <a:extLst>
+              <a:ext uri="{FF2B5EF4-FFF2-40B4-BE49-F238E27FC236}">
+                <a16:creationId xmlns:a16="http://schemas.microsoft.com/office/drawing/2014/main" id="{E86D9877-62A9-4960-BB1D-9F5E8D2E3C48}"/>
+              </a:ext>
+            </a:extLst>
+          </p:cNvPr>
+          <p:cNvGrpSpPr/>
+          <p:nvPr/>
+        </p:nvGrpSpPr>
+        <p:grpSpPr>
+          <a:xfrm>
+            <a:off x="1821732" y="4708470"/>
+            <a:ext cx="5249569" cy="1437952"/>
+            <a:chOff x="1284479" y="4497050"/>
+            <a:chExt cx="5784254" cy="1584410"/>
+          </a:xfrm>
+        </p:grpSpPr>
+        <p:sp>
+          <p:nvSpPr>
+            <p:cNvPr id="7" name="矩形 6">
+              <a:extLst>
+                <a:ext uri="{FF2B5EF4-FFF2-40B4-BE49-F238E27FC236}">
+                  <a16:creationId xmlns:a16="http://schemas.microsoft.com/office/drawing/2014/main" id="{605AAB74-61BE-42D0-BF8C-9C0D366AC0AE}"/>
+                </a:ext>
+              </a:extLst>
+            </p:cNvPr>
+            <p:cNvSpPr/>
+            <p:nvPr/>
+          </p:nvSpPr>
+          <p:spPr>
+            <a:xfrm>
+              <a:off x="1284479" y="5097172"/>
+              <a:ext cx="2268657" cy="984288"/>
+            </a:xfrm>
+            <a:prstGeom prst="rect">
+              <a:avLst/>
+            </a:prstGeom>
+            <a:noFill/>
+            <a:ln w="19050">
+              <a:solidFill>
+                <a:srgbClr val="FF0000"/>
+              </a:solidFill>
+            </a:ln>
+          </p:spPr>
+          <p:style>
+            <a:lnRef idx="2">
+              <a:schemeClr val="accent1">
+                <a:shade val="50000"/>
+              </a:schemeClr>
+            </a:lnRef>
+            <a:fillRef idx="1">
+              <a:schemeClr val="accent1"/>
+            </a:fillRef>
+            <a:effectRef idx="0">
+              <a:schemeClr val="accent1"/>
+            </a:effectRef>
+            <a:fontRef idx="minor">
+              <a:schemeClr val="lt1"/>
+            </a:fontRef>
+          </p:style>
+          <p:txBody>
+            <a:bodyPr rtlCol="0" anchor="ctr"/>
+            <a:lstStyle/>
+            <a:p>
+              <a:pPr algn="ctr"/>
+              <a:endParaRPr lang="zh-CN" altLang="en-US" sz="1634"/>
+            </a:p>
+          </p:txBody>
+        </p:sp>
+        <p:grpSp>
+          <p:nvGrpSpPr>
+            <p:cNvPr id="8" name="组合 7">
+              <a:extLst>
+                <a:ext uri="{FF2B5EF4-FFF2-40B4-BE49-F238E27FC236}">
+                  <a16:creationId xmlns:a16="http://schemas.microsoft.com/office/drawing/2014/main" id="{6EB3837D-7A81-40CF-9030-2FA96937FCE7}"/>
+                </a:ext>
+              </a:extLst>
+            </p:cNvPr>
+            <p:cNvGrpSpPr/>
+            <p:nvPr/>
+          </p:nvGrpSpPr>
+          <p:grpSpPr>
+            <a:xfrm>
+              <a:off x="3457905" y="4497050"/>
+              <a:ext cx="3610828" cy="637924"/>
+              <a:chOff x="1369251" y="3937303"/>
+              <a:chExt cx="3610828" cy="637924"/>
+            </a:xfrm>
+          </p:grpSpPr>
+          <p:cxnSp>
+            <p:nvCxnSpPr>
+              <p:cNvPr id="10" name="直接箭头连接符 9">
+                <a:extLst>
+                  <a:ext uri="{FF2B5EF4-FFF2-40B4-BE49-F238E27FC236}">
+                    <a16:creationId xmlns:a16="http://schemas.microsoft.com/office/drawing/2014/main" id="{AFC9352F-1A1D-4DB7-A63D-8DFA852D23B9}"/>
+                  </a:ext>
+                </a:extLst>
+              </p:cNvPr>
+              <p:cNvCxnSpPr>
+                <a:cxnSpLocks/>
+              </p:cNvCxnSpPr>
+              <p:nvPr/>
+            </p:nvCxnSpPr>
+            <p:spPr>
+              <a:xfrm flipH="1">
+                <a:off x="1369251" y="4258738"/>
+                <a:ext cx="467936" cy="316489"/>
+              </a:xfrm>
+              <a:prstGeom prst="straightConnector1">
+                <a:avLst/>
+              </a:prstGeom>
+              <a:ln w="19050">
+                <a:solidFill>
+                  <a:srgbClr val="FF0000"/>
+                </a:solidFill>
+                <a:tailEnd type="arrow"/>
+              </a:ln>
+            </p:spPr>
+            <p:style>
+              <a:lnRef idx="1">
+                <a:schemeClr val="accent1"/>
+              </a:lnRef>
+              <a:fillRef idx="0">
+                <a:schemeClr val="accent1"/>
+              </a:fillRef>
+              <a:effectRef idx="0">
+                <a:schemeClr val="accent1"/>
+              </a:effectRef>
+              <a:fontRef idx="minor">
+                <a:schemeClr val="tx1"/>
+              </a:fontRef>
+            </p:style>
+          </p:cxnSp>
+          <p:sp>
+            <p:nvSpPr>
+              <p:cNvPr id="11" name="TextBox 11">
+                <a:extLst>
+                  <a:ext uri="{FF2B5EF4-FFF2-40B4-BE49-F238E27FC236}">
+                    <a16:creationId xmlns:a16="http://schemas.microsoft.com/office/drawing/2014/main" id="{25EEDEF6-7FF5-4BDA-B5A3-1F61061D25CE}"/>
+                  </a:ext>
+                </a:extLst>
+              </p:cNvPr>
+              <p:cNvSpPr txBox="1"/>
+              <p:nvPr/>
+            </p:nvSpPr>
+            <p:spPr>
+              <a:xfrm>
+                <a:off x="1753520" y="3937303"/>
+                <a:ext cx="3226559" cy="378830"/>
+              </a:xfrm>
+              <a:prstGeom prst="rect">
+                <a:avLst/>
+              </a:prstGeom>
+              <a:noFill/>
+            </p:spPr>
+            <p:txBody>
+              <a:bodyPr wrap="none" rtlCol="0">
+                <a:spAutoFit/>
+              </a:bodyPr>
+              <a:lstStyle/>
+              <a:p>
+                <a:r>
+                  <a:rPr lang="en-US" altLang="zh-CN" sz="1634" dirty="0"/>
+                  <a:t>Define a static member function</a:t>
+                </a:r>
+                <a:endParaRPr lang="zh-CN" altLang="en-US" sz="1634" dirty="0"/>
+              </a:p>
+            </p:txBody>
+          </p:sp>
+        </p:grpSp>
+      </p:grpSp>
+    </p:spTree>
+    <p:extLst>
+      <p:ext uri="{BB962C8B-B14F-4D97-AF65-F5344CB8AC3E}">
+        <p14:creationId xmlns:p14="http://schemas.microsoft.com/office/powerpoint/2010/main" val="4133581512"/>
+      </p:ext>
+    </p:extLst>
+  </p:cSld>
+  <p:clrMapOvr>
+    <a:masterClrMapping/>
+  </p:clrMapOvr>
+  <p:timing>
+    <p:tnLst>
+      <p:par>
+        <p:cTn id="1" dur="indefinite" restart="never" nodeType="tmRoot">
+          <p:childTnLst>
+            <p:seq concurrent="1" nextAc="seek">
+              <p:cTn id="2" dur="indefinite" nodeType="mainSeq">
+                <p:childTnLst>
+                  <p:par>
+                    <p:cTn id="3" fill="hold">
+                      <p:stCondLst>
+                        <p:cond delay="indefinite"/>
+                      </p:stCondLst>
+                      <p:childTnLst>
+                        <p:par>
+                          <p:cTn id="4" fill="hold">
+                            <p:stCondLst>
+                              <p:cond delay="0"/>
+                            </p:stCondLst>
+                            <p:childTnLst>
+                              <p:par>
+                                <p:cTn id="5" presetID="1" presetClass="entr" presetSubtype="0" fill="hold" nodeType="clickEffect">
+                                  <p:stCondLst>
+                                    <p:cond delay="0"/>
+                                  </p:stCondLst>
+                                  <p:childTnLst>
+                                    <p:set>
+                                      <p:cBhvr>
+                                        <p:cTn id="6" dur="1" fill="hold">
+                                          <p:stCondLst>
+                                            <p:cond delay="0"/>
+                                          </p:stCondLst>
+                                        </p:cTn>
+                                        <p:tgtEl>
+                                          <p:spTgt spid="4"/>
+                                        </p:tgtEl>
+                                        <p:attrNameLst>
+                                          <p:attrName>style.visibility</p:attrName>
+                                        </p:attrNameLst>
+                                      </p:cBhvr>
+                                      <p:to>
+                                        <p:strVal val="visible"/>
+                                      </p:to>
+                                    </p:set>
+                                  </p:childTnLst>
+                                </p:cTn>
+                              </p:par>
+                            </p:childTnLst>
+                          </p:cTn>
+                        </p:par>
+                      </p:childTnLst>
+                    </p:cTn>
+                  </p:par>
+                  <p:par>
+                    <p:cTn id="7" fill="hold">
+                      <p:stCondLst>
+                        <p:cond delay="indefinite"/>
+                      </p:stCondLst>
+                      <p:childTnLst>
+                        <p:par>
+                          <p:cTn id="8" fill="hold">
+                            <p:stCondLst>
+                              <p:cond delay="0"/>
+                            </p:stCondLst>
+                            <p:childTnLst>
+                              <p:par>
+                                <p:cTn id="9" presetID="1" presetClass="entr" presetSubtype="0" fill="hold" nodeType="clickEffect">
+                                  <p:stCondLst>
+                                    <p:cond delay="0"/>
+                                  </p:stCondLst>
+                                  <p:childTnLst>
+                                    <p:set>
+                                      <p:cBhvr>
+                                        <p:cTn id="10" dur="1" fill="hold">
+                                          <p:stCondLst>
+                                            <p:cond delay="0"/>
+                                          </p:stCondLst>
+                                        </p:cTn>
+                                        <p:tgtEl>
+                                          <p:spTgt spid="6"/>
+                                        </p:tgtEl>
+                                        <p:attrNameLst>
+                                          <p:attrName>style.visibility</p:attrName>
+                                        </p:attrNameLst>
+                                      </p:cBhvr>
+                                      <p:to>
+                                        <p:strVal val="visible"/>
+                                      </p:to>
+                                    </p:set>
+                                  </p:childTnLst>
+                                </p:cTn>
+                              </p:par>
+                            </p:childTnLst>
+                          </p:cTn>
+                        </p:par>
+                      </p:childTnLst>
+                    </p:cTn>
+                  </p:par>
+                </p:childTnLst>
+              </p:cTn>
+              <p:prevCondLst>
+                <p:cond evt="onPrev" delay="0">
+                  <p:tgtEl>
+                    <p:sldTgt/>
+                  </p:tgtEl>
+                </p:cond>
+              </p:prevCondLst>
+              <p:nextCondLst>
+                <p:cond evt="onNext" delay="0">
+                  <p:tgtEl>
+                    <p:sldTgt/>
+                  </p:tgtEl>
+                </p:cond>
+              </p:nextCondLst>
+            </p:seq>
+          </p:childTnLst>
+        </p:cTn>
+      </p:par>
+    </p:tnLst>
+  </p:timing>
+</p:sld>
+</file>
+
+<file path=ppt/slides/slide17.xml><?xml version="1.0" encoding="utf-8"?>
+<p:sld xmlns:a="http://schemas.openxmlformats.org/drawingml/2006/main" xmlns:r="http://schemas.openxmlformats.org/officeDocument/2006/relationships" xmlns:p="http://schemas.openxmlformats.org/presentationml/2006/main">
+  <p:cSld>
+    <p:spTree>
+      <p:nvGrpSpPr>
+        <p:cNvPr id="1" name=""/>
+        <p:cNvGrpSpPr/>
+        <p:nvPr/>
+      </p:nvGrpSpPr>
+      <p:grpSpPr>
+        <a:xfrm>
+          <a:off x="0" y="0"/>
+          <a:ext cx="0" cy="0"/>
+          <a:chOff x="0" y="0"/>
+          <a:chExt cx="0" cy="0"/>
+        </a:xfrm>
+      </p:grpSpPr>
+      <p:pic>
+        <p:nvPicPr>
+          <p:cNvPr id="5" name="图片 4">
+            <a:extLst>
+              <a:ext uri="{FF2B5EF4-FFF2-40B4-BE49-F238E27FC236}">
+                <a16:creationId xmlns:a16="http://schemas.microsoft.com/office/drawing/2014/main" id="{0330276B-50F4-4EBB-8977-27F7D5CD30D2}"/>
+              </a:ext>
+            </a:extLst>
+          </p:cNvPr>
+          <p:cNvPicPr>
+            <a:picLocks noChangeAspect="1"/>
+          </p:cNvPicPr>
+          <p:nvPr/>
+        </p:nvPicPr>
+        <p:blipFill>
+          <a:blip r:embed="rId2"/>
+          <a:stretch>
+            <a:fillRect/>
+          </a:stretch>
+        </p:blipFill>
+        <p:spPr>
+          <a:xfrm>
+            <a:off x="2524590" y="1762589"/>
+            <a:ext cx="5581650" cy="4514850"/>
+          </a:xfrm>
+          <a:prstGeom prst="rect">
+            <a:avLst/>
+          </a:prstGeom>
+        </p:spPr>
+      </p:pic>
+      <p:sp>
+        <p:nvSpPr>
+          <p:cNvPr id="6" name="文本框 5">
+            <a:extLst>
+              <a:ext uri="{FF2B5EF4-FFF2-40B4-BE49-F238E27FC236}">
+                <a16:creationId xmlns:a16="http://schemas.microsoft.com/office/drawing/2014/main" id="{AD80EA7C-62DB-435E-839B-54F2262FC6F2}"/>
+              </a:ext>
+            </a:extLst>
+          </p:cNvPr>
+          <p:cNvSpPr txBox="1"/>
+          <p:nvPr/>
+        </p:nvSpPr>
+        <p:spPr>
+          <a:xfrm>
+            <a:off x="1860943" y="675969"/>
+            <a:ext cx="7506082" cy="461665"/>
+          </a:xfrm>
+          <a:prstGeom prst="rect">
+            <a:avLst/>
+          </a:prstGeom>
+          <a:noFill/>
+        </p:spPr>
+        <p:txBody>
+          <a:bodyPr wrap="square">
+            <a:spAutoFit/>
+          </a:bodyPr>
+          <a:lstStyle/>
+          <a:p>
+            <a:r>
+              <a:rPr lang="en-US" altLang="zh-CN" sz="2400" dirty="0"/>
+              <a:t>You can use object or class to access the static members.</a:t>
+            </a:r>
+            <a:endParaRPr lang="zh-CN" altLang="en-US" sz="2400" dirty="0"/>
+          </a:p>
+        </p:txBody>
+      </p:sp>
+      <p:sp>
+        <p:nvSpPr>
+          <p:cNvPr id="7" name="矩形 6">
+            <a:extLst>
+              <a:ext uri="{FF2B5EF4-FFF2-40B4-BE49-F238E27FC236}">
+                <a16:creationId xmlns:a16="http://schemas.microsoft.com/office/drawing/2014/main" id="{68712426-C642-4833-886B-A04B94BAD36A}"/>
+              </a:ext>
+            </a:extLst>
+          </p:cNvPr>
+          <p:cNvSpPr/>
+          <p:nvPr/>
+        </p:nvSpPr>
+        <p:spPr>
+          <a:xfrm>
+            <a:off x="3367668" y="4348976"/>
+            <a:ext cx="1494264" cy="211873"/>
+          </a:xfrm>
+          <a:prstGeom prst="rect">
+            <a:avLst/>
+          </a:prstGeom>
+          <a:noFill/>
+          <a:ln w="19050">
+            <a:solidFill>
+              <a:srgbClr val="FF0000"/>
+            </a:solidFill>
+          </a:ln>
+        </p:spPr>
+        <p:style>
+          <a:lnRef idx="2">
+            <a:schemeClr val="accent1">
+              <a:shade val="50000"/>
+            </a:schemeClr>
+          </a:lnRef>
+          <a:fillRef idx="1">
+            <a:schemeClr val="accent1"/>
+          </a:fillRef>
+          <a:effectRef idx="0">
+            <a:schemeClr val="accent1"/>
+          </a:effectRef>
+          <a:fontRef idx="minor">
+            <a:schemeClr val="lt1"/>
+          </a:fontRef>
+        </p:style>
+        <p:txBody>
+          <a:bodyPr rtlCol="0" anchor="ctr"/>
+          <a:lstStyle/>
+          <a:p>
+            <a:pPr algn="ctr"/>
+            <a:endParaRPr lang="zh-CN" altLang="en-US"/>
+          </a:p>
+        </p:txBody>
+      </p:sp>
+      <p:sp>
+        <p:nvSpPr>
+          <p:cNvPr id="8" name="矩形 7">
+            <a:extLst>
+              <a:ext uri="{FF2B5EF4-FFF2-40B4-BE49-F238E27FC236}">
+                <a16:creationId xmlns:a16="http://schemas.microsoft.com/office/drawing/2014/main" id="{35958525-A9DE-4AD0-BC42-2D8EE57269C1}"/>
+              </a:ext>
+            </a:extLst>
+          </p:cNvPr>
+          <p:cNvSpPr/>
+          <p:nvPr/>
+        </p:nvSpPr>
+        <p:spPr>
+          <a:xfrm>
+            <a:off x="3564671" y="5192747"/>
+            <a:ext cx="2211659" cy="211873"/>
+          </a:xfrm>
+          <a:prstGeom prst="rect">
+            <a:avLst/>
+          </a:prstGeom>
+          <a:noFill/>
+          <a:ln w="19050">
+            <a:solidFill>
+              <a:srgbClr val="FF0000"/>
+            </a:solidFill>
+          </a:ln>
+        </p:spPr>
+        <p:style>
+          <a:lnRef idx="2">
+            <a:schemeClr val="accent1">
+              <a:shade val="50000"/>
+            </a:schemeClr>
+          </a:lnRef>
+          <a:fillRef idx="1">
+            <a:schemeClr val="accent1"/>
+          </a:fillRef>
+          <a:effectRef idx="0">
+            <a:schemeClr val="accent1"/>
+          </a:effectRef>
+          <a:fontRef idx="minor">
+            <a:schemeClr val="lt1"/>
+          </a:fontRef>
+        </p:style>
+        <p:txBody>
+          <a:bodyPr rtlCol="0" anchor="ctr"/>
+          <a:lstStyle/>
+          <a:p>
+            <a:pPr algn="ctr"/>
+            <a:endParaRPr lang="zh-CN" altLang="en-US"/>
+          </a:p>
+        </p:txBody>
+      </p:sp>
+    </p:spTree>
+    <p:extLst>
+      <p:ext uri="{BB962C8B-B14F-4D97-AF65-F5344CB8AC3E}">
+        <p14:creationId xmlns:p14="http://schemas.microsoft.com/office/powerpoint/2010/main" val="4087211702"/>
+      </p:ext>
+    </p:extLst>
+  </p:cSld>
+  <p:clrMapOvr>
+    <a:masterClrMapping/>
+  </p:clrMapOvr>
+  <p:timing>
+    <p:tnLst>
+      <p:par>
+        <p:cTn id="1" dur="indefinite" restart="never" nodeType="tmRoot">
+          <p:childTnLst>
+            <p:seq concurrent="1" nextAc="seek">
+              <p:cTn id="2" dur="indefinite" nodeType="mainSeq">
+                <p:childTnLst>
+                  <p:par>
+                    <p:cTn id="3" fill="hold">
+                      <p:stCondLst>
+                        <p:cond delay="indefinite"/>
+                      </p:stCondLst>
+                      <p:childTnLst>
+                        <p:par>
+                          <p:cTn id="4" fill="hold">
+                            <p:stCondLst>
+                              <p:cond delay="0"/>
+                            </p:stCondLst>
+                            <p:childTnLst>
+                              <p:par>
+                                <p:cTn id="5" presetID="1" presetClass="entr" presetSubtype="0" fill="hold" nodeType="clickEffect">
+                                  <p:stCondLst>
+                                    <p:cond delay="0"/>
+                                  </p:stCondLst>
+                                  <p:childTnLst>
+                                    <p:set>
+                                      <p:cBhvr>
+                                        <p:cTn id="6" dur="1" fill="hold">
+                                          <p:stCondLst>
+                                            <p:cond delay="0"/>
+                                          </p:stCondLst>
+                                        </p:cTn>
+                                        <p:tgtEl>
+                                          <p:spTgt spid="5"/>
+                                        </p:tgtEl>
+                                        <p:attrNameLst>
+                                          <p:attrName>style.visibility</p:attrName>
+                                        </p:attrNameLst>
+                                      </p:cBhvr>
+                                      <p:to>
+                                        <p:strVal val="visible"/>
+                                      </p:to>
+                                    </p:set>
+                                  </p:childTnLst>
+                                </p:cTn>
+                              </p:par>
+                            </p:childTnLst>
+                          </p:cTn>
+                        </p:par>
+                      </p:childTnLst>
+                    </p:cTn>
+                  </p:par>
+                  <p:par>
+                    <p:cTn id="7" fill="hold">
+                      <p:stCondLst>
+                        <p:cond delay="indefinite"/>
+                      </p:stCondLst>
+                      <p:childTnLst>
+                        <p:par>
+                          <p:cTn id="8" fill="hold">
+                            <p:stCondLst>
+                              <p:cond delay="0"/>
+                            </p:stCondLst>
+                            <p:childTnLst>
+                              <p:par>
+                                <p:cTn id="9" presetID="1" presetClass="entr" presetSubtype="0" fill="hold" grpId="0" nodeType="clickEffect">
+                                  <p:stCondLst>
+                                    <p:cond delay="0"/>
+                                  </p:stCondLst>
+                                  <p:childTnLst>
+                                    <p:set>
+                                      <p:cBhvr>
+                                        <p:cTn id="10" dur="1" fill="hold">
+                                          <p:stCondLst>
+                                            <p:cond delay="0"/>
+                                          </p:stCondLst>
+                                        </p:cTn>
+                                        <p:tgtEl>
+                                          <p:spTgt spid="7"/>
+                                        </p:tgtEl>
+                                        <p:attrNameLst>
+                                          <p:attrName>style.visibility</p:attrName>
+                                        </p:attrNameLst>
+                                      </p:cBhvr>
+                                      <p:to>
+                                        <p:strVal val="visible"/>
+                                      </p:to>
+                                    </p:set>
+                                  </p:childTnLst>
+                                </p:cTn>
+                              </p:par>
+                            </p:childTnLst>
+                          </p:cTn>
+                        </p:par>
+                      </p:childTnLst>
+                    </p:cTn>
+                  </p:par>
+                  <p:par>
+                    <p:cTn id="11" fill="hold">
+                      <p:stCondLst>
+                        <p:cond delay="indefinite"/>
+                      </p:stCondLst>
+                      <p:childTnLst>
+                        <p:par>
+                          <p:cTn id="12" fill="hold">
+                            <p:stCondLst>
+                              <p:cond delay="0"/>
+                            </p:stCondLst>
+                            <p:childTnLst>
+                              <p:par>
+                                <p:cTn id="13" presetID="1" presetClass="entr" presetSubtype="0" fill="hold" grpId="0" nodeType="clickEffect">
+                                  <p:stCondLst>
+                                    <p:cond delay="0"/>
+                                  </p:stCondLst>
+                                  <p:childTnLst>
+                                    <p:set>
+                                      <p:cBhvr>
+                                        <p:cTn id="14" dur="1" fill="hold">
+                                          <p:stCondLst>
+                                            <p:cond delay="0"/>
+                                          </p:stCondLst>
+                                        </p:cTn>
+                                        <p:tgtEl>
+                                          <p:spTgt spid="8"/>
+                                        </p:tgtEl>
+                                        <p:attrNameLst>
+                                          <p:attrName>style.visibility</p:attrName>
+                                        </p:attrNameLst>
+                                      </p:cBhvr>
+                                      <p:to>
+                                        <p:strVal val="visible"/>
+                                      </p:to>
+                                    </p:set>
+                                  </p:childTnLst>
+                                </p:cTn>
+                              </p:par>
+                            </p:childTnLst>
+                          </p:cTn>
+                        </p:par>
+                      </p:childTnLst>
+                    </p:cTn>
+                  </p:par>
+                </p:childTnLst>
+              </p:cTn>
+              <p:prevCondLst>
+                <p:cond evt="onPrev" delay="0">
+                  <p:tgtEl>
+                    <p:sldTgt/>
+                  </p:tgtEl>
+                </p:cond>
+              </p:prevCondLst>
+              <p:nextCondLst>
+                <p:cond evt="onNext" delay="0">
+                  <p:tgtEl>
+                    <p:sldTgt/>
+                  </p:tgtEl>
+                </p:cond>
+              </p:nextCondLst>
+            </p:seq>
+          </p:childTnLst>
+        </p:cTn>
+      </p:par>
+    </p:tnLst>
+    <p:bldLst>
+      <p:bldP spid="7" grpId="0" animBg="1"/>
+      <p:bldP spid="8" grpId="0" animBg="1"/>
+    </p:bldLst>
+  </p:timing>
+</p:sld>
+</file>
+
+<file path=ppt/slides/slide18.xml><?xml version="1.0" encoding="utf-8"?>
+<p:sld xmlns:a="http://schemas.openxmlformats.org/drawingml/2006/main" xmlns:r="http://schemas.openxmlformats.org/officeDocument/2006/relationships" xmlns:p="http://schemas.openxmlformats.org/presentationml/2006/main">
+  <p:cSld>
+    <p:spTree>
+      <p:nvGrpSpPr>
+        <p:cNvPr id="1" name=""/>
+        <p:cNvGrpSpPr/>
+        <p:nvPr/>
+      </p:nvGrpSpPr>
+      <p:grpSpPr>
+        <a:xfrm>
+          <a:off x="0" y="0"/>
+          <a:ext cx="0" cy="0"/>
+          <a:chOff x="0" y="0"/>
+          <a:chExt cx="0" cy="0"/>
+        </a:xfrm>
+      </p:grpSpPr>
+      <p:sp>
+        <p:nvSpPr>
+          <p:cNvPr id="2" name="标题 1"/>
+          <p:cNvSpPr>
+            <a:spLocks noGrp="1"/>
+          </p:cNvSpPr>
+          <p:nvPr>
+            <p:ph type="title"/>
+          </p:nvPr>
+        </p:nvSpPr>
+        <p:spPr/>
+        <p:txBody>
           <a:bodyPr/>
           <a:lstStyle/>
           <a:p>
@@ -7237,7 +8800,19 @@
           <a:p>
             <a:r>
               <a:rPr lang="en-US" altLang="zh-CN" dirty="0"/>
-              <a:t>Within a member function, the this pointer addresses the class object that invokes the member function. In our example, </a:t>
+              <a:t>Within a member function, the </a:t>
+            </a:r>
+            <a:r>
+              <a:rPr lang="en-US" altLang="zh-CN" b="1" i="1" dirty="0">
+                <a:solidFill>
+                  <a:srgbClr val="00B0F0"/>
+                </a:solidFill>
+              </a:rPr>
+              <a:t>this </a:t>
+            </a:r>
+            <a:r>
+              <a:rPr lang="en-US" altLang="zh-CN" dirty="0"/>
+              <a:t>pointer addresses the class object that invokes the member function. In our example, </a:t>
             </a:r>
             <a:r>
               <a:rPr lang="en-US" altLang="zh-CN" b="1" dirty="0"/>
@@ -7281,7 +8856,19 @@
           <a:p>
             <a:r>
               <a:rPr lang="en-US" altLang="zh-CN" dirty="0"/>
-              <a:t>Inside a class member function, the this pointer provides access to the class object through which the member function is invoked. To return </a:t>
+              <a:t>Inside a class member function, the </a:t>
+            </a:r>
+            <a:r>
+              <a:rPr lang="en-US" altLang="zh-CN" b="1" i="1" dirty="0">
+                <a:solidFill>
+                  <a:srgbClr val="00B0F0"/>
+                </a:solidFill>
+              </a:rPr>
+              <a:t>this </a:t>
+            </a:r>
+            <a:r>
+              <a:rPr lang="en-US" altLang="zh-CN" dirty="0"/>
+              <a:t>pointer provides access to the class object through which the member function is invoked. To return </a:t>
             </a:r>
             <a:r>
               <a:rPr lang="en-US" altLang="zh-CN" b="1" dirty="0"/>
@@ -7431,6 +9018,58 @@
           <a:ln w="19050">
             <a:solidFill>
               <a:srgbClr val="FF0000"/>
+            </a:solidFill>
+          </a:ln>
+        </p:spPr>
+        <p:style>
+          <a:lnRef idx="2">
+            <a:schemeClr val="accent1">
+              <a:shade val="50000"/>
+            </a:schemeClr>
+          </a:lnRef>
+          <a:fillRef idx="1">
+            <a:schemeClr val="accent1"/>
+          </a:fillRef>
+          <a:effectRef idx="0">
+            <a:schemeClr val="accent1"/>
+          </a:effectRef>
+          <a:fontRef idx="minor">
+            <a:schemeClr val="lt1"/>
+          </a:fontRef>
+        </p:style>
+        <p:txBody>
+          <a:bodyPr rtlCol="0" anchor="ctr"/>
+          <a:lstStyle/>
+          <a:p>
+            <a:pPr algn="ctr"/>
+            <a:endParaRPr lang="zh-CN" altLang="en-US"/>
+          </a:p>
+        </p:txBody>
+      </p:sp>
+      <p:sp>
+        <p:nvSpPr>
+          <p:cNvPr id="12" name="椭圆 11">
+            <a:extLst>
+              <a:ext uri="{FF2B5EF4-FFF2-40B4-BE49-F238E27FC236}">
+                <a16:creationId xmlns:a16="http://schemas.microsoft.com/office/drawing/2014/main" id="{3E9B1E68-9CEE-4428-A46C-685AFC34D962}"/>
+              </a:ext>
+            </a:extLst>
+          </p:cNvPr>
+          <p:cNvSpPr/>
+          <p:nvPr/>
+        </p:nvSpPr>
+        <p:spPr>
+          <a:xfrm>
+            <a:off x="1384727" y="6247753"/>
+            <a:ext cx="720605" cy="288032"/>
+          </a:xfrm>
+          <a:prstGeom prst="ellipse">
+            <a:avLst/>
+          </a:prstGeom>
+          <a:noFill/>
+          <a:ln w="19050">
+            <a:solidFill>
+              <a:srgbClr val="00B050"/>
             </a:solidFill>
           </a:ln>
         </p:spPr>
@@ -7673,6 +9312,33 @@
                                   </p:childTnLst>
                                 </p:cTn>
                               </p:par>
+                              <p:par>
+                                <p:cTn id="21" presetID="1" presetClass="entr" presetSubtype="0" fill="hold" grpId="0" nodeType="withEffect">
+                                  <p:stCondLst>
+                                    <p:cond delay="0"/>
+                                  </p:stCondLst>
+                                  <p:childTnLst>
+                                    <p:set>
+                                      <p:cBhvr>
+                                        <p:cTn id="22" dur="1" fill="hold">
+                                          <p:stCondLst>
+                                            <p:cond delay="0"/>
+                                          </p:stCondLst>
+                                        </p:cTn>
+                                        <p:tgtEl>
+                                          <p:spTgt spid="12"/>
+                                        </p:tgtEl>
+                                        <p:attrNameLst>
+                                          <p:attrName>style.visibility</p:attrName>
+                                        </p:attrNameLst>
+                                      </p:cBhvr>
+                                      <p:to>
+                                        <p:strVal val="visible"/>
+                                      </p:to>
+                                    </p:set>
+                                  </p:childTnLst>
+                                </p:cTn>
+                              </p:par>
                             </p:childTnLst>
                           </p:cTn>
                         </p:par>
@@ -7680,26 +9346,26 @@
                     </p:cTn>
                   </p:par>
                   <p:par>
-                    <p:cTn id="21" fill="hold">
+                    <p:cTn id="23" fill="hold">
                       <p:stCondLst>
                         <p:cond delay="indefinite"/>
                       </p:stCondLst>
                       <p:childTnLst>
                         <p:par>
-                          <p:cTn id="22" fill="hold">
+                          <p:cTn id="24" fill="hold">
                             <p:stCondLst>
                               <p:cond delay="0"/>
                             </p:stCondLst>
                             <p:childTnLst>
                               <p:par>
-                                <p:cTn id="23" presetID="1" presetClass="entr" presetSubtype="0" fill="hold" grpId="0" nodeType="clickEffect">
+                                <p:cTn id="25" presetID="1" presetClass="entr" presetSubtype="0" fill="hold" grpId="0" nodeType="clickEffect">
                                   <p:stCondLst>
                                     <p:cond delay="0"/>
                                   </p:stCondLst>
                                   <p:childTnLst>
                                     <p:set>
                                       <p:cBhvr>
-                                        <p:cTn id="24" dur="1" fill="hold">
+                                        <p:cTn id="26" dur="1" fill="hold">
                                           <p:stCondLst>
                                             <p:cond delay="0"/>
                                           </p:stCondLst>
@@ -7725,26 +9391,26 @@
                     </p:cTn>
                   </p:par>
                   <p:par>
-                    <p:cTn id="25" fill="hold">
+                    <p:cTn id="27" fill="hold">
                       <p:stCondLst>
                         <p:cond delay="indefinite"/>
                       </p:stCondLst>
                       <p:childTnLst>
                         <p:par>
-                          <p:cTn id="26" fill="hold">
+                          <p:cTn id="28" fill="hold">
                             <p:stCondLst>
                               <p:cond delay="0"/>
                             </p:stCondLst>
                             <p:childTnLst>
                               <p:par>
-                                <p:cTn id="27" presetID="1" presetClass="entr" presetSubtype="0" fill="hold" grpId="0" nodeType="clickEffect">
+                                <p:cTn id="29" presetID="1" presetClass="entr" presetSubtype="0" fill="hold" grpId="0" nodeType="clickEffect">
                                   <p:stCondLst>
                                     <p:cond delay="0"/>
                                   </p:stCondLst>
                                   <p:childTnLst>
                                     <p:set>
                                       <p:cBhvr>
-                                        <p:cTn id="28" dur="1" fill="hold">
+                                        <p:cTn id="30" dur="1" fill="hold">
                                           <p:stCondLst>
                                             <p:cond delay="0"/>
                                           </p:stCondLst>
@@ -7796,12 +9462,13 @@
       <p:bldP spid="14" grpId="0" animBg="1"/>
       <p:bldP spid="15" grpId="0" animBg="1"/>
       <p:bldP spid="16" grpId="0" animBg="1"/>
+      <p:bldP spid="12" grpId="0" animBg="1"/>
     </p:bldLst>
   </p:timing>
 </p:sld>
 </file>
 
-<file path=ppt/slides/slide16.xml><?xml version="1.0" encoding="utf-8"?>
+<file path=ppt/slides/slide19.xml><?xml version="1.0" encoding="utf-8"?>
 <p:sld xmlns:a="http://schemas.openxmlformats.org/drawingml/2006/main" xmlns:r="http://schemas.openxmlformats.org/officeDocument/2006/relationships" xmlns:p="http://schemas.openxmlformats.org/presentationml/2006/main">
   <p:cSld>
     <p:spTree>
@@ -7920,172 +9587,6 @@
         </p:txBody>
       </p:sp>
     </p:spTree>
-  </p:cSld>
-  <p:clrMapOvr>
-    <a:masterClrMapping/>
-  </p:clrMapOvr>
-</p:sld>
-</file>
-
-<file path=ppt/slides/slide17.xml><?xml version="1.0" encoding="utf-8"?>
-<p:sld xmlns:a="http://schemas.openxmlformats.org/drawingml/2006/main" xmlns:r="http://schemas.openxmlformats.org/officeDocument/2006/relationships" xmlns:p="http://schemas.openxmlformats.org/presentationml/2006/main">
-  <p:cSld>
-    <p:spTree>
-      <p:nvGrpSpPr>
-        <p:cNvPr id="1" name=""/>
-        <p:cNvGrpSpPr/>
-        <p:nvPr/>
-      </p:nvGrpSpPr>
-      <p:grpSpPr>
-        <a:xfrm>
-          <a:off x="0" y="0"/>
-          <a:ext cx="0" cy="0"/>
-          <a:chOff x="0" y="0"/>
-          <a:chExt cx="0" cy="0"/>
-        </a:xfrm>
-      </p:grpSpPr>
-      <p:sp>
-        <p:nvSpPr>
-          <p:cNvPr id="2" name="标题 1"/>
-          <p:cNvSpPr>
-            <a:spLocks noGrp="1"/>
-          </p:cNvSpPr>
-          <p:nvPr>
-            <p:ph type="title"/>
-          </p:nvPr>
-        </p:nvSpPr>
-        <p:spPr/>
-        <p:txBody>
-          <a:bodyPr/>
-          <a:lstStyle/>
-          <a:p>
-            <a:r>
-              <a:rPr lang="en-US" altLang="zh-CN"/>
-              <a:t>Exercise:</a:t>
-            </a:r>
-          </a:p>
-        </p:txBody>
-      </p:sp>
-      <p:sp>
-        <p:nvSpPr>
-          <p:cNvPr id="3" name="内容占位符 2"/>
-          <p:cNvSpPr>
-            <a:spLocks noGrp="1"/>
-          </p:cNvSpPr>
-          <p:nvPr>
-            <p:ph idx="1"/>
-          </p:nvPr>
-        </p:nvSpPr>
-        <p:spPr>
-          <a:xfrm>
-            <a:off x="197225" y="1326995"/>
-            <a:ext cx="11694854" cy="4849968"/>
-          </a:xfrm>
-        </p:spPr>
-        <p:txBody>
-          <a:bodyPr/>
-          <a:lstStyle/>
-          <a:p>
-            <a:r>
-              <a:rPr lang="en-US" altLang="zh-CN" dirty="0"/>
-              <a:t>a) add—Adds two Complex numbers: The real parts are added together and the imaginary parts are added together. </a:t>
-            </a:r>
-          </a:p>
-          <a:p>
-            <a:r>
-              <a:rPr lang="en-US" altLang="zh-CN" dirty="0"/>
-              <a:t>b) subtract—Subtracts two Complex numbers: The real part of the right operand is subtracted from the real part of the left operand, and the imaginary part of the right operand is subtracted from the imaginary part of the left operand. </a:t>
-            </a:r>
-          </a:p>
-          <a:p>
-            <a:r>
-              <a:rPr lang="en-US" altLang="zh-CN" dirty="0"/>
-              <a:t>c) display—Displays a Complex number in the form of </a:t>
-            </a:r>
-            <a:r>
-              <a:rPr lang="en-US" altLang="zh-CN" b="1" dirty="0"/>
-              <a:t>a + bi </a:t>
-            </a:r>
-            <a:r>
-              <a:rPr lang="en-US" altLang="zh-CN" dirty="0"/>
-              <a:t>or </a:t>
-            </a:r>
-            <a:r>
-              <a:rPr lang="en-US" altLang="zh-CN" b="1" dirty="0"/>
-              <a:t>a - bi</a:t>
-            </a:r>
-            <a:r>
-              <a:rPr lang="en-US" altLang="zh-CN" dirty="0"/>
-              <a:t>, where </a:t>
-            </a:r>
-            <a:r>
-              <a:rPr lang="en-US" altLang="zh-CN" b="1" dirty="0"/>
-              <a:t>a</a:t>
-            </a:r>
-            <a:r>
-              <a:rPr lang="en-US" altLang="zh-CN" dirty="0"/>
-              <a:t> is the real part and </a:t>
-            </a:r>
-            <a:r>
-              <a:rPr lang="en-US" altLang="zh-CN" b="1" dirty="0"/>
-              <a:t>b</a:t>
-            </a:r>
-            <a:r>
-              <a:rPr lang="en-US" altLang="zh-CN" dirty="0"/>
-              <a:t> is the imaginary part.</a:t>
-            </a:r>
-            <a:endParaRPr lang="zh-CN" altLang="en-US" dirty="0"/>
-          </a:p>
-        </p:txBody>
-      </p:sp>
-      <p:sp>
-        <p:nvSpPr>
-          <p:cNvPr id="4" name="文本框 3">
-            <a:extLst>
-              <a:ext uri="{FF2B5EF4-FFF2-40B4-BE49-F238E27FC236}">
-                <a16:creationId xmlns:a16="http://schemas.microsoft.com/office/drawing/2014/main" id="{DD011873-CBD5-4C41-9A95-DBD49472B870}"/>
-              </a:ext>
-            </a:extLst>
-          </p:cNvPr>
-          <p:cNvSpPr txBox="1"/>
-          <p:nvPr/>
-        </p:nvSpPr>
-        <p:spPr>
-          <a:xfrm>
-            <a:off x="573741" y="5115506"/>
-            <a:ext cx="9857891" cy="830997"/>
-          </a:xfrm>
-          <a:prstGeom prst="rect">
-            <a:avLst/>
-          </a:prstGeom>
-          <a:noFill/>
-        </p:spPr>
-        <p:txBody>
-          <a:bodyPr wrap="none" rtlCol="0">
-            <a:spAutoFit/>
-          </a:bodyPr>
-          <a:lstStyle/>
-          <a:p>
-            <a:r>
-              <a:rPr lang="en-US" altLang="zh-CN" sz="2400" dirty="0"/>
-              <a:t>Tip: If a member function does not modify the member variables, define it as </a:t>
-            </a:r>
-          </a:p>
-          <a:p>
-            <a:r>
-              <a:rPr lang="en-US" altLang="zh-CN" sz="2400" dirty="0"/>
-              <a:t>const member function.</a:t>
-            </a:r>
-            <a:endParaRPr lang="zh-CN" altLang="en-US" sz="2400" dirty="0"/>
-          </a:p>
-        </p:txBody>
-      </p:sp>
-    </p:spTree>
-    <p:extLst>
-      <p:ext uri="{BB962C8B-B14F-4D97-AF65-F5344CB8AC3E}">
-        <p14:creationId xmlns:p14="http://schemas.microsoft.com/office/powerpoint/2010/main" val="791053166"/>
-      </p:ext>
-    </p:extLst>
   </p:cSld>
   <p:clrMapOvr>
     <a:masterClrMapping/>
@@ -8197,6 +9698,18 @@
               <a:buChar char="•"/>
             </a:pPr>
             <a:r>
+              <a:rPr lang="en-US" altLang="zh-CN" dirty="0">
+                <a:sym typeface="+mn-ea"/>
+              </a:rPr>
+              <a:t>Static member variables and static member functions</a:t>
+            </a:r>
+          </a:p>
+          <a:p>
+            <a:pPr marL="285750" indent="-285750">
+              <a:buFont typeface="Arial" panose="020B0604020202020204" pitchFamily="34" charset="0"/>
+              <a:buChar char="•"/>
+            </a:pPr>
+            <a:r>
               <a:rPr lang="en-US" altLang="zh-CN" b="1" dirty="0">
                 <a:sym typeface="+mn-ea"/>
               </a:rPr>
@@ -8220,6 +9733,172 @@
         </p:txBody>
       </p:sp>
     </p:spTree>
+  </p:cSld>
+  <p:clrMapOvr>
+    <a:masterClrMapping/>
+  </p:clrMapOvr>
+</p:sld>
+</file>
+
+<file path=ppt/slides/slide20.xml><?xml version="1.0" encoding="utf-8"?>
+<p:sld xmlns:a="http://schemas.openxmlformats.org/drawingml/2006/main" xmlns:r="http://schemas.openxmlformats.org/officeDocument/2006/relationships" xmlns:p="http://schemas.openxmlformats.org/presentationml/2006/main">
+  <p:cSld>
+    <p:spTree>
+      <p:nvGrpSpPr>
+        <p:cNvPr id="1" name=""/>
+        <p:cNvGrpSpPr/>
+        <p:nvPr/>
+      </p:nvGrpSpPr>
+      <p:grpSpPr>
+        <a:xfrm>
+          <a:off x="0" y="0"/>
+          <a:ext cx="0" cy="0"/>
+          <a:chOff x="0" y="0"/>
+          <a:chExt cx="0" cy="0"/>
+        </a:xfrm>
+      </p:grpSpPr>
+      <p:sp>
+        <p:nvSpPr>
+          <p:cNvPr id="2" name="标题 1"/>
+          <p:cNvSpPr>
+            <a:spLocks noGrp="1"/>
+          </p:cNvSpPr>
+          <p:nvPr>
+            <p:ph type="title"/>
+          </p:nvPr>
+        </p:nvSpPr>
+        <p:spPr/>
+        <p:txBody>
+          <a:bodyPr/>
+          <a:lstStyle/>
+          <a:p>
+            <a:r>
+              <a:rPr lang="en-US" altLang="zh-CN"/>
+              <a:t>Exercise:</a:t>
+            </a:r>
+          </a:p>
+        </p:txBody>
+      </p:sp>
+      <p:sp>
+        <p:nvSpPr>
+          <p:cNvPr id="3" name="内容占位符 2"/>
+          <p:cNvSpPr>
+            <a:spLocks noGrp="1"/>
+          </p:cNvSpPr>
+          <p:nvPr>
+            <p:ph idx="1"/>
+          </p:nvPr>
+        </p:nvSpPr>
+        <p:spPr>
+          <a:xfrm>
+            <a:off x="197225" y="1326995"/>
+            <a:ext cx="11694854" cy="4849968"/>
+          </a:xfrm>
+        </p:spPr>
+        <p:txBody>
+          <a:bodyPr/>
+          <a:lstStyle/>
+          <a:p>
+            <a:r>
+              <a:rPr lang="en-US" altLang="zh-CN" dirty="0"/>
+              <a:t>a) add—Adds two Complex numbers: The real parts are added together and the imaginary parts are added together. </a:t>
+            </a:r>
+          </a:p>
+          <a:p>
+            <a:r>
+              <a:rPr lang="en-US" altLang="zh-CN" dirty="0"/>
+              <a:t>b) subtract—Subtracts two Complex numbers: The real part of the right operand is subtracted from the real part of the left operand, and the imaginary part of the right operand is subtracted from the imaginary part of the left operand. </a:t>
+            </a:r>
+          </a:p>
+          <a:p>
+            <a:r>
+              <a:rPr lang="en-US" altLang="zh-CN" dirty="0"/>
+              <a:t>c) display—Displays a Complex number in the form of </a:t>
+            </a:r>
+            <a:r>
+              <a:rPr lang="en-US" altLang="zh-CN" b="1" dirty="0"/>
+              <a:t>a + bi </a:t>
+            </a:r>
+            <a:r>
+              <a:rPr lang="en-US" altLang="zh-CN" dirty="0"/>
+              <a:t>or </a:t>
+            </a:r>
+            <a:r>
+              <a:rPr lang="en-US" altLang="zh-CN" b="1" dirty="0"/>
+              <a:t>a - bi</a:t>
+            </a:r>
+            <a:r>
+              <a:rPr lang="en-US" altLang="zh-CN" dirty="0"/>
+              <a:t>, where </a:t>
+            </a:r>
+            <a:r>
+              <a:rPr lang="en-US" altLang="zh-CN" b="1" dirty="0"/>
+              <a:t>a</a:t>
+            </a:r>
+            <a:r>
+              <a:rPr lang="en-US" altLang="zh-CN" dirty="0"/>
+              <a:t> is the real part and </a:t>
+            </a:r>
+            <a:r>
+              <a:rPr lang="en-US" altLang="zh-CN" b="1" dirty="0"/>
+              <a:t>b</a:t>
+            </a:r>
+            <a:r>
+              <a:rPr lang="en-US" altLang="zh-CN" dirty="0"/>
+              <a:t> is the imaginary part.</a:t>
+            </a:r>
+            <a:endParaRPr lang="zh-CN" altLang="en-US" dirty="0"/>
+          </a:p>
+        </p:txBody>
+      </p:sp>
+      <p:sp>
+        <p:nvSpPr>
+          <p:cNvPr id="4" name="文本框 3">
+            <a:extLst>
+              <a:ext uri="{FF2B5EF4-FFF2-40B4-BE49-F238E27FC236}">
+                <a16:creationId xmlns:a16="http://schemas.microsoft.com/office/drawing/2014/main" id="{DD011873-CBD5-4C41-9A95-DBD49472B870}"/>
+              </a:ext>
+            </a:extLst>
+          </p:cNvPr>
+          <p:cNvSpPr txBox="1"/>
+          <p:nvPr/>
+        </p:nvSpPr>
+        <p:spPr>
+          <a:xfrm>
+            <a:off x="573741" y="5115506"/>
+            <a:ext cx="9857891" cy="830997"/>
+          </a:xfrm>
+          <a:prstGeom prst="rect">
+            <a:avLst/>
+          </a:prstGeom>
+          <a:noFill/>
+        </p:spPr>
+        <p:txBody>
+          <a:bodyPr wrap="none" rtlCol="0">
+            <a:spAutoFit/>
+          </a:bodyPr>
+          <a:lstStyle/>
+          <a:p>
+            <a:r>
+              <a:rPr lang="en-US" altLang="zh-CN" sz="2400" dirty="0"/>
+              <a:t>Tip: If a member function does not modify the member variables, define it as </a:t>
+            </a:r>
+          </a:p>
+          <a:p>
+            <a:r>
+              <a:rPr lang="en-US" altLang="zh-CN" sz="2400" dirty="0"/>
+              <a:t>const member function.</a:t>
+            </a:r>
+            <a:endParaRPr lang="zh-CN" altLang="en-US" sz="2400" dirty="0"/>
+          </a:p>
+        </p:txBody>
+      </p:sp>
+    </p:spTree>
+    <p:extLst>
+      <p:ext uri="{BB962C8B-B14F-4D97-AF65-F5344CB8AC3E}">
+        <p14:creationId xmlns:p14="http://schemas.microsoft.com/office/powerpoint/2010/main" val="791053166"/>
+      </p:ext>
+    </p:extLst>
   </p:cSld>
   <p:clrMapOvr>
     <a:masterClrMapping/>

--- a/week09/Lab09.pptx
+++ b/week09/Lab09.pptx
@@ -216,7 +216,7 @@
           <a:p>
             <a:fld id="{D1237EF7-A117-46B7-88A8-1B7FB98FF0F2}" type="datetimeFigureOut">
               <a:rPr lang="zh-CN" altLang="en-US" smtClean="0"/>
-              <a:t>2021/11/8</a:t>
+              <a:t>2022/11/10</a:t>
             </a:fld>
             <a:endParaRPr lang="zh-CN" altLang="en-US"/>
           </a:p>
@@ -993,7 +993,7 @@
           <a:p>
             <a:fld id="{FC19A4FA-3D9A-4114-B0D5-759CBD56F1AB}" type="datetimeFigureOut">
               <a:rPr lang="zh-CN" altLang="en-US" smtClean="0"/>
-              <a:t>2021/11/8</a:t>
+              <a:t>2022/11/10</a:t>
             </a:fld>
             <a:endParaRPr lang="zh-CN" altLang="en-US"/>
           </a:p>
@@ -1187,7 +1187,7 @@
           <a:p>
             <a:fld id="{FC19A4FA-3D9A-4114-B0D5-759CBD56F1AB}" type="datetimeFigureOut">
               <a:rPr lang="zh-CN" altLang="en-US" smtClean="0"/>
-              <a:t>2021/11/8</a:t>
+              <a:t>2022/11/10</a:t>
             </a:fld>
             <a:endParaRPr lang="zh-CN" altLang="en-US"/>
           </a:p>
@@ -1360,7 +1360,7 @@
           <a:p>
             <a:fld id="{FC19A4FA-3D9A-4114-B0D5-759CBD56F1AB}" type="datetimeFigureOut">
               <a:rPr lang="zh-CN" altLang="en-US" smtClean="0"/>
-              <a:t>2021/11/8</a:t>
+              <a:t>2022/11/10</a:t>
             </a:fld>
             <a:endParaRPr lang="zh-CN" altLang="en-US"/>
           </a:p>
@@ -1544,7 +1544,7 @@
           <a:p>
             <a:fld id="{FC19A4FA-3D9A-4114-B0D5-759CBD56F1AB}" type="datetimeFigureOut">
               <a:rPr lang="zh-CN" altLang="en-US" smtClean="0"/>
-              <a:t>2021/11/8</a:t>
+              <a:t>2022/11/10</a:t>
             </a:fld>
             <a:endParaRPr lang="zh-CN" altLang="en-US"/>
           </a:p>
@@ -1801,7 +1801,7 @@
           <a:p>
             <a:fld id="{FC19A4FA-3D9A-4114-B0D5-759CBD56F1AB}" type="datetimeFigureOut">
               <a:rPr lang="zh-CN" altLang="en-US" smtClean="0"/>
-              <a:t>2021/11/8</a:t>
+              <a:t>2022/11/10</a:t>
             </a:fld>
             <a:endParaRPr lang="zh-CN" altLang="en-US"/>
           </a:p>
@@ -2188,7 +2188,7 @@
           <a:p>
             <a:fld id="{FC19A4FA-3D9A-4114-B0D5-759CBD56F1AB}" type="datetimeFigureOut">
               <a:rPr lang="zh-CN" altLang="en-US" smtClean="0"/>
-              <a:t>2021/11/8</a:t>
+              <a:t>2022/11/10</a:t>
             </a:fld>
             <a:endParaRPr lang="zh-CN" altLang="en-US"/>
           </a:p>
@@ -2456,7 +2456,7 @@
           <a:p>
             <a:fld id="{FC19A4FA-3D9A-4114-B0D5-759CBD56F1AB}" type="datetimeFigureOut">
               <a:rPr lang="zh-CN" altLang="en-US" smtClean="0"/>
-              <a:t>2021/11/8</a:t>
+              <a:t>2022/11/10</a:t>
             </a:fld>
             <a:endParaRPr lang="zh-CN" altLang="en-US"/>
           </a:p>
@@ -2596,7 +2596,7 @@
           <a:p>
             <a:fld id="{FC19A4FA-3D9A-4114-B0D5-759CBD56F1AB}" type="datetimeFigureOut">
               <a:rPr lang="zh-CN" altLang="en-US" smtClean="0"/>
-              <a:t>2021/11/8</a:t>
+              <a:t>2022/11/10</a:t>
             </a:fld>
             <a:endParaRPr lang="zh-CN" altLang="en-US"/>
           </a:p>
@@ -2686,7 +2686,7 @@
           <a:p>
             <a:fld id="{FC19A4FA-3D9A-4114-B0D5-759CBD56F1AB}" type="datetimeFigureOut">
               <a:rPr lang="zh-CN" altLang="en-US" smtClean="0"/>
-              <a:t>2021/11/8</a:t>
+              <a:t>2022/11/10</a:t>
             </a:fld>
             <a:endParaRPr lang="zh-CN" altLang="en-US"/>
           </a:p>
@@ -2956,7 +2956,7 @@
           <a:p>
             <a:fld id="{FC19A4FA-3D9A-4114-B0D5-759CBD56F1AB}" type="datetimeFigureOut">
               <a:rPr lang="zh-CN" altLang="en-US" smtClean="0"/>
-              <a:t>2021/11/8</a:t>
+              <a:t>2022/11/10</a:t>
             </a:fld>
             <a:endParaRPr lang="zh-CN" altLang="en-US"/>
           </a:p>
@@ -3203,7 +3203,7 @@
           <a:p>
             <a:fld id="{FC19A4FA-3D9A-4114-B0D5-759CBD56F1AB}" type="datetimeFigureOut">
               <a:rPr lang="zh-CN" altLang="en-US" smtClean="0"/>
-              <a:t>2021/11/8</a:t>
+              <a:t>2022/11/10</a:t>
             </a:fld>
             <a:endParaRPr lang="zh-CN" altLang="en-US"/>
           </a:p>
@@ -3409,7 +3409,7 @@
           <a:p>
             <a:fld id="{FC19A4FA-3D9A-4114-B0D5-759CBD56F1AB}" type="datetimeFigureOut">
               <a:rPr lang="zh-CN" altLang="en-US" smtClean="0"/>
-              <a:t>2021/11/8</a:t>
+              <a:t>2022/11/10</a:t>
             </a:fld>
             <a:endParaRPr lang="zh-CN" altLang="en-US"/>
           </a:p>
@@ -9580,7 +9580,15 @@
             </a:pPr>
             <a:r>
               <a:rPr lang="en-US" altLang="zh-CN" dirty="0"/>
-              <a:t>Use double variables to represent the private data of the class. Provide a constructor that enables an object of this class to be initialized when it’s declared. The constructor should contain default values in case no initializers are provided. Provide public member functions that perform the following tasks:</a:t>
+              <a:t>Use two member</a:t>
+            </a:r>
+            <a:r>
+              <a:rPr lang="zh-CN" altLang="en-US" dirty="0"/>
+              <a:t> </a:t>
+            </a:r>
+            <a:r>
+              <a:rPr lang="en-US" altLang="zh-CN" dirty="0"/>
+              <a:t>variables to represent the private data of the class. Provide a constructor that enables an object of this class to be initialized when it’s declared. The constructor should contain default values in case no initializers are provided. Provide public member functions that perform the following tasks:</a:t>
             </a:r>
             <a:endParaRPr lang="zh-CN" altLang="en-US" dirty="0"/>
           </a:p>
@@ -14866,10 +14874,10 @@
         </p:nvGrpSpPr>
         <p:grpSpPr>
           <a:xfrm>
-            <a:off x="985829" y="4478527"/>
-            <a:ext cx="5990543" cy="911306"/>
-            <a:chOff x="1284481" y="5097172"/>
-            <a:chExt cx="6600691" cy="1004124"/>
+            <a:off x="985828" y="4478527"/>
+            <a:ext cx="5990544" cy="911306"/>
+            <a:chOff x="1284480" y="5097172"/>
+            <a:chExt cx="6600692" cy="1004124"/>
           </a:xfrm>
         </p:grpSpPr>
         <p:sp>
@@ -14880,7 +14888,7 @@
           </p:nvSpPr>
           <p:spPr>
             <a:xfrm>
-              <a:off x="1284481" y="5097172"/>
+              <a:off x="1284480" y="5097172"/>
               <a:ext cx="2297564" cy="326414"/>
             </a:xfrm>
             <a:prstGeom prst="rect">
@@ -14928,8 +14936,8 @@
             <a:xfrm>
               <a:off x="3238251" y="5435014"/>
               <a:ext cx="4646921" cy="666282"/>
-              <a:chOff x="1149597" y="4875267"/>
-              <a:chExt cx="4646921" cy="666282"/>
+              <a:chOff x="1149596" y="4875267"/>
+              <a:chExt cx="4646917" cy="666294"/>
             </a:xfrm>
           </p:grpSpPr>
           <p:cxnSp>
@@ -14976,8 +14984,8 @@
             </p:nvSpPr>
             <p:spPr>
               <a:xfrm>
-                <a:off x="1149597" y="5162719"/>
-                <a:ext cx="4646921" cy="378830"/>
+                <a:off x="1149596" y="5162730"/>
+                <a:ext cx="4646917" cy="378831"/>
               </a:xfrm>
               <a:prstGeom prst="rect">
                 <a:avLst/>

--- a/week09/Lab09.pptx
+++ b/week09/Lab09.pptx
@@ -10,22 +10,22 @@
   <p:sldIdLst>
     <p:sldId id="256" r:id="rId2"/>
     <p:sldId id="477" r:id="rId3"/>
-    <p:sldId id="342" r:id="rId4"/>
-    <p:sldId id="1035" r:id="rId5"/>
-    <p:sldId id="1036" r:id="rId6"/>
-    <p:sldId id="416" r:id="rId7"/>
-    <p:sldId id="340" r:id="rId8"/>
-    <p:sldId id="432" r:id="rId9"/>
-    <p:sldId id="434" r:id="rId10"/>
-    <p:sldId id="417" r:id="rId11"/>
-    <p:sldId id="1037" r:id="rId12"/>
-    <p:sldId id="1070" r:id="rId13"/>
-    <p:sldId id="1068" r:id="rId14"/>
-    <p:sldId id="1071" r:id="rId15"/>
-    <p:sldId id="1073" r:id="rId16"/>
-    <p:sldId id="1075" r:id="rId17"/>
-    <p:sldId id="1074" r:id="rId18"/>
-    <p:sldId id="1039" r:id="rId19"/>
+    <p:sldId id="1036" r:id="rId4"/>
+    <p:sldId id="416" r:id="rId5"/>
+    <p:sldId id="340" r:id="rId6"/>
+    <p:sldId id="432" r:id="rId7"/>
+    <p:sldId id="434" r:id="rId8"/>
+    <p:sldId id="417" r:id="rId9"/>
+    <p:sldId id="1073" r:id="rId10"/>
+    <p:sldId id="1075" r:id="rId11"/>
+    <p:sldId id="1074" r:id="rId12"/>
+    <p:sldId id="1037" r:id="rId13"/>
+    <p:sldId id="1070" r:id="rId14"/>
+    <p:sldId id="1068" r:id="rId15"/>
+    <p:sldId id="1071" r:id="rId16"/>
+    <p:sldId id="1039" r:id="rId17"/>
+    <p:sldId id="574" r:id="rId18"/>
+    <p:sldId id="1076" r:id="rId19"/>
     <p:sldId id="1065" r:id="rId20"/>
     <p:sldId id="1072" r:id="rId21"/>
   </p:sldIdLst>
@@ -216,7 +216,7 @@
           <a:p>
             <a:fld id="{D1237EF7-A117-46B7-88A8-1B7FB98FF0F2}" type="datetimeFigureOut">
               <a:rPr lang="zh-CN" altLang="en-US" smtClean="0"/>
-              <a:t>2022/11/10</a:t>
+              <a:t>2023/4/19</a:t>
             </a:fld>
             <a:endParaRPr lang="zh-CN" altLang="en-US"/>
           </a:p>
@@ -516,6 +516,8 @@
               <a:srgbClr val="000000"/>
             </a:solidFill>
             <a:miter lim="800000"/>
+            <a:headEnd/>
+            <a:tailEnd/>
           </a:ln>
         </p:spPr>
       </p:sp>
@@ -531,10 +533,14 @@
         </p:nvSpPr>
         <p:spPr/>
         <p:txBody>
-          <a:bodyPr wrap="square" numCol="1" anchor="t" anchorCtr="0" compatLnSpc="1"/>
+          <a:bodyPr wrap="square" numCol="1" anchor="t" anchorCtr="0" compatLnSpc="1">
+            <a:prstTxWarp prst="textNoShape">
+              <a:avLst/>
+            </a:prstTxWarp>
+          </a:bodyPr>
           <a:lstStyle/>
           <a:p>
-            <a:pPr marL="542925" indent="-542925" eaLnBrk="1" hangingPunct="1">
+            <a:pPr marL="542948" indent="-542948" eaLnBrk="1" hangingPunct="1">
               <a:spcBef>
                 <a:spcPct val="0"/>
               </a:spcBef>
@@ -584,7 +590,8 @@
                   <a:prstClr val="black"/>
                 </a:solidFill>
               </a:rPr>
-              <a:t>3</a:t>
+              <a:pPr/>
+              <a:t>4</a:t>
             </a:fld>
             <a:endParaRPr lang="en-US" altLang="zh-CN">
               <a:solidFill>
@@ -715,138 +722,7 @@
                 </a:solidFill>
               </a:rPr>
               <a:pPr/>
-              <a:t>6</a:t>
-            </a:fld>
-            <a:endParaRPr lang="en-US" altLang="zh-CN">
-              <a:solidFill>
-                <a:prstClr val="black"/>
-              </a:solidFill>
-            </a:endParaRPr>
-          </a:p>
-        </p:txBody>
-      </p:sp>
-    </p:spTree>
-  </p:cSld>
-  <p:clrMapOvr>
-    <a:masterClrMapping/>
-  </p:clrMapOvr>
-</p:notes>
-</file>
-
-<file path=ppt/notesSlides/notesSlide3.xml><?xml version="1.0" encoding="utf-8"?>
-<p:notes xmlns:a="http://schemas.openxmlformats.org/drawingml/2006/main" xmlns:r="http://schemas.openxmlformats.org/officeDocument/2006/relationships" xmlns:p="http://schemas.openxmlformats.org/presentationml/2006/main">
-  <p:cSld>
-    <p:spTree>
-      <p:nvGrpSpPr>
-        <p:cNvPr id="1" name=""/>
-        <p:cNvGrpSpPr/>
-        <p:nvPr/>
-      </p:nvGrpSpPr>
-      <p:grpSpPr>
-        <a:xfrm>
-          <a:off x="0" y="0"/>
-          <a:ext cx="0" cy="0"/>
-          <a:chOff x="0" y="0"/>
-          <a:chExt cx="0" cy="0"/>
-        </a:xfrm>
-      </p:grpSpPr>
-      <p:sp>
-        <p:nvSpPr>
-          <p:cNvPr id="247810" name="Slide Image Placeholder 1"/>
-          <p:cNvSpPr>
-            <a:spLocks noGrp="1" noRot="1" noChangeAspect="1" noTextEdit="1"/>
-          </p:cNvSpPr>
-          <p:nvPr>
-            <p:ph type="sldImg"/>
-          </p:nvPr>
-        </p:nvSpPr>
-        <p:spPr bwMode="auto">
-          <a:xfrm>
-            <a:off x="381000" y="685800"/>
-            <a:ext cx="6096000" cy="3429000"/>
-          </a:xfrm>
-          <a:noFill/>
-          <a:ln>
-            <a:solidFill>
-              <a:srgbClr val="000000"/>
-            </a:solidFill>
-            <a:miter lim="800000"/>
-            <a:headEnd/>
-            <a:tailEnd/>
-          </a:ln>
-        </p:spPr>
-      </p:sp>
-      <p:sp>
-        <p:nvSpPr>
-          <p:cNvPr id="3" name="Notes Placeholder 2"/>
-          <p:cNvSpPr>
-            <a:spLocks noGrp="1"/>
-          </p:cNvSpPr>
-          <p:nvPr>
-            <p:ph type="body" idx="1"/>
-          </p:nvPr>
-        </p:nvSpPr>
-        <p:spPr/>
-        <p:txBody>
-          <a:bodyPr wrap="square" numCol="1" anchor="t" anchorCtr="0" compatLnSpc="1">
-            <a:prstTxWarp prst="textNoShape">
-              <a:avLst/>
-            </a:prstTxWarp>
-          </a:bodyPr>
-          <a:lstStyle/>
-          <a:p>
-            <a:pPr marL="542948" indent="-542948" eaLnBrk="1" hangingPunct="1">
-              <a:spcBef>
-                <a:spcPct val="0"/>
-              </a:spcBef>
-            </a:pPr>
-            <a:endParaRPr lang="en-US" altLang="zh-CN" dirty="0"/>
-          </a:p>
-        </p:txBody>
-      </p:sp>
-      <p:sp>
-        <p:nvSpPr>
-          <p:cNvPr id="247812" name="Slide Number Placeholder 3"/>
-          <p:cNvSpPr>
-            <a:spLocks noGrp="1"/>
-          </p:cNvSpPr>
-          <p:nvPr>
-            <p:ph type="sldNum" sz="quarter" idx="5"/>
-          </p:nvPr>
-        </p:nvSpPr>
-        <p:spPr bwMode="auto">
-          <a:extLst>
-            <a:ext uri="{909E8E84-426E-40DD-AFC4-6F175D3DCCD1}">
-              <a14:hiddenFill xmlns:a14="http://schemas.microsoft.com/office/drawing/2010/main">
-                <a:solidFill>
-                  <a:srgbClr val="FFFFFF"/>
-                </a:solidFill>
-              </a14:hiddenFill>
-            </a:ext>
-            <a:ext uri="{91240B29-F687-4F45-9708-019B960494DF}">
-              <a14:hiddenLine xmlns:a14="http://schemas.microsoft.com/office/drawing/2010/main" w="9525">
-                <a:solidFill>
-                  <a:srgbClr val="000000"/>
-                </a:solidFill>
-                <a:miter lim="800000"/>
-                <a:headEnd/>
-                <a:tailEnd/>
-              </a14:hiddenLine>
-            </a:ext>
-          </a:extLst>
-        </p:spPr>
-        <p:txBody>
-          <a:bodyPr/>
-          <a:lstStyle/>
-          <a:p>
-            <a:fld id="{CD5C04F1-088D-43BB-BF6A-7E5350A2ABBF}" type="slidenum">
-              <a:rPr lang="en-US" altLang="zh-CN">
-                <a:solidFill>
-                  <a:prstClr val="black"/>
-                </a:solidFill>
-              </a:rPr>
-              <a:pPr/>
-              <a:t>7</a:t>
+              <a:t>5</a:t>
             </a:fld>
             <a:endParaRPr lang="en-US" altLang="zh-CN">
               <a:solidFill>
@@ -993,7 +869,7 @@
           <a:p>
             <a:fld id="{FC19A4FA-3D9A-4114-B0D5-759CBD56F1AB}" type="datetimeFigureOut">
               <a:rPr lang="zh-CN" altLang="en-US" smtClean="0"/>
-              <a:t>2022/11/10</a:t>
+              <a:t>2023/4/19</a:t>
             </a:fld>
             <a:endParaRPr lang="zh-CN" altLang="en-US"/>
           </a:p>
@@ -1187,7 +1063,7 @@
           <a:p>
             <a:fld id="{FC19A4FA-3D9A-4114-B0D5-759CBD56F1AB}" type="datetimeFigureOut">
               <a:rPr lang="zh-CN" altLang="en-US" smtClean="0"/>
-              <a:t>2022/11/10</a:t>
+              <a:t>2023/4/19</a:t>
             </a:fld>
             <a:endParaRPr lang="zh-CN" altLang="en-US"/>
           </a:p>
@@ -1360,7 +1236,7 @@
           <a:p>
             <a:fld id="{FC19A4FA-3D9A-4114-B0D5-759CBD56F1AB}" type="datetimeFigureOut">
               <a:rPr lang="zh-CN" altLang="en-US" smtClean="0"/>
-              <a:t>2022/11/10</a:t>
+              <a:t>2023/4/19</a:t>
             </a:fld>
             <a:endParaRPr lang="zh-CN" altLang="en-US"/>
           </a:p>
@@ -1544,7 +1420,7 @@
           <a:p>
             <a:fld id="{FC19A4FA-3D9A-4114-B0D5-759CBD56F1AB}" type="datetimeFigureOut">
               <a:rPr lang="zh-CN" altLang="en-US" smtClean="0"/>
-              <a:t>2022/11/10</a:t>
+              <a:t>2023/4/19</a:t>
             </a:fld>
             <a:endParaRPr lang="zh-CN" altLang="en-US"/>
           </a:p>
@@ -1801,7 +1677,7 @@
           <a:p>
             <a:fld id="{FC19A4FA-3D9A-4114-B0D5-759CBD56F1AB}" type="datetimeFigureOut">
               <a:rPr lang="zh-CN" altLang="en-US" smtClean="0"/>
-              <a:t>2022/11/10</a:t>
+              <a:t>2023/4/19</a:t>
             </a:fld>
             <a:endParaRPr lang="zh-CN" altLang="en-US"/>
           </a:p>
@@ -2188,7 +2064,7 @@
           <a:p>
             <a:fld id="{FC19A4FA-3D9A-4114-B0D5-759CBD56F1AB}" type="datetimeFigureOut">
               <a:rPr lang="zh-CN" altLang="en-US" smtClean="0"/>
-              <a:t>2022/11/10</a:t>
+              <a:t>2023/4/19</a:t>
             </a:fld>
             <a:endParaRPr lang="zh-CN" altLang="en-US"/>
           </a:p>
@@ -2456,7 +2332,7 @@
           <a:p>
             <a:fld id="{FC19A4FA-3D9A-4114-B0D5-759CBD56F1AB}" type="datetimeFigureOut">
               <a:rPr lang="zh-CN" altLang="en-US" smtClean="0"/>
-              <a:t>2022/11/10</a:t>
+              <a:t>2023/4/19</a:t>
             </a:fld>
             <a:endParaRPr lang="zh-CN" altLang="en-US"/>
           </a:p>
@@ -2596,7 +2472,7 @@
           <a:p>
             <a:fld id="{FC19A4FA-3D9A-4114-B0D5-759CBD56F1AB}" type="datetimeFigureOut">
               <a:rPr lang="zh-CN" altLang="en-US" smtClean="0"/>
-              <a:t>2022/11/10</a:t>
+              <a:t>2023/4/19</a:t>
             </a:fld>
             <a:endParaRPr lang="zh-CN" altLang="en-US"/>
           </a:p>
@@ -2686,7 +2562,7 @@
           <a:p>
             <a:fld id="{FC19A4FA-3D9A-4114-B0D5-759CBD56F1AB}" type="datetimeFigureOut">
               <a:rPr lang="zh-CN" altLang="en-US" smtClean="0"/>
-              <a:t>2022/11/10</a:t>
+              <a:t>2023/4/19</a:t>
             </a:fld>
             <a:endParaRPr lang="zh-CN" altLang="en-US"/>
           </a:p>
@@ -2956,7 +2832,7 @@
           <a:p>
             <a:fld id="{FC19A4FA-3D9A-4114-B0D5-759CBD56F1AB}" type="datetimeFigureOut">
               <a:rPr lang="zh-CN" altLang="en-US" smtClean="0"/>
-              <a:t>2022/11/10</a:t>
+              <a:t>2023/4/19</a:t>
             </a:fld>
             <a:endParaRPr lang="zh-CN" altLang="en-US"/>
           </a:p>
@@ -3203,7 +3079,7 @@
           <a:p>
             <a:fld id="{FC19A4FA-3D9A-4114-B0D5-759CBD56F1AB}" type="datetimeFigureOut">
               <a:rPr lang="zh-CN" altLang="en-US" smtClean="0"/>
-              <a:t>2022/11/10</a:t>
+              <a:t>2023/4/19</a:t>
             </a:fld>
             <a:endParaRPr lang="zh-CN" altLang="en-US"/>
           </a:p>
@@ -3409,7 +3285,7 @@
           <a:p>
             <a:fld id="{FC19A4FA-3D9A-4114-B0D5-759CBD56F1AB}" type="datetimeFigureOut">
               <a:rPr lang="zh-CN" altLang="en-US" smtClean="0"/>
-              <a:t>2022/11/10</a:t>
+              <a:t>2023/4/19</a:t>
             </a:fld>
             <a:endParaRPr lang="zh-CN" altLang="en-US"/>
           </a:p>
@@ -3983,188 +3859,69 @@
           <a:chExt cx="0" cy="0"/>
         </a:xfrm>
       </p:grpSpPr>
-      <p:sp>
-        <p:nvSpPr>
-          <p:cNvPr id="2" name="TextBox 1"/>
-          <p:cNvSpPr txBox="1"/>
+      <p:pic>
+        <p:nvPicPr>
+          <p:cNvPr id="3" name="图片 2">
+            <a:extLst>
+              <a:ext uri="{FF2B5EF4-FFF2-40B4-BE49-F238E27FC236}">
+                <a16:creationId xmlns:a16="http://schemas.microsoft.com/office/drawing/2014/main" id="{08BFBB39-1F6A-A647-3286-582A83D8C33E}"/>
+              </a:ext>
+            </a:extLst>
+          </p:cNvPr>
+          <p:cNvPicPr>
+            <a:picLocks noChangeAspect="1"/>
+          </p:cNvPicPr>
           <p:nvPr/>
-        </p:nvSpPr>
+        </p:nvPicPr>
+        <p:blipFill>
+          <a:blip r:embed="rId2"/>
+          <a:stretch>
+            <a:fillRect/>
+          </a:stretch>
+        </p:blipFill>
         <p:spPr>
           <a:xfrm>
-            <a:off x="1570871" y="311807"/>
-            <a:ext cx="2271969" cy="595099"/>
+            <a:off x="1070403" y="2825043"/>
+            <a:ext cx="9903402" cy="3623196"/>
           </a:xfrm>
           <a:prstGeom prst="rect">
             <a:avLst/>
           </a:prstGeom>
-          <a:noFill/>
         </p:spPr>
+      </p:pic>
+      <p:sp>
+        <p:nvSpPr>
+          <p:cNvPr id="2" name="标题 1"/>
+          <p:cNvSpPr>
+            <a:spLocks noGrp="1"/>
+          </p:cNvSpPr>
+          <p:nvPr>
+            <p:ph type="title"/>
+          </p:nvPr>
+        </p:nvSpPr>
+        <p:spPr/>
         <p:txBody>
-          <a:bodyPr wrap="none" rtlCol="0">
-            <a:spAutoFit/>
+          <a:bodyPr>
+            <a:normAutofit/>
           </a:bodyPr>
           <a:lstStyle/>
           <a:p>
             <a:r>
-              <a:rPr lang="en-US" altLang="zh-CN" sz="3267" b="1" i="1" dirty="0"/>
-              <a:t> Destructors</a:t>
-            </a:r>
-            <a:endParaRPr lang="zh-CN" altLang="en-US" sz="3267" b="1" i="1" dirty="0"/>
+              <a:rPr lang="en-US" altLang="zh-CN" sz="3200" b="1" dirty="0">
+                <a:sym typeface="+mn-ea"/>
+              </a:rPr>
+              <a:t>Static member functions</a:t>
+            </a:r>
+            <a:endParaRPr lang="zh-CN" altLang="en-US" sz="3200" b="1" dirty="0"/>
           </a:p>
         </p:txBody>
       </p:sp>
       <p:sp>
         <p:nvSpPr>
-          <p:cNvPr id="8" name="TextBox 7"/>
-          <p:cNvSpPr txBox="1"/>
-          <p:nvPr/>
-        </p:nvSpPr>
-        <p:spPr>
-          <a:xfrm>
-            <a:off x="1491646" y="1725299"/>
-            <a:ext cx="9911460" cy="1938992"/>
-          </a:xfrm>
-          <a:prstGeom prst="rect">
-            <a:avLst/>
-          </a:prstGeom>
-          <a:noFill/>
-        </p:spPr>
-        <p:txBody>
-          <a:bodyPr wrap="square" rtlCol="0">
-            <a:spAutoFit/>
-          </a:bodyPr>
-          <a:lstStyle/>
-          <a:p>
-            <a:r>
-              <a:rPr lang="en-US" altLang="zh-CN" sz="2000" dirty="0">
-                <a:solidFill>
-                  <a:srgbClr val="FF0000"/>
-                </a:solidFill>
-              </a:rPr>
-              <a:t>1.A destructor name is the same as the </a:t>
-            </a:r>
-            <a:r>
-              <a:rPr lang="en-US" altLang="zh-CN" sz="2000" dirty="0" err="1">
-                <a:solidFill>
-                  <a:srgbClr val="FF0000"/>
-                </a:solidFill>
-              </a:rPr>
-              <a:t>classname</a:t>
-            </a:r>
-            <a:r>
-              <a:rPr lang="en-US" altLang="zh-CN" sz="2000" dirty="0">
-                <a:solidFill>
-                  <a:srgbClr val="FF0000"/>
-                </a:solidFill>
-              </a:rPr>
-              <a:t> but begins with tilde(~) sign.</a:t>
-            </a:r>
-          </a:p>
-          <a:p>
-            <a:r>
-              <a:rPr lang="en-US" altLang="zh-CN" sz="2000" dirty="0">
-                <a:solidFill>
-                  <a:srgbClr val="FF0000"/>
-                </a:solidFill>
-              </a:rPr>
-              <a:t>2. Destructor has no return value.</a:t>
-            </a:r>
-          </a:p>
-          <a:p>
-            <a:r>
-              <a:rPr lang="en-US" altLang="zh-CN" sz="2000" dirty="0">
-                <a:solidFill>
-                  <a:srgbClr val="FF0000"/>
-                </a:solidFill>
-              </a:rPr>
-              <a:t>3. A destructor has no arguments.</a:t>
-            </a:r>
-          </a:p>
-          <a:p>
-            <a:r>
-              <a:rPr lang="en-US" altLang="zh-CN" sz="2000" dirty="0">
-                <a:solidFill>
-                  <a:srgbClr val="FF0000"/>
-                </a:solidFill>
-              </a:rPr>
-              <a:t>4. There can be only one destructor in a class.</a:t>
-            </a:r>
-          </a:p>
-          <a:p>
-            <a:r>
-              <a:rPr lang="en-US" altLang="zh-CN" sz="2000" dirty="0">
-                <a:solidFill>
-                  <a:srgbClr val="FF0000"/>
-                </a:solidFill>
-              </a:rPr>
-              <a:t>5. The compiler always creates a default destructor if you fail to provide one for a class.</a:t>
-            </a:r>
-          </a:p>
-          <a:p>
-            <a:r>
-              <a:rPr lang="en-US" altLang="zh-CN" sz="2000" dirty="0">
-                <a:solidFill>
-                  <a:srgbClr val="FF0000"/>
-                </a:solidFill>
-              </a:rPr>
-              <a:t>6. Invoke when an object goes out of scope or the delete is applied to a pointer to the object.</a:t>
-            </a:r>
-            <a:endParaRPr lang="zh-CN" altLang="en-US" sz="2000" dirty="0">
-              <a:solidFill>
-                <a:srgbClr val="FF0000"/>
-              </a:solidFill>
-            </a:endParaRPr>
-          </a:p>
-        </p:txBody>
-      </p:sp>
-      <p:sp>
-        <p:nvSpPr>
-          <p:cNvPr id="9" name="TextBox 8"/>
-          <p:cNvSpPr txBox="1"/>
-          <p:nvPr/>
-        </p:nvSpPr>
-        <p:spPr>
-          <a:xfrm>
-            <a:off x="1183773" y="4227039"/>
-            <a:ext cx="10057536" cy="818686"/>
-          </a:xfrm>
-          <a:prstGeom prst="rect">
-            <a:avLst/>
-          </a:prstGeom>
-          <a:noFill/>
-        </p:spPr>
-        <p:txBody>
-          <a:bodyPr wrap="square" rtlCol="0">
-            <a:spAutoFit/>
-          </a:bodyPr>
-          <a:lstStyle/>
-          <a:p>
-            <a:pPr marL="0" lvl="1"/>
-            <a:r>
-              <a:rPr lang="en-US" altLang="zh-CN" sz="2360" dirty="0"/>
-              <a:t>Destructor can be very useful for </a:t>
-            </a:r>
-            <a:r>
-              <a:rPr lang="en-US" altLang="zh-CN" sz="2360" dirty="0">
-                <a:solidFill>
-                  <a:srgbClr val="FF0000"/>
-                </a:solidFill>
-              </a:rPr>
-              <a:t>releasing resource </a:t>
-            </a:r>
-            <a:r>
-              <a:rPr lang="en-US" altLang="zh-CN" sz="2360" dirty="0"/>
-              <a:t>before coming out of the program like closing files, releasing memories etc.</a:t>
-            </a:r>
-          </a:p>
-        </p:txBody>
-      </p:sp>
-      <p:sp>
-        <p:nvSpPr>
-          <p:cNvPr id="10" name="TextBox 7">
+          <p:cNvPr id="9" name="文本框 8">
             <a:extLst>
               <a:ext uri="{FF2B5EF4-FFF2-40B4-BE49-F238E27FC236}">
-                <a16:creationId xmlns:a16="http://schemas.microsoft.com/office/drawing/2014/main" id="{6CAA1DD5-7D9F-4114-AB6A-79DB7ECA7AE1}"/>
+                <a16:creationId xmlns:a16="http://schemas.microsoft.com/office/drawing/2014/main" id="{EA915B11-5495-48FC-9A53-7D1E8BDA487D}"/>
               </a:ext>
             </a:extLst>
           </p:cNvPr>
@@ -4173,8 +3930,8 @@
         </p:nvSpPr>
         <p:spPr>
           <a:xfrm>
-            <a:off x="1257629" y="1021427"/>
-            <a:ext cx="6692794" cy="461665"/>
+            <a:off x="890766" y="1097852"/>
+            <a:ext cx="10632141" cy="1569660"/>
           </a:xfrm>
           <a:prstGeom prst="rect">
             <a:avLst/>
@@ -4182,72 +3939,329 @@
           <a:noFill/>
         </p:spPr>
         <p:txBody>
-          <a:bodyPr wrap="none" rtlCol="0">
+          <a:bodyPr wrap="square">
             <a:spAutoFit/>
           </a:bodyPr>
           <a:lstStyle/>
           <a:p>
-            <a:pPr marL="0" lvl="1"/>
-            <a:r>
-              <a:rPr lang="en-US" altLang="zh-CN" sz="2400" dirty="0"/>
-              <a:t>A class destructor is also a special member function:</a:t>
-            </a:r>
-            <a:endParaRPr lang="zh-CN" altLang="zh-CN" sz="2400" dirty="0"/>
+            <a:pPr marL="0" marR="0" lvl="0" indent="0" algn="l" defTabSz="914400" rtl="0" eaLnBrk="1" fontAlgn="auto" latinLnBrk="0" hangingPunct="1">
+              <a:lnSpc>
+                <a:spcPct val="100000"/>
+              </a:lnSpc>
+              <a:spcBef>
+                <a:spcPts val="0"/>
+              </a:spcBef>
+              <a:spcAft>
+                <a:spcPts val="0"/>
+              </a:spcAft>
+              <a:buClrTx/>
+              <a:buSzTx/>
+              <a:buFontTx/>
+              <a:buNone/>
+              <a:tabLst/>
+              <a:defRPr/>
+            </a:pPr>
+            <a:r>
+              <a:rPr kumimoji="0" lang="en-US" altLang="zh-CN" sz="2400" b="0" i="0" u="none" strike="noStrike" kern="1200" cap="none" spc="0" normalizeH="0" baseline="0" noProof="0" dirty="0">
+                <a:ln>
+                  <a:noFill/>
+                </a:ln>
+                <a:solidFill>
+                  <a:prstClr val="black"/>
+                </a:solidFill>
+                <a:effectLst/>
+                <a:uLnTx/>
+                <a:uFillTx/>
+                <a:latin typeface="Calibri"/>
+                <a:ea typeface="宋体" panose="02010600030101010101" pitchFamily="2" charset="-122"/>
+                <a:cs typeface="+mn-cs"/>
+              </a:rPr>
+              <a:t>A static member function can be invoked independently of a class object in exactly this way. A member function can be declared as static only if it does not access any non-static class members. We make it static by prefacing its declaration within the class definition with the keyword </a:t>
+            </a:r>
+            <a:r>
+              <a:rPr kumimoji="0" lang="en-US" altLang="zh-CN" sz="2400" b="1" i="0" u="none" strike="noStrike" kern="1200" cap="none" spc="0" normalizeH="0" baseline="0" noProof="0" dirty="0">
+                <a:ln>
+                  <a:noFill/>
+                </a:ln>
+                <a:solidFill>
+                  <a:prstClr val="black"/>
+                </a:solidFill>
+                <a:effectLst/>
+                <a:uLnTx/>
+                <a:uFillTx/>
+                <a:latin typeface="Calibri"/>
+                <a:ea typeface="宋体" panose="02010600030101010101" pitchFamily="2" charset="-122"/>
+                <a:cs typeface="+mn-cs"/>
+              </a:rPr>
+              <a:t>static</a:t>
+            </a:r>
+            <a:endParaRPr kumimoji="0" lang="zh-CN" altLang="en-US" sz="2400" b="0" i="0" u="none" strike="noStrike" kern="1200" cap="none" spc="0" normalizeH="0" baseline="0" noProof="0" dirty="0">
+              <a:ln>
+                <a:noFill/>
+              </a:ln>
+              <a:solidFill>
+                <a:prstClr val="black"/>
+              </a:solidFill>
+              <a:effectLst/>
+              <a:uLnTx/>
+              <a:uFillTx/>
+              <a:latin typeface="Calibri"/>
+              <a:ea typeface="宋体" panose="02010600030101010101" pitchFamily="2" charset="-122"/>
+              <a:cs typeface="+mn-cs"/>
+            </a:endParaRPr>
           </a:p>
         </p:txBody>
       </p:sp>
-      <p:sp>
-        <p:nvSpPr>
-          <p:cNvPr id="6" name="文本框 5">
+      <p:grpSp>
+        <p:nvGrpSpPr>
+          <p:cNvPr id="6" name="组合 5">
             <a:extLst>
               <a:ext uri="{FF2B5EF4-FFF2-40B4-BE49-F238E27FC236}">
-                <a16:creationId xmlns:a16="http://schemas.microsoft.com/office/drawing/2014/main" id="{4B6AED93-4A71-48F3-AE88-5738F3276C4F}"/>
+                <a16:creationId xmlns:a16="http://schemas.microsoft.com/office/drawing/2014/main" id="{E86D9877-62A9-4960-BB1D-9F5E8D2E3C48}"/>
               </a:ext>
             </a:extLst>
           </p:cNvPr>
-          <p:cNvSpPr txBox="1"/>
+          <p:cNvGrpSpPr/>
           <p:nvPr/>
-        </p:nvSpPr>
-        <p:spPr>
+        </p:nvGrpSpPr>
+        <p:grpSpPr>
           <a:xfrm>
-            <a:off x="1183773" y="5374908"/>
-            <a:ext cx="5786456" cy="461665"/>
+            <a:off x="1452280" y="4292828"/>
+            <a:ext cx="5249569" cy="1535315"/>
+            <a:chOff x="1284479" y="4497050"/>
+            <a:chExt cx="5784254" cy="1691690"/>
           </a:xfrm>
-          <a:prstGeom prst="rect">
-            <a:avLst/>
-          </a:prstGeom>
-          <a:noFill/>
-        </p:spPr>
-        <p:txBody>
-          <a:bodyPr wrap="none" rtlCol="0">
-            <a:spAutoFit/>
-          </a:bodyPr>
-          <a:lstStyle/>
-          <a:p>
-            <a:r>
-              <a:rPr lang="en-US" altLang="zh-CN" sz="2400" dirty="0" err="1">
+        </p:grpSpPr>
+        <p:sp>
+          <p:nvSpPr>
+            <p:cNvPr id="7" name="矩形 6">
+              <a:extLst>
+                <a:ext uri="{FF2B5EF4-FFF2-40B4-BE49-F238E27FC236}">
+                  <a16:creationId xmlns:a16="http://schemas.microsoft.com/office/drawing/2014/main" id="{605AAB74-61BE-42D0-BF8C-9C0D366AC0AE}"/>
+                </a:ext>
+              </a:extLst>
+            </p:cNvPr>
+            <p:cNvSpPr/>
+            <p:nvPr/>
+          </p:nvSpPr>
+          <p:spPr>
+            <a:xfrm>
+              <a:off x="1284479" y="5097172"/>
+              <a:ext cx="2429939" cy="1091568"/>
+            </a:xfrm>
+            <a:prstGeom prst="rect">
+              <a:avLst/>
+            </a:prstGeom>
+            <a:noFill/>
+            <a:ln w="19050">
+              <a:solidFill>
+                <a:srgbClr val="FF0000"/>
+              </a:solidFill>
+            </a:ln>
+          </p:spPr>
+          <p:style>
+            <a:lnRef idx="2">
+              <a:schemeClr val="accent1">
+                <a:shade val="50000"/>
+              </a:schemeClr>
+            </a:lnRef>
+            <a:fillRef idx="1">
+              <a:schemeClr val="accent1"/>
+            </a:fillRef>
+            <a:effectRef idx="0">
+              <a:schemeClr val="accent1"/>
+            </a:effectRef>
+            <a:fontRef idx="minor">
+              <a:schemeClr val="lt1"/>
+            </a:fontRef>
+          </p:style>
+          <p:txBody>
+            <a:bodyPr rtlCol="0" anchor="ctr"/>
+            <a:lstStyle/>
+            <a:p>
+              <a:pPr marL="0" marR="0" lvl="0" indent="0" algn="ctr" defTabSz="914400" rtl="0" eaLnBrk="1" fontAlgn="auto" latinLnBrk="0" hangingPunct="1">
+                <a:lnSpc>
+                  <a:spcPct val="100000"/>
+                </a:lnSpc>
+                <a:spcBef>
+                  <a:spcPts val="0"/>
+                </a:spcBef>
+                <a:spcAft>
+                  <a:spcPts val="0"/>
+                </a:spcAft>
+                <a:buClrTx/>
+                <a:buSzTx/>
+                <a:buFontTx/>
+                <a:buNone/>
+                <a:tabLst/>
+                <a:defRPr/>
+              </a:pPr>
+              <a:endParaRPr kumimoji="0" lang="zh-CN" altLang="en-US" sz="1634" b="0" i="0" u="none" strike="noStrike" kern="1200" cap="none" spc="0" normalizeH="0" baseline="0" noProof="0" dirty="0">
+                <a:ln>
+                  <a:noFill/>
+                </a:ln>
+                <a:solidFill>
+                  <a:prstClr val="white"/>
+                </a:solidFill>
+                <a:effectLst/>
+                <a:uLnTx/>
+                <a:uFillTx/>
+                <a:latin typeface="Calibri"/>
+                <a:ea typeface="宋体" panose="02010600030101010101" pitchFamily="2" charset="-122"/>
+                <a:cs typeface="+mn-cs"/>
+              </a:endParaRPr>
+            </a:p>
+          </p:txBody>
+        </p:sp>
+        <p:grpSp>
+          <p:nvGrpSpPr>
+            <p:cNvPr id="8" name="组合 7">
+              <a:extLst>
+                <a:ext uri="{FF2B5EF4-FFF2-40B4-BE49-F238E27FC236}">
+                  <a16:creationId xmlns:a16="http://schemas.microsoft.com/office/drawing/2014/main" id="{6EB3837D-7A81-40CF-9030-2FA96937FCE7}"/>
+                </a:ext>
+              </a:extLst>
+            </p:cNvPr>
+            <p:cNvGrpSpPr/>
+            <p:nvPr/>
+          </p:nvGrpSpPr>
+          <p:grpSpPr>
+            <a:xfrm>
+              <a:off x="3457905" y="4497050"/>
+              <a:ext cx="3610828" cy="637924"/>
+              <a:chOff x="1369251" y="3937303"/>
+              <a:chExt cx="3610828" cy="637924"/>
+            </a:xfrm>
+          </p:grpSpPr>
+          <p:cxnSp>
+            <p:nvCxnSpPr>
+              <p:cNvPr id="10" name="直接箭头连接符 9">
+                <a:extLst>
+                  <a:ext uri="{FF2B5EF4-FFF2-40B4-BE49-F238E27FC236}">
+                    <a16:creationId xmlns:a16="http://schemas.microsoft.com/office/drawing/2014/main" id="{AFC9352F-1A1D-4DB7-A63D-8DFA852D23B9}"/>
+                  </a:ext>
+                </a:extLst>
+              </p:cNvPr>
+              <p:cNvCxnSpPr>
+                <a:cxnSpLocks/>
+              </p:cNvCxnSpPr>
+              <p:nvPr/>
+            </p:nvCxnSpPr>
+            <p:spPr>
+              <a:xfrm flipH="1">
+                <a:off x="1369251" y="4258738"/>
+                <a:ext cx="467936" cy="316489"/>
+              </a:xfrm>
+              <a:prstGeom prst="straightConnector1">
+                <a:avLst/>
+              </a:prstGeom>
+              <a:ln w="19050">
                 <a:solidFill>
                   <a:srgbClr val="FF0000"/>
                 </a:solidFill>
-              </a:rPr>
-              <a:t>Note</a:t>
-            </a:r>
-            <a:r>
-              <a:rPr lang="en-US" altLang="zh-CN" sz="2400" dirty="0" err="1"/>
-              <a:t>:The</a:t>
-            </a:r>
-            <a:r>
-              <a:rPr lang="en-US" altLang="zh-CN" sz="2400" dirty="0"/>
-              <a:t> destructor can not be overloaded.</a:t>
-            </a:r>
-            <a:endParaRPr lang="zh-CN" altLang="en-US" sz="2400" dirty="0"/>
-          </a:p>
-        </p:txBody>
-      </p:sp>
+                <a:tailEnd type="arrow"/>
+              </a:ln>
+            </p:spPr>
+            <p:style>
+              <a:lnRef idx="1">
+                <a:schemeClr val="accent1"/>
+              </a:lnRef>
+              <a:fillRef idx="0">
+                <a:schemeClr val="accent1"/>
+              </a:fillRef>
+              <a:effectRef idx="0">
+                <a:schemeClr val="accent1"/>
+              </a:effectRef>
+              <a:fontRef idx="minor">
+                <a:schemeClr val="tx1"/>
+              </a:fontRef>
+            </p:style>
+          </p:cxnSp>
+          <p:sp>
+            <p:nvSpPr>
+              <p:cNvPr id="11" name="TextBox 11">
+                <a:extLst>
+                  <a:ext uri="{FF2B5EF4-FFF2-40B4-BE49-F238E27FC236}">
+                    <a16:creationId xmlns:a16="http://schemas.microsoft.com/office/drawing/2014/main" id="{25EEDEF6-7FF5-4BDA-B5A3-1F61061D25CE}"/>
+                  </a:ext>
+                </a:extLst>
+              </p:cNvPr>
+              <p:cNvSpPr txBox="1"/>
+              <p:nvPr/>
+            </p:nvSpPr>
+            <p:spPr>
+              <a:xfrm>
+                <a:off x="1753520" y="3937303"/>
+                <a:ext cx="3226559" cy="378830"/>
+              </a:xfrm>
+              <a:prstGeom prst="rect">
+                <a:avLst/>
+              </a:prstGeom>
+              <a:noFill/>
+            </p:spPr>
+            <p:txBody>
+              <a:bodyPr wrap="none" rtlCol="0">
+                <a:spAutoFit/>
+              </a:bodyPr>
+              <a:lstStyle/>
+              <a:p>
+                <a:pPr marL="0" marR="0" lvl="0" indent="0" algn="l" defTabSz="914400" rtl="0" eaLnBrk="1" fontAlgn="auto" latinLnBrk="0" hangingPunct="1">
+                  <a:lnSpc>
+                    <a:spcPct val="100000"/>
+                  </a:lnSpc>
+                  <a:spcBef>
+                    <a:spcPts val="0"/>
+                  </a:spcBef>
+                  <a:spcAft>
+                    <a:spcPts val="0"/>
+                  </a:spcAft>
+                  <a:buClrTx/>
+                  <a:buSzTx/>
+                  <a:buFontTx/>
+                  <a:buNone/>
+                  <a:tabLst/>
+                  <a:defRPr/>
+                </a:pPr>
+                <a:r>
+                  <a:rPr kumimoji="0" lang="en-US" altLang="zh-CN" sz="1634" b="0" i="0" u="none" strike="noStrike" kern="1200" cap="none" spc="0" normalizeH="0" baseline="0" noProof="0" dirty="0">
+                    <a:ln>
+                      <a:noFill/>
+                    </a:ln>
+                    <a:solidFill>
+                      <a:prstClr val="black"/>
+                    </a:solidFill>
+                    <a:effectLst/>
+                    <a:uLnTx/>
+                    <a:uFillTx/>
+                    <a:latin typeface="Calibri"/>
+                    <a:ea typeface="宋体" panose="02010600030101010101" pitchFamily="2" charset="-122"/>
+                    <a:cs typeface="+mn-cs"/>
+                  </a:rPr>
+                  <a:t>Define a static member function</a:t>
+                </a:r>
+                <a:endParaRPr kumimoji="0" lang="zh-CN" altLang="en-US" sz="1634" b="0" i="0" u="none" strike="noStrike" kern="1200" cap="none" spc="0" normalizeH="0" baseline="0" noProof="0" dirty="0">
+                  <a:ln>
+                    <a:noFill/>
+                  </a:ln>
+                  <a:solidFill>
+                    <a:prstClr val="black"/>
+                  </a:solidFill>
+                  <a:effectLst/>
+                  <a:uLnTx/>
+                  <a:uFillTx/>
+                  <a:latin typeface="Calibri"/>
+                  <a:ea typeface="宋体" panose="02010600030101010101" pitchFamily="2" charset="-122"/>
+                  <a:cs typeface="+mn-cs"/>
+                </a:endParaRPr>
+              </a:p>
+            </p:txBody>
+          </p:sp>
+        </p:grpSp>
+      </p:grpSp>
     </p:spTree>
     <p:extLst>
       <p:ext uri="{BB962C8B-B14F-4D97-AF65-F5344CB8AC3E}">
-        <p14:creationId xmlns:p14="http://schemas.microsoft.com/office/powerpoint/2010/main" val="1973587475"/>
+        <p14:creationId xmlns:p14="http://schemas.microsoft.com/office/powerpoint/2010/main" val="460358543"/>
       </p:ext>
     </p:extLst>
   </p:cSld>
@@ -4275,7 +4289,7 @@
                             </p:stCondLst>
                             <p:childTnLst>
                               <p:par>
-                                <p:cTn id="5" presetID="1" presetClass="entr" presetSubtype="0" fill="hold" grpId="0" nodeType="clickEffect">
+                                <p:cTn id="5" presetID="1" presetClass="entr" presetSubtype="0" fill="hold" nodeType="clickEffect">
                                   <p:stCondLst>
                                     <p:cond delay="0"/>
                                   </p:stCondLst>
@@ -4288,7 +4302,7 @@
                                           </p:stCondLst>
                                         </p:cTn>
                                         <p:tgtEl>
-                                          <p:spTgt spid="10"/>
+                                          <p:spTgt spid="3"/>
                                         </p:tgtEl>
                                         <p:attrNameLst>
                                           <p:attrName>style.visibility</p:attrName>
@@ -4328,345 +4342,6 @@
                                     <p:set>
                                       <p:cBhvr>
                                         <p:cTn id="10" dur="1" fill="hold">
-                                          <p:stCondLst>
-                                            <p:cond delay="0"/>
-                                          </p:stCondLst>
-                                        </p:cTn>
-                                        <p:tgtEl>
-                                          <p:spTgt spid="8">
-                                            <p:txEl>
-                                              <p:pRg st="0" end="0"/>
-                                            </p:txEl>
-                                          </p:spTgt>
-                                        </p:tgtEl>
-                                        <p:attrNameLst>
-                                          <p:attrName>style.visibility</p:attrName>
-                                        </p:attrNameLst>
-                                      </p:cBhvr>
-                                      <p:to>
-                                        <p:strVal val="visible"/>
-                                      </p:to>
-                                    </p:set>
-                                  </p:childTnLst>
-                                </p:cTn>
-                              </p:par>
-                            </p:childTnLst>
-                          </p:cTn>
-                        </p:par>
-                      </p:childTnLst>
-                    </p:cTn>
-                  </p:par>
-                  <p:par>
-                    <p:cTn id="11" fill="hold">
-                      <p:stCondLst>
-                        <p:cond delay="indefinite"/>
-                      </p:stCondLst>
-                      <p:childTnLst>
-                        <p:par>
-                          <p:cTn id="12" fill="hold">
-                            <p:stCondLst>
-                              <p:cond delay="0"/>
-                            </p:stCondLst>
-                            <p:childTnLst>
-                              <p:par>
-                                <p:cTn id="13" presetID="1" presetClass="entr" presetSubtype="0" fill="hold" nodeType="clickEffect">
-                                  <p:stCondLst>
-                                    <p:cond delay="0"/>
-                                  </p:stCondLst>
-                                  <p:childTnLst>
-                                    <p:set>
-                                      <p:cBhvr>
-                                        <p:cTn id="14" dur="1" fill="hold">
-                                          <p:stCondLst>
-                                            <p:cond delay="0"/>
-                                          </p:stCondLst>
-                                        </p:cTn>
-                                        <p:tgtEl>
-                                          <p:spTgt spid="8">
-                                            <p:txEl>
-                                              <p:pRg st="1" end="1"/>
-                                            </p:txEl>
-                                          </p:spTgt>
-                                        </p:tgtEl>
-                                        <p:attrNameLst>
-                                          <p:attrName>style.visibility</p:attrName>
-                                        </p:attrNameLst>
-                                      </p:cBhvr>
-                                      <p:to>
-                                        <p:strVal val="visible"/>
-                                      </p:to>
-                                    </p:set>
-                                  </p:childTnLst>
-                                </p:cTn>
-                              </p:par>
-                            </p:childTnLst>
-                          </p:cTn>
-                        </p:par>
-                      </p:childTnLst>
-                    </p:cTn>
-                  </p:par>
-                  <p:par>
-                    <p:cTn id="15" fill="hold">
-                      <p:stCondLst>
-                        <p:cond delay="indefinite"/>
-                      </p:stCondLst>
-                      <p:childTnLst>
-                        <p:par>
-                          <p:cTn id="16" fill="hold">
-                            <p:stCondLst>
-                              <p:cond delay="0"/>
-                            </p:stCondLst>
-                            <p:childTnLst>
-                              <p:par>
-                                <p:cTn id="17" presetID="1" presetClass="entr" presetSubtype="0" fill="hold" nodeType="clickEffect">
-                                  <p:stCondLst>
-                                    <p:cond delay="0"/>
-                                  </p:stCondLst>
-                                  <p:childTnLst>
-                                    <p:set>
-                                      <p:cBhvr>
-                                        <p:cTn id="18" dur="1" fill="hold">
-                                          <p:stCondLst>
-                                            <p:cond delay="0"/>
-                                          </p:stCondLst>
-                                        </p:cTn>
-                                        <p:tgtEl>
-                                          <p:spTgt spid="8">
-                                            <p:txEl>
-                                              <p:pRg st="2" end="2"/>
-                                            </p:txEl>
-                                          </p:spTgt>
-                                        </p:tgtEl>
-                                        <p:attrNameLst>
-                                          <p:attrName>style.visibility</p:attrName>
-                                        </p:attrNameLst>
-                                      </p:cBhvr>
-                                      <p:to>
-                                        <p:strVal val="visible"/>
-                                      </p:to>
-                                    </p:set>
-                                  </p:childTnLst>
-                                </p:cTn>
-                              </p:par>
-                            </p:childTnLst>
-                          </p:cTn>
-                        </p:par>
-                      </p:childTnLst>
-                    </p:cTn>
-                  </p:par>
-                  <p:par>
-                    <p:cTn id="19" fill="hold">
-                      <p:stCondLst>
-                        <p:cond delay="indefinite"/>
-                      </p:stCondLst>
-                      <p:childTnLst>
-                        <p:par>
-                          <p:cTn id="20" fill="hold">
-                            <p:stCondLst>
-                              <p:cond delay="0"/>
-                            </p:stCondLst>
-                            <p:childTnLst>
-                              <p:par>
-                                <p:cTn id="21" presetID="1" presetClass="entr" presetSubtype="0" fill="hold" nodeType="clickEffect">
-                                  <p:stCondLst>
-                                    <p:cond delay="0"/>
-                                  </p:stCondLst>
-                                  <p:childTnLst>
-                                    <p:set>
-                                      <p:cBhvr>
-                                        <p:cTn id="22" dur="1" fill="hold">
-                                          <p:stCondLst>
-                                            <p:cond delay="0"/>
-                                          </p:stCondLst>
-                                        </p:cTn>
-                                        <p:tgtEl>
-                                          <p:spTgt spid="8">
-                                            <p:txEl>
-                                              <p:pRg st="3" end="3"/>
-                                            </p:txEl>
-                                          </p:spTgt>
-                                        </p:tgtEl>
-                                        <p:attrNameLst>
-                                          <p:attrName>style.visibility</p:attrName>
-                                        </p:attrNameLst>
-                                      </p:cBhvr>
-                                      <p:to>
-                                        <p:strVal val="visible"/>
-                                      </p:to>
-                                    </p:set>
-                                  </p:childTnLst>
-                                </p:cTn>
-                              </p:par>
-                            </p:childTnLst>
-                          </p:cTn>
-                        </p:par>
-                      </p:childTnLst>
-                    </p:cTn>
-                  </p:par>
-                  <p:par>
-                    <p:cTn id="23" fill="hold">
-                      <p:stCondLst>
-                        <p:cond delay="indefinite"/>
-                      </p:stCondLst>
-                      <p:childTnLst>
-                        <p:par>
-                          <p:cTn id="24" fill="hold">
-                            <p:stCondLst>
-                              <p:cond delay="0"/>
-                            </p:stCondLst>
-                            <p:childTnLst>
-                              <p:par>
-                                <p:cTn id="25" presetID="1" presetClass="entr" presetSubtype="0" fill="hold" nodeType="clickEffect">
-                                  <p:stCondLst>
-                                    <p:cond delay="0"/>
-                                  </p:stCondLst>
-                                  <p:childTnLst>
-                                    <p:set>
-                                      <p:cBhvr>
-                                        <p:cTn id="26" dur="1" fill="hold">
-                                          <p:stCondLst>
-                                            <p:cond delay="0"/>
-                                          </p:stCondLst>
-                                        </p:cTn>
-                                        <p:tgtEl>
-                                          <p:spTgt spid="8">
-                                            <p:txEl>
-                                              <p:pRg st="4" end="4"/>
-                                            </p:txEl>
-                                          </p:spTgt>
-                                        </p:tgtEl>
-                                        <p:attrNameLst>
-                                          <p:attrName>style.visibility</p:attrName>
-                                        </p:attrNameLst>
-                                      </p:cBhvr>
-                                      <p:to>
-                                        <p:strVal val="visible"/>
-                                      </p:to>
-                                    </p:set>
-                                  </p:childTnLst>
-                                </p:cTn>
-                              </p:par>
-                            </p:childTnLst>
-                          </p:cTn>
-                        </p:par>
-                      </p:childTnLst>
-                    </p:cTn>
-                  </p:par>
-                  <p:par>
-                    <p:cTn id="27" fill="hold">
-                      <p:stCondLst>
-                        <p:cond delay="indefinite"/>
-                      </p:stCondLst>
-                      <p:childTnLst>
-                        <p:par>
-                          <p:cTn id="28" fill="hold">
-                            <p:stCondLst>
-                              <p:cond delay="0"/>
-                            </p:stCondLst>
-                            <p:childTnLst>
-                              <p:par>
-                                <p:cTn id="29" presetID="1" presetClass="entr" presetSubtype="0" fill="hold" nodeType="clickEffect">
-                                  <p:stCondLst>
-                                    <p:cond delay="0"/>
-                                  </p:stCondLst>
-                                  <p:childTnLst>
-                                    <p:set>
-                                      <p:cBhvr>
-                                        <p:cTn id="30" dur="1" fill="hold">
-                                          <p:stCondLst>
-                                            <p:cond delay="0"/>
-                                          </p:stCondLst>
-                                        </p:cTn>
-                                        <p:tgtEl>
-                                          <p:spTgt spid="8">
-                                            <p:txEl>
-                                              <p:pRg st="5" end="5"/>
-                                            </p:txEl>
-                                          </p:spTgt>
-                                        </p:tgtEl>
-                                        <p:attrNameLst>
-                                          <p:attrName>style.visibility</p:attrName>
-                                        </p:attrNameLst>
-                                      </p:cBhvr>
-                                      <p:to>
-                                        <p:strVal val="visible"/>
-                                      </p:to>
-                                    </p:set>
-                                  </p:childTnLst>
-                                </p:cTn>
-                              </p:par>
-                            </p:childTnLst>
-                          </p:cTn>
-                        </p:par>
-                      </p:childTnLst>
-                    </p:cTn>
-                  </p:par>
-                  <p:par>
-                    <p:cTn id="31" fill="hold">
-                      <p:stCondLst>
-                        <p:cond delay="indefinite"/>
-                      </p:stCondLst>
-                      <p:childTnLst>
-                        <p:par>
-                          <p:cTn id="32" fill="hold">
-                            <p:stCondLst>
-                              <p:cond delay="0"/>
-                            </p:stCondLst>
-                            <p:childTnLst>
-                              <p:par>
-                                <p:cTn id="33" presetID="1" presetClass="entr" presetSubtype="0" fill="hold" grpId="0" nodeType="clickEffect">
-                                  <p:stCondLst>
-                                    <p:cond delay="0"/>
-                                  </p:stCondLst>
-                                  <p:childTnLst>
-                                    <p:set>
-                                      <p:cBhvr>
-                                        <p:cTn id="34" dur="1" fill="hold">
-                                          <p:stCondLst>
-                                            <p:cond delay="0"/>
-                                          </p:stCondLst>
-                                        </p:cTn>
-                                        <p:tgtEl>
-                                          <p:spTgt spid="9"/>
-                                        </p:tgtEl>
-                                        <p:attrNameLst>
-                                          <p:attrName>style.visibility</p:attrName>
-                                        </p:attrNameLst>
-                                      </p:cBhvr>
-                                      <p:to>
-                                        <p:strVal val="visible"/>
-                                      </p:to>
-                                    </p:set>
-                                  </p:childTnLst>
-                                </p:cTn>
-                              </p:par>
-                            </p:childTnLst>
-                          </p:cTn>
-                        </p:par>
-                      </p:childTnLst>
-                    </p:cTn>
-                  </p:par>
-                  <p:par>
-                    <p:cTn id="35" fill="hold">
-                      <p:stCondLst>
-                        <p:cond delay="indefinite"/>
-                      </p:stCondLst>
-                      <p:childTnLst>
-                        <p:par>
-                          <p:cTn id="36" fill="hold">
-                            <p:stCondLst>
-                              <p:cond delay="0"/>
-                            </p:stCondLst>
-                            <p:childTnLst>
-                              <p:par>
-                                <p:cTn id="37" presetID="1" presetClass="entr" presetSubtype="0" fill="hold" grpId="0" nodeType="clickEffect">
-                                  <p:stCondLst>
-                                    <p:cond delay="0"/>
-                                  </p:stCondLst>
-                                  <p:childTnLst>
-                                    <p:set>
-                                      <p:cBhvr>
-                                        <p:cTn id="38" dur="1" fill="hold">
                                           <p:stCondLst>
                                             <p:cond delay="0"/>
                                           </p:stCondLst>
@@ -4712,11 +4387,6 @@
         </p:cTn>
       </p:par>
     </p:tnLst>
-    <p:bldLst>
-      <p:bldP spid="9" grpId="0"/>
-      <p:bldP spid="10" grpId="0"/>
-      <p:bldP spid="6" grpId="0"/>
-    </p:bldLst>
   </p:timing>
 </p:sld>
 </file>
@@ -4738,6 +4408,506 @@
           <a:chExt cx="0" cy="0"/>
         </a:xfrm>
       </p:grpSpPr>
+      <p:pic>
+        <p:nvPicPr>
+          <p:cNvPr id="5" name="图片 4">
+            <a:extLst>
+              <a:ext uri="{FF2B5EF4-FFF2-40B4-BE49-F238E27FC236}">
+                <a16:creationId xmlns:a16="http://schemas.microsoft.com/office/drawing/2014/main" id="{0330276B-50F4-4EBB-8977-27F7D5CD30D2}"/>
+              </a:ext>
+            </a:extLst>
+          </p:cNvPr>
+          <p:cNvPicPr>
+            <a:picLocks noChangeAspect="1"/>
+          </p:cNvPicPr>
+          <p:nvPr/>
+        </p:nvPicPr>
+        <p:blipFill>
+          <a:blip r:embed="rId2"/>
+          <a:stretch>
+            <a:fillRect/>
+          </a:stretch>
+        </p:blipFill>
+        <p:spPr>
+          <a:xfrm>
+            <a:off x="2524590" y="1420847"/>
+            <a:ext cx="5581650" cy="4514850"/>
+          </a:xfrm>
+          <a:prstGeom prst="rect">
+            <a:avLst/>
+          </a:prstGeom>
+        </p:spPr>
+      </p:pic>
+      <p:sp>
+        <p:nvSpPr>
+          <p:cNvPr id="6" name="文本框 5">
+            <a:extLst>
+              <a:ext uri="{FF2B5EF4-FFF2-40B4-BE49-F238E27FC236}">
+                <a16:creationId xmlns:a16="http://schemas.microsoft.com/office/drawing/2014/main" id="{AD80EA7C-62DB-435E-839B-54F2262FC6F2}"/>
+              </a:ext>
+            </a:extLst>
+          </p:cNvPr>
+          <p:cNvSpPr txBox="1"/>
+          <p:nvPr/>
+        </p:nvSpPr>
+        <p:spPr>
+          <a:xfrm>
+            <a:off x="1860943" y="675969"/>
+            <a:ext cx="7506082" cy="461665"/>
+          </a:xfrm>
+          <a:prstGeom prst="rect">
+            <a:avLst/>
+          </a:prstGeom>
+          <a:noFill/>
+        </p:spPr>
+        <p:txBody>
+          <a:bodyPr wrap="square">
+            <a:spAutoFit/>
+          </a:bodyPr>
+          <a:lstStyle/>
+          <a:p>
+            <a:pPr marL="0" marR="0" lvl="0" indent="0" algn="l" defTabSz="914400" rtl="0" eaLnBrk="1" fontAlgn="auto" latinLnBrk="0" hangingPunct="1">
+              <a:lnSpc>
+                <a:spcPct val="100000"/>
+              </a:lnSpc>
+              <a:spcBef>
+                <a:spcPts val="0"/>
+              </a:spcBef>
+              <a:spcAft>
+                <a:spcPts val="0"/>
+              </a:spcAft>
+              <a:buClrTx/>
+              <a:buSzTx/>
+              <a:buFontTx/>
+              <a:buNone/>
+              <a:tabLst/>
+              <a:defRPr/>
+            </a:pPr>
+            <a:r>
+              <a:rPr kumimoji="0" lang="en-US" altLang="zh-CN" sz="2400" b="0" i="0" u="none" strike="noStrike" kern="1200" cap="none" spc="0" normalizeH="0" baseline="0" noProof="0" dirty="0">
+                <a:ln>
+                  <a:noFill/>
+                </a:ln>
+                <a:solidFill>
+                  <a:prstClr val="black"/>
+                </a:solidFill>
+                <a:effectLst/>
+                <a:uLnTx/>
+                <a:uFillTx/>
+                <a:latin typeface="Calibri"/>
+                <a:ea typeface="宋体" panose="02010600030101010101" pitchFamily="2" charset="-122"/>
+                <a:cs typeface="+mn-cs"/>
+              </a:rPr>
+              <a:t>You can use object or class to access the static members.</a:t>
+            </a:r>
+            <a:endParaRPr kumimoji="0" lang="zh-CN" altLang="en-US" sz="2400" b="0" i="0" u="none" strike="noStrike" kern="1200" cap="none" spc="0" normalizeH="0" baseline="0" noProof="0" dirty="0">
+              <a:ln>
+                <a:noFill/>
+              </a:ln>
+              <a:solidFill>
+                <a:prstClr val="black"/>
+              </a:solidFill>
+              <a:effectLst/>
+              <a:uLnTx/>
+              <a:uFillTx/>
+              <a:latin typeface="Calibri"/>
+              <a:ea typeface="宋体" panose="02010600030101010101" pitchFamily="2" charset="-122"/>
+              <a:cs typeface="+mn-cs"/>
+            </a:endParaRPr>
+          </a:p>
+        </p:txBody>
+      </p:sp>
+      <p:sp>
+        <p:nvSpPr>
+          <p:cNvPr id="7" name="矩形 6">
+            <a:extLst>
+              <a:ext uri="{FF2B5EF4-FFF2-40B4-BE49-F238E27FC236}">
+                <a16:creationId xmlns:a16="http://schemas.microsoft.com/office/drawing/2014/main" id="{68712426-C642-4833-886B-A04B94BAD36A}"/>
+              </a:ext>
+            </a:extLst>
+          </p:cNvPr>
+          <p:cNvSpPr/>
+          <p:nvPr/>
+        </p:nvSpPr>
+        <p:spPr>
+          <a:xfrm>
+            <a:off x="3367668" y="4007234"/>
+            <a:ext cx="1494264" cy="211873"/>
+          </a:xfrm>
+          <a:prstGeom prst="rect">
+            <a:avLst/>
+          </a:prstGeom>
+          <a:noFill/>
+          <a:ln w="19050">
+            <a:solidFill>
+              <a:srgbClr val="FF0000"/>
+            </a:solidFill>
+          </a:ln>
+        </p:spPr>
+        <p:style>
+          <a:lnRef idx="2">
+            <a:schemeClr val="accent1">
+              <a:shade val="50000"/>
+            </a:schemeClr>
+          </a:lnRef>
+          <a:fillRef idx="1">
+            <a:schemeClr val="accent1"/>
+          </a:fillRef>
+          <a:effectRef idx="0">
+            <a:schemeClr val="accent1"/>
+          </a:effectRef>
+          <a:fontRef idx="minor">
+            <a:schemeClr val="lt1"/>
+          </a:fontRef>
+        </p:style>
+        <p:txBody>
+          <a:bodyPr rtlCol="0" anchor="ctr"/>
+          <a:lstStyle/>
+          <a:p>
+            <a:pPr marL="0" marR="0" lvl="0" indent="0" algn="ctr" defTabSz="914400" rtl="0" eaLnBrk="1" fontAlgn="auto" latinLnBrk="0" hangingPunct="1">
+              <a:lnSpc>
+                <a:spcPct val="100000"/>
+              </a:lnSpc>
+              <a:spcBef>
+                <a:spcPts val="0"/>
+              </a:spcBef>
+              <a:spcAft>
+                <a:spcPts val="0"/>
+              </a:spcAft>
+              <a:buClrTx/>
+              <a:buSzTx/>
+              <a:buFontTx/>
+              <a:buNone/>
+              <a:tabLst/>
+              <a:defRPr/>
+            </a:pPr>
+            <a:endParaRPr kumimoji="0" lang="zh-CN" altLang="en-US" sz="1800" b="0" i="0" u="none" strike="noStrike" kern="1200" cap="none" spc="0" normalizeH="0" baseline="0" noProof="0">
+              <a:ln>
+                <a:noFill/>
+              </a:ln>
+              <a:solidFill>
+                <a:prstClr val="white"/>
+              </a:solidFill>
+              <a:effectLst/>
+              <a:uLnTx/>
+              <a:uFillTx/>
+              <a:latin typeface="Calibri"/>
+              <a:ea typeface="宋体" panose="02010600030101010101" pitchFamily="2" charset="-122"/>
+              <a:cs typeface="+mn-cs"/>
+            </a:endParaRPr>
+          </a:p>
+        </p:txBody>
+      </p:sp>
+      <p:sp>
+        <p:nvSpPr>
+          <p:cNvPr id="8" name="矩形 7">
+            <a:extLst>
+              <a:ext uri="{FF2B5EF4-FFF2-40B4-BE49-F238E27FC236}">
+                <a16:creationId xmlns:a16="http://schemas.microsoft.com/office/drawing/2014/main" id="{35958525-A9DE-4AD0-BC42-2D8EE57269C1}"/>
+              </a:ext>
+            </a:extLst>
+          </p:cNvPr>
+          <p:cNvSpPr/>
+          <p:nvPr/>
+        </p:nvSpPr>
+        <p:spPr>
+          <a:xfrm>
+            <a:off x="3564671" y="4851005"/>
+            <a:ext cx="2211659" cy="211873"/>
+          </a:xfrm>
+          <a:prstGeom prst="rect">
+            <a:avLst/>
+          </a:prstGeom>
+          <a:noFill/>
+          <a:ln w="19050">
+            <a:solidFill>
+              <a:srgbClr val="FF0000"/>
+            </a:solidFill>
+          </a:ln>
+        </p:spPr>
+        <p:style>
+          <a:lnRef idx="2">
+            <a:schemeClr val="accent1">
+              <a:shade val="50000"/>
+            </a:schemeClr>
+          </a:lnRef>
+          <a:fillRef idx="1">
+            <a:schemeClr val="accent1"/>
+          </a:fillRef>
+          <a:effectRef idx="0">
+            <a:schemeClr val="accent1"/>
+          </a:effectRef>
+          <a:fontRef idx="minor">
+            <a:schemeClr val="lt1"/>
+          </a:fontRef>
+        </p:style>
+        <p:txBody>
+          <a:bodyPr rtlCol="0" anchor="ctr"/>
+          <a:lstStyle/>
+          <a:p>
+            <a:pPr marL="0" marR="0" lvl="0" indent="0" algn="ctr" defTabSz="914400" rtl="0" eaLnBrk="1" fontAlgn="auto" latinLnBrk="0" hangingPunct="1">
+              <a:lnSpc>
+                <a:spcPct val="100000"/>
+              </a:lnSpc>
+              <a:spcBef>
+                <a:spcPts val="0"/>
+              </a:spcBef>
+              <a:spcAft>
+                <a:spcPts val="0"/>
+              </a:spcAft>
+              <a:buClrTx/>
+              <a:buSzTx/>
+              <a:buFontTx/>
+              <a:buNone/>
+              <a:tabLst/>
+              <a:defRPr/>
+            </a:pPr>
+            <a:endParaRPr kumimoji="0" lang="zh-CN" altLang="en-US" sz="1800" b="0" i="0" u="none" strike="noStrike" kern="1200" cap="none" spc="0" normalizeH="0" baseline="0" noProof="0">
+              <a:ln>
+                <a:noFill/>
+              </a:ln>
+              <a:solidFill>
+                <a:prstClr val="white"/>
+              </a:solidFill>
+              <a:effectLst/>
+              <a:uLnTx/>
+              <a:uFillTx/>
+              <a:latin typeface="Calibri"/>
+              <a:ea typeface="宋体" panose="02010600030101010101" pitchFamily="2" charset="-122"/>
+              <a:cs typeface="+mn-cs"/>
+            </a:endParaRPr>
+          </a:p>
+        </p:txBody>
+      </p:sp>
+    </p:spTree>
+    <p:extLst>
+      <p:ext uri="{BB962C8B-B14F-4D97-AF65-F5344CB8AC3E}">
+        <p14:creationId xmlns:p14="http://schemas.microsoft.com/office/powerpoint/2010/main" val="4240707781"/>
+      </p:ext>
+    </p:extLst>
+  </p:cSld>
+  <p:clrMapOvr>
+    <a:masterClrMapping/>
+  </p:clrMapOvr>
+  <p:timing>
+    <p:tnLst>
+      <p:par>
+        <p:cTn id="1" dur="indefinite" restart="never" nodeType="tmRoot">
+          <p:childTnLst>
+            <p:seq concurrent="1" nextAc="seek">
+              <p:cTn id="2" dur="indefinite" nodeType="mainSeq">
+                <p:childTnLst>
+                  <p:par>
+                    <p:cTn id="3" fill="hold">
+                      <p:stCondLst>
+                        <p:cond delay="indefinite"/>
+                      </p:stCondLst>
+                      <p:childTnLst>
+                        <p:par>
+                          <p:cTn id="4" fill="hold">
+                            <p:stCondLst>
+                              <p:cond delay="0"/>
+                            </p:stCondLst>
+                            <p:childTnLst>
+                              <p:par>
+                                <p:cTn id="5" presetID="1" presetClass="entr" presetSubtype="0" fill="hold" nodeType="clickEffect">
+                                  <p:stCondLst>
+                                    <p:cond delay="0"/>
+                                  </p:stCondLst>
+                                  <p:childTnLst>
+                                    <p:set>
+                                      <p:cBhvr>
+                                        <p:cTn id="6" dur="1" fill="hold">
+                                          <p:stCondLst>
+                                            <p:cond delay="0"/>
+                                          </p:stCondLst>
+                                        </p:cTn>
+                                        <p:tgtEl>
+                                          <p:spTgt spid="5"/>
+                                        </p:tgtEl>
+                                        <p:attrNameLst>
+                                          <p:attrName>style.visibility</p:attrName>
+                                        </p:attrNameLst>
+                                      </p:cBhvr>
+                                      <p:to>
+                                        <p:strVal val="visible"/>
+                                      </p:to>
+                                    </p:set>
+                                  </p:childTnLst>
+                                </p:cTn>
+                              </p:par>
+                            </p:childTnLst>
+                          </p:cTn>
+                        </p:par>
+                      </p:childTnLst>
+                    </p:cTn>
+                  </p:par>
+                  <p:par>
+                    <p:cTn id="7" fill="hold">
+                      <p:stCondLst>
+                        <p:cond delay="indefinite"/>
+                      </p:stCondLst>
+                      <p:childTnLst>
+                        <p:par>
+                          <p:cTn id="8" fill="hold">
+                            <p:stCondLst>
+                              <p:cond delay="0"/>
+                            </p:stCondLst>
+                            <p:childTnLst>
+                              <p:par>
+                                <p:cTn id="9" presetID="1" presetClass="entr" presetSubtype="0" fill="hold" grpId="0" nodeType="clickEffect">
+                                  <p:stCondLst>
+                                    <p:cond delay="0"/>
+                                  </p:stCondLst>
+                                  <p:childTnLst>
+                                    <p:set>
+                                      <p:cBhvr>
+                                        <p:cTn id="10" dur="1" fill="hold">
+                                          <p:stCondLst>
+                                            <p:cond delay="0"/>
+                                          </p:stCondLst>
+                                        </p:cTn>
+                                        <p:tgtEl>
+                                          <p:spTgt spid="7"/>
+                                        </p:tgtEl>
+                                        <p:attrNameLst>
+                                          <p:attrName>style.visibility</p:attrName>
+                                        </p:attrNameLst>
+                                      </p:cBhvr>
+                                      <p:to>
+                                        <p:strVal val="visible"/>
+                                      </p:to>
+                                    </p:set>
+                                  </p:childTnLst>
+                                </p:cTn>
+                              </p:par>
+                            </p:childTnLst>
+                          </p:cTn>
+                        </p:par>
+                      </p:childTnLst>
+                    </p:cTn>
+                  </p:par>
+                  <p:par>
+                    <p:cTn id="11" fill="hold">
+                      <p:stCondLst>
+                        <p:cond delay="indefinite"/>
+                      </p:stCondLst>
+                      <p:childTnLst>
+                        <p:par>
+                          <p:cTn id="12" fill="hold">
+                            <p:stCondLst>
+                              <p:cond delay="0"/>
+                            </p:stCondLst>
+                            <p:childTnLst>
+                              <p:par>
+                                <p:cTn id="13" presetID="1" presetClass="entr" presetSubtype="0" fill="hold" grpId="0" nodeType="clickEffect">
+                                  <p:stCondLst>
+                                    <p:cond delay="0"/>
+                                  </p:stCondLst>
+                                  <p:childTnLst>
+                                    <p:set>
+                                      <p:cBhvr>
+                                        <p:cTn id="14" dur="1" fill="hold">
+                                          <p:stCondLst>
+                                            <p:cond delay="0"/>
+                                          </p:stCondLst>
+                                        </p:cTn>
+                                        <p:tgtEl>
+                                          <p:spTgt spid="8"/>
+                                        </p:tgtEl>
+                                        <p:attrNameLst>
+                                          <p:attrName>style.visibility</p:attrName>
+                                        </p:attrNameLst>
+                                      </p:cBhvr>
+                                      <p:to>
+                                        <p:strVal val="visible"/>
+                                      </p:to>
+                                    </p:set>
+                                  </p:childTnLst>
+                                </p:cTn>
+                              </p:par>
+                            </p:childTnLst>
+                          </p:cTn>
+                        </p:par>
+                      </p:childTnLst>
+                    </p:cTn>
+                  </p:par>
+                </p:childTnLst>
+              </p:cTn>
+              <p:prevCondLst>
+                <p:cond evt="onPrev" delay="0">
+                  <p:tgtEl>
+                    <p:sldTgt/>
+                  </p:tgtEl>
+                </p:cond>
+              </p:prevCondLst>
+              <p:nextCondLst>
+                <p:cond evt="onNext" delay="0">
+                  <p:tgtEl>
+                    <p:sldTgt/>
+                  </p:tgtEl>
+                </p:cond>
+              </p:nextCondLst>
+            </p:seq>
+          </p:childTnLst>
+        </p:cTn>
+      </p:par>
+    </p:tnLst>
+    <p:bldLst>
+      <p:bldP spid="7" grpId="0" animBg="1"/>
+      <p:bldP spid="8" grpId="0" animBg="1"/>
+    </p:bldLst>
+  </p:timing>
+</p:sld>
+</file>
+
+<file path=ppt/slides/slide12.xml><?xml version="1.0" encoding="utf-8"?>
+<p:sld xmlns:a="http://schemas.openxmlformats.org/drawingml/2006/main" xmlns:r="http://schemas.openxmlformats.org/officeDocument/2006/relationships" xmlns:p="http://schemas.openxmlformats.org/presentationml/2006/main">
+  <p:cSld>
+    <p:spTree>
+      <p:nvGrpSpPr>
+        <p:cNvPr id="1" name=""/>
+        <p:cNvGrpSpPr/>
+        <p:nvPr/>
+      </p:nvGrpSpPr>
+      <p:grpSpPr>
+        <a:xfrm>
+          <a:off x="0" y="0"/>
+          <a:ext cx="0" cy="0"/>
+          <a:chOff x="0" y="0"/>
+          <a:chExt cx="0" cy="0"/>
+        </a:xfrm>
+      </p:grpSpPr>
+      <p:pic>
+        <p:nvPicPr>
+          <p:cNvPr id="8" name="图片 7">
+            <a:extLst>
+              <a:ext uri="{FF2B5EF4-FFF2-40B4-BE49-F238E27FC236}">
+                <a16:creationId xmlns:a16="http://schemas.microsoft.com/office/drawing/2014/main" id="{7A014D98-916F-133E-F24F-040080D1AE30}"/>
+              </a:ext>
+            </a:extLst>
+          </p:cNvPr>
+          <p:cNvPicPr>
+            <a:picLocks noChangeAspect="1"/>
+          </p:cNvPicPr>
+          <p:nvPr/>
+        </p:nvPicPr>
+        <p:blipFill>
+          <a:blip r:embed="rId2"/>
+          <a:stretch>
+            <a:fillRect/>
+          </a:stretch>
+        </p:blipFill>
+        <p:spPr>
+          <a:xfrm>
+            <a:off x="955281" y="2730930"/>
+            <a:ext cx="4057004" cy="3352090"/>
+          </a:xfrm>
+          <a:prstGeom prst="rect">
+            <a:avLst/>
+          </a:prstGeom>
+        </p:spPr>
+      </p:pic>
       <p:sp>
         <p:nvSpPr>
           <p:cNvPr id="2" name="标题 1"/>
@@ -4751,17 +4921,17 @@
         <p:spPr/>
         <p:txBody>
           <a:bodyPr>
-            <a:normAutofit fontScale="90000"/>
+            <a:normAutofit/>
           </a:bodyPr>
           <a:lstStyle/>
           <a:p>
             <a:r>
-              <a:rPr lang="en-US" altLang="zh-CN" dirty="0">
+              <a:rPr lang="en-US" altLang="zh-CN" sz="3200" b="1" dirty="0">
                 <a:sym typeface="+mn-ea"/>
               </a:rPr>
-              <a:t>const member variables and member functions</a:t>
-            </a:r>
-            <a:endParaRPr lang="zh-CN" altLang="en-US" dirty="0"/>
+              <a:t>Const member variables</a:t>
+            </a:r>
+            <a:endParaRPr lang="zh-CN" altLang="en-US" sz="3200" b="1" dirty="0"/>
           </a:p>
         </p:txBody>
       </p:sp>
@@ -4779,8 +4949,8 @@
         </p:nvSpPr>
         <p:spPr>
           <a:xfrm>
-            <a:off x="887506" y="1330422"/>
-            <a:ext cx="10416988" cy="830997"/>
+            <a:off x="1088312" y="881366"/>
+            <a:ext cx="10416988" cy="1569660"/>
           </a:xfrm>
           <a:prstGeom prst="rect">
             <a:avLst/>
@@ -4796,7 +4966,15 @@
             <a:pPr algn="l"/>
             <a:r>
               <a:rPr lang="en-US" altLang="zh-CN" sz="2400" dirty="0"/>
-              <a:t>If some member variables need not be modified, these variables can be defined as </a:t>
+              <a:t>The </a:t>
+            </a:r>
+            <a:r>
+              <a:rPr lang="en-US" altLang="zh-CN" sz="2400" b="1" dirty="0"/>
+              <a:t>const</a:t>
+            </a:r>
+            <a:r>
+              <a:rPr lang="en-US" altLang="zh-CN" sz="2400" dirty="0"/>
+              <a:t> keyword specifies that a variable’s value is constant and tells the compiler to prevent the programmer from modifying it. If some member variables need not be modified, these variables can be defined as </a:t>
             </a:r>
             <a:r>
               <a:rPr lang="en-US" altLang="zh-CN" sz="2400" b="1" dirty="0">
@@ -4816,75 +4994,15 @@
                   <a:srgbClr val="00B0F0"/>
                 </a:solidFill>
               </a:rPr>
-              <a:t>initialization list</a:t>
+              <a:t>initialization list </a:t>
             </a:r>
             <a:r>
               <a:rPr lang="en-US" altLang="zh-CN" sz="2400" dirty="0"/>
-              <a:t>.</a:t>
+              <a:t>in the constructor.</a:t>
             </a:r>
           </a:p>
         </p:txBody>
       </p:sp>
-      <p:pic>
-        <p:nvPicPr>
-          <p:cNvPr id="6" name="图片 5">
-            <a:extLst>
-              <a:ext uri="{FF2B5EF4-FFF2-40B4-BE49-F238E27FC236}">
-                <a16:creationId xmlns:a16="http://schemas.microsoft.com/office/drawing/2014/main" id="{7BD3ADE5-BD11-4539-9824-5267CF904A7D}"/>
-              </a:ext>
-            </a:extLst>
-          </p:cNvPr>
-          <p:cNvPicPr>
-            <a:picLocks noChangeAspect="1"/>
-          </p:cNvPicPr>
-          <p:nvPr/>
-        </p:nvPicPr>
-        <p:blipFill>
-          <a:blip r:embed="rId2"/>
-          <a:stretch>
-            <a:fillRect/>
-          </a:stretch>
-        </p:blipFill>
-        <p:spPr>
-          <a:xfrm>
-            <a:off x="973068" y="2459410"/>
-            <a:ext cx="6172200" cy="3248025"/>
-          </a:xfrm>
-          <a:prstGeom prst="rect">
-            <a:avLst/>
-          </a:prstGeom>
-        </p:spPr>
-      </p:pic>
-      <p:pic>
-        <p:nvPicPr>
-          <p:cNvPr id="11" name="图片 10">
-            <a:extLst>
-              <a:ext uri="{FF2B5EF4-FFF2-40B4-BE49-F238E27FC236}">
-                <a16:creationId xmlns:a16="http://schemas.microsoft.com/office/drawing/2014/main" id="{D17CA1F2-0205-429D-8FD2-B3D96FC0F70B}"/>
-              </a:ext>
-            </a:extLst>
-          </p:cNvPr>
-          <p:cNvPicPr>
-            <a:picLocks noChangeAspect="1"/>
-          </p:cNvPicPr>
-          <p:nvPr/>
-        </p:nvPicPr>
-        <p:blipFill>
-          <a:blip r:embed="rId3"/>
-          <a:stretch>
-            <a:fillRect/>
-          </a:stretch>
-        </p:blipFill>
-        <p:spPr>
-          <a:xfrm>
-            <a:off x="887506" y="6005426"/>
-            <a:ext cx="6086475" cy="276225"/>
-          </a:xfrm>
-          <a:prstGeom prst="rect">
-            <a:avLst/>
-          </a:prstGeom>
-        </p:spPr>
-      </p:pic>
       <p:grpSp>
         <p:nvGrpSpPr>
           <p:cNvPr id="12" name="组合 11">
@@ -4899,10 +5017,10 @@
         </p:nvGrpSpPr>
         <p:grpSpPr>
           <a:xfrm>
-            <a:off x="1317525" y="2649937"/>
-            <a:ext cx="4508680" cy="857219"/>
-            <a:chOff x="1284481" y="4479058"/>
-            <a:chExt cx="4967893" cy="944528"/>
+            <a:off x="1299053" y="3324569"/>
+            <a:ext cx="3909250" cy="681578"/>
+            <a:chOff x="1284481" y="4662663"/>
+            <a:chExt cx="4307411" cy="750997"/>
           </a:xfrm>
         </p:grpSpPr>
         <p:sp>
@@ -4920,7 +5038,7 @@
           <p:spPr>
             <a:xfrm>
               <a:off x="1284481" y="5097172"/>
-              <a:ext cx="2297564" cy="326414"/>
+              <a:ext cx="1377515" cy="316488"/>
             </a:xfrm>
             <a:prstGeom prst="rect">
               <a:avLst/>
@@ -4971,10 +5089,10 @@
           </p:nvGrpSpPr>
           <p:grpSpPr>
             <a:xfrm>
-              <a:off x="3457905" y="4479058"/>
-              <a:ext cx="2794469" cy="695428"/>
-              <a:chOff x="1369251" y="3919311"/>
-              <a:chExt cx="2794469" cy="695428"/>
+              <a:off x="2572329" y="4662663"/>
+              <a:ext cx="3019563" cy="601056"/>
+              <a:chOff x="483675" y="4102916"/>
+              <a:chExt cx="3019563" cy="601056"/>
             </a:xfrm>
           </p:grpSpPr>
           <p:cxnSp>
@@ -4993,7 +5111,7 @@
             </p:nvCxnSpPr>
             <p:spPr>
               <a:xfrm flipH="1">
-                <a:off x="1369251" y="4298250"/>
+                <a:off x="483675" y="4387483"/>
                 <a:ext cx="467936" cy="316489"/>
               </a:xfrm>
               <a:prstGeom prst="straightConnector1">
@@ -5035,7 +5153,7 @@
             </p:nvSpPr>
             <p:spPr>
               <a:xfrm>
-                <a:off x="1712630" y="3919311"/>
+                <a:off x="1052148" y="4102916"/>
                 <a:ext cx="2451090" cy="378830"/>
               </a:xfrm>
               <a:prstGeom prst="rect">
@@ -5073,7 +5191,7 @@
         </p:nvGrpSpPr>
         <p:grpSpPr>
           <a:xfrm>
-            <a:off x="1389240" y="3824301"/>
+            <a:off x="1304646" y="3682497"/>
             <a:ext cx="7226312" cy="758604"/>
             <a:chOff x="1284481" y="4587716"/>
             <a:chExt cx="7962316" cy="835870"/>
@@ -5233,12 +5351,42 @@
           </p:sp>
         </p:grpSp>
       </p:grpSp>
+      <p:pic>
+        <p:nvPicPr>
+          <p:cNvPr id="17" name="图片 16">
+            <a:extLst>
+              <a:ext uri="{FF2B5EF4-FFF2-40B4-BE49-F238E27FC236}">
+                <a16:creationId xmlns:a16="http://schemas.microsoft.com/office/drawing/2014/main" id="{7FFBABE0-B4B4-0190-B2E3-A626E3FA57B5}"/>
+              </a:ext>
+            </a:extLst>
+          </p:cNvPr>
+          <p:cNvPicPr>
+            <a:picLocks noChangeAspect="1"/>
+          </p:cNvPicPr>
+          <p:nvPr/>
+        </p:nvPicPr>
+        <p:blipFill>
+          <a:blip r:embed="rId3"/>
+          <a:stretch>
+            <a:fillRect/>
+          </a:stretch>
+        </p:blipFill>
+        <p:spPr>
+          <a:xfrm>
+            <a:off x="5956589" y="4577185"/>
+            <a:ext cx="2023224" cy="1505835"/>
+          </a:xfrm>
+          <a:prstGeom prst="rect">
+            <a:avLst/>
+          </a:prstGeom>
+        </p:spPr>
+      </p:pic>
       <p:grpSp>
         <p:nvGrpSpPr>
-          <p:cNvPr id="23" name="组合 22">
+          <p:cNvPr id="28" name="组合 27">
             <a:extLst>
               <a:ext uri="{FF2B5EF4-FFF2-40B4-BE49-F238E27FC236}">
-                <a16:creationId xmlns:a16="http://schemas.microsoft.com/office/drawing/2014/main" id="{EEAA1A67-8E0B-4F55-ADCB-81D729334F8B}"/>
+                <a16:creationId xmlns:a16="http://schemas.microsoft.com/office/drawing/2014/main" id="{5298C3B2-DD40-017D-4DAF-A2A4D0A39BCC}"/>
               </a:ext>
             </a:extLst>
           </p:cNvPr>
@@ -5247,18 +5395,18 @@
         </p:nvGrpSpPr>
         <p:grpSpPr>
           <a:xfrm>
-            <a:off x="932042" y="5457984"/>
-            <a:ext cx="7727375" cy="846160"/>
-            <a:chOff x="1284481" y="4491244"/>
-            <a:chExt cx="8514412" cy="932342"/>
+            <a:off x="6309800" y="4441096"/>
+            <a:ext cx="5607150" cy="810954"/>
+            <a:chOff x="1284481" y="4513916"/>
+            <a:chExt cx="6178242" cy="893551"/>
           </a:xfrm>
         </p:grpSpPr>
         <p:sp>
           <p:nvSpPr>
-            <p:cNvPr id="24" name="矩形 23">
+            <p:cNvPr id="29" name="矩形 28">
               <a:extLst>
                 <a:ext uri="{FF2B5EF4-FFF2-40B4-BE49-F238E27FC236}">
-                  <a16:creationId xmlns:a16="http://schemas.microsoft.com/office/drawing/2014/main" id="{A2F2A3A4-E0E2-49EC-9C98-F586015DB22F}"/>
+                  <a16:creationId xmlns:a16="http://schemas.microsoft.com/office/drawing/2014/main" id="{50AB2F83-303C-5290-280E-845B5A504EC3}"/>
                 </a:ext>
               </a:extLst>
             </p:cNvPr>
@@ -5267,8 +5415,8 @@
           </p:nvSpPr>
           <p:spPr>
             <a:xfrm>
-              <a:off x="1284481" y="5097172"/>
-              <a:ext cx="6706387" cy="326414"/>
+              <a:off x="1284481" y="5097173"/>
+              <a:ext cx="1738781" cy="310294"/>
             </a:xfrm>
             <a:prstGeom prst="rect">
               <a:avLst/>
@@ -5307,10 +5455,10 @@
         </p:sp>
         <p:grpSp>
           <p:nvGrpSpPr>
-            <p:cNvPr id="25" name="组合 24">
+            <p:cNvPr id="30" name="组合 29">
               <a:extLst>
                 <a:ext uri="{FF2B5EF4-FFF2-40B4-BE49-F238E27FC236}">
-                  <a16:creationId xmlns:a16="http://schemas.microsoft.com/office/drawing/2014/main" id="{4CDCAF25-3ABE-4C40-8CD6-0487BF4052C6}"/>
+                  <a16:creationId xmlns:a16="http://schemas.microsoft.com/office/drawing/2014/main" id="{77170CB3-FA1F-FE06-9820-0ED1832BFB58}"/>
                 </a:ext>
               </a:extLst>
             </p:cNvPr>
@@ -5319,18 +5467,18 @@
           </p:nvGrpSpPr>
           <p:grpSpPr>
             <a:xfrm>
-              <a:off x="3758092" y="4491244"/>
-              <a:ext cx="6040801" cy="584723"/>
-              <a:chOff x="1669438" y="3931497"/>
-              <a:chExt cx="6040801" cy="584723"/>
+              <a:off x="2875963" y="4513916"/>
+              <a:ext cx="4586760" cy="655922"/>
+              <a:chOff x="787309" y="3954169"/>
+              <a:chExt cx="4586760" cy="655922"/>
             </a:xfrm>
           </p:grpSpPr>
           <p:cxnSp>
             <p:nvCxnSpPr>
-              <p:cNvPr id="26" name="直接箭头连接符 25">
+              <p:cNvPr id="31" name="直接箭头连接符 30">
                 <a:extLst>
                   <a:ext uri="{FF2B5EF4-FFF2-40B4-BE49-F238E27FC236}">
-                    <a16:creationId xmlns:a16="http://schemas.microsoft.com/office/drawing/2014/main" id="{16293ED7-5C7B-4F99-ABC8-74B6DFA31F94}"/>
+                    <a16:creationId xmlns:a16="http://schemas.microsoft.com/office/drawing/2014/main" id="{7D6F8D85-E8DA-662F-D4A4-592B9831F331}"/>
                   </a:ext>
                 </a:extLst>
               </p:cNvPr>
@@ -5341,7 +5489,7 @@
             </p:nvCxnSpPr>
             <p:spPr>
               <a:xfrm flipH="1">
-                <a:off x="1669438" y="4199731"/>
+                <a:off x="787309" y="4242700"/>
                 <a:ext cx="467936" cy="316489"/>
               </a:xfrm>
               <a:prstGeom prst="straightConnector1">
@@ -5371,10 +5519,10 @@
           </p:cxnSp>
           <p:sp>
             <p:nvSpPr>
-              <p:cNvPr id="27" name="TextBox 11">
+              <p:cNvPr id="32" name="TextBox 11">
                 <a:extLst>
                   <a:ext uri="{FF2B5EF4-FFF2-40B4-BE49-F238E27FC236}">
-                    <a16:creationId xmlns:a16="http://schemas.microsoft.com/office/drawing/2014/main" id="{CF1F9F9E-3E6C-45CC-888F-C94EB071557B}"/>
+                    <a16:creationId xmlns:a16="http://schemas.microsoft.com/office/drawing/2014/main" id="{4AB23A08-CBB1-4F97-4D5A-54205F02E410}"/>
                   </a:ext>
                 </a:extLst>
               </p:cNvPr>
@@ -5383,8 +5531,8 @@
             </p:nvSpPr>
             <p:spPr>
               <a:xfrm>
-                <a:off x="2137375" y="3931497"/>
-                <a:ext cx="5572864" cy="378829"/>
+                <a:off x="1249899" y="3954169"/>
+                <a:ext cx="4124170" cy="655922"/>
               </a:xfrm>
               <a:prstGeom prst="rect">
                 <a:avLst/>
@@ -5399,7 +5547,21 @@
               <a:p>
                 <a:r>
                   <a:rPr lang="en-US" altLang="zh-CN" sz="1634" dirty="0"/>
-                  <a:t>Initialize the static const array outside the class definition</a:t>
+                  <a:t>Create an object of </a:t>
+                </a:r>
+                <a:r>
+                  <a:rPr lang="en-US" altLang="zh-CN" sz="1634" dirty="0" err="1"/>
+                  <a:t>MyClass</a:t>
+                </a:r>
+                <a:r>
+                  <a:rPr lang="en-US" altLang="zh-CN" sz="1634" dirty="0"/>
+                  <a:t>, initialize the </a:t>
+                </a:r>
+              </a:p>
+              <a:p>
+                <a:r>
+                  <a:rPr lang="en-US" altLang="zh-CN" sz="1634" dirty="0"/>
+                  <a:t>value of x 40.</a:t>
                 </a:r>
                 <a:endParaRPr lang="zh-CN" altLang="en-US" sz="1634" dirty="0"/>
               </a:p>
@@ -5451,7 +5613,7 @@
                                           </p:stCondLst>
                                         </p:cTn>
                                         <p:tgtEl>
-                                          <p:spTgt spid="6"/>
+                                          <p:spTgt spid="8"/>
                                         </p:tgtEl>
                                         <p:attrNameLst>
                                           <p:attrName>style.visibility</p:attrName>
@@ -5586,7 +5748,7 @@
                                           </p:stCondLst>
                                         </p:cTn>
                                         <p:tgtEl>
-                                          <p:spTgt spid="11"/>
+                                          <p:spTgt spid="17"/>
                                         </p:tgtEl>
                                         <p:attrNameLst>
                                           <p:attrName>style.visibility</p:attrName>
@@ -5631,7 +5793,7 @@
                                           </p:stCondLst>
                                         </p:cTn>
                                         <p:tgtEl>
-                                          <p:spTgt spid="23"/>
+                                          <p:spTgt spid="28"/>
                                         </p:tgtEl>
                                         <p:attrNameLst>
                                           <p:attrName>style.visibility</p:attrName>
@@ -5675,7 +5837,7 @@
 </p:sld>
 </file>
 
-<file path=ppt/slides/slide12.xml><?xml version="1.0" encoding="utf-8"?>
+<file path=ppt/slides/slide13.xml><?xml version="1.0" encoding="utf-8"?>
 <p:sld xmlns:a="http://schemas.openxmlformats.org/drawingml/2006/main" xmlns:r="http://schemas.openxmlformats.org/officeDocument/2006/relationships" xmlns:p="http://schemas.openxmlformats.org/presentationml/2006/main">
   <p:cSld>
     <p:spTree>
@@ -5705,17 +5867,17 @@
         <p:spPr/>
         <p:txBody>
           <a:bodyPr>
-            <a:normAutofit fontScale="90000"/>
+            <a:normAutofit/>
           </a:bodyPr>
           <a:lstStyle/>
           <a:p>
             <a:r>
-              <a:rPr lang="en-US" altLang="zh-CN" dirty="0">
+              <a:rPr lang="en-US" altLang="zh-CN" sz="3200" b="1" dirty="0">
                 <a:sym typeface="+mn-ea"/>
               </a:rPr>
-              <a:t>const member variables and member functions</a:t>
-            </a:r>
-            <a:endParaRPr lang="zh-CN" altLang="en-US" dirty="0"/>
+              <a:t>Const member variables</a:t>
+            </a:r>
+            <a:endParaRPr lang="zh-CN" altLang="en-US" sz="3200" b="1" dirty="0"/>
           </a:p>
         </p:txBody>
       </p:sp>
@@ -6260,141 +6422,6 @@
 </p:sld>
 </file>
 
-<file path=ppt/slides/slide13.xml><?xml version="1.0" encoding="utf-8"?>
-<p:sld xmlns:a="http://schemas.openxmlformats.org/drawingml/2006/main" xmlns:r="http://schemas.openxmlformats.org/officeDocument/2006/relationships" xmlns:p="http://schemas.openxmlformats.org/presentationml/2006/main">
-  <p:cSld>
-    <p:spTree>
-      <p:nvGrpSpPr>
-        <p:cNvPr id="1" name=""/>
-        <p:cNvGrpSpPr/>
-        <p:nvPr/>
-      </p:nvGrpSpPr>
-      <p:grpSpPr>
-        <a:xfrm>
-          <a:off x="0" y="0"/>
-          <a:ext cx="0" cy="0"/>
-          <a:chOff x="0" y="0"/>
-          <a:chExt cx="0" cy="0"/>
-        </a:xfrm>
-      </p:grpSpPr>
-      <p:sp>
-        <p:nvSpPr>
-          <p:cNvPr id="2" name="标题 1"/>
-          <p:cNvSpPr>
-            <a:spLocks noGrp="1"/>
-          </p:cNvSpPr>
-          <p:nvPr>
-            <p:ph type="title"/>
-          </p:nvPr>
-        </p:nvSpPr>
-        <p:spPr/>
-        <p:txBody>
-          <a:bodyPr>
-            <a:normAutofit fontScale="90000"/>
-          </a:bodyPr>
-          <a:lstStyle/>
-          <a:p>
-            <a:r>
-              <a:rPr lang="en-US" altLang="zh-CN" dirty="0">
-                <a:sym typeface="+mn-ea"/>
-              </a:rPr>
-              <a:t>const member variables and member functions</a:t>
-            </a:r>
-            <a:endParaRPr lang="zh-CN" altLang="en-US" dirty="0"/>
-          </a:p>
-        </p:txBody>
-      </p:sp>
-      <p:sp>
-        <p:nvSpPr>
-          <p:cNvPr id="9" name="文本框 8">
-            <a:extLst>
-              <a:ext uri="{FF2B5EF4-FFF2-40B4-BE49-F238E27FC236}">
-                <a16:creationId xmlns:a16="http://schemas.microsoft.com/office/drawing/2014/main" id="{EA915B11-5495-48FC-9A53-7D1E8BDA487D}"/>
-              </a:ext>
-            </a:extLst>
-          </p:cNvPr>
-          <p:cNvSpPr txBox="1"/>
-          <p:nvPr/>
-        </p:nvSpPr>
-        <p:spPr>
-          <a:xfrm>
-            <a:off x="779929" y="1577806"/>
-            <a:ext cx="10632141" cy="1938992"/>
-          </a:xfrm>
-          <a:prstGeom prst="rect">
-            <a:avLst/>
-          </a:prstGeom>
-          <a:noFill/>
-        </p:spPr>
-        <p:txBody>
-          <a:bodyPr wrap="square">
-            <a:spAutoFit/>
-          </a:bodyPr>
-          <a:lstStyle/>
-          <a:p>
-            <a:r>
-              <a:rPr lang="en-US" altLang="zh-CN" sz="2400" dirty="0"/>
-              <a:t>The </a:t>
-            </a:r>
-            <a:r>
-              <a:rPr lang="en-US" altLang="zh-CN" sz="2400" b="1" dirty="0"/>
-              <a:t>const</a:t>
-            </a:r>
-            <a:r>
-              <a:rPr lang="en-US" altLang="zh-CN" sz="2400" dirty="0"/>
-              <a:t> modifier follows the parameter list of the function, such function is called const member function. </a:t>
-            </a:r>
-            <a:r>
-              <a:rPr lang="en-US" altLang="zh-CN" sz="2400" b="1" dirty="0">
-                <a:solidFill>
-                  <a:srgbClr val="00B0F0"/>
-                </a:solidFill>
-              </a:rPr>
-              <a:t>const</a:t>
-            </a:r>
-            <a:r>
-              <a:rPr lang="en-US" altLang="zh-CN" sz="2400" dirty="0"/>
-              <a:t> indicates that the data of the class would not be modified by the function.</a:t>
-            </a:r>
-          </a:p>
-          <a:p>
-            <a:r>
-              <a:rPr lang="en-US" altLang="zh-CN" sz="2400" dirty="0"/>
-              <a:t>A const member function defined outside the class body must specify the </a:t>
-            </a:r>
-            <a:r>
-              <a:rPr lang="en-US" altLang="zh-CN" sz="2400" b="1" dirty="0"/>
-              <a:t>const </a:t>
-            </a:r>
-            <a:r>
-              <a:rPr lang="en-US" altLang="zh-CN" sz="2400" dirty="0"/>
-              <a:t>modifier in </a:t>
-            </a:r>
-            <a:r>
-              <a:rPr lang="en-US" altLang="zh-CN" sz="2400" b="1" dirty="0"/>
-              <a:t>both its declaration and definition</a:t>
-            </a:r>
-            <a:r>
-              <a:rPr lang="en-US" altLang="zh-CN" sz="2400" dirty="0"/>
-              <a:t>. </a:t>
-            </a:r>
-            <a:endParaRPr lang="zh-CN" altLang="en-US" sz="2400" dirty="0"/>
-          </a:p>
-        </p:txBody>
-      </p:sp>
-    </p:spTree>
-    <p:extLst>
-      <p:ext uri="{BB962C8B-B14F-4D97-AF65-F5344CB8AC3E}">
-        <p14:creationId xmlns:p14="http://schemas.microsoft.com/office/powerpoint/2010/main" val="3367837500"/>
-      </p:ext>
-    </p:extLst>
-  </p:cSld>
-  <p:clrMapOvr>
-    <a:masterClrMapping/>
-  </p:clrMapOvr>
-</p:sld>
-</file>
-
 <file path=ppt/slides/slide14.xml><?xml version="1.0" encoding="utf-8"?>
 <p:sld xmlns:a="http://schemas.openxmlformats.org/drawingml/2006/main" xmlns:r="http://schemas.openxmlformats.org/officeDocument/2006/relationships" xmlns:p="http://schemas.openxmlformats.org/presentationml/2006/main">
   <p:cSld>
@@ -6425,17 +6452,160 @@
         <p:spPr/>
         <p:txBody>
           <a:bodyPr>
-            <a:normAutofit fontScale="90000"/>
+            <a:normAutofit/>
           </a:bodyPr>
           <a:lstStyle/>
           <a:p>
             <a:r>
-              <a:rPr lang="en-US" altLang="zh-CN" dirty="0">
+              <a:rPr lang="en-US" altLang="zh-CN" sz="3200" b="1" dirty="0">
                 <a:sym typeface="+mn-ea"/>
               </a:rPr>
-              <a:t>const member variables and member functions</a:t>
-            </a:r>
-            <a:endParaRPr lang="zh-CN" altLang="en-US" dirty="0"/>
+              <a:t>Const member functions</a:t>
+            </a:r>
+            <a:endParaRPr lang="zh-CN" altLang="en-US" sz="3200" b="1" dirty="0"/>
+          </a:p>
+        </p:txBody>
+      </p:sp>
+      <p:sp>
+        <p:nvSpPr>
+          <p:cNvPr id="9" name="文本框 8">
+            <a:extLst>
+              <a:ext uri="{FF2B5EF4-FFF2-40B4-BE49-F238E27FC236}">
+                <a16:creationId xmlns:a16="http://schemas.microsoft.com/office/drawing/2014/main" id="{EA915B11-5495-48FC-9A53-7D1E8BDA487D}"/>
+              </a:ext>
+            </a:extLst>
+          </p:cNvPr>
+          <p:cNvSpPr txBox="1"/>
+          <p:nvPr/>
+        </p:nvSpPr>
+        <p:spPr>
+          <a:xfrm>
+            <a:off x="779929" y="1577806"/>
+            <a:ext cx="10632141" cy="1938992"/>
+          </a:xfrm>
+          <a:prstGeom prst="rect">
+            <a:avLst/>
+          </a:prstGeom>
+          <a:noFill/>
+        </p:spPr>
+        <p:txBody>
+          <a:bodyPr wrap="square">
+            <a:spAutoFit/>
+          </a:bodyPr>
+          <a:lstStyle/>
+          <a:p>
+            <a:r>
+              <a:rPr lang="en-US" altLang="zh-CN" sz="2400" dirty="0"/>
+              <a:t>The </a:t>
+            </a:r>
+            <a:r>
+              <a:rPr lang="en-US" altLang="zh-CN" sz="2400" b="1" dirty="0"/>
+              <a:t>const</a:t>
+            </a:r>
+            <a:r>
+              <a:rPr lang="en-US" altLang="zh-CN" sz="2400" dirty="0"/>
+              <a:t> modifier follows the parameter list of the function, such function is called </a:t>
+            </a:r>
+            <a:r>
+              <a:rPr lang="en-US" altLang="zh-CN" sz="2400" b="1" dirty="0"/>
+              <a:t>const member function</a:t>
+            </a:r>
+            <a:r>
+              <a:rPr lang="en-US" altLang="zh-CN" sz="2400" dirty="0"/>
+              <a:t>. </a:t>
+            </a:r>
+            <a:r>
+              <a:rPr lang="en-US" altLang="zh-CN" sz="2400" b="1" dirty="0">
+                <a:solidFill>
+                  <a:srgbClr val="00B0F0"/>
+                </a:solidFill>
+              </a:rPr>
+              <a:t>const</a:t>
+            </a:r>
+            <a:r>
+              <a:rPr lang="en-US" altLang="zh-CN" sz="2400" dirty="0"/>
+              <a:t> indicates that the data of the class would not be modified by the function.</a:t>
+            </a:r>
+          </a:p>
+          <a:p>
+            <a:r>
+              <a:rPr lang="en-US" altLang="zh-CN" sz="2400" dirty="0"/>
+              <a:t>A const member function defined outside the class body must specify the </a:t>
+            </a:r>
+            <a:r>
+              <a:rPr lang="en-US" altLang="zh-CN" sz="2400" b="1" dirty="0"/>
+              <a:t>const </a:t>
+            </a:r>
+            <a:r>
+              <a:rPr lang="en-US" altLang="zh-CN" sz="2400" dirty="0"/>
+              <a:t>modifier in </a:t>
+            </a:r>
+            <a:r>
+              <a:rPr lang="en-US" altLang="zh-CN" sz="2400" b="1" dirty="0"/>
+              <a:t>both its declaration and definition</a:t>
+            </a:r>
+            <a:r>
+              <a:rPr lang="en-US" altLang="zh-CN" sz="2400" dirty="0"/>
+              <a:t>. </a:t>
+            </a:r>
+            <a:endParaRPr lang="zh-CN" altLang="en-US" sz="2400" dirty="0"/>
+          </a:p>
+        </p:txBody>
+      </p:sp>
+    </p:spTree>
+    <p:extLst>
+      <p:ext uri="{BB962C8B-B14F-4D97-AF65-F5344CB8AC3E}">
+        <p14:creationId xmlns:p14="http://schemas.microsoft.com/office/powerpoint/2010/main" val="3367837500"/>
+      </p:ext>
+    </p:extLst>
+  </p:cSld>
+  <p:clrMapOvr>
+    <a:masterClrMapping/>
+  </p:clrMapOvr>
+</p:sld>
+</file>
+
+<file path=ppt/slides/slide15.xml><?xml version="1.0" encoding="utf-8"?>
+<p:sld xmlns:a="http://schemas.openxmlformats.org/drawingml/2006/main" xmlns:r="http://schemas.openxmlformats.org/officeDocument/2006/relationships" xmlns:p="http://schemas.openxmlformats.org/presentationml/2006/main">
+  <p:cSld>
+    <p:spTree>
+      <p:nvGrpSpPr>
+        <p:cNvPr id="1" name=""/>
+        <p:cNvGrpSpPr/>
+        <p:nvPr/>
+      </p:nvGrpSpPr>
+      <p:grpSpPr>
+        <a:xfrm>
+          <a:off x="0" y="0"/>
+          <a:ext cx="0" cy="0"/>
+          <a:chOff x="0" y="0"/>
+          <a:chExt cx="0" cy="0"/>
+        </a:xfrm>
+      </p:grpSpPr>
+      <p:sp>
+        <p:nvSpPr>
+          <p:cNvPr id="2" name="标题 1"/>
+          <p:cNvSpPr>
+            <a:spLocks noGrp="1"/>
+          </p:cNvSpPr>
+          <p:nvPr>
+            <p:ph type="title"/>
+          </p:nvPr>
+        </p:nvSpPr>
+        <p:spPr/>
+        <p:txBody>
+          <a:bodyPr>
+            <a:normAutofit/>
+          </a:bodyPr>
+          <a:lstStyle/>
+          <a:p>
+            <a:r>
+              <a:rPr lang="en-US" altLang="zh-CN" sz="3200" b="1" dirty="0">
+                <a:sym typeface="+mn-ea"/>
+              </a:rPr>
+              <a:t>Const member functions</a:t>
+            </a:r>
+            <a:endParaRPr lang="zh-CN" altLang="en-US" sz="3200" b="1" dirty="0"/>
           </a:p>
         </p:txBody>
       </p:sp>
@@ -7022,752 +7192,6 @@
 </p:sld>
 </file>
 
-<file path=ppt/slides/slide15.xml><?xml version="1.0" encoding="utf-8"?>
-<p:sld xmlns:a="http://schemas.openxmlformats.org/drawingml/2006/main" xmlns:r="http://schemas.openxmlformats.org/officeDocument/2006/relationships" xmlns:p="http://schemas.openxmlformats.org/presentationml/2006/main">
-  <p:cSld>
-    <p:spTree>
-      <p:nvGrpSpPr>
-        <p:cNvPr id="1" name=""/>
-        <p:cNvGrpSpPr/>
-        <p:nvPr/>
-      </p:nvGrpSpPr>
-      <p:grpSpPr>
-        <a:xfrm>
-          <a:off x="0" y="0"/>
-          <a:ext cx="0" cy="0"/>
-          <a:chOff x="0" y="0"/>
-          <a:chExt cx="0" cy="0"/>
-        </a:xfrm>
-      </p:grpSpPr>
-      <p:sp>
-        <p:nvSpPr>
-          <p:cNvPr id="2" name="标题 1"/>
-          <p:cNvSpPr>
-            <a:spLocks noGrp="1"/>
-          </p:cNvSpPr>
-          <p:nvPr>
-            <p:ph type="title"/>
-          </p:nvPr>
-        </p:nvSpPr>
-        <p:spPr/>
-        <p:txBody>
-          <a:bodyPr>
-            <a:normAutofit fontScale="90000"/>
-          </a:bodyPr>
-          <a:lstStyle/>
-          <a:p>
-            <a:r>
-              <a:rPr lang="en-US" altLang="zh-CN" dirty="0">
-                <a:sym typeface="+mn-ea"/>
-              </a:rPr>
-              <a:t>static member variables and member functions</a:t>
-            </a:r>
-            <a:endParaRPr lang="zh-CN" altLang="en-US" dirty="0"/>
-          </a:p>
-        </p:txBody>
-      </p:sp>
-      <p:sp>
-        <p:nvSpPr>
-          <p:cNvPr id="9" name="文本框 8">
-            <a:extLst>
-              <a:ext uri="{FF2B5EF4-FFF2-40B4-BE49-F238E27FC236}">
-                <a16:creationId xmlns:a16="http://schemas.microsoft.com/office/drawing/2014/main" id="{EA915B11-5495-48FC-9A53-7D1E8BDA487D}"/>
-              </a:ext>
-            </a:extLst>
-          </p:cNvPr>
-          <p:cNvSpPr txBox="1"/>
-          <p:nvPr/>
-        </p:nvSpPr>
-        <p:spPr>
-          <a:xfrm>
-            <a:off x="779929" y="1311592"/>
-            <a:ext cx="10632141" cy="1938992"/>
-          </a:xfrm>
-          <a:prstGeom prst="rect">
-            <a:avLst/>
-          </a:prstGeom>
-          <a:noFill/>
-        </p:spPr>
-        <p:txBody>
-          <a:bodyPr wrap="square">
-            <a:spAutoFit/>
-          </a:bodyPr>
-          <a:lstStyle/>
-          <a:p>
-            <a:r>
-              <a:rPr lang="en-US" altLang="zh-CN" sz="2400" dirty="0"/>
-              <a:t>A static data member represents a single, shared instance of that member that is accessible to all the objects of that class. </a:t>
-            </a:r>
-          </a:p>
-          <a:p>
-            <a:r>
-              <a:rPr lang="en-US" altLang="zh-CN" sz="2400" dirty="0"/>
-              <a:t>You must provide an explicit definition of that instance within a program text file. The definition looks like the global definition of an object except that its name is qualified with the class scope operator</a:t>
-            </a:r>
-            <a:r>
-              <a:rPr lang="en-US" altLang="zh-CN" sz="2400" b="1" dirty="0"/>
-              <a:t>: :</a:t>
-            </a:r>
-            <a:endParaRPr lang="zh-CN" altLang="en-US" sz="2400" b="1" dirty="0"/>
-          </a:p>
-        </p:txBody>
-      </p:sp>
-      <p:pic>
-        <p:nvPicPr>
-          <p:cNvPr id="4" name="图片 3">
-            <a:extLst>
-              <a:ext uri="{FF2B5EF4-FFF2-40B4-BE49-F238E27FC236}">
-                <a16:creationId xmlns:a16="http://schemas.microsoft.com/office/drawing/2014/main" id="{D5288847-85B4-4E43-A23B-B1499F6B6061}"/>
-              </a:ext>
-            </a:extLst>
-          </p:cNvPr>
-          <p:cNvPicPr>
-            <a:picLocks noChangeAspect="1"/>
-          </p:cNvPicPr>
-          <p:nvPr/>
-        </p:nvPicPr>
-        <p:blipFill>
-          <a:blip r:embed="rId2"/>
-          <a:stretch>
-            <a:fillRect/>
-          </a:stretch>
-        </p:blipFill>
-        <p:spPr>
-          <a:xfrm>
-            <a:off x="1376479" y="3400425"/>
-            <a:ext cx="9448800" cy="3457575"/>
-          </a:xfrm>
-          <a:prstGeom prst="rect">
-            <a:avLst/>
-          </a:prstGeom>
-        </p:spPr>
-      </p:pic>
-      <p:grpSp>
-        <p:nvGrpSpPr>
-          <p:cNvPr id="6" name="组合 5">
-            <a:extLst>
-              <a:ext uri="{FF2B5EF4-FFF2-40B4-BE49-F238E27FC236}">
-                <a16:creationId xmlns:a16="http://schemas.microsoft.com/office/drawing/2014/main" id="{E86D9877-62A9-4960-BB1D-9F5E8D2E3C48}"/>
-              </a:ext>
-            </a:extLst>
-          </p:cNvPr>
-          <p:cNvGrpSpPr/>
-          <p:nvPr/>
-        </p:nvGrpSpPr>
-        <p:grpSpPr>
-          <a:xfrm>
-            <a:off x="1810582" y="3872126"/>
-            <a:ext cx="7790456" cy="840890"/>
-            <a:chOff x="1284480" y="4497050"/>
-            <a:chExt cx="8583936" cy="926536"/>
-          </a:xfrm>
-        </p:grpSpPr>
-        <p:sp>
-          <p:nvSpPr>
-            <p:cNvPr id="7" name="矩形 6">
-              <a:extLst>
-                <a:ext uri="{FF2B5EF4-FFF2-40B4-BE49-F238E27FC236}">
-                  <a16:creationId xmlns:a16="http://schemas.microsoft.com/office/drawing/2014/main" id="{605AAB74-61BE-42D0-BF8C-9C0D366AC0AE}"/>
-                </a:ext>
-              </a:extLst>
-            </p:cNvPr>
-            <p:cNvSpPr/>
-            <p:nvPr/>
-          </p:nvSpPr>
-          <p:spPr>
-            <a:xfrm>
-              <a:off x="1284480" y="5097172"/>
-              <a:ext cx="2173425" cy="326414"/>
-            </a:xfrm>
-            <a:prstGeom prst="rect">
-              <a:avLst/>
-            </a:prstGeom>
-            <a:noFill/>
-            <a:ln w="19050">
-              <a:solidFill>
-                <a:srgbClr val="FF0000"/>
-              </a:solidFill>
-            </a:ln>
-          </p:spPr>
-          <p:style>
-            <a:lnRef idx="2">
-              <a:schemeClr val="accent1">
-                <a:shade val="50000"/>
-              </a:schemeClr>
-            </a:lnRef>
-            <a:fillRef idx="1">
-              <a:schemeClr val="accent1"/>
-            </a:fillRef>
-            <a:effectRef idx="0">
-              <a:schemeClr val="accent1"/>
-            </a:effectRef>
-            <a:fontRef idx="minor">
-              <a:schemeClr val="lt1"/>
-            </a:fontRef>
-          </p:style>
-          <p:txBody>
-            <a:bodyPr rtlCol="0" anchor="ctr"/>
-            <a:lstStyle/>
-            <a:p>
-              <a:pPr algn="ctr"/>
-              <a:endParaRPr lang="zh-CN" altLang="en-US" sz="1634"/>
-            </a:p>
-          </p:txBody>
-        </p:sp>
-        <p:grpSp>
-          <p:nvGrpSpPr>
-            <p:cNvPr id="8" name="组合 7">
-              <a:extLst>
-                <a:ext uri="{FF2B5EF4-FFF2-40B4-BE49-F238E27FC236}">
-                  <a16:creationId xmlns:a16="http://schemas.microsoft.com/office/drawing/2014/main" id="{6EB3837D-7A81-40CF-9030-2FA96937FCE7}"/>
-                </a:ext>
-              </a:extLst>
-            </p:cNvPr>
-            <p:cNvGrpSpPr/>
-            <p:nvPr/>
-          </p:nvGrpSpPr>
-          <p:grpSpPr>
-            <a:xfrm>
-              <a:off x="3457905" y="4497050"/>
-              <a:ext cx="6410511" cy="637924"/>
-              <a:chOff x="1369251" y="3937303"/>
-              <a:chExt cx="6410511" cy="637924"/>
-            </a:xfrm>
-          </p:grpSpPr>
-          <p:cxnSp>
-            <p:nvCxnSpPr>
-              <p:cNvPr id="10" name="直接箭头连接符 9">
-                <a:extLst>
-                  <a:ext uri="{FF2B5EF4-FFF2-40B4-BE49-F238E27FC236}">
-                    <a16:creationId xmlns:a16="http://schemas.microsoft.com/office/drawing/2014/main" id="{AFC9352F-1A1D-4DB7-A63D-8DFA852D23B9}"/>
-                  </a:ext>
-                </a:extLst>
-              </p:cNvPr>
-              <p:cNvCxnSpPr>
-                <a:cxnSpLocks/>
-              </p:cNvCxnSpPr>
-              <p:nvPr/>
-            </p:nvCxnSpPr>
-            <p:spPr>
-              <a:xfrm flipH="1">
-                <a:off x="1369251" y="4258738"/>
-                <a:ext cx="467936" cy="316489"/>
-              </a:xfrm>
-              <a:prstGeom prst="straightConnector1">
-                <a:avLst/>
-              </a:prstGeom>
-              <a:ln w="19050">
-                <a:solidFill>
-                  <a:srgbClr val="FF0000"/>
-                </a:solidFill>
-                <a:tailEnd type="arrow"/>
-              </a:ln>
-            </p:spPr>
-            <p:style>
-              <a:lnRef idx="1">
-                <a:schemeClr val="accent1"/>
-              </a:lnRef>
-              <a:fillRef idx="0">
-                <a:schemeClr val="accent1"/>
-              </a:fillRef>
-              <a:effectRef idx="0">
-                <a:schemeClr val="accent1"/>
-              </a:effectRef>
-              <a:fontRef idx="minor">
-                <a:schemeClr val="tx1"/>
-              </a:fontRef>
-            </p:style>
-          </p:cxnSp>
-          <p:sp>
-            <p:nvSpPr>
-              <p:cNvPr id="11" name="TextBox 11">
-                <a:extLst>
-                  <a:ext uri="{FF2B5EF4-FFF2-40B4-BE49-F238E27FC236}">
-                    <a16:creationId xmlns:a16="http://schemas.microsoft.com/office/drawing/2014/main" id="{25EEDEF6-7FF5-4BDA-B5A3-1F61061D25CE}"/>
-                  </a:ext>
-                </a:extLst>
-              </p:cNvPr>
-              <p:cNvSpPr txBox="1"/>
-              <p:nvPr/>
-            </p:nvSpPr>
-            <p:spPr>
-              <a:xfrm>
-                <a:off x="1753520" y="3937303"/>
-                <a:ext cx="6026242" cy="378830"/>
-              </a:xfrm>
-              <a:prstGeom prst="rect">
-                <a:avLst/>
-              </a:prstGeom>
-              <a:noFill/>
-            </p:spPr>
-            <p:txBody>
-              <a:bodyPr wrap="none" rtlCol="0">
-                <a:spAutoFit/>
-              </a:bodyPr>
-              <a:lstStyle/>
-              <a:p>
-                <a:r>
-                  <a:rPr lang="en-US" altLang="zh-CN" sz="1634" dirty="0"/>
-                  <a:t>static member variable can not be initialized when it is defined</a:t>
-                </a:r>
-                <a:endParaRPr lang="zh-CN" altLang="en-US" sz="1634" dirty="0"/>
-              </a:p>
-            </p:txBody>
-          </p:sp>
-        </p:grpSp>
-      </p:grpSp>
-      <p:grpSp>
-        <p:nvGrpSpPr>
-          <p:cNvPr id="12" name="组合 11">
-            <a:extLst>
-              <a:ext uri="{FF2B5EF4-FFF2-40B4-BE49-F238E27FC236}">
-                <a16:creationId xmlns:a16="http://schemas.microsoft.com/office/drawing/2014/main" id="{903BEA93-560F-4255-8317-2A794100FC79}"/>
-              </a:ext>
-            </a:extLst>
-          </p:cNvPr>
-          <p:cNvGrpSpPr/>
-          <p:nvPr/>
-        </p:nvGrpSpPr>
-        <p:grpSpPr>
-          <a:xfrm>
-            <a:off x="1483481" y="5942532"/>
-            <a:ext cx="8400559" cy="840890"/>
-            <a:chOff x="1284479" y="4497050"/>
-            <a:chExt cx="9256185" cy="926536"/>
-          </a:xfrm>
-        </p:grpSpPr>
-        <p:sp>
-          <p:nvSpPr>
-            <p:cNvPr id="13" name="矩形 12">
-              <a:extLst>
-                <a:ext uri="{FF2B5EF4-FFF2-40B4-BE49-F238E27FC236}">
-                  <a16:creationId xmlns:a16="http://schemas.microsoft.com/office/drawing/2014/main" id="{597734EF-A6CB-4EE8-9347-9694CACC0F9C}"/>
-                </a:ext>
-              </a:extLst>
-            </p:cNvPr>
-            <p:cNvSpPr/>
-            <p:nvPr/>
-          </p:nvSpPr>
-          <p:spPr>
-            <a:xfrm>
-              <a:off x="1284479" y="5097172"/>
-              <a:ext cx="3001777" cy="326414"/>
-            </a:xfrm>
-            <a:prstGeom prst="rect">
-              <a:avLst/>
-            </a:prstGeom>
-            <a:noFill/>
-            <a:ln w="19050">
-              <a:solidFill>
-                <a:srgbClr val="FF0000"/>
-              </a:solidFill>
-            </a:ln>
-          </p:spPr>
-          <p:style>
-            <a:lnRef idx="2">
-              <a:schemeClr val="accent1">
-                <a:shade val="50000"/>
-              </a:schemeClr>
-            </a:lnRef>
-            <a:fillRef idx="1">
-              <a:schemeClr val="accent1"/>
-            </a:fillRef>
-            <a:effectRef idx="0">
-              <a:schemeClr val="accent1"/>
-            </a:effectRef>
-            <a:fontRef idx="minor">
-              <a:schemeClr val="lt1"/>
-            </a:fontRef>
-          </p:style>
-          <p:txBody>
-            <a:bodyPr rtlCol="0" anchor="ctr"/>
-            <a:lstStyle/>
-            <a:p>
-              <a:pPr algn="ctr"/>
-              <a:endParaRPr lang="zh-CN" altLang="en-US" sz="1634"/>
-            </a:p>
-          </p:txBody>
-        </p:sp>
-        <p:grpSp>
-          <p:nvGrpSpPr>
-            <p:cNvPr id="14" name="组合 13">
-              <a:extLst>
-                <a:ext uri="{FF2B5EF4-FFF2-40B4-BE49-F238E27FC236}">
-                  <a16:creationId xmlns:a16="http://schemas.microsoft.com/office/drawing/2014/main" id="{C4C4CB7D-7CEF-4DBC-9877-A4563B403523}"/>
-                </a:ext>
-              </a:extLst>
-            </p:cNvPr>
-            <p:cNvGrpSpPr/>
-            <p:nvPr/>
-          </p:nvGrpSpPr>
-          <p:grpSpPr>
-            <a:xfrm>
-              <a:off x="3457905" y="4497050"/>
-              <a:ext cx="7082759" cy="637924"/>
-              <a:chOff x="1369251" y="3937303"/>
-              <a:chExt cx="7082759" cy="637924"/>
-            </a:xfrm>
-          </p:grpSpPr>
-          <p:cxnSp>
-            <p:nvCxnSpPr>
-              <p:cNvPr id="15" name="直接箭头连接符 14">
-                <a:extLst>
-                  <a:ext uri="{FF2B5EF4-FFF2-40B4-BE49-F238E27FC236}">
-                    <a16:creationId xmlns:a16="http://schemas.microsoft.com/office/drawing/2014/main" id="{0ACF2A4F-C3EB-424C-AF2E-6C1E3A5CC22D}"/>
-                  </a:ext>
-                </a:extLst>
-              </p:cNvPr>
-              <p:cNvCxnSpPr>
-                <a:cxnSpLocks/>
-              </p:cNvCxnSpPr>
-              <p:nvPr/>
-            </p:nvCxnSpPr>
-            <p:spPr>
-              <a:xfrm flipH="1">
-                <a:off x="1369251" y="4258738"/>
-                <a:ext cx="467936" cy="316489"/>
-              </a:xfrm>
-              <a:prstGeom prst="straightConnector1">
-                <a:avLst/>
-              </a:prstGeom>
-              <a:ln w="19050">
-                <a:solidFill>
-                  <a:srgbClr val="FF0000"/>
-                </a:solidFill>
-                <a:tailEnd type="arrow"/>
-              </a:ln>
-            </p:spPr>
-            <p:style>
-              <a:lnRef idx="1">
-                <a:schemeClr val="accent1"/>
-              </a:lnRef>
-              <a:fillRef idx="0">
-                <a:schemeClr val="accent1"/>
-              </a:fillRef>
-              <a:effectRef idx="0">
-                <a:schemeClr val="accent1"/>
-              </a:effectRef>
-              <a:fontRef idx="minor">
-                <a:schemeClr val="tx1"/>
-              </a:fontRef>
-            </p:style>
-          </p:cxnSp>
-          <p:sp>
-            <p:nvSpPr>
-              <p:cNvPr id="16" name="TextBox 11">
-                <a:extLst>
-                  <a:ext uri="{FF2B5EF4-FFF2-40B4-BE49-F238E27FC236}">
-                    <a16:creationId xmlns:a16="http://schemas.microsoft.com/office/drawing/2014/main" id="{F3E56645-B739-4629-A4E8-199AF5BE0F96}"/>
-                  </a:ext>
-                </a:extLst>
-              </p:cNvPr>
-              <p:cNvSpPr txBox="1"/>
-              <p:nvPr/>
-            </p:nvSpPr>
-            <p:spPr>
-              <a:xfrm>
-                <a:off x="1753520" y="3937303"/>
-                <a:ext cx="6698490" cy="378830"/>
-              </a:xfrm>
-              <a:prstGeom prst="rect">
-                <a:avLst/>
-              </a:prstGeom>
-              <a:noFill/>
-            </p:spPr>
-            <p:txBody>
-              <a:bodyPr wrap="none" rtlCol="0">
-                <a:spAutoFit/>
-              </a:bodyPr>
-              <a:lstStyle/>
-              <a:p>
-                <a:r>
-                  <a:rPr lang="en-US" altLang="zh-CN" sz="1634" dirty="0"/>
-                  <a:t>static member variable must be initialized outside the class definition</a:t>
-                </a:r>
-                <a:endParaRPr lang="zh-CN" altLang="en-US" sz="1634" dirty="0"/>
-              </a:p>
-            </p:txBody>
-          </p:sp>
-        </p:grpSp>
-      </p:grpSp>
-      <p:sp>
-        <p:nvSpPr>
-          <p:cNvPr id="5" name="椭圆 4">
-            <a:extLst>
-              <a:ext uri="{FF2B5EF4-FFF2-40B4-BE49-F238E27FC236}">
-                <a16:creationId xmlns:a16="http://schemas.microsoft.com/office/drawing/2014/main" id="{88C478BF-80FE-4C9D-8F33-CA649A7329F9}"/>
-              </a:ext>
-            </a:extLst>
-          </p:cNvPr>
-          <p:cNvSpPr/>
-          <p:nvPr/>
-        </p:nvSpPr>
-        <p:spPr>
-          <a:xfrm>
-            <a:off x="1810582" y="6526873"/>
-            <a:ext cx="1233701" cy="264221"/>
-          </a:xfrm>
-          <a:prstGeom prst="ellipse">
-            <a:avLst/>
-          </a:prstGeom>
-          <a:noFill/>
-          <a:ln>
-            <a:solidFill>
-              <a:srgbClr val="00B050"/>
-            </a:solidFill>
-          </a:ln>
-        </p:spPr>
-        <p:style>
-          <a:lnRef idx="2">
-            <a:schemeClr val="accent1">
-              <a:shade val="50000"/>
-            </a:schemeClr>
-          </a:lnRef>
-          <a:fillRef idx="1">
-            <a:schemeClr val="accent1"/>
-          </a:fillRef>
-          <a:effectRef idx="0">
-            <a:schemeClr val="accent1"/>
-          </a:effectRef>
-          <a:fontRef idx="minor">
-            <a:schemeClr val="lt1"/>
-          </a:fontRef>
-        </p:style>
-        <p:txBody>
-          <a:bodyPr rtlCol="0" anchor="ctr"/>
-          <a:lstStyle/>
-          <a:p>
-            <a:pPr algn="ctr"/>
-            <a:endParaRPr lang="zh-CN" altLang="en-US"/>
-          </a:p>
-        </p:txBody>
-      </p:sp>
-    </p:spTree>
-    <p:extLst>
-      <p:ext uri="{BB962C8B-B14F-4D97-AF65-F5344CB8AC3E}">
-        <p14:creationId xmlns:p14="http://schemas.microsoft.com/office/powerpoint/2010/main" val="4237391242"/>
-      </p:ext>
-    </p:extLst>
-  </p:cSld>
-  <p:clrMapOvr>
-    <a:masterClrMapping/>
-  </p:clrMapOvr>
-  <p:timing>
-    <p:tnLst>
-      <p:par>
-        <p:cTn id="1" dur="indefinite" restart="never" nodeType="tmRoot">
-          <p:childTnLst>
-            <p:seq concurrent="1" nextAc="seek">
-              <p:cTn id="2" dur="indefinite" nodeType="mainSeq">
-                <p:childTnLst>
-                  <p:par>
-                    <p:cTn id="3" fill="hold">
-                      <p:stCondLst>
-                        <p:cond delay="indefinite"/>
-                      </p:stCondLst>
-                      <p:childTnLst>
-                        <p:par>
-                          <p:cTn id="4" fill="hold">
-                            <p:stCondLst>
-                              <p:cond delay="0"/>
-                            </p:stCondLst>
-                            <p:childTnLst>
-                              <p:par>
-                                <p:cTn id="5" presetID="1" presetClass="entr" presetSubtype="0" fill="hold" nodeType="clickEffect">
-                                  <p:stCondLst>
-                                    <p:cond delay="0"/>
-                                  </p:stCondLst>
-                                  <p:childTnLst>
-                                    <p:set>
-                                      <p:cBhvr>
-                                        <p:cTn id="6" dur="1" fill="hold">
-                                          <p:stCondLst>
-                                            <p:cond delay="0"/>
-                                          </p:stCondLst>
-                                        </p:cTn>
-                                        <p:tgtEl>
-                                          <p:spTgt spid="4"/>
-                                        </p:tgtEl>
-                                        <p:attrNameLst>
-                                          <p:attrName>style.visibility</p:attrName>
-                                        </p:attrNameLst>
-                                      </p:cBhvr>
-                                      <p:to>
-                                        <p:strVal val="visible"/>
-                                      </p:to>
-                                    </p:set>
-                                  </p:childTnLst>
-                                </p:cTn>
-                              </p:par>
-                            </p:childTnLst>
-                          </p:cTn>
-                        </p:par>
-                      </p:childTnLst>
-                    </p:cTn>
-                  </p:par>
-                  <p:par>
-                    <p:cTn id="7" fill="hold">
-                      <p:stCondLst>
-                        <p:cond delay="indefinite"/>
-                      </p:stCondLst>
-                      <p:childTnLst>
-                        <p:par>
-                          <p:cTn id="8" fill="hold">
-                            <p:stCondLst>
-                              <p:cond delay="0"/>
-                            </p:stCondLst>
-                            <p:childTnLst>
-                              <p:par>
-                                <p:cTn id="9" presetID="1" presetClass="entr" presetSubtype="0" fill="hold" nodeType="clickEffect">
-                                  <p:stCondLst>
-                                    <p:cond delay="0"/>
-                                  </p:stCondLst>
-                                  <p:childTnLst>
-                                    <p:set>
-                                      <p:cBhvr>
-                                        <p:cTn id="10" dur="1" fill="hold">
-                                          <p:stCondLst>
-                                            <p:cond delay="0"/>
-                                          </p:stCondLst>
-                                        </p:cTn>
-                                        <p:tgtEl>
-                                          <p:spTgt spid="6"/>
-                                        </p:tgtEl>
-                                        <p:attrNameLst>
-                                          <p:attrName>style.visibility</p:attrName>
-                                        </p:attrNameLst>
-                                      </p:cBhvr>
-                                      <p:to>
-                                        <p:strVal val="visible"/>
-                                      </p:to>
-                                    </p:set>
-                                  </p:childTnLst>
-                                </p:cTn>
-                              </p:par>
-                            </p:childTnLst>
-                          </p:cTn>
-                        </p:par>
-                      </p:childTnLst>
-                    </p:cTn>
-                  </p:par>
-                  <p:par>
-                    <p:cTn id="11" fill="hold">
-                      <p:stCondLst>
-                        <p:cond delay="indefinite"/>
-                      </p:stCondLst>
-                      <p:childTnLst>
-                        <p:par>
-                          <p:cTn id="12" fill="hold">
-                            <p:stCondLst>
-                              <p:cond delay="0"/>
-                            </p:stCondLst>
-                            <p:childTnLst>
-                              <p:par>
-                                <p:cTn id="13" presetID="1" presetClass="entr" presetSubtype="0" fill="hold" nodeType="clickEffect">
-                                  <p:stCondLst>
-                                    <p:cond delay="0"/>
-                                  </p:stCondLst>
-                                  <p:childTnLst>
-                                    <p:set>
-                                      <p:cBhvr>
-                                        <p:cTn id="14" dur="1" fill="hold">
-                                          <p:stCondLst>
-                                            <p:cond delay="0"/>
-                                          </p:stCondLst>
-                                        </p:cTn>
-                                        <p:tgtEl>
-                                          <p:spTgt spid="12"/>
-                                        </p:tgtEl>
-                                        <p:attrNameLst>
-                                          <p:attrName>style.visibility</p:attrName>
-                                        </p:attrNameLst>
-                                      </p:cBhvr>
-                                      <p:to>
-                                        <p:strVal val="visible"/>
-                                      </p:to>
-                                    </p:set>
-                                  </p:childTnLst>
-                                </p:cTn>
-                              </p:par>
-                            </p:childTnLst>
-                          </p:cTn>
-                        </p:par>
-                      </p:childTnLst>
-                    </p:cTn>
-                  </p:par>
-                  <p:par>
-                    <p:cTn id="15" fill="hold">
-                      <p:stCondLst>
-                        <p:cond delay="indefinite"/>
-                      </p:stCondLst>
-                      <p:childTnLst>
-                        <p:par>
-                          <p:cTn id="16" fill="hold">
-                            <p:stCondLst>
-                              <p:cond delay="0"/>
-                            </p:stCondLst>
-                            <p:childTnLst>
-                              <p:par>
-                                <p:cTn id="17" presetID="1" presetClass="entr" presetSubtype="0" fill="hold" grpId="0" nodeType="clickEffect">
-                                  <p:stCondLst>
-                                    <p:cond delay="0"/>
-                                  </p:stCondLst>
-                                  <p:childTnLst>
-                                    <p:set>
-                                      <p:cBhvr>
-                                        <p:cTn id="18" dur="1" fill="hold">
-                                          <p:stCondLst>
-                                            <p:cond delay="0"/>
-                                          </p:stCondLst>
-                                        </p:cTn>
-                                        <p:tgtEl>
-                                          <p:spTgt spid="5"/>
-                                        </p:tgtEl>
-                                        <p:attrNameLst>
-                                          <p:attrName>style.visibility</p:attrName>
-                                        </p:attrNameLst>
-                                      </p:cBhvr>
-                                      <p:to>
-                                        <p:strVal val="visible"/>
-                                      </p:to>
-                                    </p:set>
-                                  </p:childTnLst>
-                                </p:cTn>
-                              </p:par>
-                            </p:childTnLst>
-                          </p:cTn>
-                        </p:par>
-                      </p:childTnLst>
-                    </p:cTn>
-                  </p:par>
-                </p:childTnLst>
-              </p:cTn>
-              <p:prevCondLst>
-                <p:cond evt="onPrev" delay="0">
-                  <p:tgtEl>
-                    <p:sldTgt/>
-                  </p:tgtEl>
-                </p:cond>
-              </p:prevCondLst>
-              <p:nextCondLst>
-                <p:cond evt="onNext" delay="0">
-                  <p:tgtEl>
-                    <p:sldTgt/>
-                  </p:tgtEl>
-                </p:cond>
-              </p:nextCondLst>
-            </p:seq>
-          </p:childTnLst>
-        </p:cTn>
-      </p:par>
-    </p:tnLst>
-    <p:bldLst>
-      <p:bldP spid="5" grpId="0" animBg="1"/>
-    </p:bldLst>
-  </p:timing>
-</p:sld>
-</file>
-
 <file path=ppt/slides/slide16.xml><?xml version="1.0" encoding="utf-8"?>
 <p:sld xmlns:a="http://schemas.openxmlformats.org/drawingml/2006/main" xmlns:r="http://schemas.openxmlformats.org/officeDocument/2006/relationships" xmlns:p="http://schemas.openxmlformats.org/presentationml/2006/main">
   <p:cSld>
@@ -7795,822 +7219,31 @@
             <p:ph type="title"/>
           </p:nvPr>
         </p:nvSpPr>
-        <p:spPr/>
+        <p:spPr>
+          <a:xfrm>
+            <a:off x="1488809" y="122565"/>
+            <a:ext cx="3819525" cy="833631"/>
+          </a:xfrm>
+        </p:spPr>
         <p:txBody>
           <a:bodyPr>
-            <a:normAutofit fontScale="90000"/>
+            <a:normAutofit/>
           </a:bodyPr>
           <a:lstStyle/>
           <a:p>
             <a:r>
-              <a:rPr lang="en-US" altLang="zh-CN" dirty="0">
+              <a:rPr lang="en-US" altLang="zh-CN" sz="3200" b="1" dirty="0">
                 <a:sym typeface="+mn-ea"/>
               </a:rPr>
-              <a:t>static member variables and member functions</a:t>
-            </a:r>
-            <a:endParaRPr lang="zh-CN" altLang="en-US" dirty="0"/>
-          </a:p>
-        </p:txBody>
-      </p:sp>
-      <p:sp>
-        <p:nvSpPr>
-          <p:cNvPr id="9" name="文本框 8">
-            <a:extLst>
-              <a:ext uri="{FF2B5EF4-FFF2-40B4-BE49-F238E27FC236}">
-                <a16:creationId xmlns:a16="http://schemas.microsoft.com/office/drawing/2014/main" id="{EA915B11-5495-48FC-9A53-7D1E8BDA487D}"/>
-              </a:ext>
-            </a:extLst>
-          </p:cNvPr>
-          <p:cNvSpPr txBox="1"/>
-          <p:nvPr/>
-        </p:nvSpPr>
-        <p:spPr>
-          <a:xfrm>
-            <a:off x="779929" y="1490008"/>
-            <a:ext cx="10632141" cy="1569660"/>
-          </a:xfrm>
-          <a:prstGeom prst="rect">
-            <a:avLst/>
-          </a:prstGeom>
-          <a:noFill/>
-        </p:spPr>
-        <p:txBody>
-          <a:bodyPr wrap="square">
-            <a:spAutoFit/>
-          </a:bodyPr>
-          <a:lstStyle/>
-          <a:p>
-            <a:r>
-              <a:rPr lang="en-US" altLang="zh-CN" sz="2400" dirty="0"/>
-              <a:t>A static member function can be invoked independently of a class object in exactly this way. A member function can be declared as static only if it does not access any </a:t>
-            </a:r>
-            <a:r>
-              <a:rPr lang="en-US" altLang="zh-CN" sz="2400" dirty="0" err="1"/>
-              <a:t>nonstatic</a:t>
-            </a:r>
-            <a:r>
-              <a:rPr lang="en-US" altLang="zh-CN" sz="2400" dirty="0"/>
-              <a:t> class members. We make it static by prefacing its declaration within the class definition with the keyword </a:t>
-            </a:r>
-            <a:r>
-              <a:rPr lang="en-US" altLang="zh-CN" sz="2400" b="1" dirty="0"/>
-              <a:t>static</a:t>
-            </a:r>
-            <a:endParaRPr lang="zh-CN" altLang="en-US" sz="2400" dirty="0"/>
-          </a:p>
-        </p:txBody>
-      </p:sp>
-      <p:pic>
-        <p:nvPicPr>
-          <p:cNvPr id="4" name="图片 3">
-            <a:extLst>
-              <a:ext uri="{FF2B5EF4-FFF2-40B4-BE49-F238E27FC236}">
-                <a16:creationId xmlns:a16="http://schemas.microsoft.com/office/drawing/2014/main" id="{D5288847-85B4-4E43-A23B-B1499F6B6061}"/>
-              </a:ext>
-            </a:extLst>
-          </p:cNvPr>
-          <p:cNvPicPr>
-            <a:picLocks noChangeAspect="1"/>
-          </p:cNvPicPr>
-          <p:nvPr/>
-        </p:nvPicPr>
-        <p:blipFill>
-          <a:blip r:embed="rId2"/>
-          <a:stretch>
-            <a:fillRect/>
-          </a:stretch>
-        </p:blipFill>
-        <p:spPr>
-          <a:xfrm>
-            <a:off x="1376479" y="3400425"/>
-            <a:ext cx="9448800" cy="3457575"/>
-          </a:xfrm>
-          <a:prstGeom prst="rect">
-            <a:avLst/>
-          </a:prstGeom>
-        </p:spPr>
-      </p:pic>
-      <p:grpSp>
-        <p:nvGrpSpPr>
-          <p:cNvPr id="6" name="组合 5">
-            <a:extLst>
-              <a:ext uri="{FF2B5EF4-FFF2-40B4-BE49-F238E27FC236}">
-                <a16:creationId xmlns:a16="http://schemas.microsoft.com/office/drawing/2014/main" id="{E86D9877-62A9-4960-BB1D-9F5E8D2E3C48}"/>
-              </a:ext>
-            </a:extLst>
-          </p:cNvPr>
-          <p:cNvGrpSpPr/>
-          <p:nvPr/>
-        </p:nvGrpSpPr>
-        <p:grpSpPr>
-          <a:xfrm>
-            <a:off x="1821732" y="4708470"/>
-            <a:ext cx="5249569" cy="1437952"/>
-            <a:chOff x="1284479" y="4497050"/>
-            <a:chExt cx="5784254" cy="1584410"/>
-          </a:xfrm>
-        </p:grpSpPr>
-        <p:sp>
-          <p:nvSpPr>
-            <p:cNvPr id="7" name="矩形 6">
-              <a:extLst>
-                <a:ext uri="{FF2B5EF4-FFF2-40B4-BE49-F238E27FC236}">
-                  <a16:creationId xmlns:a16="http://schemas.microsoft.com/office/drawing/2014/main" id="{605AAB74-61BE-42D0-BF8C-9C0D366AC0AE}"/>
-                </a:ext>
-              </a:extLst>
-            </p:cNvPr>
-            <p:cNvSpPr/>
-            <p:nvPr/>
-          </p:nvSpPr>
-          <p:spPr>
-            <a:xfrm>
-              <a:off x="1284479" y="5097172"/>
-              <a:ext cx="2268657" cy="984288"/>
-            </a:xfrm>
-            <a:prstGeom prst="rect">
-              <a:avLst/>
-            </a:prstGeom>
-            <a:noFill/>
-            <a:ln w="19050">
-              <a:solidFill>
-                <a:srgbClr val="FF0000"/>
-              </a:solidFill>
-            </a:ln>
-          </p:spPr>
-          <p:style>
-            <a:lnRef idx="2">
-              <a:schemeClr val="accent1">
-                <a:shade val="50000"/>
-              </a:schemeClr>
-            </a:lnRef>
-            <a:fillRef idx="1">
-              <a:schemeClr val="accent1"/>
-            </a:fillRef>
-            <a:effectRef idx="0">
-              <a:schemeClr val="accent1"/>
-            </a:effectRef>
-            <a:fontRef idx="minor">
-              <a:schemeClr val="lt1"/>
-            </a:fontRef>
-          </p:style>
-          <p:txBody>
-            <a:bodyPr rtlCol="0" anchor="ctr"/>
-            <a:lstStyle/>
-            <a:p>
-              <a:pPr algn="ctr"/>
-              <a:endParaRPr lang="zh-CN" altLang="en-US" sz="1634"/>
-            </a:p>
-          </p:txBody>
-        </p:sp>
-        <p:grpSp>
-          <p:nvGrpSpPr>
-            <p:cNvPr id="8" name="组合 7">
-              <a:extLst>
-                <a:ext uri="{FF2B5EF4-FFF2-40B4-BE49-F238E27FC236}">
-                  <a16:creationId xmlns:a16="http://schemas.microsoft.com/office/drawing/2014/main" id="{6EB3837D-7A81-40CF-9030-2FA96937FCE7}"/>
-                </a:ext>
-              </a:extLst>
-            </p:cNvPr>
-            <p:cNvGrpSpPr/>
-            <p:nvPr/>
-          </p:nvGrpSpPr>
-          <p:grpSpPr>
-            <a:xfrm>
-              <a:off x="3457905" y="4497050"/>
-              <a:ext cx="3610828" cy="637924"/>
-              <a:chOff x="1369251" y="3937303"/>
-              <a:chExt cx="3610828" cy="637924"/>
-            </a:xfrm>
-          </p:grpSpPr>
-          <p:cxnSp>
-            <p:nvCxnSpPr>
-              <p:cNvPr id="10" name="直接箭头连接符 9">
-                <a:extLst>
-                  <a:ext uri="{FF2B5EF4-FFF2-40B4-BE49-F238E27FC236}">
-                    <a16:creationId xmlns:a16="http://schemas.microsoft.com/office/drawing/2014/main" id="{AFC9352F-1A1D-4DB7-A63D-8DFA852D23B9}"/>
-                  </a:ext>
-                </a:extLst>
-              </p:cNvPr>
-              <p:cNvCxnSpPr>
-                <a:cxnSpLocks/>
-              </p:cNvCxnSpPr>
-              <p:nvPr/>
-            </p:nvCxnSpPr>
-            <p:spPr>
-              <a:xfrm flipH="1">
-                <a:off x="1369251" y="4258738"/>
-                <a:ext cx="467936" cy="316489"/>
-              </a:xfrm>
-              <a:prstGeom prst="straightConnector1">
-                <a:avLst/>
-              </a:prstGeom>
-              <a:ln w="19050">
-                <a:solidFill>
-                  <a:srgbClr val="FF0000"/>
-                </a:solidFill>
-                <a:tailEnd type="arrow"/>
-              </a:ln>
-            </p:spPr>
-            <p:style>
-              <a:lnRef idx="1">
-                <a:schemeClr val="accent1"/>
-              </a:lnRef>
-              <a:fillRef idx="0">
-                <a:schemeClr val="accent1"/>
-              </a:fillRef>
-              <a:effectRef idx="0">
-                <a:schemeClr val="accent1"/>
-              </a:effectRef>
-              <a:fontRef idx="minor">
-                <a:schemeClr val="tx1"/>
-              </a:fontRef>
-            </p:style>
-          </p:cxnSp>
-          <p:sp>
-            <p:nvSpPr>
-              <p:cNvPr id="11" name="TextBox 11">
-                <a:extLst>
-                  <a:ext uri="{FF2B5EF4-FFF2-40B4-BE49-F238E27FC236}">
-                    <a16:creationId xmlns:a16="http://schemas.microsoft.com/office/drawing/2014/main" id="{25EEDEF6-7FF5-4BDA-B5A3-1F61061D25CE}"/>
-                  </a:ext>
-                </a:extLst>
-              </p:cNvPr>
-              <p:cNvSpPr txBox="1"/>
-              <p:nvPr/>
-            </p:nvSpPr>
-            <p:spPr>
-              <a:xfrm>
-                <a:off x="1753520" y="3937303"/>
-                <a:ext cx="3226559" cy="378830"/>
-              </a:xfrm>
-              <a:prstGeom prst="rect">
-                <a:avLst/>
-              </a:prstGeom>
-              <a:noFill/>
-            </p:spPr>
-            <p:txBody>
-              <a:bodyPr wrap="none" rtlCol="0">
-                <a:spAutoFit/>
-              </a:bodyPr>
-              <a:lstStyle/>
-              <a:p>
-                <a:r>
-                  <a:rPr lang="en-US" altLang="zh-CN" sz="1634" dirty="0"/>
-                  <a:t>Define a static member function</a:t>
-                </a:r>
-                <a:endParaRPr lang="zh-CN" altLang="en-US" sz="1634" dirty="0"/>
-              </a:p>
-            </p:txBody>
-          </p:sp>
-        </p:grpSp>
-      </p:grpSp>
-    </p:spTree>
-    <p:extLst>
-      <p:ext uri="{BB962C8B-B14F-4D97-AF65-F5344CB8AC3E}">
-        <p14:creationId xmlns:p14="http://schemas.microsoft.com/office/powerpoint/2010/main" val="4133581512"/>
-      </p:ext>
-    </p:extLst>
-  </p:cSld>
-  <p:clrMapOvr>
-    <a:masterClrMapping/>
-  </p:clrMapOvr>
-  <p:timing>
-    <p:tnLst>
-      <p:par>
-        <p:cTn id="1" dur="indefinite" restart="never" nodeType="tmRoot">
-          <p:childTnLst>
-            <p:seq concurrent="1" nextAc="seek">
-              <p:cTn id="2" dur="indefinite" nodeType="mainSeq">
-                <p:childTnLst>
-                  <p:par>
-                    <p:cTn id="3" fill="hold">
-                      <p:stCondLst>
-                        <p:cond delay="indefinite"/>
-                      </p:stCondLst>
-                      <p:childTnLst>
-                        <p:par>
-                          <p:cTn id="4" fill="hold">
-                            <p:stCondLst>
-                              <p:cond delay="0"/>
-                            </p:stCondLst>
-                            <p:childTnLst>
-                              <p:par>
-                                <p:cTn id="5" presetID="1" presetClass="entr" presetSubtype="0" fill="hold" nodeType="clickEffect">
-                                  <p:stCondLst>
-                                    <p:cond delay="0"/>
-                                  </p:stCondLst>
-                                  <p:childTnLst>
-                                    <p:set>
-                                      <p:cBhvr>
-                                        <p:cTn id="6" dur="1" fill="hold">
-                                          <p:stCondLst>
-                                            <p:cond delay="0"/>
-                                          </p:stCondLst>
-                                        </p:cTn>
-                                        <p:tgtEl>
-                                          <p:spTgt spid="4"/>
-                                        </p:tgtEl>
-                                        <p:attrNameLst>
-                                          <p:attrName>style.visibility</p:attrName>
-                                        </p:attrNameLst>
-                                      </p:cBhvr>
-                                      <p:to>
-                                        <p:strVal val="visible"/>
-                                      </p:to>
-                                    </p:set>
-                                  </p:childTnLst>
-                                </p:cTn>
-                              </p:par>
-                            </p:childTnLst>
-                          </p:cTn>
-                        </p:par>
-                      </p:childTnLst>
-                    </p:cTn>
-                  </p:par>
-                  <p:par>
-                    <p:cTn id="7" fill="hold">
-                      <p:stCondLst>
-                        <p:cond delay="indefinite"/>
-                      </p:stCondLst>
-                      <p:childTnLst>
-                        <p:par>
-                          <p:cTn id="8" fill="hold">
-                            <p:stCondLst>
-                              <p:cond delay="0"/>
-                            </p:stCondLst>
-                            <p:childTnLst>
-                              <p:par>
-                                <p:cTn id="9" presetID="1" presetClass="entr" presetSubtype="0" fill="hold" nodeType="clickEffect">
-                                  <p:stCondLst>
-                                    <p:cond delay="0"/>
-                                  </p:stCondLst>
-                                  <p:childTnLst>
-                                    <p:set>
-                                      <p:cBhvr>
-                                        <p:cTn id="10" dur="1" fill="hold">
-                                          <p:stCondLst>
-                                            <p:cond delay="0"/>
-                                          </p:stCondLst>
-                                        </p:cTn>
-                                        <p:tgtEl>
-                                          <p:spTgt spid="6"/>
-                                        </p:tgtEl>
-                                        <p:attrNameLst>
-                                          <p:attrName>style.visibility</p:attrName>
-                                        </p:attrNameLst>
-                                      </p:cBhvr>
-                                      <p:to>
-                                        <p:strVal val="visible"/>
-                                      </p:to>
-                                    </p:set>
-                                  </p:childTnLst>
-                                </p:cTn>
-                              </p:par>
-                            </p:childTnLst>
-                          </p:cTn>
-                        </p:par>
-                      </p:childTnLst>
-                    </p:cTn>
-                  </p:par>
-                </p:childTnLst>
-              </p:cTn>
-              <p:prevCondLst>
-                <p:cond evt="onPrev" delay="0">
-                  <p:tgtEl>
-                    <p:sldTgt/>
-                  </p:tgtEl>
-                </p:cond>
-              </p:prevCondLst>
-              <p:nextCondLst>
-                <p:cond evt="onNext" delay="0">
-                  <p:tgtEl>
-                    <p:sldTgt/>
-                  </p:tgtEl>
-                </p:cond>
-              </p:nextCondLst>
-            </p:seq>
-          </p:childTnLst>
-        </p:cTn>
-      </p:par>
-    </p:tnLst>
-  </p:timing>
-</p:sld>
-</file>
-
-<file path=ppt/slides/slide17.xml><?xml version="1.0" encoding="utf-8"?>
-<p:sld xmlns:a="http://schemas.openxmlformats.org/drawingml/2006/main" xmlns:r="http://schemas.openxmlformats.org/officeDocument/2006/relationships" xmlns:p="http://schemas.openxmlformats.org/presentationml/2006/main">
-  <p:cSld>
-    <p:spTree>
-      <p:nvGrpSpPr>
-        <p:cNvPr id="1" name=""/>
-        <p:cNvGrpSpPr/>
-        <p:nvPr/>
-      </p:nvGrpSpPr>
-      <p:grpSpPr>
-        <a:xfrm>
-          <a:off x="0" y="0"/>
-          <a:ext cx="0" cy="0"/>
-          <a:chOff x="0" y="0"/>
-          <a:chExt cx="0" cy="0"/>
-        </a:xfrm>
-      </p:grpSpPr>
-      <p:pic>
-        <p:nvPicPr>
-          <p:cNvPr id="5" name="图片 4">
-            <a:extLst>
-              <a:ext uri="{FF2B5EF4-FFF2-40B4-BE49-F238E27FC236}">
-                <a16:creationId xmlns:a16="http://schemas.microsoft.com/office/drawing/2014/main" id="{0330276B-50F4-4EBB-8977-27F7D5CD30D2}"/>
-              </a:ext>
-            </a:extLst>
-          </p:cNvPr>
-          <p:cNvPicPr>
-            <a:picLocks noChangeAspect="1"/>
-          </p:cNvPicPr>
-          <p:nvPr/>
-        </p:nvPicPr>
-        <p:blipFill>
-          <a:blip r:embed="rId2"/>
-          <a:stretch>
-            <a:fillRect/>
-          </a:stretch>
-        </p:blipFill>
-        <p:spPr>
-          <a:xfrm>
-            <a:off x="2524590" y="1762589"/>
-            <a:ext cx="5581650" cy="4514850"/>
-          </a:xfrm>
-          <a:prstGeom prst="rect">
-            <a:avLst/>
-          </a:prstGeom>
-        </p:spPr>
-      </p:pic>
-      <p:sp>
-        <p:nvSpPr>
-          <p:cNvPr id="6" name="文本框 5">
-            <a:extLst>
-              <a:ext uri="{FF2B5EF4-FFF2-40B4-BE49-F238E27FC236}">
-                <a16:creationId xmlns:a16="http://schemas.microsoft.com/office/drawing/2014/main" id="{AD80EA7C-62DB-435E-839B-54F2262FC6F2}"/>
-              </a:ext>
-            </a:extLst>
-          </p:cNvPr>
-          <p:cNvSpPr txBox="1"/>
-          <p:nvPr/>
-        </p:nvSpPr>
-        <p:spPr>
-          <a:xfrm>
-            <a:off x="1860943" y="675969"/>
-            <a:ext cx="7506082" cy="461665"/>
-          </a:xfrm>
-          <a:prstGeom prst="rect">
-            <a:avLst/>
-          </a:prstGeom>
-          <a:noFill/>
-        </p:spPr>
-        <p:txBody>
-          <a:bodyPr wrap="square">
-            <a:spAutoFit/>
-          </a:bodyPr>
-          <a:lstStyle/>
-          <a:p>
-            <a:r>
-              <a:rPr lang="en-US" altLang="zh-CN" sz="2400" dirty="0"/>
-              <a:t>You can use object or class to access the static members.</a:t>
-            </a:r>
-            <a:endParaRPr lang="zh-CN" altLang="en-US" sz="2400" dirty="0"/>
-          </a:p>
-        </p:txBody>
-      </p:sp>
-      <p:sp>
-        <p:nvSpPr>
-          <p:cNvPr id="7" name="矩形 6">
-            <a:extLst>
-              <a:ext uri="{FF2B5EF4-FFF2-40B4-BE49-F238E27FC236}">
-                <a16:creationId xmlns:a16="http://schemas.microsoft.com/office/drawing/2014/main" id="{68712426-C642-4833-886B-A04B94BAD36A}"/>
-              </a:ext>
-            </a:extLst>
-          </p:cNvPr>
-          <p:cNvSpPr/>
-          <p:nvPr/>
-        </p:nvSpPr>
-        <p:spPr>
-          <a:xfrm>
-            <a:off x="3367668" y="4348976"/>
-            <a:ext cx="1494264" cy="211873"/>
-          </a:xfrm>
-          <a:prstGeom prst="rect">
-            <a:avLst/>
-          </a:prstGeom>
-          <a:noFill/>
-          <a:ln w="19050">
-            <a:solidFill>
-              <a:srgbClr val="FF0000"/>
-            </a:solidFill>
-          </a:ln>
-        </p:spPr>
-        <p:style>
-          <a:lnRef idx="2">
-            <a:schemeClr val="accent1">
-              <a:shade val="50000"/>
-            </a:schemeClr>
-          </a:lnRef>
-          <a:fillRef idx="1">
-            <a:schemeClr val="accent1"/>
-          </a:fillRef>
-          <a:effectRef idx="0">
-            <a:schemeClr val="accent1"/>
-          </a:effectRef>
-          <a:fontRef idx="minor">
-            <a:schemeClr val="lt1"/>
-          </a:fontRef>
-        </p:style>
-        <p:txBody>
-          <a:bodyPr rtlCol="0" anchor="ctr"/>
-          <a:lstStyle/>
-          <a:p>
-            <a:pPr algn="ctr"/>
-            <a:endParaRPr lang="zh-CN" altLang="en-US"/>
-          </a:p>
-        </p:txBody>
-      </p:sp>
-      <p:sp>
-        <p:nvSpPr>
-          <p:cNvPr id="8" name="矩形 7">
-            <a:extLst>
-              <a:ext uri="{FF2B5EF4-FFF2-40B4-BE49-F238E27FC236}">
-                <a16:creationId xmlns:a16="http://schemas.microsoft.com/office/drawing/2014/main" id="{35958525-A9DE-4AD0-BC42-2D8EE57269C1}"/>
-              </a:ext>
-            </a:extLst>
-          </p:cNvPr>
-          <p:cNvSpPr/>
-          <p:nvPr/>
-        </p:nvSpPr>
-        <p:spPr>
-          <a:xfrm>
-            <a:off x="3564671" y="5192747"/>
-            <a:ext cx="2211659" cy="211873"/>
-          </a:xfrm>
-          <a:prstGeom prst="rect">
-            <a:avLst/>
-          </a:prstGeom>
-          <a:noFill/>
-          <a:ln w="19050">
-            <a:solidFill>
-              <a:srgbClr val="FF0000"/>
-            </a:solidFill>
-          </a:ln>
-        </p:spPr>
-        <p:style>
-          <a:lnRef idx="2">
-            <a:schemeClr val="accent1">
-              <a:shade val="50000"/>
-            </a:schemeClr>
-          </a:lnRef>
-          <a:fillRef idx="1">
-            <a:schemeClr val="accent1"/>
-          </a:fillRef>
-          <a:effectRef idx="0">
-            <a:schemeClr val="accent1"/>
-          </a:effectRef>
-          <a:fontRef idx="minor">
-            <a:schemeClr val="lt1"/>
-          </a:fontRef>
-        </p:style>
-        <p:txBody>
-          <a:bodyPr rtlCol="0" anchor="ctr"/>
-          <a:lstStyle/>
-          <a:p>
-            <a:pPr algn="ctr"/>
-            <a:endParaRPr lang="zh-CN" altLang="en-US"/>
-          </a:p>
-        </p:txBody>
-      </p:sp>
-    </p:spTree>
-    <p:extLst>
-      <p:ext uri="{BB962C8B-B14F-4D97-AF65-F5344CB8AC3E}">
-        <p14:creationId xmlns:p14="http://schemas.microsoft.com/office/powerpoint/2010/main" val="4087211702"/>
-      </p:ext>
-    </p:extLst>
-  </p:cSld>
-  <p:clrMapOvr>
-    <a:masterClrMapping/>
-  </p:clrMapOvr>
-  <p:timing>
-    <p:tnLst>
-      <p:par>
-        <p:cTn id="1" dur="indefinite" restart="never" nodeType="tmRoot">
-          <p:childTnLst>
-            <p:seq concurrent="1" nextAc="seek">
-              <p:cTn id="2" dur="indefinite" nodeType="mainSeq">
-                <p:childTnLst>
-                  <p:par>
-                    <p:cTn id="3" fill="hold">
-                      <p:stCondLst>
-                        <p:cond delay="indefinite"/>
-                      </p:stCondLst>
-                      <p:childTnLst>
-                        <p:par>
-                          <p:cTn id="4" fill="hold">
-                            <p:stCondLst>
-                              <p:cond delay="0"/>
-                            </p:stCondLst>
-                            <p:childTnLst>
-                              <p:par>
-                                <p:cTn id="5" presetID="1" presetClass="entr" presetSubtype="0" fill="hold" nodeType="clickEffect">
-                                  <p:stCondLst>
-                                    <p:cond delay="0"/>
-                                  </p:stCondLst>
-                                  <p:childTnLst>
-                                    <p:set>
-                                      <p:cBhvr>
-                                        <p:cTn id="6" dur="1" fill="hold">
-                                          <p:stCondLst>
-                                            <p:cond delay="0"/>
-                                          </p:stCondLst>
-                                        </p:cTn>
-                                        <p:tgtEl>
-                                          <p:spTgt spid="5"/>
-                                        </p:tgtEl>
-                                        <p:attrNameLst>
-                                          <p:attrName>style.visibility</p:attrName>
-                                        </p:attrNameLst>
-                                      </p:cBhvr>
-                                      <p:to>
-                                        <p:strVal val="visible"/>
-                                      </p:to>
-                                    </p:set>
-                                  </p:childTnLst>
-                                </p:cTn>
-                              </p:par>
-                            </p:childTnLst>
-                          </p:cTn>
-                        </p:par>
-                      </p:childTnLst>
-                    </p:cTn>
-                  </p:par>
-                  <p:par>
-                    <p:cTn id="7" fill="hold">
-                      <p:stCondLst>
-                        <p:cond delay="indefinite"/>
-                      </p:stCondLst>
-                      <p:childTnLst>
-                        <p:par>
-                          <p:cTn id="8" fill="hold">
-                            <p:stCondLst>
-                              <p:cond delay="0"/>
-                            </p:stCondLst>
-                            <p:childTnLst>
-                              <p:par>
-                                <p:cTn id="9" presetID="1" presetClass="entr" presetSubtype="0" fill="hold" grpId="0" nodeType="clickEffect">
-                                  <p:stCondLst>
-                                    <p:cond delay="0"/>
-                                  </p:stCondLst>
-                                  <p:childTnLst>
-                                    <p:set>
-                                      <p:cBhvr>
-                                        <p:cTn id="10" dur="1" fill="hold">
-                                          <p:stCondLst>
-                                            <p:cond delay="0"/>
-                                          </p:stCondLst>
-                                        </p:cTn>
-                                        <p:tgtEl>
-                                          <p:spTgt spid="7"/>
-                                        </p:tgtEl>
-                                        <p:attrNameLst>
-                                          <p:attrName>style.visibility</p:attrName>
-                                        </p:attrNameLst>
-                                      </p:cBhvr>
-                                      <p:to>
-                                        <p:strVal val="visible"/>
-                                      </p:to>
-                                    </p:set>
-                                  </p:childTnLst>
-                                </p:cTn>
-                              </p:par>
-                            </p:childTnLst>
-                          </p:cTn>
-                        </p:par>
-                      </p:childTnLst>
-                    </p:cTn>
-                  </p:par>
-                  <p:par>
-                    <p:cTn id="11" fill="hold">
-                      <p:stCondLst>
-                        <p:cond delay="indefinite"/>
-                      </p:stCondLst>
-                      <p:childTnLst>
-                        <p:par>
-                          <p:cTn id="12" fill="hold">
-                            <p:stCondLst>
-                              <p:cond delay="0"/>
-                            </p:stCondLst>
-                            <p:childTnLst>
-                              <p:par>
-                                <p:cTn id="13" presetID="1" presetClass="entr" presetSubtype="0" fill="hold" grpId="0" nodeType="clickEffect">
-                                  <p:stCondLst>
-                                    <p:cond delay="0"/>
-                                  </p:stCondLst>
-                                  <p:childTnLst>
-                                    <p:set>
-                                      <p:cBhvr>
-                                        <p:cTn id="14" dur="1" fill="hold">
-                                          <p:stCondLst>
-                                            <p:cond delay="0"/>
-                                          </p:stCondLst>
-                                        </p:cTn>
-                                        <p:tgtEl>
-                                          <p:spTgt spid="8"/>
-                                        </p:tgtEl>
-                                        <p:attrNameLst>
-                                          <p:attrName>style.visibility</p:attrName>
-                                        </p:attrNameLst>
-                                      </p:cBhvr>
-                                      <p:to>
-                                        <p:strVal val="visible"/>
-                                      </p:to>
-                                    </p:set>
-                                  </p:childTnLst>
-                                </p:cTn>
-                              </p:par>
-                            </p:childTnLst>
-                          </p:cTn>
-                        </p:par>
-                      </p:childTnLst>
-                    </p:cTn>
-                  </p:par>
-                </p:childTnLst>
-              </p:cTn>
-              <p:prevCondLst>
-                <p:cond evt="onPrev" delay="0">
-                  <p:tgtEl>
-                    <p:sldTgt/>
-                  </p:tgtEl>
-                </p:cond>
-              </p:prevCondLst>
-              <p:nextCondLst>
-                <p:cond evt="onNext" delay="0">
-                  <p:tgtEl>
-                    <p:sldTgt/>
-                  </p:tgtEl>
-                </p:cond>
-              </p:nextCondLst>
-            </p:seq>
-          </p:childTnLst>
-        </p:cTn>
-      </p:par>
-    </p:tnLst>
-    <p:bldLst>
-      <p:bldP spid="7" grpId="0" animBg="1"/>
-      <p:bldP spid="8" grpId="0" animBg="1"/>
-    </p:bldLst>
-  </p:timing>
-</p:sld>
-</file>
-
-<file path=ppt/slides/slide18.xml><?xml version="1.0" encoding="utf-8"?>
-<p:sld xmlns:a="http://schemas.openxmlformats.org/drawingml/2006/main" xmlns:r="http://schemas.openxmlformats.org/officeDocument/2006/relationships" xmlns:p="http://schemas.openxmlformats.org/presentationml/2006/main">
-  <p:cSld>
-    <p:spTree>
-      <p:nvGrpSpPr>
-        <p:cNvPr id="1" name=""/>
-        <p:cNvGrpSpPr/>
-        <p:nvPr/>
-      </p:nvGrpSpPr>
-      <p:grpSpPr>
-        <a:xfrm>
-          <a:off x="0" y="0"/>
-          <a:ext cx="0" cy="0"/>
-          <a:chOff x="0" y="0"/>
-          <a:chExt cx="0" cy="0"/>
-        </a:xfrm>
-      </p:grpSpPr>
-      <p:sp>
-        <p:nvSpPr>
-          <p:cNvPr id="2" name="标题 1"/>
-          <p:cNvSpPr>
-            <a:spLocks noGrp="1"/>
-          </p:cNvSpPr>
-          <p:nvPr>
-            <p:ph type="title"/>
-          </p:nvPr>
-        </p:nvSpPr>
-        <p:spPr/>
-        <p:txBody>
-          <a:bodyPr/>
-          <a:lstStyle/>
-          <a:p>
-            <a:r>
-              <a:rPr lang="en-US" altLang="zh-CN" b="1" dirty="0">
+              <a:t>this</a:t>
+            </a:r>
+            <a:r>
+              <a:rPr lang="en-US" altLang="zh-CN" sz="3200" dirty="0">
                 <a:sym typeface="+mn-ea"/>
               </a:rPr>
-              <a:t>this</a:t>
-            </a:r>
-            <a:r>
-              <a:rPr lang="en-US" altLang="zh-CN" dirty="0">
-                <a:sym typeface="+mn-ea"/>
-              </a:rPr>
               <a:t> pointer</a:t>
             </a:r>
-            <a:endParaRPr lang="zh-CN" altLang="en-US" dirty="0"/>
+            <a:endParaRPr lang="zh-CN" altLang="en-US" sz="3200" dirty="0"/>
           </a:p>
         </p:txBody>
       </p:sp>
@@ -9468,6 +8101,954 @@
 </p:sld>
 </file>
 
+<file path=ppt/slides/slide17.xml><?xml version="1.0" encoding="utf-8"?>
+<p:sld xmlns:a="http://schemas.openxmlformats.org/drawingml/2006/main" xmlns:r="http://schemas.openxmlformats.org/officeDocument/2006/relationships" xmlns:p="http://schemas.openxmlformats.org/presentationml/2006/main">
+  <p:cSld>
+    <p:spTree>
+      <p:nvGrpSpPr>
+        <p:cNvPr id="1" name=""/>
+        <p:cNvGrpSpPr/>
+        <p:nvPr/>
+      </p:nvGrpSpPr>
+      <p:grpSpPr>
+        <a:xfrm>
+          <a:off x="0" y="0"/>
+          <a:ext cx="0" cy="0"/>
+          <a:chOff x="0" y="0"/>
+          <a:chExt cx="0" cy="0"/>
+        </a:xfrm>
+      </p:grpSpPr>
+      <p:sp>
+        <p:nvSpPr>
+          <p:cNvPr id="4" name="Title 1"/>
+          <p:cNvSpPr txBox="1"/>
+          <p:nvPr/>
+        </p:nvSpPr>
+        <p:spPr>
+          <a:xfrm>
+            <a:off x="1237352" y="396090"/>
+            <a:ext cx="8100392" cy="685800"/>
+          </a:xfrm>
+          <a:prstGeom prst="rect">
+            <a:avLst/>
+          </a:prstGeom>
+        </p:spPr>
+        <p:txBody>
+          <a:bodyPr vert="horz" lIns="91440" tIns="45720" rIns="91440" bIns="45720" rtlCol="0" anchor="ctr">
+            <a:noAutofit/>
+          </a:bodyPr>
+          <a:lstStyle>
+            <a:lvl1pPr algn="l" defTabSz="914400" rtl="0" eaLnBrk="1" latinLnBrk="0" hangingPunct="1">
+              <a:lnSpc>
+                <a:spcPct val="90000"/>
+              </a:lnSpc>
+              <a:spcBef>
+                <a:spcPct val="0"/>
+              </a:spcBef>
+              <a:buNone/>
+              <a:defRPr sz="4400" kern="1200">
+                <a:solidFill>
+                  <a:schemeClr val="tx1"/>
+                </a:solidFill>
+                <a:latin typeface="+mj-lt"/>
+                <a:ea typeface="+mj-ea"/>
+                <a:cs typeface="+mj-cs"/>
+              </a:defRPr>
+            </a:lvl1pPr>
+          </a:lstStyle>
+          <a:p>
+            <a:pPr marL="0" marR="0" lvl="0" indent="0" algn="l" defTabSz="914400" rtl="0" eaLnBrk="1" fontAlgn="auto" latinLnBrk="0" hangingPunct="1">
+              <a:lnSpc>
+                <a:spcPct val="90000"/>
+              </a:lnSpc>
+              <a:spcBef>
+                <a:spcPct val="0"/>
+              </a:spcBef>
+              <a:spcAft>
+                <a:spcPts val="0"/>
+              </a:spcAft>
+              <a:buClrTx/>
+              <a:buSzTx/>
+              <a:buFontTx/>
+              <a:buNone/>
+              <a:tabLst/>
+              <a:defRPr/>
+            </a:pPr>
+            <a:r>
+              <a:rPr kumimoji="0" lang="en-US" altLang="zh-CN" sz="3600" b="1" i="0" u="none" strike="noStrike" kern="1200" cap="none" spc="0" normalizeH="0" baseline="0" noProof="0" dirty="0">
+                <a:ln>
+                  <a:noFill/>
+                </a:ln>
+                <a:solidFill>
+                  <a:prstClr val="black"/>
+                </a:solidFill>
+                <a:effectLst/>
+                <a:uLnTx/>
+                <a:uFillTx/>
+                <a:latin typeface="Calibri" panose="020F0502020204030204"/>
+                <a:ea typeface="宋体" panose="02010600030101010101" pitchFamily="2" charset="-122"/>
+                <a:cs typeface="+mj-cs"/>
+              </a:rPr>
+              <a:t> Exercises</a:t>
+            </a:r>
+          </a:p>
+        </p:txBody>
+      </p:sp>
+      <p:sp>
+        <p:nvSpPr>
+          <p:cNvPr id="10" name="内容占位符 2">
+            <a:extLst>
+              <a:ext uri="{FF2B5EF4-FFF2-40B4-BE49-F238E27FC236}">
+                <a16:creationId xmlns:a16="http://schemas.microsoft.com/office/drawing/2014/main" id="{903CBCCE-A490-0636-F8C3-256C6DDBB345}"/>
+              </a:ext>
+            </a:extLst>
+          </p:cNvPr>
+          <p:cNvSpPr>
+            <a:spLocks noGrp="1"/>
+          </p:cNvSpPr>
+          <p:nvPr>
+            <p:ph idx="1"/>
+          </p:nvPr>
+        </p:nvSpPr>
+        <p:spPr>
+          <a:xfrm>
+            <a:off x="833946" y="1150641"/>
+            <a:ext cx="11053879" cy="1306154"/>
+          </a:xfrm>
+        </p:spPr>
+        <p:txBody>
+          <a:bodyPr>
+            <a:normAutofit/>
+          </a:bodyPr>
+          <a:lstStyle/>
+          <a:p>
+            <a:pPr marL="0" indent="0">
+              <a:buNone/>
+            </a:pPr>
+            <a:r>
+              <a:rPr lang="en-US" altLang="zh-CN" sz="2400" dirty="0"/>
+              <a:t>1. Can the program below be run successfully? Why? How to modify it? Can the </a:t>
+            </a:r>
+            <a:r>
+              <a:rPr lang="en-US" altLang="zh-CN" sz="2400" b="1" dirty="0"/>
+              <a:t>display() </a:t>
+            </a:r>
+            <a:r>
+              <a:rPr lang="en-US" altLang="zh-CN" sz="2400" dirty="0"/>
+              <a:t>function be invoked by the Demo class instead of an object of Demo?</a:t>
+            </a:r>
+          </a:p>
+          <a:p>
+            <a:pPr marL="0" indent="0">
+              <a:buNone/>
+            </a:pPr>
+            <a:r>
+              <a:rPr lang="en-US" altLang="zh-CN" sz="2400" dirty="0">
+                <a:sym typeface="+mn-ea"/>
+              </a:rPr>
+              <a:t>You need to explain the reason to a SA to pass the test.</a:t>
+            </a:r>
+            <a:endParaRPr lang="en-US" altLang="zh-CN" sz="2400" dirty="0"/>
+          </a:p>
+        </p:txBody>
+      </p:sp>
+      <p:sp>
+        <p:nvSpPr>
+          <p:cNvPr id="11" name="文本框 10">
+            <a:extLst>
+              <a:ext uri="{FF2B5EF4-FFF2-40B4-BE49-F238E27FC236}">
+                <a16:creationId xmlns:a16="http://schemas.microsoft.com/office/drawing/2014/main" id="{35185F50-0456-21DC-2559-64094642D326}"/>
+              </a:ext>
+            </a:extLst>
+          </p:cNvPr>
+          <p:cNvSpPr txBox="1"/>
+          <p:nvPr/>
+        </p:nvSpPr>
+        <p:spPr>
+          <a:xfrm>
+            <a:off x="3087278" y="2431276"/>
+            <a:ext cx="8347340" cy="4185761"/>
+          </a:xfrm>
+          <a:prstGeom prst="rect">
+            <a:avLst/>
+          </a:prstGeom>
+          <a:solidFill>
+            <a:schemeClr val="accent5">
+              <a:lumMod val="20000"/>
+              <a:lumOff val="80000"/>
+            </a:schemeClr>
+          </a:solidFill>
+          <a:ln>
+            <a:solidFill>
+              <a:srgbClr val="000000"/>
+            </a:solidFill>
+          </a:ln>
+        </p:spPr>
+        <p:txBody>
+          <a:bodyPr wrap="square" rtlCol="0">
+            <a:spAutoFit/>
+          </a:bodyPr>
+          <a:lstStyle/>
+          <a:p>
+            <a:r>
+              <a:rPr lang="en-US" altLang="zh-CN" sz="1400" b="0" dirty="0">
+                <a:effectLst/>
+              </a:rPr>
+              <a:t>#include &lt;iostream&gt;</a:t>
+            </a:r>
+          </a:p>
+          <a:p>
+            <a:r>
+              <a:rPr lang="en-US" altLang="zh-CN" sz="1400" b="0" dirty="0">
+                <a:effectLst/>
+              </a:rPr>
+              <a:t>using namespace std;</a:t>
+            </a:r>
+          </a:p>
+          <a:p>
+            <a:br>
+              <a:rPr lang="en-US" altLang="zh-CN" sz="1400" b="0" dirty="0">
+                <a:effectLst/>
+              </a:rPr>
+            </a:br>
+            <a:r>
+              <a:rPr lang="en-US" altLang="zh-CN" sz="1400" b="0" dirty="0">
+                <a:effectLst/>
+              </a:rPr>
+              <a:t>class Demo </a:t>
+            </a:r>
+          </a:p>
+          <a:p>
+            <a:r>
+              <a:rPr lang="en-US" altLang="zh-CN" sz="1400" b="0" dirty="0">
+                <a:effectLst/>
+              </a:rPr>
+              <a:t>{</a:t>
+            </a:r>
+          </a:p>
+          <a:p>
+            <a:r>
+              <a:rPr lang="en-US" altLang="zh-CN" sz="1400" b="0" dirty="0">
+                <a:effectLst/>
+              </a:rPr>
+              <a:t>   public :</a:t>
+            </a:r>
+          </a:p>
+          <a:p>
+            <a:r>
+              <a:rPr lang="en-US" altLang="zh-CN" sz="1400" b="0" dirty="0">
+                <a:effectLst/>
+              </a:rPr>
+              <a:t>   static int num;</a:t>
+            </a:r>
+          </a:p>
+          <a:p>
+            <a:r>
+              <a:rPr lang="en-US" altLang="zh-CN" sz="1400" b="0" dirty="0">
+                <a:effectLst/>
+              </a:rPr>
+              <a:t>   void display() </a:t>
+            </a:r>
+          </a:p>
+          <a:p>
+            <a:r>
+              <a:rPr lang="en-US" altLang="zh-CN" sz="1400" b="0" dirty="0">
+                <a:effectLst/>
+              </a:rPr>
+              <a:t>   {</a:t>
+            </a:r>
+          </a:p>
+          <a:p>
+            <a:r>
+              <a:rPr lang="en-US" altLang="zh-CN" sz="1400" b="0" dirty="0">
+                <a:effectLst/>
+              </a:rPr>
+              <a:t>      </a:t>
+            </a:r>
+            <a:r>
+              <a:rPr lang="en-US" altLang="zh-CN" sz="1400" b="0" dirty="0" err="1">
+                <a:effectLst/>
+              </a:rPr>
+              <a:t>cout</a:t>
+            </a:r>
+            <a:r>
+              <a:rPr lang="en-US" altLang="zh-CN" sz="1400" b="0" dirty="0">
+                <a:effectLst/>
+              </a:rPr>
+              <a:t> &lt;&lt; "The value of the static member variable num is: " &lt;&lt; num &lt;&lt;</a:t>
+            </a:r>
+            <a:r>
+              <a:rPr lang="en-US" altLang="zh-CN" sz="1400" b="0" dirty="0" err="1">
+                <a:effectLst/>
+              </a:rPr>
+              <a:t>endl</a:t>
+            </a:r>
+            <a:r>
+              <a:rPr lang="en-US" altLang="zh-CN" sz="1400" b="0" dirty="0">
+                <a:effectLst/>
+              </a:rPr>
+              <a:t>;</a:t>
+            </a:r>
+          </a:p>
+          <a:p>
+            <a:r>
+              <a:rPr lang="en-US" altLang="zh-CN" sz="1400" b="0" dirty="0">
+                <a:effectLst/>
+              </a:rPr>
+              <a:t>   }</a:t>
+            </a:r>
+          </a:p>
+          <a:p>
+            <a:r>
+              <a:rPr lang="en-US" altLang="zh-CN" sz="1400" b="0" dirty="0">
+                <a:effectLst/>
+              </a:rPr>
+              <a:t>};</a:t>
+            </a:r>
+          </a:p>
+          <a:p>
+            <a:br>
+              <a:rPr lang="en-US" altLang="zh-CN" sz="1400" b="0" dirty="0">
+                <a:effectLst/>
+              </a:rPr>
+            </a:br>
+            <a:r>
+              <a:rPr lang="en-US" altLang="zh-CN" sz="1400" b="0" dirty="0">
+                <a:effectLst/>
+              </a:rPr>
+              <a:t>int main() </a:t>
+            </a:r>
+          </a:p>
+          <a:p>
+            <a:r>
+              <a:rPr lang="en-US" altLang="zh-CN" sz="1400" b="0" dirty="0">
+                <a:effectLst/>
+              </a:rPr>
+              <a:t>{</a:t>
+            </a:r>
+          </a:p>
+          <a:p>
+            <a:r>
+              <a:rPr lang="en-US" altLang="zh-CN" sz="1400" b="0" dirty="0">
+                <a:effectLst/>
+              </a:rPr>
+              <a:t>   Demo obj;</a:t>
+            </a:r>
+          </a:p>
+          <a:p>
+            <a:r>
+              <a:rPr lang="en-US" altLang="zh-CN" sz="1400" b="0" dirty="0">
+                <a:effectLst/>
+              </a:rPr>
+              <a:t>   </a:t>
+            </a:r>
+            <a:r>
+              <a:rPr lang="en-US" altLang="zh-CN" sz="1400" b="0" dirty="0" err="1">
+                <a:effectLst/>
+              </a:rPr>
+              <a:t>obj.display</a:t>
+            </a:r>
+            <a:r>
+              <a:rPr lang="en-US" altLang="zh-CN" sz="1400" b="0" dirty="0">
+                <a:effectLst/>
+              </a:rPr>
+              <a:t>();</a:t>
+            </a:r>
+          </a:p>
+          <a:p>
+            <a:r>
+              <a:rPr lang="en-US" altLang="zh-CN" sz="1400" b="0" dirty="0">
+                <a:effectLst/>
+              </a:rPr>
+              <a:t>   return 0;</a:t>
+            </a:r>
+          </a:p>
+          <a:p>
+            <a:r>
+              <a:rPr lang="en-US" altLang="zh-CN" sz="1400" b="0" dirty="0">
+                <a:effectLst/>
+              </a:rPr>
+              <a:t>}</a:t>
+            </a:r>
+          </a:p>
+        </p:txBody>
+      </p:sp>
+    </p:spTree>
+  </p:cSld>
+  <p:clrMapOvr>
+    <a:masterClrMapping/>
+  </p:clrMapOvr>
+</p:sld>
+</file>
+
+<file path=ppt/slides/slide18.xml><?xml version="1.0" encoding="utf-8"?>
+<p:sld xmlns:a="http://schemas.openxmlformats.org/drawingml/2006/main" xmlns:r="http://schemas.openxmlformats.org/officeDocument/2006/relationships" xmlns:p="http://schemas.openxmlformats.org/presentationml/2006/main">
+  <p:cSld>
+    <p:spTree>
+      <p:nvGrpSpPr>
+        <p:cNvPr id="1" name=""/>
+        <p:cNvGrpSpPr/>
+        <p:nvPr/>
+      </p:nvGrpSpPr>
+      <p:grpSpPr>
+        <a:xfrm>
+          <a:off x="0" y="0"/>
+          <a:ext cx="0" cy="0"/>
+          <a:chOff x="0" y="0"/>
+          <a:chExt cx="0" cy="0"/>
+        </a:xfrm>
+      </p:grpSpPr>
+      <p:sp>
+        <p:nvSpPr>
+          <p:cNvPr id="4" name="Title 1"/>
+          <p:cNvSpPr txBox="1"/>
+          <p:nvPr/>
+        </p:nvSpPr>
+        <p:spPr>
+          <a:xfrm>
+            <a:off x="1237352" y="396090"/>
+            <a:ext cx="8100392" cy="685800"/>
+          </a:xfrm>
+          <a:prstGeom prst="rect">
+            <a:avLst/>
+          </a:prstGeom>
+        </p:spPr>
+        <p:txBody>
+          <a:bodyPr vert="horz" lIns="91440" tIns="45720" rIns="91440" bIns="45720" rtlCol="0" anchor="ctr">
+            <a:noAutofit/>
+          </a:bodyPr>
+          <a:lstStyle>
+            <a:lvl1pPr algn="l" defTabSz="914400" rtl="0" eaLnBrk="1" latinLnBrk="0" hangingPunct="1">
+              <a:lnSpc>
+                <a:spcPct val="90000"/>
+              </a:lnSpc>
+              <a:spcBef>
+                <a:spcPct val="0"/>
+              </a:spcBef>
+              <a:buNone/>
+              <a:defRPr sz="4400" kern="1200">
+                <a:solidFill>
+                  <a:schemeClr val="tx1"/>
+                </a:solidFill>
+                <a:latin typeface="+mj-lt"/>
+                <a:ea typeface="+mj-ea"/>
+                <a:cs typeface="+mj-cs"/>
+              </a:defRPr>
+            </a:lvl1pPr>
+          </a:lstStyle>
+          <a:p>
+            <a:pPr marL="0" marR="0" lvl="0" indent="0" algn="l" defTabSz="914400" rtl="0" eaLnBrk="1" fontAlgn="auto" latinLnBrk="0" hangingPunct="1">
+              <a:lnSpc>
+                <a:spcPct val="90000"/>
+              </a:lnSpc>
+              <a:spcBef>
+                <a:spcPct val="0"/>
+              </a:spcBef>
+              <a:spcAft>
+                <a:spcPts val="0"/>
+              </a:spcAft>
+              <a:buClrTx/>
+              <a:buSzTx/>
+              <a:buFontTx/>
+              <a:buNone/>
+              <a:tabLst/>
+              <a:defRPr/>
+            </a:pPr>
+            <a:r>
+              <a:rPr kumimoji="0" lang="en-US" altLang="zh-CN" sz="3600" b="1" i="0" u="none" strike="noStrike" kern="1200" cap="none" spc="0" normalizeH="0" baseline="0" noProof="0" dirty="0">
+                <a:ln>
+                  <a:noFill/>
+                </a:ln>
+                <a:solidFill>
+                  <a:prstClr val="black"/>
+                </a:solidFill>
+                <a:effectLst/>
+                <a:uLnTx/>
+                <a:uFillTx/>
+                <a:latin typeface="Calibri" panose="020F0502020204030204"/>
+                <a:ea typeface="宋体" panose="02010600030101010101" pitchFamily="2" charset="-122"/>
+                <a:cs typeface="+mj-cs"/>
+              </a:rPr>
+              <a:t> Exercises</a:t>
+            </a:r>
+          </a:p>
+        </p:txBody>
+      </p:sp>
+      <p:sp>
+        <p:nvSpPr>
+          <p:cNvPr id="10" name="内容占位符 2">
+            <a:extLst>
+              <a:ext uri="{FF2B5EF4-FFF2-40B4-BE49-F238E27FC236}">
+                <a16:creationId xmlns:a16="http://schemas.microsoft.com/office/drawing/2014/main" id="{903CBCCE-A490-0636-F8C3-256C6DDBB345}"/>
+              </a:ext>
+            </a:extLst>
+          </p:cNvPr>
+          <p:cNvSpPr>
+            <a:spLocks noGrp="1"/>
+          </p:cNvSpPr>
+          <p:nvPr>
+            <p:ph idx="1"/>
+          </p:nvPr>
+        </p:nvSpPr>
+        <p:spPr>
+          <a:xfrm>
+            <a:off x="833946" y="1150641"/>
+            <a:ext cx="11053879" cy="1306154"/>
+          </a:xfrm>
+        </p:spPr>
+        <p:txBody>
+          <a:bodyPr>
+            <a:normAutofit/>
+          </a:bodyPr>
+          <a:lstStyle/>
+          <a:p>
+            <a:pPr marL="0" indent="0">
+              <a:buNone/>
+            </a:pPr>
+            <a:r>
+              <a:rPr lang="en-US" altLang="zh-CN" sz="2400" dirty="0"/>
+              <a:t>2. What is the result of the program below? What happens if you uncomment the commented line in function main()? Why? </a:t>
+            </a:r>
+            <a:r>
+              <a:rPr lang="en-US" altLang="zh-CN" sz="2400" dirty="0">
+                <a:sym typeface="+mn-ea"/>
+              </a:rPr>
+              <a:t>You need to explain the reason to a SA to pass the test.</a:t>
+            </a:r>
+            <a:endParaRPr lang="en-US" altLang="zh-CN" sz="2400" dirty="0"/>
+          </a:p>
+        </p:txBody>
+      </p:sp>
+      <p:sp>
+        <p:nvSpPr>
+          <p:cNvPr id="11" name="文本框 10">
+            <a:extLst>
+              <a:ext uri="{FF2B5EF4-FFF2-40B4-BE49-F238E27FC236}">
+                <a16:creationId xmlns:a16="http://schemas.microsoft.com/office/drawing/2014/main" id="{35185F50-0456-21DC-2559-64094642D326}"/>
+              </a:ext>
+            </a:extLst>
+          </p:cNvPr>
+          <p:cNvSpPr txBox="1"/>
+          <p:nvPr/>
+        </p:nvSpPr>
+        <p:spPr>
+          <a:xfrm>
+            <a:off x="833946" y="2329477"/>
+            <a:ext cx="6183745" cy="3754874"/>
+          </a:xfrm>
+          <a:prstGeom prst="rect">
+            <a:avLst/>
+          </a:prstGeom>
+          <a:solidFill>
+            <a:schemeClr val="accent5">
+              <a:lumMod val="20000"/>
+              <a:lumOff val="80000"/>
+            </a:schemeClr>
+          </a:solidFill>
+          <a:ln>
+            <a:solidFill>
+              <a:srgbClr val="000000"/>
+            </a:solidFill>
+          </a:ln>
+        </p:spPr>
+        <p:txBody>
+          <a:bodyPr wrap="square" rtlCol="0">
+            <a:spAutoFit/>
+          </a:bodyPr>
+          <a:lstStyle/>
+          <a:p>
+            <a:r>
+              <a:rPr lang="en-US" altLang="zh-CN" sz="1400" b="0" dirty="0">
+                <a:effectLst/>
+              </a:rPr>
+              <a:t>#include &lt;iostream&gt;</a:t>
+            </a:r>
+          </a:p>
+          <a:p>
+            <a:r>
+              <a:rPr lang="en-US" altLang="zh-CN" sz="1400" b="0" dirty="0">
+                <a:effectLst/>
+              </a:rPr>
+              <a:t>using namespace std;</a:t>
+            </a:r>
+          </a:p>
+          <a:p>
+            <a:br>
+              <a:rPr lang="en-US" altLang="zh-CN" sz="1400" b="0" dirty="0">
+                <a:effectLst/>
+              </a:rPr>
+            </a:br>
+            <a:r>
+              <a:rPr lang="en-US" altLang="zh-CN" sz="1400" b="0" dirty="0">
+                <a:effectLst/>
+              </a:rPr>
+              <a:t>class </a:t>
+            </a:r>
+            <a:r>
+              <a:rPr lang="en-US" altLang="zh-CN" sz="1400" b="0" dirty="0" err="1">
+                <a:effectLst/>
+              </a:rPr>
+              <a:t>ConstMember</a:t>
+            </a:r>
+            <a:r>
+              <a:rPr lang="en-US" altLang="zh-CN" sz="1400" b="0" dirty="0">
+                <a:effectLst/>
+              </a:rPr>
+              <a:t> </a:t>
+            </a:r>
+          </a:p>
+          <a:p>
+            <a:r>
+              <a:rPr lang="en-US" altLang="zh-CN" sz="1400" b="0" dirty="0">
+                <a:effectLst/>
+              </a:rPr>
+              <a:t>{</a:t>
+            </a:r>
+          </a:p>
+          <a:p>
+            <a:r>
+              <a:rPr lang="en-US" altLang="zh-CN" sz="1400" b="0" dirty="0">
+                <a:effectLst/>
+              </a:rPr>
+              <a:t>private:</a:t>
+            </a:r>
+          </a:p>
+          <a:p>
+            <a:r>
+              <a:rPr lang="en-US" altLang="zh-CN" sz="1400" b="0" dirty="0">
+                <a:effectLst/>
+              </a:rPr>
+              <a:t>  const int </a:t>
+            </a:r>
+            <a:r>
+              <a:rPr lang="en-US" altLang="zh-CN" sz="1400" b="0" dirty="0" err="1">
+                <a:effectLst/>
+              </a:rPr>
+              <a:t>m_a</a:t>
+            </a:r>
+            <a:r>
+              <a:rPr lang="en-US" altLang="zh-CN" sz="1400" b="0" dirty="0">
+                <a:effectLst/>
+              </a:rPr>
+              <a:t>;</a:t>
+            </a:r>
+          </a:p>
+          <a:p>
+            <a:r>
+              <a:rPr lang="en-US" altLang="zh-CN" sz="1400" b="0" dirty="0">
+                <a:effectLst/>
+              </a:rPr>
+              <a:t>public:</a:t>
+            </a:r>
+          </a:p>
+          <a:p>
+            <a:r>
+              <a:rPr lang="en-US" altLang="zh-CN" sz="1400" b="0" dirty="0">
+                <a:effectLst/>
+              </a:rPr>
+              <a:t>  </a:t>
+            </a:r>
+            <a:r>
+              <a:rPr lang="en-US" altLang="zh-CN" sz="1400" b="0" dirty="0" err="1">
+                <a:effectLst/>
+              </a:rPr>
+              <a:t>ConstMember</a:t>
+            </a:r>
+            <a:r>
+              <a:rPr lang="en-US" altLang="zh-CN" sz="1400" b="0" dirty="0">
+                <a:effectLst/>
+              </a:rPr>
+              <a:t>(int a) : </a:t>
+            </a:r>
+            <a:r>
+              <a:rPr lang="en-US" altLang="zh-CN" sz="1400" b="0" dirty="0" err="1">
+                <a:effectLst/>
+              </a:rPr>
+              <a:t>m_a</a:t>
+            </a:r>
+            <a:r>
+              <a:rPr lang="en-US" altLang="zh-CN" sz="1400" b="0" dirty="0">
+                <a:effectLst/>
+              </a:rPr>
+              <a:t>(a) {}</a:t>
+            </a:r>
+          </a:p>
+          <a:p>
+            <a:br>
+              <a:rPr lang="en-US" altLang="zh-CN" sz="1400" b="0" dirty="0">
+                <a:effectLst/>
+              </a:rPr>
+            </a:br>
+            <a:r>
+              <a:rPr lang="en-US" altLang="zh-CN" sz="1400" b="0" dirty="0">
+                <a:effectLst/>
+              </a:rPr>
+              <a:t>  void display() const</a:t>
+            </a:r>
+          </a:p>
+          <a:p>
+            <a:r>
+              <a:rPr lang="en-US" altLang="zh-CN" sz="1400" b="0" dirty="0">
+                <a:effectLst/>
+              </a:rPr>
+              <a:t>  {</a:t>
+            </a:r>
+          </a:p>
+          <a:p>
+            <a:r>
+              <a:rPr lang="en-US" altLang="zh-CN" sz="1400" b="0" dirty="0">
+                <a:effectLst/>
+              </a:rPr>
+              <a:t>    </a:t>
+            </a:r>
+            <a:r>
+              <a:rPr lang="en-US" altLang="zh-CN" sz="1400" b="0" dirty="0" err="1">
+                <a:effectLst/>
+              </a:rPr>
+              <a:t>cout</a:t>
+            </a:r>
+            <a:r>
+              <a:rPr lang="en-US" altLang="zh-CN" sz="1400" b="0" dirty="0">
+                <a:effectLst/>
+              </a:rPr>
+              <a:t> &lt;&lt; "The value of the const member variable </a:t>
+            </a:r>
+            <a:r>
+              <a:rPr lang="en-US" altLang="zh-CN" sz="1400" b="0" dirty="0" err="1">
+                <a:effectLst/>
+              </a:rPr>
+              <a:t>m_a</a:t>
+            </a:r>
+            <a:r>
+              <a:rPr lang="en-US" altLang="zh-CN" sz="1400" b="0" dirty="0">
+                <a:effectLst/>
+              </a:rPr>
+              <a:t> is: "  &lt;&lt; </a:t>
+            </a:r>
+            <a:r>
+              <a:rPr lang="en-US" altLang="zh-CN" sz="1400" b="0" dirty="0" err="1">
+                <a:effectLst/>
+              </a:rPr>
+              <a:t>m_a</a:t>
+            </a:r>
+            <a:r>
+              <a:rPr lang="en-US" altLang="zh-CN" sz="1400" b="0" dirty="0">
+                <a:effectLst/>
+              </a:rPr>
+              <a:t> &lt;&lt; </a:t>
+            </a:r>
+            <a:r>
+              <a:rPr lang="en-US" altLang="zh-CN" sz="1400" b="0" dirty="0" err="1">
+                <a:effectLst/>
+              </a:rPr>
+              <a:t>endl</a:t>
+            </a:r>
+            <a:r>
+              <a:rPr lang="en-US" altLang="zh-CN" sz="1400" b="0" dirty="0">
+                <a:effectLst/>
+              </a:rPr>
+              <a:t>;</a:t>
+            </a:r>
+          </a:p>
+          <a:p>
+            <a:r>
+              <a:rPr lang="en-US" altLang="zh-CN" sz="1400" b="0" dirty="0">
+                <a:effectLst/>
+              </a:rPr>
+              <a:t>  }</a:t>
+            </a:r>
+            <a:br>
+              <a:rPr lang="en-US" altLang="zh-CN" sz="1400" b="0" dirty="0">
+                <a:effectLst/>
+              </a:rPr>
+            </a:br>
+            <a:r>
+              <a:rPr lang="en-US" altLang="zh-CN" sz="1400" b="0" dirty="0">
+                <a:effectLst/>
+              </a:rPr>
+              <a:t>};</a:t>
+            </a:r>
+          </a:p>
+          <a:p>
+            <a:br>
+              <a:rPr lang="en-US" altLang="zh-CN" sz="1400" b="0" dirty="0">
+                <a:effectLst/>
+              </a:rPr>
+            </a:br>
+            <a:endParaRPr lang="en-US" altLang="zh-CN" sz="1400" b="0" dirty="0">
+              <a:effectLst/>
+            </a:endParaRPr>
+          </a:p>
+        </p:txBody>
+      </p:sp>
+      <p:sp>
+        <p:nvSpPr>
+          <p:cNvPr id="2" name="文本框 1">
+            <a:extLst>
+              <a:ext uri="{FF2B5EF4-FFF2-40B4-BE49-F238E27FC236}">
+                <a16:creationId xmlns:a16="http://schemas.microsoft.com/office/drawing/2014/main" id="{C91C6472-DCDD-E926-57A6-FA30F60998F3}"/>
+              </a:ext>
+            </a:extLst>
+          </p:cNvPr>
+          <p:cNvSpPr txBox="1"/>
+          <p:nvPr/>
+        </p:nvSpPr>
+        <p:spPr>
+          <a:xfrm>
+            <a:off x="7179468" y="2760364"/>
+            <a:ext cx="2361695" cy="2893100"/>
+          </a:xfrm>
+          <a:prstGeom prst="rect">
+            <a:avLst/>
+          </a:prstGeom>
+          <a:solidFill>
+            <a:schemeClr val="accent5">
+              <a:lumMod val="20000"/>
+              <a:lumOff val="80000"/>
+            </a:schemeClr>
+          </a:solidFill>
+          <a:ln>
+            <a:solidFill>
+              <a:srgbClr val="000000"/>
+            </a:solidFill>
+          </a:ln>
+        </p:spPr>
+        <p:txBody>
+          <a:bodyPr wrap="square" rtlCol="0">
+            <a:spAutoFit/>
+          </a:bodyPr>
+          <a:lstStyle/>
+          <a:p>
+            <a:br>
+              <a:rPr lang="en-US" altLang="zh-CN" sz="1400" b="0" dirty="0">
+                <a:effectLst/>
+              </a:rPr>
+            </a:br>
+            <a:r>
+              <a:rPr lang="en-US" altLang="zh-CN" sz="1400" b="0" dirty="0">
+                <a:effectLst/>
+              </a:rPr>
+              <a:t>int main() </a:t>
+            </a:r>
+          </a:p>
+          <a:p>
+            <a:r>
+              <a:rPr lang="en-US" altLang="zh-CN" sz="1400" b="0" dirty="0">
+                <a:effectLst/>
+              </a:rPr>
+              <a:t>{</a:t>
+            </a:r>
+          </a:p>
+          <a:p>
+            <a:r>
+              <a:rPr lang="en-US" altLang="zh-CN" sz="1400" b="0" dirty="0">
+                <a:effectLst/>
+              </a:rPr>
+              <a:t>  </a:t>
+            </a:r>
+            <a:r>
+              <a:rPr lang="en-US" altLang="zh-CN" sz="1400" b="0" dirty="0" err="1">
+                <a:effectLst/>
+              </a:rPr>
+              <a:t>ConstMember</a:t>
+            </a:r>
+            <a:r>
+              <a:rPr lang="en-US" altLang="zh-CN" sz="1400" b="0" dirty="0">
+                <a:effectLst/>
+              </a:rPr>
+              <a:t> o1{666};</a:t>
+            </a:r>
+          </a:p>
+          <a:p>
+            <a:r>
+              <a:rPr lang="en-US" altLang="zh-CN" sz="1400" b="0" dirty="0">
+                <a:effectLst/>
+              </a:rPr>
+              <a:t>  </a:t>
+            </a:r>
+            <a:r>
+              <a:rPr lang="en-US" altLang="zh-CN" sz="1400" b="0" dirty="0" err="1">
+                <a:effectLst/>
+              </a:rPr>
+              <a:t>ConstMember</a:t>
+            </a:r>
+            <a:r>
+              <a:rPr lang="en-US" altLang="zh-CN" sz="1400" b="0" dirty="0">
+                <a:effectLst/>
+              </a:rPr>
+              <a:t> o2{42};</a:t>
+            </a:r>
+          </a:p>
+          <a:p>
+            <a:br>
+              <a:rPr lang="en-US" altLang="zh-CN" sz="1400" b="0" dirty="0">
+                <a:effectLst/>
+              </a:rPr>
+            </a:br>
+            <a:r>
+              <a:rPr lang="en-US" altLang="zh-CN" sz="1400" b="0" dirty="0">
+                <a:effectLst/>
+              </a:rPr>
+              <a:t>  o1.display();</a:t>
+            </a:r>
+          </a:p>
+          <a:p>
+            <a:r>
+              <a:rPr lang="en-US" altLang="zh-CN" sz="1400" b="0" dirty="0">
+                <a:effectLst/>
+              </a:rPr>
+              <a:t>  o2.display();</a:t>
+            </a:r>
+          </a:p>
+          <a:p>
+            <a:br>
+              <a:rPr lang="en-US" altLang="zh-CN" sz="1400" b="0" dirty="0">
+                <a:effectLst/>
+              </a:rPr>
+            </a:br>
+            <a:r>
+              <a:rPr lang="en-US" altLang="zh-CN" sz="1400" b="0" dirty="0">
+                <a:effectLst/>
+              </a:rPr>
+              <a:t>//  o1 = o2;</a:t>
+            </a:r>
+          </a:p>
+          <a:p>
+            <a:br>
+              <a:rPr lang="en-US" altLang="zh-CN" sz="1400" b="0" dirty="0">
+                <a:effectLst/>
+              </a:rPr>
+            </a:br>
+            <a:r>
+              <a:rPr lang="en-US" altLang="zh-CN" sz="1400" b="0" dirty="0">
+                <a:effectLst/>
+              </a:rPr>
+              <a:t>  return 0;</a:t>
+            </a:r>
+          </a:p>
+          <a:p>
+            <a:r>
+              <a:rPr lang="en-US" altLang="zh-CN" sz="1400" b="0" dirty="0">
+                <a:effectLst/>
+              </a:rPr>
+              <a:t>}</a:t>
+            </a:r>
+          </a:p>
+        </p:txBody>
+      </p:sp>
+    </p:spTree>
+    <p:extLst>
+      <p:ext uri="{BB962C8B-B14F-4D97-AF65-F5344CB8AC3E}">
+        <p14:creationId xmlns:p14="http://schemas.microsoft.com/office/powerpoint/2010/main" val="3484003074"/>
+      </p:ext>
+    </p:extLst>
+  </p:cSld>
+  <p:clrMapOvr>
+    <a:masterClrMapping/>
+  </p:clrMapOvr>
+</p:sld>
+</file>
+
 <file path=ppt/slides/slide19.xml><?xml version="1.0" encoding="utf-8"?>
 <p:sld xmlns:a="http://schemas.openxmlformats.org/drawingml/2006/main" xmlns:r="http://schemas.openxmlformats.org/officeDocument/2006/relationships" xmlns:p="http://schemas.openxmlformats.org/presentationml/2006/main">
   <p:cSld>
@@ -9487,28 +9068,6 @@
       </p:grpSpPr>
       <p:sp>
         <p:nvSpPr>
-          <p:cNvPr id="2" name="标题 1"/>
-          <p:cNvSpPr>
-            <a:spLocks noGrp="1"/>
-          </p:cNvSpPr>
-          <p:nvPr>
-            <p:ph type="title"/>
-          </p:nvPr>
-        </p:nvSpPr>
-        <p:spPr/>
-        <p:txBody>
-          <a:bodyPr/>
-          <a:lstStyle/>
-          <a:p>
-            <a:r>
-              <a:rPr lang="en-US" altLang="zh-CN"/>
-              <a:t>Exercise:</a:t>
-            </a:r>
-          </a:p>
-        </p:txBody>
-      </p:sp>
-      <p:sp>
-        <p:nvSpPr>
           <p:cNvPr id="3" name="内容占位符 2"/>
           <p:cNvSpPr>
             <a:spLocks noGrp="1"/>
@@ -9525,72 +9084,163 @@
         </p:spPr>
         <p:txBody>
           <a:bodyPr>
-            <a:normAutofit fontScale="92500"/>
+            <a:normAutofit/>
           </a:bodyPr>
           <a:lstStyle/>
           <a:p>
-            <a:pPr>
-              <a:lnSpc>
-                <a:spcPct val="150000"/>
-              </a:lnSpc>
-            </a:pPr>
-            <a:r>
-              <a:rPr lang="en-US" altLang="zh-CN" dirty="0"/>
-              <a:t>Create a class called Complex for performing arithmetic with complex numbers. Write a program to test your class. Complex numbers have the form    </a:t>
-            </a:r>
-          </a:p>
-          <a:p>
             <a:pPr marL="0" indent="0">
               <a:lnSpc>
-                <a:spcPct val="150000"/>
+                <a:spcPct val="100000"/>
               </a:lnSpc>
               <a:buNone/>
             </a:pPr>
             <a:r>
-              <a:rPr lang="en-US" altLang="zh-CN" dirty="0"/>
+              <a:rPr lang="en-US" altLang="zh-CN" sz="2400" dirty="0"/>
+              <a:t>3.Define a class called </a:t>
+            </a:r>
+            <a:r>
+              <a:rPr lang="en-US" altLang="zh-CN" sz="2400" b="1" dirty="0"/>
+              <a:t>Complex</a:t>
+            </a:r>
+            <a:r>
+              <a:rPr lang="en-US" altLang="zh-CN" sz="2400" dirty="0"/>
+              <a:t> for performing arithmetic with complex numbers. Write a program to test your class. Complex numbers have the form    </a:t>
+            </a:r>
+          </a:p>
+          <a:p>
+            <a:pPr marL="0" indent="0">
+              <a:lnSpc>
+                <a:spcPct val="100000"/>
+              </a:lnSpc>
+              <a:buNone/>
+            </a:pPr>
+            <a:r>
+              <a:rPr lang="en-US" altLang="zh-CN" sz="2400" dirty="0"/>
               <a:t>                                   </a:t>
             </a:r>
             <a:r>
-              <a:rPr lang="en-US" altLang="zh-CN" dirty="0" err="1"/>
+              <a:rPr lang="en-US" altLang="zh-CN" sz="2400" dirty="0" err="1"/>
               <a:t>realPart</a:t>
             </a:r>
             <a:r>
-              <a:rPr lang="en-US" altLang="zh-CN" dirty="0"/>
+              <a:rPr lang="en-US" altLang="zh-CN" sz="2400" dirty="0"/>
               <a:t> + </a:t>
             </a:r>
             <a:r>
-              <a:rPr lang="en-US" altLang="zh-CN" dirty="0" err="1"/>
+              <a:rPr lang="en-US" altLang="zh-CN" sz="2400" dirty="0" err="1"/>
               <a:t>imaginaryPart</a:t>
             </a:r>
             <a:r>
-              <a:rPr lang="en-US" altLang="zh-CN" dirty="0"/>
+              <a:rPr lang="en-US" altLang="zh-CN" sz="2400" dirty="0"/>
               <a:t> * </a:t>
             </a:r>
             <a:r>
-              <a:rPr lang="en-US" altLang="zh-CN" dirty="0" err="1"/>
+              <a:rPr lang="en-US" altLang="zh-CN" sz="2400" dirty="0" err="1"/>
               <a:t>i</a:t>
             </a:r>
-            <a:endParaRPr lang="zh-CN" altLang="en-US" dirty="0"/>
+            <a:endParaRPr lang="zh-CN" altLang="en-US" sz="2400" dirty="0"/>
           </a:p>
           <a:p>
             <a:pPr>
               <a:lnSpc>
-                <a:spcPct val="150000"/>
+                <a:spcPct val="100000"/>
               </a:lnSpc>
             </a:pPr>
             <a:r>
-              <a:rPr lang="en-US" altLang="zh-CN" dirty="0"/>
+              <a:rPr lang="en-US" altLang="zh-CN" sz="2400" dirty="0"/>
               <a:t>Use two member</a:t>
             </a:r>
             <a:r>
-              <a:rPr lang="zh-CN" altLang="en-US" dirty="0"/>
+              <a:rPr lang="zh-CN" altLang="en-US" sz="2400" dirty="0"/>
               <a:t> </a:t>
             </a:r>
             <a:r>
-              <a:rPr lang="en-US" altLang="zh-CN" dirty="0"/>
+              <a:rPr lang="en-US" altLang="zh-CN" sz="2400" dirty="0"/>
               <a:t>variables to represent the private data of the class. Provide a constructor that enables an object of this class to be initialized when it’s declared. The constructor should contain default values in case no initializers are provided. Provide public member functions that perform the following tasks:</a:t>
             </a:r>
-            <a:endParaRPr lang="zh-CN" altLang="en-US" dirty="0"/>
+            <a:endParaRPr lang="zh-CN" altLang="en-US" sz="2400" dirty="0"/>
+          </a:p>
+        </p:txBody>
+      </p:sp>
+      <p:sp>
+        <p:nvSpPr>
+          <p:cNvPr id="6" name="Title 1">
+            <a:extLst>
+              <a:ext uri="{FF2B5EF4-FFF2-40B4-BE49-F238E27FC236}">
+                <a16:creationId xmlns:a16="http://schemas.microsoft.com/office/drawing/2014/main" id="{76C430B6-2C8E-87E5-83C0-D70EA8353DB4}"/>
+              </a:ext>
+            </a:extLst>
+          </p:cNvPr>
+          <p:cNvSpPr txBox="1"/>
+          <p:nvPr/>
+        </p:nvSpPr>
+        <p:spPr>
+          <a:xfrm>
+            <a:off x="1237352" y="396090"/>
+            <a:ext cx="8100392" cy="685800"/>
+          </a:xfrm>
+          <a:prstGeom prst="rect">
+            <a:avLst/>
+          </a:prstGeom>
+        </p:spPr>
+        <p:txBody>
+          <a:bodyPr vert="horz" lIns="91440" tIns="45720" rIns="91440" bIns="45720" rtlCol="0" anchor="ctr">
+            <a:noAutofit/>
+          </a:bodyPr>
+          <a:lstStyle>
+            <a:lvl1pPr algn="l" defTabSz="914400" rtl="0" eaLnBrk="1" latinLnBrk="0" hangingPunct="1">
+              <a:lnSpc>
+                <a:spcPct val="90000"/>
+              </a:lnSpc>
+              <a:spcBef>
+                <a:spcPct val="0"/>
+              </a:spcBef>
+              <a:buNone/>
+              <a:defRPr sz="4400" kern="1200">
+                <a:solidFill>
+                  <a:schemeClr val="tx1"/>
+                </a:solidFill>
+                <a:latin typeface="+mj-lt"/>
+                <a:ea typeface="+mj-ea"/>
+                <a:cs typeface="+mj-cs"/>
+              </a:defRPr>
+            </a:lvl1pPr>
+          </a:lstStyle>
+          <a:p>
+            <a:pPr marL="0" marR="0" lvl="0" indent="0" algn="l" defTabSz="914400" rtl="0" eaLnBrk="1" fontAlgn="auto" latinLnBrk="0" hangingPunct="1">
+              <a:lnSpc>
+                <a:spcPct val="90000"/>
+              </a:lnSpc>
+              <a:spcBef>
+                <a:spcPct val="0"/>
+              </a:spcBef>
+              <a:spcAft>
+                <a:spcPts val="0"/>
+              </a:spcAft>
+              <a:buClrTx/>
+              <a:buSzTx/>
+              <a:buFontTx/>
+              <a:buNone/>
+              <a:tabLst/>
+              <a:defRPr/>
+            </a:pPr>
+            <a:r>
+              <a:rPr kumimoji="0" lang="en-US" altLang="zh-CN" sz="3600" b="1" i="0" u="none" strike="noStrike" kern="1200" cap="none" spc="0" normalizeH="0" baseline="0" noProof="0" dirty="0">
+                <a:ln>
+                  <a:noFill/>
+                </a:ln>
+                <a:solidFill>
+                  <a:prstClr val="black"/>
+                </a:solidFill>
+                <a:effectLst/>
+                <a:uLnTx/>
+                <a:uFillTx/>
+                <a:latin typeface="Calibri" panose="020F0502020204030204"/>
+                <a:ea typeface="宋体" panose="02010600030101010101" pitchFamily="2" charset="-122"/>
+                <a:cs typeface="+mj-cs"/>
+              </a:rPr>
+              <a:t> Exercises</a:t>
+            </a:r>
           </a:p>
         </p:txBody>
       </p:sp>
@@ -9673,43 +9323,25 @@
               <a:rPr lang="en-US" altLang="zh-CN" dirty="0">
                 <a:sym typeface="+mn-ea"/>
               </a:rPr>
-              <a:t>Define and implement a Class</a:t>
-            </a:r>
-          </a:p>
-          <a:p>
-            <a:pPr marL="285750" indent="-285750">
-              <a:buFont typeface="Arial" panose="020B0604020202020204" pitchFamily="34" charset="0"/>
-              <a:buChar char="•"/>
-            </a:pPr>
+              <a:t>Class constructor and destructor</a:t>
+            </a:r>
+          </a:p>
+          <a:p>
+            <a:pPr marL="285750" indent="-285750"/>
             <a:r>
               <a:rPr lang="en-US" altLang="zh-CN" dirty="0">
                 <a:sym typeface="+mn-ea"/>
               </a:rPr>
-              <a:t>Class constructor and destructor</a:t>
-            </a:r>
-          </a:p>
-          <a:p>
-            <a:pPr marL="285750" indent="-285750">
-              <a:buFont typeface="Arial" panose="020B0604020202020204" pitchFamily="34" charset="0"/>
-              <a:buChar char="•"/>
-            </a:pPr>
+              <a:t>Static member variables and static member functions</a:t>
+            </a:r>
+          </a:p>
+          <a:p>
+            <a:pPr marL="285750" indent="-285750"/>
             <a:r>
               <a:rPr lang="en-US" altLang="zh-CN" dirty="0">
                 <a:sym typeface="+mn-ea"/>
               </a:rPr>
-              <a:t>const member variables and const member functions</a:t>
-            </a:r>
-          </a:p>
-          <a:p>
-            <a:pPr marL="285750" indent="-285750">
-              <a:buFont typeface="Arial" panose="020B0604020202020204" pitchFamily="34" charset="0"/>
-              <a:buChar char="•"/>
-            </a:pPr>
-            <a:r>
-              <a:rPr lang="en-US" altLang="zh-CN" dirty="0">
-                <a:sym typeface="+mn-ea"/>
-              </a:rPr>
-              <a:t>Static member variables and static member functions</a:t>
+              <a:t>Const member variables and const member functions</a:t>
             </a:r>
           </a:p>
           <a:p>
@@ -9767,28 +9399,6 @@
       </p:grpSpPr>
       <p:sp>
         <p:nvSpPr>
-          <p:cNvPr id="2" name="标题 1"/>
-          <p:cNvSpPr>
-            <a:spLocks noGrp="1"/>
-          </p:cNvSpPr>
-          <p:nvPr>
-            <p:ph type="title"/>
-          </p:nvPr>
-        </p:nvSpPr>
-        <p:spPr/>
-        <p:txBody>
-          <a:bodyPr/>
-          <a:lstStyle/>
-          <a:p>
-            <a:r>
-              <a:rPr lang="en-US" altLang="zh-CN"/>
-              <a:t>Exercise:</a:t>
-            </a:r>
-          </a:p>
-        </p:txBody>
-      </p:sp>
-      <p:sp>
-        <p:nvSpPr>
           <p:cNvPr id="3" name="内容占位符 2"/>
           <p:cNvSpPr>
             <a:spLocks noGrp="1"/>
@@ -9804,58 +9414,60 @@
           </a:xfrm>
         </p:spPr>
         <p:txBody>
-          <a:bodyPr/>
+          <a:bodyPr>
+            <a:normAutofit/>
+          </a:bodyPr>
           <a:lstStyle/>
           <a:p>
             <a:r>
-              <a:rPr lang="en-US" altLang="zh-CN" dirty="0"/>
+              <a:rPr lang="en-US" altLang="zh-CN" sz="2400" dirty="0"/>
               <a:t>a) add—Adds two Complex numbers: The real parts are added together and the imaginary parts are added together. </a:t>
             </a:r>
           </a:p>
           <a:p>
             <a:r>
-              <a:rPr lang="en-US" altLang="zh-CN" dirty="0"/>
+              <a:rPr lang="en-US" altLang="zh-CN" sz="2400" dirty="0"/>
               <a:t>b) subtract—Subtracts two Complex numbers: The real part of the right operand is subtracted from the real part of the left operand, and the imaginary part of the right operand is subtracted from the imaginary part of the left operand. </a:t>
             </a:r>
           </a:p>
           <a:p>
             <a:r>
-              <a:rPr lang="en-US" altLang="zh-CN" dirty="0"/>
+              <a:rPr lang="en-US" altLang="zh-CN" sz="2400" dirty="0"/>
               <a:t>c) display—Displays a Complex number in the form of </a:t>
             </a:r>
             <a:r>
-              <a:rPr lang="en-US" altLang="zh-CN" b="1" dirty="0"/>
+              <a:rPr lang="en-US" altLang="zh-CN" sz="2400" b="1" dirty="0"/>
               <a:t>a + bi </a:t>
             </a:r>
             <a:r>
-              <a:rPr lang="en-US" altLang="zh-CN" dirty="0"/>
+              <a:rPr lang="en-US" altLang="zh-CN" sz="2400" dirty="0"/>
               <a:t>or </a:t>
             </a:r>
             <a:r>
-              <a:rPr lang="en-US" altLang="zh-CN" b="1" dirty="0"/>
+              <a:rPr lang="en-US" altLang="zh-CN" sz="2400" b="1" dirty="0"/>
               <a:t>a - bi</a:t>
             </a:r>
             <a:r>
-              <a:rPr lang="en-US" altLang="zh-CN" dirty="0"/>
+              <a:rPr lang="en-US" altLang="zh-CN" sz="2400" dirty="0"/>
               <a:t>, where </a:t>
             </a:r>
             <a:r>
-              <a:rPr lang="en-US" altLang="zh-CN" b="1" dirty="0"/>
+              <a:rPr lang="en-US" altLang="zh-CN" sz="2400" b="1" dirty="0"/>
               <a:t>a</a:t>
             </a:r>
             <a:r>
-              <a:rPr lang="en-US" altLang="zh-CN" dirty="0"/>
+              <a:rPr lang="en-US" altLang="zh-CN" sz="2400" dirty="0"/>
               <a:t> is the real part and </a:t>
             </a:r>
             <a:r>
-              <a:rPr lang="en-US" altLang="zh-CN" b="1" dirty="0"/>
+              <a:rPr lang="en-US" altLang="zh-CN" sz="2400" b="1" dirty="0"/>
               <a:t>b</a:t>
             </a:r>
             <a:r>
-              <a:rPr lang="en-US" altLang="zh-CN" dirty="0"/>
+              <a:rPr lang="en-US" altLang="zh-CN" sz="2400" dirty="0"/>
               <a:t> is the imaginary part.</a:t>
             </a:r>
-            <a:endParaRPr lang="zh-CN" altLang="en-US" dirty="0"/>
+            <a:endParaRPr lang="zh-CN" altLang="en-US" sz="2400" dirty="0"/>
           </a:p>
         </p:txBody>
       </p:sp>
@@ -9873,8 +9485,8 @@
         </p:nvSpPr>
         <p:spPr>
           <a:xfrm>
-            <a:off x="573741" y="5115506"/>
-            <a:ext cx="9857891" cy="830997"/>
+            <a:off x="592214" y="4524379"/>
+            <a:ext cx="11211859" cy="830997"/>
           </a:xfrm>
           <a:prstGeom prst="rect">
             <a:avLst/>
@@ -9882,20 +9494,14 @@
           <a:noFill/>
         </p:spPr>
         <p:txBody>
-          <a:bodyPr wrap="none" rtlCol="0">
+          <a:bodyPr wrap="square" rtlCol="0">
             <a:spAutoFit/>
           </a:bodyPr>
           <a:lstStyle/>
           <a:p>
             <a:r>
               <a:rPr lang="en-US" altLang="zh-CN" sz="2400" dirty="0"/>
-              <a:t>Tip: If a member function does not modify the member variables, define it as </a:t>
-            </a:r>
-          </a:p>
-          <a:p>
-            <a:r>
-              <a:rPr lang="en-US" altLang="zh-CN" sz="2400" dirty="0"/>
-              <a:t>const member function.</a:t>
+              <a:t>Tip: If a member function does not modify the member variables, define it as const member function.</a:t>
             </a:r>
             <a:endParaRPr lang="zh-CN" altLang="en-US" sz="2400" dirty="0"/>
           </a:p>
@@ -9933,1303 +9539,6 @@
       </p:grpSpPr>
       <p:sp>
         <p:nvSpPr>
-          <p:cNvPr id="10" name="Title 1"/>
-          <p:cNvSpPr>
-            <a:spLocks noGrp="1"/>
-          </p:cNvSpPr>
-          <p:nvPr>
-            <p:ph type="title"/>
-          </p:nvPr>
-        </p:nvSpPr>
-        <p:spPr>
-          <a:xfrm>
-            <a:off x="1559560" y="311150"/>
-            <a:ext cx="9724390" cy="1010920"/>
-          </a:xfrm>
-        </p:spPr>
-        <p:txBody>
-          <a:bodyPr>
-            <a:noAutofit/>
-          </a:bodyPr>
-          <a:lstStyle/>
-          <a:p>
-            <a:r>
-              <a:rPr lang="en-US" altLang="zh-CN" sz="4000" dirty="0"/>
-              <a:t> Define and implement a class</a:t>
-            </a:r>
-          </a:p>
-        </p:txBody>
-      </p:sp>
-      <p:sp>
-        <p:nvSpPr>
-          <p:cNvPr id="2" name="TextBox 1"/>
-          <p:cNvSpPr txBox="1"/>
-          <p:nvPr/>
-        </p:nvSpPr>
-        <p:spPr>
-          <a:xfrm>
-            <a:off x="623790" y="1322070"/>
-            <a:ext cx="10660160" cy="845539"/>
-          </a:xfrm>
-          <a:prstGeom prst="rect">
-            <a:avLst/>
-          </a:prstGeom>
-          <a:noFill/>
-        </p:spPr>
-        <p:txBody>
-          <a:bodyPr wrap="square" lIns="105843" tIns="52921" rIns="105843" bIns="52921" rtlCol="0">
-            <a:spAutoFit/>
-          </a:bodyPr>
-          <a:lstStyle/>
-          <a:p>
-            <a:r>
-              <a:rPr lang="en-US" altLang="zh-CN" sz="2400" dirty="0"/>
-              <a:t>The class name serves as a type name in the same way as the built-in type names such as int and double.</a:t>
-            </a:r>
-          </a:p>
-        </p:txBody>
-      </p:sp>
-      <p:pic>
-        <p:nvPicPr>
-          <p:cNvPr id="4" name="Picture 2">
-            <a:extLst>
-              <a:ext uri="{FF2B5EF4-FFF2-40B4-BE49-F238E27FC236}">
-                <a16:creationId xmlns:a16="http://schemas.microsoft.com/office/drawing/2014/main" id="{E94CFD0C-EFCA-49CB-8135-F83B5E676384}"/>
-              </a:ext>
-            </a:extLst>
-          </p:cNvPr>
-          <p:cNvPicPr>
-            <a:picLocks noChangeAspect="1" noChangeArrowheads="1"/>
-          </p:cNvPicPr>
-          <p:nvPr/>
-        </p:nvPicPr>
-        <p:blipFill>
-          <a:blip r:embed="rId3">
-            <a:extLst>
-              <a:ext uri="{28A0092B-C50C-407E-A947-70E740481C1C}">
-                <a14:useLocalDpi xmlns:a14="http://schemas.microsoft.com/office/drawing/2010/main" val="0"/>
-              </a:ext>
-            </a:extLst>
-          </a:blip>
-          <a:srcRect/>
-          <a:stretch>
-            <a:fillRect/>
-          </a:stretch>
-        </p:blipFill>
-        <p:spPr bwMode="auto">
-          <a:xfrm>
-            <a:off x="701725" y="3370882"/>
-            <a:ext cx="4608512" cy="2546809"/>
-          </a:xfrm>
-          <a:prstGeom prst="rect">
-            <a:avLst/>
-          </a:prstGeom>
-          <a:noFill/>
-          <a:ln>
-            <a:noFill/>
-          </a:ln>
-          <a:effectLst/>
-          <a:extLst>
-            <a:ext uri="{909E8E84-426E-40DD-AFC4-6F175D3DCCD1}">
-              <a14:hiddenFill xmlns:a14="http://schemas.microsoft.com/office/drawing/2010/main">
-                <a:solidFill>
-                  <a:schemeClr val="accent1"/>
-                </a:solidFill>
-              </a14:hiddenFill>
-            </a:ext>
-            <a:ext uri="{91240B29-F687-4F45-9708-019B960494DF}">
-              <a14:hiddenLine xmlns:a14="http://schemas.microsoft.com/office/drawing/2010/main" w="9525">
-                <a:solidFill>
-                  <a:schemeClr val="tx1"/>
-                </a:solidFill>
-                <a:miter lim="800000"/>
-                <a:headEnd/>
-                <a:tailEnd/>
-              </a14:hiddenLine>
-            </a:ext>
-            <a:ext uri="{AF507438-7753-43E0-B8FC-AC1667EBCBE1}">
-              <a14:hiddenEffects xmlns:a14="http://schemas.microsoft.com/office/drawing/2010/main">
-                <a:effectLst>
-                  <a:outerShdw dist="35921" dir="2700000" algn="ctr" rotWithShape="0">
-                    <a:schemeClr val="bg2"/>
-                  </a:outerShdw>
-                </a:effectLst>
-              </a14:hiddenEffects>
-            </a:ext>
-          </a:extLst>
-        </p:spPr>
-      </p:pic>
-      <p:grpSp>
-        <p:nvGrpSpPr>
-          <p:cNvPr id="5" name="组合 4">
-            <a:extLst>
-              <a:ext uri="{FF2B5EF4-FFF2-40B4-BE49-F238E27FC236}">
-                <a16:creationId xmlns:a16="http://schemas.microsoft.com/office/drawing/2014/main" id="{9A8C4BEC-0E53-4634-8B01-D72BAF151403}"/>
-              </a:ext>
-            </a:extLst>
-          </p:cNvPr>
-          <p:cNvGrpSpPr/>
-          <p:nvPr/>
-        </p:nvGrpSpPr>
-        <p:grpSpPr>
-          <a:xfrm>
-            <a:off x="1133773" y="2803980"/>
-            <a:ext cx="1223847" cy="609748"/>
-            <a:chOff x="1133773" y="4336947"/>
-            <a:chExt cx="1223847" cy="609748"/>
-          </a:xfrm>
-        </p:grpSpPr>
-        <p:cxnSp>
-          <p:nvCxnSpPr>
-            <p:cNvPr id="6" name="直接箭头连接符 5">
-              <a:extLst>
-                <a:ext uri="{FF2B5EF4-FFF2-40B4-BE49-F238E27FC236}">
-                  <a16:creationId xmlns:a16="http://schemas.microsoft.com/office/drawing/2014/main" id="{DA482C7B-8522-46A1-B982-5AF2F6A6F0F5}"/>
-                </a:ext>
-              </a:extLst>
-            </p:cNvPr>
-            <p:cNvCxnSpPr/>
-            <p:nvPr/>
-          </p:nvCxnSpPr>
-          <p:spPr>
-            <a:xfrm flipH="1">
-              <a:off x="1133773" y="4642346"/>
-              <a:ext cx="72008" cy="304349"/>
-            </a:xfrm>
-            <a:prstGeom prst="straightConnector1">
-              <a:avLst/>
-            </a:prstGeom>
-            <a:ln w="25400">
-              <a:solidFill>
-                <a:srgbClr val="FF0000"/>
-              </a:solidFill>
-              <a:tailEnd type="arrow"/>
-            </a:ln>
-          </p:spPr>
-          <p:style>
-            <a:lnRef idx="1">
-              <a:schemeClr val="accent1"/>
-            </a:lnRef>
-            <a:fillRef idx="0">
-              <a:schemeClr val="accent1"/>
-            </a:fillRef>
-            <a:effectRef idx="0">
-              <a:schemeClr val="accent1"/>
-            </a:effectRef>
-            <a:fontRef idx="minor">
-              <a:schemeClr val="tx1"/>
-            </a:fontRef>
-          </p:style>
-        </p:cxnSp>
-        <p:sp>
-          <p:nvSpPr>
-            <p:cNvPr id="7" name="TextBox 5">
-              <a:extLst>
-                <a:ext uri="{FF2B5EF4-FFF2-40B4-BE49-F238E27FC236}">
-                  <a16:creationId xmlns:a16="http://schemas.microsoft.com/office/drawing/2014/main" id="{DD2199BC-E099-42EB-9ED2-E07BF4ACC183}"/>
-                </a:ext>
-              </a:extLst>
-            </p:cNvPr>
-            <p:cNvSpPr txBox="1"/>
-            <p:nvPr/>
-          </p:nvSpPr>
-          <p:spPr>
-            <a:xfrm>
-              <a:off x="1149597" y="4336947"/>
-              <a:ext cx="1208023" cy="446276"/>
-            </a:xfrm>
-            <a:prstGeom prst="rect">
-              <a:avLst/>
-            </a:prstGeom>
-            <a:noFill/>
-          </p:spPr>
-          <p:txBody>
-            <a:bodyPr wrap="none" rtlCol="0">
-              <a:spAutoFit/>
-            </a:bodyPr>
-            <a:lstStyle/>
-            <a:p>
-              <a:r>
-                <a:rPr lang="en-US" altLang="zh-CN" dirty="0">
-                  <a:solidFill>
-                    <a:srgbClr val="FF0000"/>
-                  </a:solidFill>
-                </a:rPr>
-                <a:t>keyword</a:t>
-              </a:r>
-              <a:endParaRPr lang="zh-CN" altLang="en-US" dirty="0">
-                <a:solidFill>
-                  <a:srgbClr val="FF0000"/>
-                </a:solidFill>
-              </a:endParaRPr>
-            </a:p>
-          </p:txBody>
-        </p:sp>
-      </p:grpSp>
-      <p:grpSp>
-        <p:nvGrpSpPr>
-          <p:cNvPr id="8" name="组合 7">
-            <a:extLst>
-              <a:ext uri="{FF2B5EF4-FFF2-40B4-BE49-F238E27FC236}">
-                <a16:creationId xmlns:a16="http://schemas.microsoft.com/office/drawing/2014/main" id="{E4563D41-7B5C-4DFF-A8EC-AC2F431006DB}"/>
-              </a:ext>
-            </a:extLst>
-          </p:cNvPr>
-          <p:cNvGrpSpPr/>
-          <p:nvPr/>
-        </p:nvGrpSpPr>
-        <p:grpSpPr>
-          <a:xfrm>
-            <a:off x="2789957" y="2821347"/>
-            <a:ext cx="1511746" cy="609748"/>
-            <a:chOff x="1133773" y="4336947"/>
-            <a:chExt cx="1511746" cy="609748"/>
-          </a:xfrm>
-        </p:grpSpPr>
-        <p:cxnSp>
-          <p:nvCxnSpPr>
-            <p:cNvPr id="9" name="直接箭头连接符 8">
-              <a:extLst>
-                <a:ext uri="{FF2B5EF4-FFF2-40B4-BE49-F238E27FC236}">
-                  <a16:creationId xmlns:a16="http://schemas.microsoft.com/office/drawing/2014/main" id="{A035B21F-43D8-4734-A102-4289280DCA9E}"/>
-                </a:ext>
-              </a:extLst>
-            </p:cNvPr>
-            <p:cNvCxnSpPr/>
-            <p:nvPr/>
-          </p:nvCxnSpPr>
-          <p:spPr>
-            <a:xfrm flipH="1">
-              <a:off x="1133773" y="4642346"/>
-              <a:ext cx="72008" cy="304349"/>
-            </a:xfrm>
-            <a:prstGeom prst="straightConnector1">
-              <a:avLst/>
-            </a:prstGeom>
-            <a:ln w="25400">
-              <a:solidFill>
-                <a:srgbClr val="FF0000"/>
-              </a:solidFill>
-              <a:tailEnd type="arrow"/>
-            </a:ln>
-          </p:spPr>
-          <p:style>
-            <a:lnRef idx="1">
-              <a:schemeClr val="accent1"/>
-            </a:lnRef>
-            <a:fillRef idx="0">
-              <a:schemeClr val="accent1"/>
-            </a:fillRef>
-            <a:effectRef idx="0">
-              <a:schemeClr val="accent1"/>
-            </a:effectRef>
-            <a:fontRef idx="minor">
-              <a:schemeClr val="tx1"/>
-            </a:fontRef>
-          </p:style>
-        </p:cxnSp>
-        <p:sp>
-          <p:nvSpPr>
-            <p:cNvPr id="11" name="TextBox 15">
-              <a:extLst>
-                <a:ext uri="{FF2B5EF4-FFF2-40B4-BE49-F238E27FC236}">
-                  <a16:creationId xmlns:a16="http://schemas.microsoft.com/office/drawing/2014/main" id="{6BE9D2D2-25F1-4040-BDD1-7789BE09A444}"/>
-                </a:ext>
-              </a:extLst>
-            </p:cNvPr>
-            <p:cNvSpPr txBox="1"/>
-            <p:nvPr/>
-          </p:nvSpPr>
-          <p:spPr>
-            <a:xfrm>
-              <a:off x="1149597" y="4336947"/>
-              <a:ext cx="1495922" cy="446276"/>
-            </a:xfrm>
-            <a:prstGeom prst="rect">
-              <a:avLst/>
-            </a:prstGeom>
-            <a:noFill/>
-          </p:spPr>
-          <p:txBody>
-            <a:bodyPr wrap="none" rtlCol="0">
-              <a:spAutoFit/>
-            </a:bodyPr>
-            <a:lstStyle/>
-            <a:p>
-              <a:r>
-                <a:rPr lang="en-US" altLang="zh-CN" dirty="0">
-                  <a:solidFill>
-                    <a:srgbClr val="FF0000"/>
-                  </a:solidFill>
-                </a:rPr>
-                <a:t>class name</a:t>
-              </a:r>
-              <a:endParaRPr lang="zh-CN" altLang="en-US" dirty="0">
-                <a:solidFill>
-                  <a:srgbClr val="FF0000"/>
-                </a:solidFill>
-              </a:endParaRPr>
-            </a:p>
-          </p:txBody>
-        </p:sp>
-      </p:grpSp>
-      <p:grpSp>
-        <p:nvGrpSpPr>
-          <p:cNvPr id="12" name="组合 11">
-            <a:extLst>
-              <a:ext uri="{FF2B5EF4-FFF2-40B4-BE49-F238E27FC236}">
-                <a16:creationId xmlns:a16="http://schemas.microsoft.com/office/drawing/2014/main" id="{D2241F97-9757-4E0C-AA58-B1FAE18362BF}"/>
-              </a:ext>
-            </a:extLst>
-          </p:cNvPr>
-          <p:cNvGrpSpPr/>
-          <p:nvPr/>
-        </p:nvGrpSpPr>
-        <p:grpSpPr>
-          <a:xfrm>
-            <a:off x="1284481" y="3363727"/>
-            <a:ext cx="5105210" cy="944402"/>
-            <a:chOff x="1284481" y="4896694"/>
-            <a:chExt cx="5105210" cy="944402"/>
-          </a:xfrm>
-        </p:grpSpPr>
-        <p:sp>
-          <p:nvSpPr>
-            <p:cNvPr id="13" name="矩形 12">
-              <a:extLst>
-                <a:ext uri="{FF2B5EF4-FFF2-40B4-BE49-F238E27FC236}">
-                  <a16:creationId xmlns:a16="http://schemas.microsoft.com/office/drawing/2014/main" id="{B41448E3-123D-4DA4-A78E-26E16EB49F4F}"/>
-                </a:ext>
-              </a:extLst>
-            </p:cNvPr>
-            <p:cNvSpPr/>
-            <p:nvPr/>
-          </p:nvSpPr>
-          <p:spPr>
-            <a:xfrm>
-              <a:off x="1284481" y="5408468"/>
-              <a:ext cx="2951906" cy="432628"/>
-            </a:xfrm>
-            <a:prstGeom prst="rect">
-              <a:avLst/>
-            </a:prstGeom>
-            <a:noFill/>
-            <a:ln w="25400">
-              <a:solidFill>
-                <a:srgbClr val="FF0000"/>
-              </a:solidFill>
-            </a:ln>
-          </p:spPr>
-          <p:style>
-            <a:lnRef idx="2">
-              <a:schemeClr val="accent1">
-                <a:shade val="50000"/>
-              </a:schemeClr>
-            </a:lnRef>
-            <a:fillRef idx="1">
-              <a:schemeClr val="accent1"/>
-            </a:fillRef>
-            <a:effectRef idx="0">
-              <a:schemeClr val="accent1"/>
-            </a:effectRef>
-            <a:fontRef idx="minor">
-              <a:schemeClr val="lt1"/>
-            </a:fontRef>
-          </p:style>
-          <p:txBody>
-            <a:bodyPr rtlCol="0" anchor="ctr"/>
-            <a:lstStyle/>
-            <a:p>
-              <a:pPr algn="ctr"/>
-              <a:endParaRPr lang="zh-CN" altLang="en-US"/>
-            </a:p>
-          </p:txBody>
-        </p:sp>
-        <p:grpSp>
-          <p:nvGrpSpPr>
-            <p:cNvPr id="14" name="组合 13">
-              <a:extLst>
-                <a:ext uri="{FF2B5EF4-FFF2-40B4-BE49-F238E27FC236}">
-                  <a16:creationId xmlns:a16="http://schemas.microsoft.com/office/drawing/2014/main" id="{60055441-D87F-4D4B-B73C-B8258D2316A9}"/>
-                </a:ext>
-              </a:extLst>
-            </p:cNvPr>
-            <p:cNvGrpSpPr/>
-            <p:nvPr/>
-          </p:nvGrpSpPr>
-          <p:grpSpPr>
-            <a:xfrm>
-              <a:off x="3222427" y="4896694"/>
-              <a:ext cx="3167264" cy="609748"/>
-              <a:chOff x="1133773" y="4336947"/>
-              <a:chExt cx="3167264" cy="609748"/>
-            </a:xfrm>
-          </p:grpSpPr>
-          <p:cxnSp>
-            <p:nvCxnSpPr>
-              <p:cNvPr id="15" name="直接箭头连接符 14">
-                <a:extLst>
-                  <a:ext uri="{FF2B5EF4-FFF2-40B4-BE49-F238E27FC236}">
-                    <a16:creationId xmlns:a16="http://schemas.microsoft.com/office/drawing/2014/main" id="{78FC451E-1E46-47A7-8E7F-23A1F177667E}"/>
-                  </a:ext>
-                </a:extLst>
-              </p:cNvPr>
-              <p:cNvCxnSpPr/>
-              <p:nvPr/>
-            </p:nvCxnSpPr>
-            <p:spPr>
-              <a:xfrm flipH="1">
-                <a:off x="1133773" y="4642346"/>
-                <a:ext cx="72008" cy="304349"/>
-              </a:xfrm>
-              <a:prstGeom prst="straightConnector1">
-                <a:avLst/>
-              </a:prstGeom>
-              <a:ln w="25400">
-                <a:solidFill>
-                  <a:srgbClr val="FF0000"/>
-                </a:solidFill>
-                <a:tailEnd type="arrow"/>
-              </a:ln>
-            </p:spPr>
-            <p:style>
-              <a:lnRef idx="1">
-                <a:schemeClr val="accent1"/>
-              </a:lnRef>
-              <a:fillRef idx="0">
-                <a:schemeClr val="accent1"/>
-              </a:fillRef>
-              <a:effectRef idx="0">
-                <a:schemeClr val="accent1"/>
-              </a:effectRef>
-              <a:fontRef idx="minor">
-                <a:schemeClr val="tx1"/>
-              </a:fontRef>
-            </p:style>
-          </p:cxnSp>
-          <p:sp>
-            <p:nvSpPr>
-              <p:cNvPr id="16" name="TextBox 19">
-                <a:extLst>
-                  <a:ext uri="{FF2B5EF4-FFF2-40B4-BE49-F238E27FC236}">
-                    <a16:creationId xmlns:a16="http://schemas.microsoft.com/office/drawing/2014/main" id="{8507F460-72A8-41A9-A6F0-0907605D96D1}"/>
-                  </a:ext>
-                </a:extLst>
-              </p:cNvPr>
-              <p:cNvSpPr txBox="1"/>
-              <p:nvPr/>
-            </p:nvSpPr>
-            <p:spPr>
-              <a:xfrm>
-                <a:off x="1149597" y="4336947"/>
-                <a:ext cx="3151440" cy="446276"/>
-              </a:xfrm>
-              <a:prstGeom prst="rect">
-                <a:avLst/>
-              </a:prstGeom>
-              <a:noFill/>
-            </p:spPr>
-            <p:txBody>
-              <a:bodyPr wrap="none" rtlCol="0">
-                <a:spAutoFit/>
-              </a:bodyPr>
-              <a:lstStyle/>
-              <a:p>
-                <a:r>
-                  <a:rPr lang="en-US" altLang="zh-CN" dirty="0">
-                    <a:solidFill>
-                      <a:srgbClr val="FF0000"/>
-                    </a:solidFill>
-                  </a:rPr>
-                  <a:t>private/public/protected</a:t>
-                </a:r>
-                <a:endParaRPr lang="zh-CN" altLang="en-US" dirty="0">
-                  <a:solidFill>
-                    <a:srgbClr val="FF0000"/>
-                  </a:solidFill>
-                </a:endParaRPr>
-              </a:p>
-            </p:txBody>
-          </p:sp>
-        </p:grpSp>
-      </p:grpSp>
-      <p:grpSp>
-        <p:nvGrpSpPr>
-          <p:cNvPr id="17" name="组合 16">
-            <a:extLst>
-              <a:ext uri="{FF2B5EF4-FFF2-40B4-BE49-F238E27FC236}">
-                <a16:creationId xmlns:a16="http://schemas.microsoft.com/office/drawing/2014/main" id="{381B0B6C-971E-4F65-819B-4932E56D502B}"/>
-              </a:ext>
-            </a:extLst>
-          </p:cNvPr>
-          <p:cNvGrpSpPr/>
-          <p:nvPr/>
-        </p:nvGrpSpPr>
-        <p:grpSpPr>
-          <a:xfrm>
-            <a:off x="4086101" y="4155815"/>
-            <a:ext cx="3287146" cy="369332"/>
-            <a:chOff x="845319" y="4336947"/>
-            <a:chExt cx="3287146" cy="369332"/>
-          </a:xfrm>
-        </p:grpSpPr>
-        <p:cxnSp>
-          <p:nvCxnSpPr>
-            <p:cNvPr id="18" name="直接箭头连接符 17">
-              <a:extLst>
-                <a:ext uri="{FF2B5EF4-FFF2-40B4-BE49-F238E27FC236}">
-                  <a16:creationId xmlns:a16="http://schemas.microsoft.com/office/drawing/2014/main" id="{6957B2D0-674E-4B89-8F61-9ABD2CAC9CBB}"/>
-                </a:ext>
-              </a:extLst>
-            </p:cNvPr>
-            <p:cNvCxnSpPr/>
-            <p:nvPr/>
-          </p:nvCxnSpPr>
-          <p:spPr>
-            <a:xfrm flipH="1">
-              <a:off x="845319" y="4642346"/>
-              <a:ext cx="360462" cy="0"/>
-            </a:xfrm>
-            <a:prstGeom prst="straightConnector1">
-              <a:avLst/>
-            </a:prstGeom>
-            <a:ln w="25400">
-              <a:solidFill>
-                <a:srgbClr val="FF0000"/>
-              </a:solidFill>
-              <a:tailEnd type="arrow"/>
-            </a:ln>
-          </p:spPr>
-          <p:style>
-            <a:lnRef idx="1">
-              <a:schemeClr val="accent1"/>
-            </a:lnRef>
-            <a:fillRef idx="0">
-              <a:schemeClr val="accent1"/>
-            </a:fillRef>
-            <a:effectRef idx="0">
-              <a:schemeClr val="accent1"/>
-            </a:effectRef>
-            <a:fontRef idx="minor">
-              <a:schemeClr val="tx1"/>
-            </a:fontRef>
-          </p:style>
-        </p:cxnSp>
-        <p:sp>
-          <p:nvSpPr>
-            <p:cNvPr id="19" name="TextBox 23">
-              <a:extLst>
-                <a:ext uri="{FF2B5EF4-FFF2-40B4-BE49-F238E27FC236}">
-                  <a16:creationId xmlns:a16="http://schemas.microsoft.com/office/drawing/2014/main" id="{AEFBBB33-7C16-4293-893E-5EAC54460AA5}"/>
-                </a:ext>
-              </a:extLst>
-            </p:cNvPr>
-            <p:cNvSpPr txBox="1"/>
-            <p:nvPr/>
-          </p:nvSpPr>
-          <p:spPr>
-            <a:xfrm>
-              <a:off x="1149597" y="4336947"/>
-              <a:ext cx="2982868" cy="369332"/>
-            </a:xfrm>
-            <a:prstGeom prst="rect">
-              <a:avLst/>
-            </a:prstGeom>
-            <a:noFill/>
-          </p:spPr>
-          <p:txBody>
-            <a:bodyPr wrap="none" rtlCol="0">
-              <a:spAutoFit/>
-            </a:bodyPr>
-            <a:lstStyle/>
-            <a:p>
-              <a:r>
-                <a:rPr lang="en-US" altLang="zh-CN" dirty="0">
-                  <a:solidFill>
-                    <a:srgbClr val="FF0000"/>
-                  </a:solidFill>
-                </a:rPr>
-                <a:t>member variables declaration</a:t>
-              </a:r>
-              <a:endParaRPr lang="zh-CN" altLang="en-US" dirty="0">
-                <a:solidFill>
-                  <a:srgbClr val="FF0000"/>
-                </a:solidFill>
-              </a:endParaRPr>
-            </a:p>
-          </p:txBody>
-        </p:sp>
-      </p:grpSp>
-      <p:grpSp>
-        <p:nvGrpSpPr>
-          <p:cNvPr id="20" name="组合 19">
-            <a:extLst>
-              <a:ext uri="{FF2B5EF4-FFF2-40B4-BE49-F238E27FC236}">
-                <a16:creationId xmlns:a16="http://schemas.microsoft.com/office/drawing/2014/main" id="{ECAC4978-A8C3-4711-B18B-1F413E9DEFC4}"/>
-              </a:ext>
-            </a:extLst>
-          </p:cNvPr>
-          <p:cNvGrpSpPr/>
-          <p:nvPr/>
-        </p:nvGrpSpPr>
-        <p:grpSpPr>
-          <a:xfrm>
-            <a:off x="4962669" y="4837571"/>
-            <a:ext cx="3327413" cy="369332"/>
-            <a:chOff x="845319" y="4336947"/>
-            <a:chExt cx="3327413" cy="369332"/>
-          </a:xfrm>
-        </p:grpSpPr>
-        <p:cxnSp>
-          <p:nvCxnSpPr>
-            <p:cNvPr id="21" name="直接箭头连接符 20">
-              <a:extLst>
-                <a:ext uri="{FF2B5EF4-FFF2-40B4-BE49-F238E27FC236}">
-                  <a16:creationId xmlns:a16="http://schemas.microsoft.com/office/drawing/2014/main" id="{284023D6-C4FA-42E3-A8A0-DC6AEE8D81B7}"/>
-                </a:ext>
-              </a:extLst>
-            </p:cNvPr>
-            <p:cNvCxnSpPr/>
-            <p:nvPr/>
-          </p:nvCxnSpPr>
-          <p:spPr>
-            <a:xfrm flipH="1">
-              <a:off x="845319" y="4642346"/>
-              <a:ext cx="360462" cy="0"/>
-            </a:xfrm>
-            <a:prstGeom prst="straightConnector1">
-              <a:avLst/>
-            </a:prstGeom>
-            <a:ln w="25400">
-              <a:solidFill>
-                <a:srgbClr val="FF0000"/>
-              </a:solidFill>
-              <a:tailEnd type="arrow"/>
-            </a:ln>
-          </p:spPr>
-          <p:style>
-            <a:lnRef idx="1">
-              <a:schemeClr val="accent1"/>
-            </a:lnRef>
-            <a:fillRef idx="0">
-              <a:schemeClr val="accent1"/>
-            </a:fillRef>
-            <a:effectRef idx="0">
-              <a:schemeClr val="accent1"/>
-            </a:effectRef>
-            <a:fontRef idx="minor">
-              <a:schemeClr val="tx1"/>
-            </a:fontRef>
-          </p:style>
-        </p:cxnSp>
-        <p:sp>
-          <p:nvSpPr>
-            <p:cNvPr id="22" name="TextBox 27">
-              <a:extLst>
-                <a:ext uri="{FF2B5EF4-FFF2-40B4-BE49-F238E27FC236}">
-                  <a16:creationId xmlns:a16="http://schemas.microsoft.com/office/drawing/2014/main" id="{A69A51C6-53D0-4762-88AE-B89670E0FE45}"/>
-                </a:ext>
-              </a:extLst>
-            </p:cNvPr>
-            <p:cNvSpPr txBox="1"/>
-            <p:nvPr/>
-          </p:nvSpPr>
-          <p:spPr>
-            <a:xfrm>
-              <a:off x="1149597" y="4336947"/>
-              <a:ext cx="3023135" cy="369332"/>
-            </a:xfrm>
-            <a:prstGeom prst="rect">
-              <a:avLst/>
-            </a:prstGeom>
-            <a:noFill/>
-          </p:spPr>
-          <p:txBody>
-            <a:bodyPr wrap="none" rtlCol="0">
-              <a:spAutoFit/>
-            </a:bodyPr>
-            <a:lstStyle/>
-            <a:p>
-              <a:r>
-                <a:rPr lang="en-US" altLang="zh-CN" dirty="0">
-                  <a:solidFill>
-                    <a:srgbClr val="FF0000"/>
-                  </a:solidFill>
-                </a:rPr>
-                <a:t>member functions declaration</a:t>
-              </a:r>
-              <a:endParaRPr lang="zh-CN" altLang="en-US" dirty="0">
-                <a:solidFill>
-                  <a:srgbClr val="FF0000"/>
-                </a:solidFill>
-              </a:endParaRPr>
-            </a:p>
-          </p:txBody>
-        </p:sp>
-      </p:grpSp>
-      <p:grpSp>
-        <p:nvGrpSpPr>
-          <p:cNvPr id="23" name="组合 22">
-            <a:extLst>
-              <a:ext uri="{FF2B5EF4-FFF2-40B4-BE49-F238E27FC236}">
-                <a16:creationId xmlns:a16="http://schemas.microsoft.com/office/drawing/2014/main" id="{0EB72D3D-8BA0-4190-A666-960B5F01DB77}"/>
-              </a:ext>
-            </a:extLst>
-          </p:cNvPr>
-          <p:cNvGrpSpPr/>
-          <p:nvPr/>
-        </p:nvGrpSpPr>
-        <p:grpSpPr>
-          <a:xfrm>
-            <a:off x="1133773" y="5413635"/>
-            <a:ext cx="3990672" cy="446276"/>
-            <a:chOff x="845319" y="4336947"/>
-            <a:chExt cx="3990672" cy="446276"/>
-          </a:xfrm>
-        </p:grpSpPr>
-        <p:cxnSp>
-          <p:nvCxnSpPr>
-            <p:cNvPr id="24" name="直接箭头连接符 23">
-              <a:extLst>
-                <a:ext uri="{FF2B5EF4-FFF2-40B4-BE49-F238E27FC236}">
-                  <a16:creationId xmlns:a16="http://schemas.microsoft.com/office/drawing/2014/main" id="{8E71A320-04F1-4FF3-B314-3FC4BA9BB7FD}"/>
-                </a:ext>
-              </a:extLst>
-            </p:cNvPr>
-            <p:cNvCxnSpPr/>
-            <p:nvPr/>
-          </p:nvCxnSpPr>
-          <p:spPr>
-            <a:xfrm flipH="1">
-              <a:off x="845319" y="4642346"/>
-              <a:ext cx="360462" cy="0"/>
-            </a:xfrm>
-            <a:prstGeom prst="straightConnector1">
-              <a:avLst/>
-            </a:prstGeom>
-            <a:ln w="25400">
-              <a:solidFill>
-                <a:srgbClr val="FF0000"/>
-              </a:solidFill>
-              <a:tailEnd type="arrow"/>
-            </a:ln>
-          </p:spPr>
-          <p:style>
-            <a:lnRef idx="1">
-              <a:schemeClr val="accent1"/>
-            </a:lnRef>
-            <a:fillRef idx="0">
-              <a:schemeClr val="accent1"/>
-            </a:fillRef>
-            <a:effectRef idx="0">
-              <a:schemeClr val="accent1"/>
-            </a:effectRef>
-            <a:fontRef idx="minor">
-              <a:schemeClr val="tx1"/>
-            </a:fontRef>
-          </p:style>
-        </p:cxnSp>
-        <p:sp>
-          <p:nvSpPr>
-            <p:cNvPr id="25" name="TextBox 30">
-              <a:extLst>
-                <a:ext uri="{FF2B5EF4-FFF2-40B4-BE49-F238E27FC236}">
-                  <a16:creationId xmlns:a16="http://schemas.microsoft.com/office/drawing/2014/main" id="{BFC006F5-981A-4E3F-8ACB-9CDF414117F9}"/>
-                </a:ext>
-              </a:extLst>
-            </p:cNvPr>
-            <p:cNvSpPr txBox="1"/>
-            <p:nvPr/>
-          </p:nvSpPr>
-          <p:spPr>
-            <a:xfrm>
-              <a:off x="1149597" y="4336947"/>
-              <a:ext cx="3686394" cy="446276"/>
-            </a:xfrm>
-            <a:prstGeom prst="rect">
-              <a:avLst/>
-            </a:prstGeom>
-            <a:noFill/>
-          </p:spPr>
-          <p:txBody>
-            <a:bodyPr wrap="none" rtlCol="0">
-              <a:spAutoFit/>
-            </a:bodyPr>
-            <a:lstStyle/>
-            <a:p>
-              <a:r>
-                <a:rPr lang="en-US" altLang="zh-CN" dirty="0">
-                  <a:solidFill>
-                    <a:srgbClr val="FF0000"/>
-                  </a:solidFill>
-                </a:rPr>
-                <a:t>end of class with a semicolon</a:t>
-              </a:r>
-              <a:endParaRPr lang="zh-CN" altLang="en-US" dirty="0">
-                <a:solidFill>
-                  <a:srgbClr val="FF0000"/>
-                </a:solidFill>
-              </a:endParaRPr>
-            </a:p>
-          </p:txBody>
-        </p:sp>
-      </p:grpSp>
-      <p:sp>
-        <p:nvSpPr>
-          <p:cNvPr id="3" name="文本框 2">
-            <a:extLst>
-              <a:ext uri="{FF2B5EF4-FFF2-40B4-BE49-F238E27FC236}">
-                <a16:creationId xmlns:a16="http://schemas.microsoft.com/office/drawing/2014/main" id="{0F26F9D2-E0B5-4C42-B936-6533F0EFE67F}"/>
-              </a:ext>
-            </a:extLst>
-          </p:cNvPr>
-          <p:cNvSpPr txBox="1"/>
-          <p:nvPr/>
-        </p:nvSpPr>
-        <p:spPr>
-          <a:xfrm>
-            <a:off x="623790" y="2333178"/>
-            <a:ext cx="1879554" cy="461665"/>
-          </a:xfrm>
-          <a:prstGeom prst="rect">
-            <a:avLst/>
-          </a:prstGeom>
-          <a:noFill/>
-        </p:spPr>
-        <p:txBody>
-          <a:bodyPr wrap="none" rtlCol="0">
-            <a:spAutoFit/>
-          </a:bodyPr>
-          <a:lstStyle/>
-          <a:p>
-            <a:r>
-              <a:rPr lang="en-US" altLang="zh-CN" sz="2400" dirty="0"/>
-              <a:t>Define a class</a:t>
-            </a:r>
-            <a:endParaRPr lang="zh-CN" altLang="en-US" sz="2400" dirty="0"/>
-          </a:p>
-        </p:txBody>
-      </p:sp>
-    </p:spTree>
-  </p:cSld>
-  <p:clrMapOvr>
-    <a:masterClrMapping/>
-  </p:clrMapOvr>
-  <p:timing>
-    <p:tnLst>
-      <p:par>
-        <p:cTn id="1" dur="indefinite" restart="never" nodeType="tmRoot">
-          <p:childTnLst>
-            <p:seq concurrent="1" nextAc="seek">
-              <p:cTn id="2" dur="indefinite" nodeType="mainSeq">
-                <p:childTnLst>
-                  <p:par>
-                    <p:cTn id="3" fill="hold">
-                      <p:stCondLst>
-                        <p:cond delay="indefinite"/>
-                      </p:stCondLst>
-                      <p:childTnLst>
-                        <p:par>
-                          <p:cTn id="4" fill="hold">
-                            <p:stCondLst>
-                              <p:cond delay="0"/>
-                            </p:stCondLst>
-                            <p:childTnLst>
-                              <p:par>
-                                <p:cTn id="5" presetID="1" presetClass="entr" presetSubtype="0" fill="hold" grpId="0" nodeType="clickEffect">
-                                  <p:stCondLst>
-                                    <p:cond delay="0"/>
-                                  </p:stCondLst>
-                                  <p:childTnLst>
-                                    <p:set>
-                                      <p:cBhvr>
-                                        <p:cTn id="6" dur="1" fill="hold">
-                                          <p:stCondLst>
-                                            <p:cond delay="0"/>
-                                          </p:stCondLst>
-                                        </p:cTn>
-                                        <p:tgtEl>
-                                          <p:spTgt spid="3"/>
-                                        </p:tgtEl>
-                                        <p:attrNameLst>
-                                          <p:attrName>style.visibility</p:attrName>
-                                        </p:attrNameLst>
-                                      </p:cBhvr>
-                                      <p:to>
-                                        <p:strVal val="visible"/>
-                                      </p:to>
-                                    </p:set>
-                                  </p:childTnLst>
-                                </p:cTn>
-                              </p:par>
-                            </p:childTnLst>
-                          </p:cTn>
-                        </p:par>
-                      </p:childTnLst>
-                    </p:cTn>
-                  </p:par>
-                  <p:par>
-                    <p:cTn id="7" fill="hold">
-                      <p:stCondLst>
-                        <p:cond delay="indefinite"/>
-                      </p:stCondLst>
-                      <p:childTnLst>
-                        <p:par>
-                          <p:cTn id="8" fill="hold">
-                            <p:stCondLst>
-                              <p:cond delay="0"/>
-                            </p:stCondLst>
-                            <p:childTnLst>
-                              <p:par>
-                                <p:cTn id="9" presetID="1" presetClass="entr" presetSubtype="0" fill="hold" nodeType="clickEffect">
-                                  <p:stCondLst>
-                                    <p:cond delay="0"/>
-                                  </p:stCondLst>
-                                  <p:childTnLst>
-                                    <p:set>
-                                      <p:cBhvr>
-                                        <p:cTn id="10" dur="1" fill="hold">
-                                          <p:stCondLst>
-                                            <p:cond delay="0"/>
-                                          </p:stCondLst>
-                                        </p:cTn>
-                                        <p:tgtEl>
-                                          <p:spTgt spid="4"/>
-                                        </p:tgtEl>
-                                        <p:attrNameLst>
-                                          <p:attrName>style.visibility</p:attrName>
-                                        </p:attrNameLst>
-                                      </p:cBhvr>
-                                      <p:to>
-                                        <p:strVal val="visible"/>
-                                      </p:to>
-                                    </p:set>
-                                  </p:childTnLst>
-                                </p:cTn>
-                              </p:par>
-                            </p:childTnLst>
-                          </p:cTn>
-                        </p:par>
-                      </p:childTnLst>
-                    </p:cTn>
-                  </p:par>
-                  <p:par>
-                    <p:cTn id="11" fill="hold">
-                      <p:stCondLst>
-                        <p:cond delay="indefinite"/>
-                      </p:stCondLst>
-                      <p:childTnLst>
-                        <p:par>
-                          <p:cTn id="12" fill="hold">
-                            <p:stCondLst>
-                              <p:cond delay="0"/>
-                            </p:stCondLst>
-                            <p:childTnLst>
-                              <p:par>
-                                <p:cTn id="13" presetID="1" presetClass="entr" presetSubtype="0" fill="hold" nodeType="clickEffect">
-                                  <p:stCondLst>
-                                    <p:cond delay="0"/>
-                                  </p:stCondLst>
-                                  <p:childTnLst>
-                                    <p:set>
-                                      <p:cBhvr>
-                                        <p:cTn id="14" dur="1" fill="hold">
-                                          <p:stCondLst>
-                                            <p:cond delay="0"/>
-                                          </p:stCondLst>
-                                        </p:cTn>
-                                        <p:tgtEl>
-                                          <p:spTgt spid="5"/>
-                                        </p:tgtEl>
-                                        <p:attrNameLst>
-                                          <p:attrName>style.visibility</p:attrName>
-                                        </p:attrNameLst>
-                                      </p:cBhvr>
-                                      <p:to>
-                                        <p:strVal val="visible"/>
-                                      </p:to>
-                                    </p:set>
-                                  </p:childTnLst>
-                                </p:cTn>
-                              </p:par>
-                            </p:childTnLst>
-                          </p:cTn>
-                        </p:par>
-                      </p:childTnLst>
-                    </p:cTn>
-                  </p:par>
-                  <p:par>
-                    <p:cTn id="15" fill="hold">
-                      <p:stCondLst>
-                        <p:cond delay="indefinite"/>
-                      </p:stCondLst>
-                      <p:childTnLst>
-                        <p:par>
-                          <p:cTn id="16" fill="hold">
-                            <p:stCondLst>
-                              <p:cond delay="0"/>
-                            </p:stCondLst>
-                            <p:childTnLst>
-                              <p:par>
-                                <p:cTn id="17" presetID="1" presetClass="entr" presetSubtype="0" fill="hold" nodeType="clickEffect">
-                                  <p:stCondLst>
-                                    <p:cond delay="0"/>
-                                  </p:stCondLst>
-                                  <p:childTnLst>
-                                    <p:set>
-                                      <p:cBhvr>
-                                        <p:cTn id="18" dur="1" fill="hold">
-                                          <p:stCondLst>
-                                            <p:cond delay="0"/>
-                                          </p:stCondLst>
-                                        </p:cTn>
-                                        <p:tgtEl>
-                                          <p:spTgt spid="8"/>
-                                        </p:tgtEl>
-                                        <p:attrNameLst>
-                                          <p:attrName>style.visibility</p:attrName>
-                                        </p:attrNameLst>
-                                      </p:cBhvr>
-                                      <p:to>
-                                        <p:strVal val="visible"/>
-                                      </p:to>
-                                    </p:set>
-                                  </p:childTnLst>
-                                </p:cTn>
-                              </p:par>
-                            </p:childTnLst>
-                          </p:cTn>
-                        </p:par>
-                      </p:childTnLst>
-                    </p:cTn>
-                  </p:par>
-                  <p:par>
-                    <p:cTn id="19" fill="hold">
-                      <p:stCondLst>
-                        <p:cond delay="indefinite"/>
-                      </p:stCondLst>
-                      <p:childTnLst>
-                        <p:par>
-                          <p:cTn id="20" fill="hold">
-                            <p:stCondLst>
-                              <p:cond delay="0"/>
-                            </p:stCondLst>
-                            <p:childTnLst>
-                              <p:par>
-                                <p:cTn id="21" presetID="1" presetClass="entr" presetSubtype="0" fill="hold" nodeType="clickEffect">
-                                  <p:stCondLst>
-                                    <p:cond delay="0"/>
-                                  </p:stCondLst>
-                                  <p:childTnLst>
-                                    <p:set>
-                                      <p:cBhvr>
-                                        <p:cTn id="22" dur="1" fill="hold">
-                                          <p:stCondLst>
-                                            <p:cond delay="0"/>
-                                          </p:stCondLst>
-                                        </p:cTn>
-                                        <p:tgtEl>
-                                          <p:spTgt spid="12"/>
-                                        </p:tgtEl>
-                                        <p:attrNameLst>
-                                          <p:attrName>style.visibility</p:attrName>
-                                        </p:attrNameLst>
-                                      </p:cBhvr>
-                                      <p:to>
-                                        <p:strVal val="visible"/>
-                                      </p:to>
-                                    </p:set>
-                                  </p:childTnLst>
-                                </p:cTn>
-                              </p:par>
-                            </p:childTnLst>
-                          </p:cTn>
-                        </p:par>
-                      </p:childTnLst>
-                    </p:cTn>
-                  </p:par>
-                  <p:par>
-                    <p:cTn id="23" fill="hold">
-                      <p:stCondLst>
-                        <p:cond delay="indefinite"/>
-                      </p:stCondLst>
-                      <p:childTnLst>
-                        <p:par>
-                          <p:cTn id="24" fill="hold">
-                            <p:stCondLst>
-                              <p:cond delay="0"/>
-                            </p:stCondLst>
-                            <p:childTnLst>
-                              <p:par>
-                                <p:cTn id="25" presetID="1" presetClass="entr" presetSubtype="0" fill="hold" nodeType="clickEffect">
-                                  <p:stCondLst>
-                                    <p:cond delay="0"/>
-                                  </p:stCondLst>
-                                  <p:childTnLst>
-                                    <p:set>
-                                      <p:cBhvr>
-                                        <p:cTn id="26" dur="1" fill="hold">
-                                          <p:stCondLst>
-                                            <p:cond delay="0"/>
-                                          </p:stCondLst>
-                                        </p:cTn>
-                                        <p:tgtEl>
-                                          <p:spTgt spid="17"/>
-                                        </p:tgtEl>
-                                        <p:attrNameLst>
-                                          <p:attrName>style.visibility</p:attrName>
-                                        </p:attrNameLst>
-                                      </p:cBhvr>
-                                      <p:to>
-                                        <p:strVal val="visible"/>
-                                      </p:to>
-                                    </p:set>
-                                  </p:childTnLst>
-                                </p:cTn>
-                              </p:par>
-                            </p:childTnLst>
-                          </p:cTn>
-                        </p:par>
-                      </p:childTnLst>
-                    </p:cTn>
-                  </p:par>
-                  <p:par>
-                    <p:cTn id="27" fill="hold">
-                      <p:stCondLst>
-                        <p:cond delay="indefinite"/>
-                      </p:stCondLst>
-                      <p:childTnLst>
-                        <p:par>
-                          <p:cTn id="28" fill="hold">
-                            <p:stCondLst>
-                              <p:cond delay="0"/>
-                            </p:stCondLst>
-                            <p:childTnLst>
-                              <p:par>
-                                <p:cTn id="29" presetID="1" presetClass="entr" presetSubtype="0" fill="hold" nodeType="clickEffect">
-                                  <p:stCondLst>
-                                    <p:cond delay="0"/>
-                                  </p:stCondLst>
-                                  <p:childTnLst>
-                                    <p:set>
-                                      <p:cBhvr>
-                                        <p:cTn id="30" dur="1" fill="hold">
-                                          <p:stCondLst>
-                                            <p:cond delay="0"/>
-                                          </p:stCondLst>
-                                        </p:cTn>
-                                        <p:tgtEl>
-                                          <p:spTgt spid="20"/>
-                                        </p:tgtEl>
-                                        <p:attrNameLst>
-                                          <p:attrName>style.visibility</p:attrName>
-                                        </p:attrNameLst>
-                                      </p:cBhvr>
-                                      <p:to>
-                                        <p:strVal val="visible"/>
-                                      </p:to>
-                                    </p:set>
-                                  </p:childTnLst>
-                                </p:cTn>
-                              </p:par>
-                            </p:childTnLst>
-                          </p:cTn>
-                        </p:par>
-                      </p:childTnLst>
-                    </p:cTn>
-                  </p:par>
-                  <p:par>
-                    <p:cTn id="31" fill="hold">
-                      <p:stCondLst>
-                        <p:cond delay="indefinite"/>
-                      </p:stCondLst>
-                      <p:childTnLst>
-                        <p:par>
-                          <p:cTn id="32" fill="hold">
-                            <p:stCondLst>
-                              <p:cond delay="0"/>
-                            </p:stCondLst>
-                            <p:childTnLst>
-                              <p:par>
-                                <p:cTn id="33" presetID="1" presetClass="entr" presetSubtype="0" fill="hold" nodeType="clickEffect">
-                                  <p:stCondLst>
-                                    <p:cond delay="0"/>
-                                  </p:stCondLst>
-                                  <p:childTnLst>
-                                    <p:set>
-                                      <p:cBhvr>
-                                        <p:cTn id="34" dur="1" fill="hold">
-                                          <p:stCondLst>
-                                            <p:cond delay="0"/>
-                                          </p:stCondLst>
-                                        </p:cTn>
-                                        <p:tgtEl>
-                                          <p:spTgt spid="23"/>
-                                        </p:tgtEl>
-                                        <p:attrNameLst>
-                                          <p:attrName>style.visibility</p:attrName>
-                                        </p:attrNameLst>
-                                      </p:cBhvr>
-                                      <p:to>
-                                        <p:strVal val="visible"/>
-                                      </p:to>
-                                    </p:set>
-                                  </p:childTnLst>
-                                </p:cTn>
-                              </p:par>
-                            </p:childTnLst>
-                          </p:cTn>
-                        </p:par>
-                      </p:childTnLst>
-                    </p:cTn>
-                  </p:par>
-                </p:childTnLst>
-              </p:cTn>
-              <p:prevCondLst>
-                <p:cond evt="onPrev" delay="0">
-                  <p:tgtEl>
-                    <p:sldTgt/>
-                  </p:tgtEl>
-                </p:cond>
-              </p:prevCondLst>
-              <p:nextCondLst>
-                <p:cond evt="onNext" delay="0">
-                  <p:tgtEl>
-                    <p:sldTgt/>
-                  </p:tgtEl>
-                </p:cond>
-              </p:nextCondLst>
-            </p:seq>
-          </p:childTnLst>
-        </p:cTn>
-      </p:par>
-    </p:tnLst>
-    <p:bldLst>
-      <p:bldP spid="3" grpId="0"/>
-    </p:bldLst>
-  </p:timing>
-</p:sld>
-</file>
-
-<file path=ppt/slides/slide4.xml><?xml version="1.0" encoding="utf-8"?>
-<p:sld xmlns:a="http://schemas.openxmlformats.org/drawingml/2006/main" xmlns:r="http://schemas.openxmlformats.org/officeDocument/2006/relationships" xmlns:p="http://schemas.openxmlformats.org/presentationml/2006/main">
-  <p:cSld>
-    <p:spTree>
-      <p:nvGrpSpPr>
-        <p:cNvPr id="1" name=""/>
-        <p:cNvGrpSpPr/>
-        <p:nvPr/>
-      </p:nvGrpSpPr>
-      <p:grpSpPr>
-        <a:xfrm>
-          <a:off x="0" y="0"/>
-          <a:ext cx="0" cy="0"/>
-          <a:chOff x="0" y="0"/>
-          <a:chExt cx="0" cy="0"/>
-        </a:xfrm>
-      </p:grpSpPr>
-      <p:sp>
-        <p:nvSpPr>
           <p:cNvPr id="2" name="标题 1"/>
           <p:cNvSpPr>
             <a:spLocks noGrp="1"/>
@@ -11240,580 +9549,16 @@
         </p:nvSpPr>
         <p:spPr/>
         <p:txBody>
-          <a:bodyPr/>
-          <a:lstStyle/>
-          <a:p>
-            <a:r>
-              <a:rPr lang="en-US" altLang="zh-CN" sz="4400" dirty="0"/>
-              <a:t>Define and implement a class</a:t>
-            </a:r>
-            <a:endParaRPr lang="zh-CN" altLang="en-US" dirty="0"/>
-          </a:p>
-        </p:txBody>
-      </p:sp>
-      <p:sp>
-        <p:nvSpPr>
-          <p:cNvPr id="8" name="TextBox 4">
-            <a:extLst>
-              <a:ext uri="{FF2B5EF4-FFF2-40B4-BE49-F238E27FC236}">
-                <a16:creationId xmlns:a16="http://schemas.microsoft.com/office/drawing/2014/main" id="{AF794157-16E4-41CD-9D7E-B88FA7E6C1A1}"/>
-              </a:ext>
-            </a:extLst>
-          </p:cNvPr>
-          <p:cNvSpPr txBox="1"/>
-          <p:nvPr/>
-        </p:nvSpPr>
-        <p:spPr>
-          <a:xfrm>
-            <a:off x="488825" y="1513505"/>
-            <a:ext cx="11431220" cy="986104"/>
-          </a:xfrm>
-          <a:prstGeom prst="rect">
-            <a:avLst/>
-          </a:prstGeom>
-          <a:noFill/>
-        </p:spPr>
-        <p:txBody>
-          <a:bodyPr wrap="square" rtlCol="0">
-            <a:spAutoFit/>
+          <a:bodyPr>
+            <a:normAutofit/>
           </a:bodyPr>
           <a:lstStyle/>
           <a:p>
-            <a:pPr>
-              <a:lnSpc>
-                <a:spcPct val="80000"/>
-              </a:lnSpc>
-            </a:pPr>
-            <a:r>
-              <a:rPr lang="en-US" altLang="zh-CN" sz="2400" dirty="0"/>
-              <a:t>The </a:t>
-            </a:r>
-            <a:r>
-              <a:rPr lang="en-US" altLang="zh-CN" sz="2400" dirty="0">
-                <a:solidFill>
-                  <a:srgbClr val="FF0000"/>
-                </a:solidFill>
-              </a:rPr>
-              <a:t>private</a:t>
-            </a:r>
-            <a:r>
-              <a:rPr lang="en-US" altLang="zh-CN" sz="2400" dirty="0"/>
-              <a:t>  keyword makes members private. Private members </a:t>
-            </a:r>
-            <a:r>
-              <a:rPr lang="en-US" altLang="zh-CN" sz="2400" dirty="0">
-                <a:solidFill>
-                  <a:srgbClr val="FF0000"/>
-                </a:solidFill>
-              </a:rPr>
-              <a:t>can be accessed only inside the same class. </a:t>
-            </a:r>
-            <a:r>
-              <a:rPr lang="en-US" altLang="zh-CN" sz="2400" dirty="0"/>
-              <a:t>We usually make </a:t>
-            </a:r>
-            <a:r>
-              <a:rPr lang="en-US" altLang="zh-CN" sz="2400" dirty="0">
-                <a:solidFill>
-                  <a:srgbClr val="FF0000"/>
-                </a:solidFill>
-              </a:rPr>
-              <a:t>data private </a:t>
-            </a:r>
-            <a:r>
-              <a:rPr lang="en-US" altLang="zh-CN" sz="2400" dirty="0"/>
-              <a:t>to prevent them from being modified outside the class. This is known as </a:t>
-            </a:r>
-            <a:r>
-              <a:rPr lang="en-US" altLang="zh-CN" sz="2400" dirty="0">
-                <a:solidFill>
-                  <a:srgbClr val="FF0000"/>
-                </a:solidFill>
-              </a:rPr>
-              <a:t>data encapsulation (data hiding)</a:t>
-            </a:r>
-            <a:r>
-              <a:rPr lang="en-US" altLang="zh-CN" sz="2400" dirty="0"/>
-              <a:t>.</a:t>
-            </a:r>
-            <a:endParaRPr lang="zh-CN" altLang="en-US" sz="2400" dirty="0"/>
-          </a:p>
-        </p:txBody>
-      </p:sp>
-      <p:sp>
-        <p:nvSpPr>
-          <p:cNvPr id="9" name="TextBox 5">
-            <a:extLst>
-              <a:ext uri="{FF2B5EF4-FFF2-40B4-BE49-F238E27FC236}">
-                <a16:creationId xmlns:a16="http://schemas.microsoft.com/office/drawing/2014/main" id="{D374A1F1-79F0-43CC-BB8C-259324753513}"/>
-              </a:ext>
-            </a:extLst>
-          </p:cNvPr>
-          <p:cNvSpPr txBox="1"/>
-          <p:nvPr/>
-        </p:nvSpPr>
-        <p:spPr>
-          <a:xfrm>
-            <a:off x="565708" y="2655287"/>
-            <a:ext cx="11219763" cy="690638"/>
-          </a:xfrm>
-          <a:prstGeom prst="rect">
-            <a:avLst/>
-          </a:prstGeom>
-          <a:noFill/>
-        </p:spPr>
-        <p:txBody>
-          <a:bodyPr wrap="square" rtlCol="0">
-            <a:spAutoFit/>
-          </a:bodyPr>
-          <a:lstStyle/>
-          <a:p>
-            <a:pPr>
-              <a:lnSpc>
-                <a:spcPct val="80000"/>
-              </a:lnSpc>
-            </a:pPr>
-            <a:r>
-              <a:rPr lang="en-US" altLang="zh-CN" sz="2400" dirty="0"/>
-              <a:t>The </a:t>
-            </a:r>
-            <a:r>
-              <a:rPr lang="en-US" altLang="zh-CN" sz="2400" dirty="0">
-                <a:solidFill>
-                  <a:srgbClr val="FF0000"/>
-                </a:solidFill>
-              </a:rPr>
-              <a:t>public</a:t>
-            </a:r>
-            <a:r>
-              <a:rPr lang="en-US" altLang="zh-CN" sz="2400" dirty="0"/>
-              <a:t>  keyword makes members public. Public members </a:t>
-            </a:r>
-            <a:r>
-              <a:rPr lang="en-US" altLang="zh-CN" sz="2400" dirty="0">
-                <a:solidFill>
-                  <a:srgbClr val="FF0000"/>
-                </a:solidFill>
-              </a:rPr>
-              <a:t>can be accessed out of the class. </a:t>
-            </a:r>
-            <a:r>
-              <a:rPr lang="en-US" altLang="zh-CN" sz="2400" dirty="0"/>
-              <a:t>We usually make </a:t>
-            </a:r>
-            <a:r>
-              <a:rPr lang="en-US" altLang="zh-CN" sz="2400" dirty="0">
-                <a:solidFill>
-                  <a:srgbClr val="FF0000"/>
-                </a:solidFill>
-              </a:rPr>
-              <a:t>functions public </a:t>
-            </a:r>
-            <a:r>
-              <a:rPr lang="en-US" altLang="zh-CN" sz="2400" dirty="0"/>
-              <a:t>for accessing outside the class.</a:t>
-            </a:r>
-            <a:endParaRPr lang="zh-CN" altLang="en-US" sz="2400" dirty="0"/>
-          </a:p>
-        </p:txBody>
-      </p:sp>
-      <p:sp>
-        <p:nvSpPr>
-          <p:cNvPr id="10" name="TextBox 22">
-            <a:extLst>
-              <a:ext uri="{FF2B5EF4-FFF2-40B4-BE49-F238E27FC236}">
-                <a16:creationId xmlns:a16="http://schemas.microsoft.com/office/drawing/2014/main" id="{07AB1320-1CB6-4F65-AAD7-7D8237BA8CEE}"/>
-              </a:ext>
-            </a:extLst>
-          </p:cNvPr>
-          <p:cNvSpPr txBox="1"/>
-          <p:nvPr/>
-        </p:nvSpPr>
-        <p:spPr>
-          <a:xfrm>
-            <a:off x="594553" y="3591947"/>
-            <a:ext cx="11219763" cy="830997"/>
-          </a:xfrm>
-          <a:prstGeom prst="rect">
-            <a:avLst/>
-          </a:prstGeom>
-          <a:noFill/>
-        </p:spPr>
-        <p:txBody>
-          <a:bodyPr wrap="square" rtlCol="0">
-            <a:spAutoFit/>
-          </a:bodyPr>
-          <a:lstStyle/>
-          <a:p>
-            <a:r>
-              <a:rPr lang="en-US" altLang="zh-CN" sz="2400" dirty="0">
-                <a:solidFill>
-                  <a:srgbClr val="FF0000"/>
-                </a:solidFill>
-              </a:rPr>
-              <a:t>Note: Private is the default access specifier </a:t>
-            </a:r>
-            <a:r>
-              <a:rPr lang="en-US" altLang="zh-CN" sz="2400" dirty="0"/>
-              <a:t>for a class in C++. This means that if no  access specifier is specified for the members in a class, then it is considered private.</a:t>
-            </a:r>
-            <a:endParaRPr lang="zh-CN" altLang="en-US" sz="2400" dirty="0"/>
-          </a:p>
-        </p:txBody>
-      </p:sp>
-      <p:sp>
-        <p:nvSpPr>
-          <p:cNvPr id="11" name="TextBox 3">
-            <a:extLst>
-              <a:ext uri="{FF2B5EF4-FFF2-40B4-BE49-F238E27FC236}">
-                <a16:creationId xmlns:a16="http://schemas.microsoft.com/office/drawing/2014/main" id="{C9E13ECC-7A29-4598-AB1F-76DBE48DEF9F}"/>
-              </a:ext>
-            </a:extLst>
-          </p:cNvPr>
-          <p:cNvSpPr txBox="1"/>
-          <p:nvPr/>
-        </p:nvSpPr>
-        <p:spPr>
-          <a:xfrm>
-            <a:off x="507113" y="4668966"/>
-            <a:ext cx="11431220" cy="1154162"/>
-          </a:xfrm>
-          <a:prstGeom prst="rect">
-            <a:avLst/>
-          </a:prstGeom>
-          <a:noFill/>
-        </p:spPr>
-        <p:txBody>
-          <a:bodyPr wrap="square" rtlCol="0">
-            <a:spAutoFit/>
-          </a:bodyPr>
-          <a:lstStyle/>
-          <a:p>
-            <a:r>
-              <a:rPr lang="en-US" altLang="zh-CN" sz="2300" dirty="0">
-                <a:solidFill>
-                  <a:prstClr val="black"/>
-                </a:solidFill>
-              </a:rPr>
-              <a:t>A </a:t>
-            </a:r>
-            <a:r>
-              <a:rPr lang="en-US" altLang="zh-CN" sz="2300" b="1" dirty="0">
-                <a:solidFill>
-                  <a:srgbClr val="FF0000"/>
-                </a:solidFill>
-              </a:rPr>
-              <a:t>private</a:t>
-            </a:r>
-            <a:r>
-              <a:rPr lang="en-US" altLang="zh-CN" sz="2300" dirty="0">
-                <a:solidFill>
-                  <a:prstClr val="black"/>
-                </a:solidFill>
-              </a:rPr>
-              <a:t> data field cannot be accessed by an object from outside the class. To make a private data field accessible, provide a </a:t>
-            </a:r>
-            <a:r>
-              <a:rPr lang="en-US" altLang="zh-CN" sz="2300" b="1" i="1" dirty="0">
-                <a:solidFill>
-                  <a:srgbClr val="FF0000"/>
-                </a:solidFill>
-              </a:rPr>
-              <a:t>getter</a:t>
-            </a:r>
-            <a:r>
-              <a:rPr lang="en-US" altLang="zh-CN" sz="2300" dirty="0">
-                <a:solidFill>
-                  <a:prstClr val="black"/>
-                </a:solidFill>
-              </a:rPr>
-              <a:t> method to return its value. To enable a private data field to be updated, provide a </a:t>
-            </a:r>
-            <a:r>
-              <a:rPr lang="en-US" altLang="zh-CN" sz="2300" b="1" i="1" dirty="0">
-                <a:solidFill>
-                  <a:srgbClr val="FF0000"/>
-                </a:solidFill>
-              </a:rPr>
-              <a:t>setter</a:t>
-            </a:r>
-            <a:r>
-              <a:rPr lang="en-US" altLang="zh-CN" sz="2300" dirty="0">
-                <a:solidFill>
-                  <a:prstClr val="black"/>
-                </a:solidFill>
-              </a:rPr>
-              <a:t> method to set a new value. </a:t>
-            </a:r>
-            <a:endParaRPr lang="zh-CN" altLang="en-US" sz="2300" dirty="0">
-              <a:solidFill>
-                <a:prstClr val="black"/>
-              </a:solidFill>
-            </a:endParaRPr>
-          </a:p>
-        </p:txBody>
-      </p:sp>
-    </p:spTree>
-  </p:cSld>
-  <p:clrMapOvr>
-    <a:masterClrMapping/>
-  </p:clrMapOvr>
-  <p:timing>
-    <p:tnLst>
-      <p:par>
-        <p:cTn id="1" dur="indefinite" restart="never" nodeType="tmRoot">
-          <p:childTnLst>
-            <p:seq concurrent="1" nextAc="seek">
-              <p:cTn id="2" dur="indefinite" nodeType="mainSeq">
-                <p:childTnLst>
-                  <p:par>
-                    <p:cTn id="3" fill="hold">
-                      <p:stCondLst>
-                        <p:cond delay="indefinite"/>
-                      </p:stCondLst>
-                      <p:childTnLst>
-                        <p:par>
-                          <p:cTn id="4" fill="hold">
-                            <p:stCondLst>
-                              <p:cond delay="0"/>
-                            </p:stCondLst>
-                            <p:childTnLst>
-                              <p:par>
-                                <p:cTn id="5" presetID="1" presetClass="entr" presetSubtype="0" fill="hold" grpId="0" nodeType="clickEffect">
-                                  <p:stCondLst>
-                                    <p:cond delay="0"/>
-                                  </p:stCondLst>
-                                  <p:childTnLst>
-                                    <p:set>
-                                      <p:cBhvr>
-                                        <p:cTn id="6" dur="1" fill="hold">
-                                          <p:stCondLst>
-                                            <p:cond delay="0"/>
-                                          </p:stCondLst>
-                                        </p:cTn>
-                                        <p:tgtEl>
-                                          <p:spTgt spid="8"/>
-                                        </p:tgtEl>
-                                        <p:attrNameLst>
-                                          <p:attrName>style.visibility</p:attrName>
-                                        </p:attrNameLst>
-                                      </p:cBhvr>
-                                      <p:to>
-                                        <p:strVal val="visible"/>
-                                      </p:to>
-                                    </p:set>
-                                  </p:childTnLst>
-                                </p:cTn>
-                              </p:par>
-                            </p:childTnLst>
-                          </p:cTn>
-                        </p:par>
-                      </p:childTnLst>
-                    </p:cTn>
-                  </p:par>
-                  <p:par>
-                    <p:cTn id="7" fill="hold">
-                      <p:stCondLst>
-                        <p:cond delay="indefinite"/>
-                      </p:stCondLst>
-                      <p:childTnLst>
-                        <p:par>
-                          <p:cTn id="8" fill="hold">
-                            <p:stCondLst>
-                              <p:cond delay="0"/>
-                            </p:stCondLst>
-                            <p:childTnLst>
-                              <p:par>
-                                <p:cTn id="9" presetID="1" presetClass="entr" presetSubtype="0" fill="hold" grpId="0" nodeType="clickEffect">
-                                  <p:stCondLst>
-                                    <p:cond delay="0"/>
-                                  </p:stCondLst>
-                                  <p:childTnLst>
-                                    <p:set>
-                                      <p:cBhvr>
-                                        <p:cTn id="10" dur="1" fill="hold">
-                                          <p:stCondLst>
-                                            <p:cond delay="0"/>
-                                          </p:stCondLst>
-                                        </p:cTn>
-                                        <p:tgtEl>
-                                          <p:spTgt spid="9"/>
-                                        </p:tgtEl>
-                                        <p:attrNameLst>
-                                          <p:attrName>style.visibility</p:attrName>
-                                        </p:attrNameLst>
-                                      </p:cBhvr>
-                                      <p:to>
-                                        <p:strVal val="visible"/>
-                                      </p:to>
-                                    </p:set>
-                                  </p:childTnLst>
-                                </p:cTn>
-                              </p:par>
-                            </p:childTnLst>
-                          </p:cTn>
-                        </p:par>
-                      </p:childTnLst>
-                    </p:cTn>
-                  </p:par>
-                  <p:par>
-                    <p:cTn id="11" fill="hold">
-                      <p:stCondLst>
-                        <p:cond delay="indefinite"/>
-                      </p:stCondLst>
-                      <p:childTnLst>
-                        <p:par>
-                          <p:cTn id="12" fill="hold">
-                            <p:stCondLst>
-                              <p:cond delay="0"/>
-                            </p:stCondLst>
-                            <p:childTnLst>
-                              <p:par>
-                                <p:cTn id="13" presetID="1" presetClass="entr" presetSubtype="0" fill="hold" grpId="0" nodeType="clickEffect">
-                                  <p:stCondLst>
-                                    <p:cond delay="0"/>
-                                  </p:stCondLst>
-                                  <p:childTnLst>
-                                    <p:set>
-                                      <p:cBhvr>
-                                        <p:cTn id="14" dur="1" fill="hold">
-                                          <p:stCondLst>
-                                            <p:cond delay="0"/>
-                                          </p:stCondLst>
-                                        </p:cTn>
-                                        <p:tgtEl>
-                                          <p:spTgt spid="10"/>
-                                        </p:tgtEl>
-                                        <p:attrNameLst>
-                                          <p:attrName>style.visibility</p:attrName>
-                                        </p:attrNameLst>
-                                      </p:cBhvr>
-                                      <p:to>
-                                        <p:strVal val="visible"/>
-                                      </p:to>
-                                    </p:set>
-                                  </p:childTnLst>
-                                </p:cTn>
-                              </p:par>
-                            </p:childTnLst>
-                          </p:cTn>
-                        </p:par>
-                      </p:childTnLst>
-                    </p:cTn>
-                  </p:par>
-                  <p:par>
-                    <p:cTn id="15" fill="hold">
-                      <p:stCondLst>
-                        <p:cond delay="indefinite"/>
-                      </p:stCondLst>
-                      <p:childTnLst>
-                        <p:par>
-                          <p:cTn id="16" fill="hold">
-                            <p:stCondLst>
-                              <p:cond delay="0"/>
-                            </p:stCondLst>
-                            <p:childTnLst>
-                              <p:par>
-                                <p:cTn id="17" presetID="1" presetClass="entr" presetSubtype="0" fill="hold" grpId="0" nodeType="clickEffect">
-                                  <p:stCondLst>
-                                    <p:cond delay="0"/>
-                                  </p:stCondLst>
-                                  <p:childTnLst>
-                                    <p:set>
-                                      <p:cBhvr>
-                                        <p:cTn id="18" dur="1" fill="hold">
-                                          <p:stCondLst>
-                                            <p:cond delay="0"/>
-                                          </p:stCondLst>
-                                        </p:cTn>
-                                        <p:tgtEl>
-                                          <p:spTgt spid="11"/>
-                                        </p:tgtEl>
-                                        <p:attrNameLst>
-                                          <p:attrName>style.visibility</p:attrName>
-                                        </p:attrNameLst>
-                                      </p:cBhvr>
-                                      <p:to>
-                                        <p:strVal val="visible"/>
-                                      </p:to>
-                                    </p:set>
-                                  </p:childTnLst>
-                                </p:cTn>
-                              </p:par>
-                            </p:childTnLst>
-                          </p:cTn>
-                        </p:par>
-                      </p:childTnLst>
-                    </p:cTn>
-                  </p:par>
-                </p:childTnLst>
-              </p:cTn>
-              <p:prevCondLst>
-                <p:cond evt="onPrev" delay="0">
-                  <p:tgtEl>
-                    <p:sldTgt/>
-                  </p:tgtEl>
-                </p:cond>
-              </p:prevCondLst>
-              <p:nextCondLst>
-                <p:cond evt="onNext" delay="0">
-                  <p:tgtEl>
-                    <p:sldTgt/>
-                  </p:tgtEl>
-                </p:cond>
-              </p:nextCondLst>
-            </p:seq>
-          </p:childTnLst>
-        </p:cTn>
-      </p:par>
-    </p:tnLst>
-    <p:bldLst>
-      <p:bldP spid="8" grpId="0"/>
-      <p:bldP spid="9" grpId="0"/>
-      <p:bldP spid="10" grpId="0"/>
-      <p:bldP spid="11" grpId="0"/>
-    </p:bldLst>
-  </p:timing>
-</p:sld>
-</file>
-
-<file path=ppt/slides/slide5.xml><?xml version="1.0" encoding="utf-8"?>
-<p:sld xmlns:a="http://schemas.openxmlformats.org/drawingml/2006/main" xmlns:r="http://schemas.openxmlformats.org/officeDocument/2006/relationships" xmlns:p="http://schemas.openxmlformats.org/presentationml/2006/main">
-  <p:cSld>
-    <p:spTree>
-      <p:nvGrpSpPr>
-        <p:cNvPr id="1" name=""/>
-        <p:cNvGrpSpPr/>
-        <p:nvPr/>
-      </p:nvGrpSpPr>
-      <p:grpSpPr>
-        <a:xfrm>
-          <a:off x="0" y="0"/>
-          <a:ext cx="0" cy="0"/>
-          <a:chOff x="0" y="0"/>
-          <a:chExt cx="0" cy="0"/>
-        </a:xfrm>
-      </p:grpSpPr>
-      <p:sp>
-        <p:nvSpPr>
-          <p:cNvPr id="2" name="标题 1"/>
-          <p:cNvSpPr>
-            <a:spLocks noGrp="1"/>
-          </p:cNvSpPr>
-          <p:nvPr>
-            <p:ph type="title"/>
-          </p:nvPr>
-        </p:nvSpPr>
-        <p:spPr/>
-        <p:txBody>
-          <a:bodyPr/>
-          <a:lstStyle/>
-          <a:p>
-            <a:r>
-              <a:rPr lang="en-US" altLang="zh-CN" sz="4400" dirty="0"/>
-              <a:t>Class Constructors and Destructors</a:t>
-            </a:r>
-            <a:endParaRPr lang="zh-CN" altLang="en-US" dirty="0"/>
+            <a:r>
+              <a:rPr lang="en-US" altLang="zh-CN" sz="3200" b="1" dirty="0"/>
+              <a:t>Class Constructors</a:t>
+            </a:r>
+            <a:endParaRPr lang="zh-CN" altLang="en-US" sz="3200" b="1" dirty="0"/>
           </a:p>
         </p:txBody>
       </p:sp>
@@ -12414,7 +10159,7 @@
 </p:sld>
 </file>
 
-<file path=ppt/slides/slide6.xml><?xml version="1.0" encoding="utf-8"?>
+<file path=ppt/slides/slide4.xml><?xml version="1.0" encoding="utf-8"?>
 <p:sld xmlns:a="http://schemas.openxmlformats.org/drawingml/2006/main" xmlns:r="http://schemas.openxmlformats.org/officeDocument/2006/relationships" xmlns:p="http://schemas.openxmlformats.org/presentationml/2006/main">
   <p:cSld>
     <p:spTree>
@@ -13203,7 +10948,7 @@
 </p:sld>
 </file>
 
-<file path=ppt/slides/slide7.xml><?xml version="1.0" encoding="utf-8"?>
+<file path=ppt/slides/slide5.xml><?xml version="1.0" encoding="utf-8"?>
 <p:sld xmlns:a="http://schemas.openxmlformats.org/drawingml/2006/main" xmlns:r="http://schemas.openxmlformats.org/officeDocument/2006/relationships" xmlns:p="http://schemas.openxmlformats.org/presentationml/2006/main">
   <p:cSld>
     <p:spTree>
@@ -13999,7 +11744,7 @@
 </p:sld>
 </file>
 
-<file path=ppt/slides/slide8.xml><?xml version="1.0" encoding="utf-8"?>
+<file path=ppt/slides/slide6.xml><?xml version="1.0" encoding="utf-8"?>
 <p:sld xmlns:a="http://schemas.openxmlformats.org/drawingml/2006/main" xmlns:r="http://schemas.openxmlformats.org/officeDocument/2006/relationships" xmlns:p="http://schemas.openxmlformats.org/presentationml/2006/main">
   <p:cSld>
     <p:spTree>
@@ -14024,8 +11769,8 @@
         </p:nvSpPr>
         <p:spPr>
           <a:xfrm>
-            <a:off x="1731067" y="493800"/>
-            <a:ext cx="3184718" cy="539250"/>
+            <a:off x="1407794" y="350869"/>
+            <a:ext cx="3482620" cy="584775"/>
           </a:xfrm>
           <a:prstGeom prst="rect">
             <a:avLst/>
@@ -14039,10 +11784,10 @@
           <a:lstStyle/>
           <a:p>
             <a:r>
-              <a:rPr lang="en-US" altLang="zh-CN" sz="2904" b="1" dirty="0"/>
+              <a:rPr lang="en-US" altLang="zh-CN" sz="3200" b="1" dirty="0"/>
               <a:t>Default constructor</a:t>
             </a:r>
-            <a:endParaRPr lang="zh-CN" altLang="en-US" sz="2904" b="1" dirty="0"/>
+            <a:endParaRPr lang="zh-CN" altLang="en-US" sz="3200" b="1" dirty="0"/>
           </a:p>
         </p:txBody>
       </p:sp>
@@ -14201,7 +11946,7 @@
         <p:spPr>
           <a:xfrm>
             <a:off x="606449" y="3552325"/>
-            <a:ext cx="10867327" cy="986167"/>
+            <a:ext cx="10867327" cy="1042465"/>
           </a:xfrm>
           <a:prstGeom prst="rect">
             <a:avLst/>
@@ -14265,7 +12010,7 @@
               <a:t>                       </a:t>
             </a:r>
             <a:r>
-              <a:rPr lang="en-US" altLang="zh-CN" sz="1634" b="1" dirty="0">
+              <a:rPr lang="en-US" altLang="zh-CN" sz="2000" b="1" dirty="0">
                 <a:solidFill>
                   <a:srgbClr val="00B0F0"/>
                 </a:solidFill>
@@ -14273,7 +12018,7 @@
               <a:t>Box(double </a:t>
             </a:r>
             <a:r>
-              <a:rPr lang="en-US" altLang="zh-CN" sz="1634" b="1" dirty="0" err="1">
+              <a:rPr lang="en-US" altLang="zh-CN" sz="2000" b="1" dirty="0" err="1">
                 <a:solidFill>
                   <a:srgbClr val="00B0F0"/>
                 </a:solidFill>
@@ -14281,7 +12026,7 @@
               <a:t>len</a:t>
             </a:r>
             <a:r>
-              <a:rPr lang="en-US" altLang="zh-CN" sz="1634" b="1" dirty="0">
+              <a:rPr lang="en-US" altLang="zh-CN" sz="2000" b="1" dirty="0">
                 <a:solidFill>
                   <a:srgbClr val="00B0F0"/>
                 </a:solidFill>
@@ -14289,7 +12034,7 @@
               <a:t> = 1.0, double </a:t>
             </a:r>
             <a:r>
-              <a:rPr lang="en-US" altLang="zh-CN" sz="1634" b="1" dirty="0" err="1">
+              <a:rPr lang="en-US" altLang="zh-CN" sz="2000" b="1" dirty="0" err="1">
                 <a:solidFill>
                   <a:srgbClr val="00B0F0"/>
                 </a:solidFill>
@@ -14297,7 +12042,7 @@
               <a:t>bre</a:t>
             </a:r>
             <a:r>
-              <a:rPr lang="en-US" altLang="zh-CN" sz="1634" b="1" dirty="0">
+              <a:rPr lang="en-US" altLang="zh-CN" sz="2000" b="1" dirty="0">
                 <a:solidFill>
                   <a:srgbClr val="00B0F0"/>
                 </a:solidFill>
@@ -14305,7 +12050,7 @@
               <a:t> = 1.0, double </a:t>
             </a:r>
             <a:r>
-              <a:rPr lang="en-US" altLang="zh-CN" sz="1634" b="1" dirty="0" err="1">
+              <a:rPr lang="en-US" altLang="zh-CN" sz="2000" b="1" dirty="0" err="1">
                 <a:solidFill>
                   <a:srgbClr val="00B0F0"/>
                 </a:solidFill>
@@ -14313,14 +12058,14 @@
               <a:t>hei</a:t>
             </a:r>
             <a:r>
-              <a:rPr lang="en-US" altLang="zh-CN" sz="1634" b="1" dirty="0">
+              <a:rPr lang="en-US" altLang="zh-CN" sz="2000" b="1" dirty="0">
                 <a:solidFill>
                   <a:srgbClr val="00B0F0"/>
                 </a:solidFill>
               </a:rPr>
               <a:t> = 1.0);</a:t>
             </a:r>
-            <a:endParaRPr lang="zh-CN" altLang="en-US" sz="2087" b="1" dirty="0">
+            <a:endParaRPr lang="zh-CN" altLang="en-US" sz="2000" b="1" dirty="0">
               <a:solidFill>
                 <a:srgbClr val="00B0F0"/>
               </a:solidFill>
@@ -14337,7 +12082,7 @@
         <p:spPr>
           <a:xfrm>
             <a:off x="671801" y="4932092"/>
-            <a:ext cx="10867327" cy="664990"/>
+            <a:ext cx="10867327" cy="721288"/>
           </a:xfrm>
           <a:prstGeom prst="rect">
             <a:avLst/>
@@ -14382,9 +12127,17 @@
                   <a:srgbClr val="00B0F0"/>
                 </a:solidFill>
               </a:rPr>
-              <a:t>                               Box( );</a:t>
-            </a:r>
-            <a:endParaRPr lang="zh-CN" altLang="en-US" sz="2087" b="1" dirty="0">
+              <a:t>                               </a:t>
+            </a:r>
+            <a:r>
+              <a:rPr lang="en-US" altLang="zh-CN" sz="2000" b="1" dirty="0">
+                <a:solidFill>
+                  <a:srgbClr val="00B0F0"/>
+                </a:solidFill>
+              </a:rPr>
+              <a:t>Box( );</a:t>
+            </a:r>
+            <a:endParaRPr lang="zh-CN" altLang="en-US" sz="2000" b="1" dirty="0">
               <a:solidFill>
                 <a:srgbClr val="00B0F0"/>
               </a:solidFill>
@@ -14689,7 +12442,7 @@
 </p:sld>
 </file>
 
-<file path=ppt/slides/slide9.xml><?xml version="1.0" encoding="utf-8"?>
+<file path=ppt/slides/slide7.xml><?xml version="1.0" encoding="utf-8"?>
 <p:sld xmlns:a="http://schemas.openxmlformats.org/drawingml/2006/main" xmlns:r="http://schemas.openxmlformats.org/officeDocument/2006/relationships" xmlns:p="http://schemas.openxmlformats.org/presentationml/2006/main">
   <p:cSld>
     <p:spTree>
@@ -14744,8 +12497,8 @@
         </p:nvSpPr>
         <p:spPr>
           <a:xfrm>
-            <a:off x="1354303" y="506132"/>
-            <a:ext cx="2679323" cy="539250"/>
+            <a:off x="1419336" y="470774"/>
+            <a:ext cx="2928622" cy="584775"/>
           </a:xfrm>
           <a:prstGeom prst="rect">
             <a:avLst/>
@@ -14759,14 +12512,14 @@
           <a:lstStyle/>
           <a:p>
             <a:r>
-              <a:rPr lang="en-US" altLang="zh-CN" sz="2904" b="1" dirty="0">
+              <a:rPr lang="en-US" altLang="zh-CN" sz="3200" b="1" dirty="0">
                 <a:solidFill>
                   <a:prstClr val="black"/>
                 </a:solidFill>
               </a:rPr>
               <a:t>Creating objects</a:t>
             </a:r>
-            <a:endParaRPr lang="zh-CN" altLang="en-US" sz="2904" b="1" dirty="0">
+            <a:endParaRPr lang="zh-CN" altLang="en-US" sz="3200" b="1" dirty="0">
               <a:solidFill>
                 <a:prstClr val="black"/>
               </a:solidFill>
@@ -14840,23 +12593,7 @@
                   <a:prstClr val="black"/>
                 </a:solidFill>
               </a:rPr>
-              <a:t>You shouldn’t be misled by implicit form of the </a:t>
-            </a:r>
-            <a:r>
-              <a:rPr lang="en-US" altLang="zh-CN" sz="2400" dirty="0" err="1">
-                <a:solidFill>
-                  <a:prstClr val="black"/>
-                </a:solidFill>
-              </a:rPr>
-              <a:t>nondefault</a:t>
-            </a:r>
-            <a:r>
-              <a:rPr lang="en-US" altLang="zh-CN" sz="2400" dirty="0">
-                <a:solidFill>
-                  <a:prstClr val="black"/>
-                </a:solidFill>
-              </a:rPr>
-              <a:t> constructor.</a:t>
+              <a:t>You shouldn’t be misled by implicit form of the non-default constructor.</a:t>
             </a:r>
             <a:endParaRPr lang="zh-CN" altLang="en-US" sz="2400" dirty="0">
               <a:solidFill>
@@ -15351,6 +13088,1724 @@
     <p:bldLst>
       <p:bldP spid="5" grpId="0"/>
       <p:bldP spid="14" grpId="0"/>
+    </p:bldLst>
+  </p:timing>
+</p:sld>
+</file>
+
+<file path=ppt/slides/slide8.xml><?xml version="1.0" encoding="utf-8"?>
+<p:sld xmlns:a="http://schemas.openxmlformats.org/drawingml/2006/main" xmlns:r="http://schemas.openxmlformats.org/officeDocument/2006/relationships" xmlns:p="http://schemas.openxmlformats.org/presentationml/2006/main">
+  <p:cSld>
+    <p:spTree>
+      <p:nvGrpSpPr>
+        <p:cNvPr id="1" name=""/>
+        <p:cNvGrpSpPr/>
+        <p:nvPr/>
+      </p:nvGrpSpPr>
+      <p:grpSpPr>
+        <a:xfrm>
+          <a:off x="0" y="0"/>
+          <a:ext cx="0" cy="0"/>
+          <a:chOff x="0" y="0"/>
+          <a:chExt cx="0" cy="0"/>
+        </a:xfrm>
+      </p:grpSpPr>
+      <p:sp>
+        <p:nvSpPr>
+          <p:cNvPr id="2" name="TextBox 1"/>
+          <p:cNvSpPr txBox="1"/>
+          <p:nvPr/>
+        </p:nvSpPr>
+        <p:spPr>
+          <a:xfrm>
+            <a:off x="1570871" y="311807"/>
+            <a:ext cx="3186257" cy="584775"/>
+          </a:xfrm>
+          <a:prstGeom prst="rect">
+            <a:avLst/>
+          </a:prstGeom>
+          <a:noFill/>
+        </p:spPr>
+        <p:txBody>
+          <a:bodyPr wrap="none" rtlCol="0">
+            <a:spAutoFit/>
+          </a:bodyPr>
+          <a:lstStyle/>
+          <a:p>
+            <a:r>
+              <a:rPr lang="en-US" altLang="zh-CN" sz="3200" b="1" dirty="0"/>
+              <a:t> Class Destructors</a:t>
+            </a:r>
+            <a:endParaRPr lang="zh-CN" altLang="en-US" sz="3200" b="1" dirty="0"/>
+          </a:p>
+        </p:txBody>
+      </p:sp>
+      <p:sp>
+        <p:nvSpPr>
+          <p:cNvPr id="8" name="TextBox 7"/>
+          <p:cNvSpPr txBox="1"/>
+          <p:nvPr/>
+        </p:nvSpPr>
+        <p:spPr>
+          <a:xfrm>
+            <a:off x="1491646" y="1725299"/>
+            <a:ext cx="9911460" cy="1938992"/>
+          </a:xfrm>
+          <a:prstGeom prst="rect">
+            <a:avLst/>
+          </a:prstGeom>
+          <a:noFill/>
+        </p:spPr>
+        <p:txBody>
+          <a:bodyPr wrap="square" rtlCol="0">
+            <a:spAutoFit/>
+          </a:bodyPr>
+          <a:lstStyle/>
+          <a:p>
+            <a:r>
+              <a:rPr lang="en-US" altLang="zh-CN" sz="2000" dirty="0">
+                <a:solidFill>
+                  <a:srgbClr val="FF0000"/>
+                </a:solidFill>
+              </a:rPr>
+              <a:t>1.A destructor name is the same as the </a:t>
+            </a:r>
+            <a:r>
+              <a:rPr lang="en-US" altLang="zh-CN" sz="2000" dirty="0" err="1">
+                <a:solidFill>
+                  <a:srgbClr val="FF0000"/>
+                </a:solidFill>
+              </a:rPr>
+              <a:t>classname</a:t>
+            </a:r>
+            <a:r>
+              <a:rPr lang="en-US" altLang="zh-CN" sz="2000" dirty="0">
+                <a:solidFill>
+                  <a:srgbClr val="FF0000"/>
+                </a:solidFill>
+              </a:rPr>
+              <a:t> but begins with tilde(~) sign.</a:t>
+            </a:r>
+          </a:p>
+          <a:p>
+            <a:r>
+              <a:rPr lang="en-US" altLang="zh-CN" sz="2000" dirty="0">
+                <a:solidFill>
+                  <a:srgbClr val="FF0000"/>
+                </a:solidFill>
+              </a:rPr>
+              <a:t>2. Destructor has no return value.</a:t>
+            </a:r>
+          </a:p>
+          <a:p>
+            <a:r>
+              <a:rPr lang="en-US" altLang="zh-CN" sz="2000" dirty="0">
+                <a:solidFill>
+                  <a:srgbClr val="FF0000"/>
+                </a:solidFill>
+              </a:rPr>
+              <a:t>3. A destructor has no arguments.</a:t>
+            </a:r>
+          </a:p>
+          <a:p>
+            <a:r>
+              <a:rPr lang="en-US" altLang="zh-CN" sz="2000" dirty="0">
+                <a:solidFill>
+                  <a:srgbClr val="FF0000"/>
+                </a:solidFill>
+              </a:rPr>
+              <a:t>4. There can be only one destructor in a class.</a:t>
+            </a:r>
+          </a:p>
+          <a:p>
+            <a:r>
+              <a:rPr lang="en-US" altLang="zh-CN" sz="2000" dirty="0">
+                <a:solidFill>
+                  <a:srgbClr val="FF0000"/>
+                </a:solidFill>
+              </a:rPr>
+              <a:t>5. The compiler always creates a default destructor if you fail to provide one for a class.</a:t>
+            </a:r>
+          </a:p>
+          <a:p>
+            <a:r>
+              <a:rPr lang="en-US" altLang="zh-CN" sz="2000" dirty="0">
+                <a:solidFill>
+                  <a:srgbClr val="FF0000"/>
+                </a:solidFill>
+              </a:rPr>
+              <a:t>6. Invoke when an object goes out of scope or the delete is applied to a pointer to the object.</a:t>
+            </a:r>
+            <a:endParaRPr lang="zh-CN" altLang="en-US" sz="2000" dirty="0">
+              <a:solidFill>
+                <a:srgbClr val="FF0000"/>
+              </a:solidFill>
+            </a:endParaRPr>
+          </a:p>
+        </p:txBody>
+      </p:sp>
+      <p:sp>
+        <p:nvSpPr>
+          <p:cNvPr id="9" name="TextBox 8"/>
+          <p:cNvSpPr txBox="1"/>
+          <p:nvPr/>
+        </p:nvSpPr>
+        <p:spPr>
+          <a:xfrm>
+            <a:off x="1183773" y="4227039"/>
+            <a:ext cx="10057536" cy="818686"/>
+          </a:xfrm>
+          <a:prstGeom prst="rect">
+            <a:avLst/>
+          </a:prstGeom>
+          <a:noFill/>
+        </p:spPr>
+        <p:txBody>
+          <a:bodyPr wrap="square" rtlCol="0">
+            <a:spAutoFit/>
+          </a:bodyPr>
+          <a:lstStyle/>
+          <a:p>
+            <a:pPr marL="0" lvl="1"/>
+            <a:r>
+              <a:rPr lang="en-US" altLang="zh-CN" sz="2360" dirty="0"/>
+              <a:t>Destructor can be very useful for </a:t>
+            </a:r>
+            <a:r>
+              <a:rPr lang="en-US" altLang="zh-CN" sz="2360" dirty="0">
+                <a:solidFill>
+                  <a:srgbClr val="FF0000"/>
+                </a:solidFill>
+              </a:rPr>
+              <a:t>releasing resource </a:t>
+            </a:r>
+            <a:r>
+              <a:rPr lang="en-US" altLang="zh-CN" sz="2360" dirty="0"/>
+              <a:t>before coming out of the program like closing files, releasing memories etc.</a:t>
+            </a:r>
+          </a:p>
+        </p:txBody>
+      </p:sp>
+      <p:sp>
+        <p:nvSpPr>
+          <p:cNvPr id="10" name="TextBox 7">
+            <a:extLst>
+              <a:ext uri="{FF2B5EF4-FFF2-40B4-BE49-F238E27FC236}">
+                <a16:creationId xmlns:a16="http://schemas.microsoft.com/office/drawing/2014/main" id="{6CAA1DD5-7D9F-4114-AB6A-79DB7ECA7AE1}"/>
+              </a:ext>
+            </a:extLst>
+          </p:cNvPr>
+          <p:cNvSpPr txBox="1"/>
+          <p:nvPr/>
+        </p:nvSpPr>
+        <p:spPr>
+          <a:xfrm>
+            <a:off x="1257629" y="1021427"/>
+            <a:ext cx="6692794" cy="461665"/>
+          </a:xfrm>
+          <a:prstGeom prst="rect">
+            <a:avLst/>
+          </a:prstGeom>
+          <a:noFill/>
+        </p:spPr>
+        <p:txBody>
+          <a:bodyPr wrap="none" rtlCol="0">
+            <a:spAutoFit/>
+          </a:bodyPr>
+          <a:lstStyle/>
+          <a:p>
+            <a:pPr marL="0" lvl="1"/>
+            <a:r>
+              <a:rPr lang="en-US" altLang="zh-CN" sz="2400" dirty="0"/>
+              <a:t>A class destructor is also a special member function:</a:t>
+            </a:r>
+            <a:endParaRPr lang="zh-CN" altLang="zh-CN" sz="2400" dirty="0"/>
+          </a:p>
+        </p:txBody>
+      </p:sp>
+      <p:sp>
+        <p:nvSpPr>
+          <p:cNvPr id="6" name="文本框 5">
+            <a:extLst>
+              <a:ext uri="{FF2B5EF4-FFF2-40B4-BE49-F238E27FC236}">
+                <a16:creationId xmlns:a16="http://schemas.microsoft.com/office/drawing/2014/main" id="{4B6AED93-4A71-48F3-AE88-5738F3276C4F}"/>
+              </a:ext>
+            </a:extLst>
+          </p:cNvPr>
+          <p:cNvSpPr txBox="1"/>
+          <p:nvPr/>
+        </p:nvSpPr>
+        <p:spPr>
+          <a:xfrm>
+            <a:off x="1183773" y="5374908"/>
+            <a:ext cx="5786456" cy="461665"/>
+          </a:xfrm>
+          <a:prstGeom prst="rect">
+            <a:avLst/>
+          </a:prstGeom>
+          <a:noFill/>
+        </p:spPr>
+        <p:txBody>
+          <a:bodyPr wrap="none" rtlCol="0">
+            <a:spAutoFit/>
+          </a:bodyPr>
+          <a:lstStyle/>
+          <a:p>
+            <a:r>
+              <a:rPr lang="en-US" altLang="zh-CN" sz="2400" dirty="0" err="1">
+                <a:solidFill>
+                  <a:srgbClr val="FF0000"/>
+                </a:solidFill>
+              </a:rPr>
+              <a:t>Note</a:t>
+            </a:r>
+            <a:r>
+              <a:rPr lang="en-US" altLang="zh-CN" sz="2400" dirty="0" err="1"/>
+              <a:t>:The</a:t>
+            </a:r>
+            <a:r>
+              <a:rPr lang="en-US" altLang="zh-CN" sz="2400" dirty="0"/>
+              <a:t> destructor can not be overloaded.</a:t>
+            </a:r>
+            <a:endParaRPr lang="zh-CN" altLang="en-US" sz="2400" dirty="0"/>
+          </a:p>
+        </p:txBody>
+      </p:sp>
+    </p:spTree>
+    <p:extLst>
+      <p:ext uri="{BB962C8B-B14F-4D97-AF65-F5344CB8AC3E}">
+        <p14:creationId xmlns:p14="http://schemas.microsoft.com/office/powerpoint/2010/main" val="1973587475"/>
+      </p:ext>
+    </p:extLst>
+  </p:cSld>
+  <p:clrMapOvr>
+    <a:masterClrMapping/>
+  </p:clrMapOvr>
+  <p:timing>
+    <p:tnLst>
+      <p:par>
+        <p:cTn id="1" dur="indefinite" restart="never" nodeType="tmRoot">
+          <p:childTnLst>
+            <p:seq concurrent="1" nextAc="seek">
+              <p:cTn id="2" dur="indefinite" nodeType="mainSeq">
+                <p:childTnLst>
+                  <p:par>
+                    <p:cTn id="3" fill="hold">
+                      <p:stCondLst>
+                        <p:cond delay="indefinite"/>
+                      </p:stCondLst>
+                      <p:childTnLst>
+                        <p:par>
+                          <p:cTn id="4" fill="hold">
+                            <p:stCondLst>
+                              <p:cond delay="0"/>
+                            </p:stCondLst>
+                            <p:childTnLst>
+                              <p:par>
+                                <p:cTn id="5" presetID="1" presetClass="entr" presetSubtype="0" fill="hold" grpId="0" nodeType="clickEffect">
+                                  <p:stCondLst>
+                                    <p:cond delay="0"/>
+                                  </p:stCondLst>
+                                  <p:childTnLst>
+                                    <p:set>
+                                      <p:cBhvr>
+                                        <p:cTn id="6" dur="1" fill="hold">
+                                          <p:stCondLst>
+                                            <p:cond delay="0"/>
+                                          </p:stCondLst>
+                                        </p:cTn>
+                                        <p:tgtEl>
+                                          <p:spTgt spid="10"/>
+                                        </p:tgtEl>
+                                        <p:attrNameLst>
+                                          <p:attrName>style.visibility</p:attrName>
+                                        </p:attrNameLst>
+                                      </p:cBhvr>
+                                      <p:to>
+                                        <p:strVal val="visible"/>
+                                      </p:to>
+                                    </p:set>
+                                  </p:childTnLst>
+                                </p:cTn>
+                              </p:par>
+                            </p:childTnLst>
+                          </p:cTn>
+                        </p:par>
+                      </p:childTnLst>
+                    </p:cTn>
+                  </p:par>
+                  <p:par>
+                    <p:cTn id="7" fill="hold">
+                      <p:stCondLst>
+                        <p:cond delay="indefinite"/>
+                      </p:stCondLst>
+                      <p:childTnLst>
+                        <p:par>
+                          <p:cTn id="8" fill="hold">
+                            <p:stCondLst>
+                              <p:cond delay="0"/>
+                            </p:stCondLst>
+                            <p:childTnLst>
+                              <p:par>
+                                <p:cTn id="9" presetID="1" presetClass="entr" presetSubtype="0" fill="hold" nodeType="clickEffect">
+                                  <p:stCondLst>
+                                    <p:cond delay="0"/>
+                                  </p:stCondLst>
+                                  <p:childTnLst>
+                                    <p:set>
+                                      <p:cBhvr>
+                                        <p:cTn id="10" dur="1" fill="hold">
+                                          <p:stCondLst>
+                                            <p:cond delay="0"/>
+                                          </p:stCondLst>
+                                        </p:cTn>
+                                        <p:tgtEl>
+                                          <p:spTgt spid="8">
+                                            <p:txEl>
+                                              <p:pRg st="0" end="0"/>
+                                            </p:txEl>
+                                          </p:spTgt>
+                                        </p:tgtEl>
+                                        <p:attrNameLst>
+                                          <p:attrName>style.visibility</p:attrName>
+                                        </p:attrNameLst>
+                                      </p:cBhvr>
+                                      <p:to>
+                                        <p:strVal val="visible"/>
+                                      </p:to>
+                                    </p:set>
+                                  </p:childTnLst>
+                                </p:cTn>
+                              </p:par>
+                            </p:childTnLst>
+                          </p:cTn>
+                        </p:par>
+                      </p:childTnLst>
+                    </p:cTn>
+                  </p:par>
+                  <p:par>
+                    <p:cTn id="11" fill="hold">
+                      <p:stCondLst>
+                        <p:cond delay="indefinite"/>
+                      </p:stCondLst>
+                      <p:childTnLst>
+                        <p:par>
+                          <p:cTn id="12" fill="hold">
+                            <p:stCondLst>
+                              <p:cond delay="0"/>
+                            </p:stCondLst>
+                            <p:childTnLst>
+                              <p:par>
+                                <p:cTn id="13" presetID="1" presetClass="entr" presetSubtype="0" fill="hold" nodeType="clickEffect">
+                                  <p:stCondLst>
+                                    <p:cond delay="0"/>
+                                  </p:stCondLst>
+                                  <p:childTnLst>
+                                    <p:set>
+                                      <p:cBhvr>
+                                        <p:cTn id="14" dur="1" fill="hold">
+                                          <p:stCondLst>
+                                            <p:cond delay="0"/>
+                                          </p:stCondLst>
+                                        </p:cTn>
+                                        <p:tgtEl>
+                                          <p:spTgt spid="8">
+                                            <p:txEl>
+                                              <p:pRg st="1" end="1"/>
+                                            </p:txEl>
+                                          </p:spTgt>
+                                        </p:tgtEl>
+                                        <p:attrNameLst>
+                                          <p:attrName>style.visibility</p:attrName>
+                                        </p:attrNameLst>
+                                      </p:cBhvr>
+                                      <p:to>
+                                        <p:strVal val="visible"/>
+                                      </p:to>
+                                    </p:set>
+                                  </p:childTnLst>
+                                </p:cTn>
+                              </p:par>
+                            </p:childTnLst>
+                          </p:cTn>
+                        </p:par>
+                      </p:childTnLst>
+                    </p:cTn>
+                  </p:par>
+                  <p:par>
+                    <p:cTn id="15" fill="hold">
+                      <p:stCondLst>
+                        <p:cond delay="indefinite"/>
+                      </p:stCondLst>
+                      <p:childTnLst>
+                        <p:par>
+                          <p:cTn id="16" fill="hold">
+                            <p:stCondLst>
+                              <p:cond delay="0"/>
+                            </p:stCondLst>
+                            <p:childTnLst>
+                              <p:par>
+                                <p:cTn id="17" presetID="1" presetClass="entr" presetSubtype="0" fill="hold" nodeType="clickEffect">
+                                  <p:stCondLst>
+                                    <p:cond delay="0"/>
+                                  </p:stCondLst>
+                                  <p:childTnLst>
+                                    <p:set>
+                                      <p:cBhvr>
+                                        <p:cTn id="18" dur="1" fill="hold">
+                                          <p:stCondLst>
+                                            <p:cond delay="0"/>
+                                          </p:stCondLst>
+                                        </p:cTn>
+                                        <p:tgtEl>
+                                          <p:spTgt spid="8">
+                                            <p:txEl>
+                                              <p:pRg st="2" end="2"/>
+                                            </p:txEl>
+                                          </p:spTgt>
+                                        </p:tgtEl>
+                                        <p:attrNameLst>
+                                          <p:attrName>style.visibility</p:attrName>
+                                        </p:attrNameLst>
+                                      </p:cBhvr>
+                                      <p:to>
+                                        <p:strVal val="visible"/>
+                                      </p:to>
+                                    </p:set>
+                                  </p:childTnLst>
+                                </p:cTn>
+                              </p:par>
+                            </p:childTnLst>
+                          </p:cTn>
+                        </p:par>
+                      </p:childTnLst>
+                    </p:cTn>
+                  </p:par>
+                  <p:par>
+                    <p:cTn id="19" fill="hold">
+                      <p:stCondLst>
+                        <p:cond delay="indefinite"/>
+                      </p:stCondLst>
+                      <p:childTnLst>
+                        <p:par>
+                          <p:cTn id="20" fill="hold">
+                            <p:stCondLst>
+                              <p:cond delay="0"/>
+                            </p:stCondLst>
+                            <p:childTnLst>
+                              <p:par>
+                                <p:cTn id="21" presetID="1" presetClass="entr" presetSubtype="0" fill="hold" nodeType="clickEffect">
+                                  <p:stCondLst>
+                                    <p:cond delay="0"/>
+                                  </p:stCondLst>
+                                  <p:childTnLst>
+                                    <p:set>
+                                      <p:cBhvr>
+                                        <p:cTn id="22" dur="1" fill="hold">
+                                          <p:stCondLst>
+                                            <p:cond delay="0"/>
+                                          </p:stCondLst>
+                                        </p:cTn>
+                                        <p:tgtEl>
+                                          <p:spTgt spid="8">
+                                            <p:txEl>
+                                              <p:pRg st="3" end="3"/>
+                                            </p:txEl>
+                                          </p:spTgt>
+                                        </p:tgtEl>
+                                        <p:attrNameLst>
+                                          <p:attrName>style.visibility</p:attrName>
+                                        </p:attrNameLst>
+                                      </p:cBhvr>
+                                      <p:to>
+                                        <p:strVal val="visible"/>
+                                      </p:to>
+                                    </p:set>
+                                  </p:childTnLst>
+                                </p:cTn>
+                              </p:par>
+                            </p:childTnLst>
+                          </p:cTn>
+                        </p:par>
+                      </p:childTnLst>
+                    </p:cTn>
+                  </p:par>
+                  <p:par>
+                    <p:cTn id="23" fill="hold">
+                      <p:stCondLst>
+                        <p:cond delay="indefinite"/>
+                      </p:stCondLst>
+                      <p:childTnLst>
+                        <p:par>
+                          <p:cTn id="24" fill="hold">
+                            <p:stCondLst>
+                              <p:cond delay="0"/>
+                            </p:stCondLst>
+                            <p:childTnLst>
+                              <p:par>
+                                <p:cTn id="25" presetID="1" presetClass="entr" presetSubtype="0" fill="hold" nodeType="clickEffect">
+                                  <p:stCondLst>
+                                    <p:cond delay="0"/>
+                                  </p:stCondLst>
+                                  <p:childTnLst>
+                                    <p:set>
+                                      <p:cBhvr>
+                                        <p:cTn id="26" dur="1" fill="hold">
+                                          <p:stCondLst>
+                                            <p:cond delay="0"/>
+                                          </p:stCondLst>
+                                        </p:cTn>
+                                        <p:tgtEl>
+                                          <p:spTgt spid="8">
+                                            <p:txEl>
+                                              <p:pRg st="4" end="4"/>
+                                            </p:txEl>
+                                          </p:spTgt>
+                                        </p:tgtEl>
+                                        <p:attrNameLst>
+                                          <p:attrName>style.visibility</p:attrName>
+                                        </p:attrNameLst>
+                                      </p:cBhvr>
+                                      <p:to>
+                                        <p:strVal val="visible"/>
+                                      </p:to>
+                                    </p:set>
+                                  </p:childTnLst>
+                                </p:cTn>
+                              </p:par>
+                            </p:childTnLst>
+                          </p:cTn>
+                        </p:par>
+                      </p:childTnLst>
+                    </p:cTn>
+                  </p:par>
+                  <p:par>
+                    <p:cTn id="27" fill="hold">
+                      <p:stCondLst>
+                        <p:cond delay="indefinite"/>
+                      </p:stCondLst>
+                      <p:childTnLst>
+                        <p:par>
+                          <p:cTn id="28" fill="hold">
+                            <p:stCondLst>
+                              <p:cond delay="0"/>
+                            </p:stCondLst>
+                            <p:childTnLst>
+                              <p:par>
+                                <p:cTn id="29" presetID="1" presetClass="entr" presetSubtype="0" fill="hold" nodeType="clickEffect">
+                                  <p:stCondLst>
+                                    <p:cond delay="0"/>
+                                  </p:stCondLst>
+                                  <p:childTnLst>
+                                    <p:set>
+                                      <p:cBhvr>
+                                        <p:cTn id="30" dur="1" fill="hold">
+                                          <p:stCondLst>
+                                            <p:cond delay="0"/>
+                                          </p:stCondLst>
+                                        </p:cTn>
+                                        <p:tgtEl>
+                                          <p:spTgt spid="8">
+                                            <p:txEl>
+                                              <p:pRg st="5" end="5"/>
+                                            </p:txEl>
+                                          </p:spTgt>
+                                        </p:tgtEl>
+                                        <p:attrNameLst>
+                                          <p:attrName>style.visibility</p:attrName>
+                                        </p:attrNameLst>
+                                      </p:cBhvr>
+                                      <p:to>
+                                        <p:strVal val="visible"/>
+                                      </p:to>
+                                    </p:set>
+                                  </p:childTnLst>
+                                </p:cTn>
+                              </p:par>
+                            </p:childTnLst>
+                          </p:cTn>
+                        </p:par>
+                      </p:childTnLst>
+                    </p:cTn>
+                  </p:par>
+                  <p:par>
+                    <p:cTn id="31" fill="hold">
+                      <p:stCondLst>
+                        <p:cond delay="indefinite"/>
+                      </p:stCondLst>
+                      <p:childTnLst>
+                        <p:par>
+                          <p:cTn id="32" fill="hold">
+                            <p:stCondLst>
+                              <p:cond delay="0"/>
+                            </p:stCondLst>
+                            <p:childTnLst>
+                              <p:par>
+                                <p:cTn id="33" presetID="1" presetClass="entr" presetSubtype="0" fill="hold" grpId="0" nodeType="clickEffect">
+                                  <p:stCondLst>
+                                    <p:cond delay="0"/>
+                                  </p:stCondLst>
+                                  <p:childTnLst>
+                                    <p:set>
+                                      <p:cBhvr>
+                                        <p:cTn id="34" dur="1" fill="hold">
+                                          <p:stCondLst>
+                                            <p:cond delay="0"/>
+                                          </p:stCondLst>
+                                        </p:cTn>
+                                        <p:tgtEl>
+                                          <p:spTgt spid="9"/>
+                                        </p:tgtEl>
+                                        <p:attrNameLst>
+                                          <p:attrName>style.visibility</p:attrName>
+                                        </p:attrNameLst>
+                                      </p:cBhvr>
+                                      <p:to>
+                                        <p:strVal val="visible"/>
+                                      </p:to>
+                                    </p:set>
+                                  </p:childTnLst>
+                                </p:cTn>
+                              </p:par>
+                            </p:childTnLst>
+                          </p:cTn>
+                        </p:par>
+                      </p:childTnLst>
+                    </p:cTn>
+                  </p:par>
+                  <p:par>
+                    <p:cTn id="35" fill="hold">
+                      <p:stCondLst>
+                        <p:cond delay="indefinite"/>
+                      </p:stCondLst>
+                      <p:childTnLst>
+                        <p:par>
+                          <p:cTn id="36" fill="hold">
+                            <p:stCondLst>
+                              <p:cond delay="0"/>
+                            </p:stCondLst>
+                            <p:childTnLst>
+                              <p:par>
+                                <p:cTn id="37" presetID="1" presetClass="entr" presetSubtype="0" fill="hold" grpId="0" nodeType="clickEffect">
+                                  <p:stCondLst>
+                                    <p:cond delay="0"/>
+                                  </p:stCondLst>
+                                  <p:childTnLst>
+                                    <p:set>
+                                      <p:cBhvr>
+                                        <p:cTn id="38" dur="1" fill="hold">
+                                          <p:stCondLst>
+                                            <p:cond delay="0"/>
+                                          </p:stCondLst>
+                                        </p:cTn>
+                                        <p:tgtEl>
+                                          <p:spTgt spid="6"/>
+                                        </p:tgtEl>
+                                        <p:attrNameLst>
+                                          <p:attrName>style.visibility</p:attrName>
+                                        </p:attrNameLst>
+                                      </p:cBhvr>
+                                      <p:to>
+                                        <p:strVal val="visible"/>
+                                      </p:to>
+                                    </p:set>
+                                  </p:childTnLst>
+                                </p:cTn>
+                              </p:par>
+                            </p:childTnLst>
+                          </p:cTn>
+                        </p:par>
+                      </p:childTnLst>
+                    </p:cTn>
+                  </p:par>
+                </p:childTnLst>
+              </p:cTn>
+              <p:prevCondLst>
+                <p:cond evt="onPrev" delay="0">
+                  <p:tgtEl>
+                    <p:sldTgt/>
+                  </p:tgtEl>
+                </p:cond>
+              </p:prevCondLst>
+              <p:nextCondLst>
+                <p:cond evt="onNext" delay="0">
+                  <p:tgtEl>
+                    <p:sldTgt/>
+                  </p:tgtEl>
+                </p:cond>
+              </p:nextCondLst>
+            </p:seq>
+          </p:childTnLst>
+        </p:cTn>
+      </p:par>
+    </p:tnLst>
+    <p:bldLst>
+      <p:bldP spid="9" grpId="0"/>
+      <p:bldP spid="10" grpId="0"/>
+      <p:bldP spid="6" grpId="0"/>
+    </p:bldLst>
+  </p:timing>
+</p:sld>
+</file>
+
+<file path=ppt/slides/slide9.xml><?xml version="1.0" encoding="utf-8"?>
+<p:sld xmlns:a="http://schemas.openxmlformats.org/drawingml/2006/main" xmlns:r="http://schemas.openxmlformats.org/officeDocument/2006/relationships" xmlns:p="http://schemas.openxmlformats.org/presentationml/2006/main">
+  <p:cSld>
+    <p:spTree>
+      <p:nvGrpSpPr>
+        <p:cNvPr id="1" name=""/>
+        <p:cNvGrpSpPr/>
+        <p:nvPr/>
+      </p:nvGrpSpPr>
+      <p:grpSpPr>
+        <a:xfrm>
+          <a:off x="0" y="0"/>
+          <a:ext cx="0" cy="0"/>
+          <a:chOff x="0" y="0"/>
+          <a:chExt cx="0" cy="0"/>
+        </a:xfrm>
+      </p:grpSpPr>
+      <p:pic>
+        <p:nvPicPr>
+          <p:cNvPr id="17" name="图片 16">
+            <a:extLst>
+              <a:ext uri="{FF2B5EF4-FFF2-40B4-BE49-F238E27FC236}">
+                <a16:creationId xmlns:a16="http://schemas.microsoft.com/office/drawing/2014/main" id="{0CC83757-A65C-D0CD-4EE2-A04CB9F1205F}"/>
+              </a:ext>
+            </a:extLst>
+          </p:cNvPr>
+          <p:cNvPicPr>
+            <a:picLocks noChangeAspect="1"/>
+          </p:cNvPicPr>
+          <p:nvPr/>
+        </p:nvPicPr>
+        <p:blipFill>
+          <a:blip r:embed="rId2"/>
+          <a:stretch>
+            <a:fillRect/>
+          </a:stretch>
+        </p:blipFill>
+        <p:spPr>
+          <a:xfrm>
+            <a:off x="1375203" y="3018714"/>
+            <a:ext cx="9903402" cy="3623196"/>
+          </a:xfrm>
+          <a:prstGeom prst="rect">
+            <a:avLst/>
+          </a:prstGeom>
+        </p:spPr>
+      </p:pic>
+      <p:sp>
+        <p:nvSpPr>
+          <p:cNvPr id="2" name="标题 1"/>
+          <p:cNvSpPr>
+            <a:spLocks noGrp="1"/>
+          </p:cNvSpPr>
+          <p:nvPr>
+            <p:ph type="title"/>
+          </p:nvPr>
+        </p:nvSpPr>
+        <p:spPr/>
+        <p:txBody>
+          <a:bodyPr>
+            <a:normAutofit/>
+          </a:bodyPr>
+          <a:lstStyle/>
+          <a:p>
+            <a:r>
+              <a:rPr lang="en-US" altLang="zh-CN" sz="3200" b="1" dirty="0">
+                <a:sym typeface="+mn-ea"/>
+              </a:rPr>
+              <a:t>Static member variables</a:t>
+            </a:r>
+            <a:endParaRPr lang="zh-CN" altLang="en-US" sz="3200" b="1" dirty="0"/>
+          </a:p>
+        </p:txBody>
+      </p:sp>
+      <p:sp>
+        <p:nvSpPr>
+          <p:cNvPr id="9" name="文本框 8">
+            <a:extLst>
+              <a:ext uri="{FF2B5EF4-FFF2-40B4-BE49-F238E27FC236}">
+                <a16:creationId xmlns:a16="http://schemas.microsoft.com/office/drawing/2014/main" id="{EA915B11-5495-48FC-9A53-7D1E8BDA487D}"/>
+              </a:ext>
+            </a:extLst>
+          </p:cNvPr>
+          <p:cNvSpPr txBox="1"/>
+          <p:nvPr/>
+        </p:nvSpPr>
+        <p:spPr>
+          <a:xfrm>
+            <a:off x="1010833" y="1112317"/>
+            <a:ext cx="10632141" cy="1938992"/>
+          </a:xfrm>
+          <a:prstGeom prst="rect">
+            <a:avLst/>
+          </a:prstGeom>
+          <a:noFill/>
+        </p:spPr>
+        <p:txBody>
+          <a:bodyPr wrap="square">
+            <a:spAutoFit/>
+          </a:bodyPr>
+          <a:lstStyle/>
+          <a:p>
+            <a:pPr lvl="0"/>
+            <a:r>
+              <a:rPr lang="en-US" altLang="zh-CN" sz="2400" dirty="0">
+                <a:solidFill>
+                  <a:prstClr val="black"/>
+                </a:solidFill>
+                <a:latin typeface="Calibri"/>
+                <a:ea typeface="宋体" panose="02010600030101010101" pitchFamily="2" charset="-122"/>
+              </a:rPr>
+              <a:t>The static member variables in a class are shared by all the class objects as there is only one copy of them in the memory, regardless of the number of objects of the class.</a:t>
+            </a:r>
+            <a:r>
+              <a:rPr kumimoji="0" lang="en-US" altLang="zh-CN" sz="2400" b="0" i="0" u="none" strike="noStrike" kern="1200" cap="none" spc="0" normalizeH="0" baseline="0" noProof="0" dirty="0">
+                <a:ln>
+                  <a:noFill/>
+                </a:ln>
+                <a:solidFill>
+                  <a:prstClr val="black"/>
+                </a:solidFill>
+                <a:effectLst/>
+                <a:uLnTx/>
+                <a:uFillTx/>
+                <a:latin typeface="Calibri"/>
+                <a:ea typeface="宋体" panose="02010600030101010101" pitchFamily="2" charset="-122"/>
+                <a:cs typeface="+mn-cs"/>
+              </a:rPr>
+              <a:t>You must provide an explicit definition of that instance within a program text file. The definition looks like the global definition of an object except that its name is qualified with the class scope operator </a:t>
+            </a:r>
+            <a:r>
+              <a:rPr kumimoji="0" lang="en-US" altLang="zh-CN" sz="2400" b="1" i="0" u="none" strike="noStrike" kern="1200" cap="none" spc="0" normalizeH="0" baseline="0" noProof="0" dirty="0">
+                <a:ln>
+                  <a:noFill/>
+                </a:ln>
+                <a:solidFill>
+                  <a:srgbClr val="00B0F0"/>
+                </a:solidFill>
+                <a:effectLst/>
+                <a:uLnTx/>
+                <a:uFillTx/>
+                <a:latin typeface="Calibri"/>
+                <a:ea typeface="宋体" panose="02010600030101010101" pitchFamily="2" charset="-122"/>
+                <a:cs typeface="+mn-cs"/>
+              </a:rPr>
+              <a:t>::</a:t>
+            </a:r>
+            <a:endParaRPr kumimoji="0" lang="zh-CN" altLang="en-US" sz="2400" b="1" i="0" u="none" strike="noStrike" kern="1200" cap="none" spc="0" normalizeH="0" baseline="0" noProof="0" dirty="0">
+              <a:ln>
+                <a:noFill/>
+              </a:ln>
+              <a:solidFill>
+                <a:srgbClr val="00B0F0"/>
+              </a:solidFill>
+              <a:effectLst/>
+              <a:uLnTx/>
+              <a:uFillTx/>
+              <a:latin typeface="Calibri"/>
+              <a:ea typeface="宋体" panose="02010600030101010101" pitchFamily="2" charset="-122"/>
+              <a:cs typeface="+mn-cs"/>
+            </a:endParaRPr>
+          </a:p>
+        </p:txBody>
+      </p:sp>
+      <p:grpSp>
+        <p:nvGrpSpPr>
+          <p:cNvPr id="6" name="组合 5">
+            <a:extLst>
+              <a:ext uri="{FF2B5EF4-FFF2-40B4-BE49-F238E27FC236}">
+                <a16:creationId xmlns:a16="http://schemas.microsoft.com/office/drawing/2014/main" id="{E86D9877-62A9-4960-BB1D-9F5E8D2E3C48}"/>
+              </a:ext>
+            </a:extLst>
+          </p:cNvPr>
+          <p:cNvGrpSpPr/>
+          <p:nvPr/>
+        </p:nvGrpSpPr>
+        <p:grpSpPr>
+          <a:xfrm>
+            <a:off x="1810582" y="3595046"/>
+            <a:ext cx="7790456" cy="840890"/>
+            <a:chOff x="1284480" y="4497050"/>
+            <a:chExt cx="8583936" cy="926536"/>
+          </a:xfrm>
+        </p:grpSpPr>
+        <p:sp>
+          <p:nvSpPr>
+            <p:cNvPr id="7" name="矩形 6">
+              <a:extLst>
+                <a:ext uri="{FF2B5EF4-FFF2-40B4-BE49-F238E27FC236}">
+                  <a16:creationId xmlns:a16="http://schemas.microsoft.com/office/drawing/2014/main" id="{605AAB74-61BE-42D0-BF8C-9C0D366AC0AE}"/>
+                </a:ext>
+              </a:extLst>
+            </p:cNvPr>
+            <p:cNvSpPr/>
+            <p:nvPr/>
+          </p:nvSpPr>
+          <p:spPr>
+            <a:xfrm>
+              <a:off x="1284480" y="5097172"/>
+              <a:ext cx="2173425" cy="326414"/>
+            </a:xfrm>
+            <a:prstGeom prst="rect">
+              <a:avLst/>
+            </a:prstGeom>
+            <a:noFill/>
+            <a:ln w="19050">
+              <a:solidFill>
+                <a:srgbClr val="FF0000"/>
+              </a:solidFill>
+            </a:ln>
+          </p:spPr>
+          <p:style>
+            <a:lnRef idx="2">
+              <a:schemeClr val="accent1">
+                <a:shade val="50000"/>
+              </a:schemeClr>
+            </a:lnRef>
+            <a:fillRef idx="1">
+              <a:schemeClr val="accent1"/>
+            </a:fillRef>
+            <a:effectRef idx="0">
+              <a:schemeClr val="accent1"/>
+            </a:effectRef>
+            <a:fontRef idx="minor">
+              <a:schemeClr val="lt1"/>
+            </a:fontRef>
+          </p:style>
+          <p:txBody>
+            <a:bodyPr rtlCol="0" anchor="ctr"/>
+            <a:lstStyle/>
+            <a:p>
+              <a:pPr marL="0" marR="0" lvl="0" indent="0" algn="ctr" defTabSz="914400" rtl="0" eaLnBrk="1" fontAlgn="auto" latinLnBrk="0" hangingPunct="1">
+                <a:lnSpc>
+                  <a:spcPct val="100000"/>
+                </a:lnSpc>
+                <a:spcBef>
+                  <a:spcPts val="0"/>
+                </a:spcBef>
+                <a:spcAft>
+                  <a:spcPts val="0"/>
+                </a:spcAft>
+                <a:buClrTx/>
+                <a:buSzTx/>
+                <a:buFontTx/>
+                <a:buNone/>
+                <a:tabLst/>
+                <a:defRPr/>
+              </a:pPr>
+              <a:endParaRPr kumimoji="0" lang="zh-CN" altLang="en-US" sz="1634" b="0" i="0" u="none" strike="noStrike" kern="1200" cap="none" spc="0" normalizeH="0" baseline="0" noProof="0">
+                <a:ln>
+                  <a:noFill/>
+                </a:ln>
+                <a:solidFill>
+                  <a:prstClr val="white"/>
+                </a:solidFill>
+                <a:effectLst/>
+                <a:uLnTx/>
+                <a:uFillTx/>
+                <a:latin typeface="Calibri"/>
+                <a:ea typeface="宋体" panose="02010600030101010101" pitchFamily="2" charset="-122"/>
+                <a:cs typeface="+mn-cs"/>
+              </a:endParaRPr>
+            </a:p>
+          </p:txBody>
+        </p:sp>
+        <p:grpSp>
+          <p:nvGrpSpPr>
+            <p:cNvPr id="8" name="组合 7">
+              <a:extLst>
+                <a:ext uri="{FF2B5EF4-FFF2-40B4-BE49-F238E27FC236}">
+                  <a16:creationId xmlns:a16="http://schemas.microsoft.com/office/drawing/2014/main" id="{6EB3837D-7A81-40CF-9030-2FA96937FCE7}"/>
+                </a:ext>
+              </a:extLst>
+            </p:cNvPr>
+            <p:cNvGrpSpPr/>
+            <p:nvPr/>
+          </p:nvGrpSpPr>
+          <p:grpSpPr>
+            <a:xfrm>
+              <a:off x="3457905" y="4497050"/>
+              <a:ext cx="6410511" cy="637924"/>
+              <a:chOff x="1369251" y="3937303"/>
+              <a:chExt cx="6410511" cy="637924"/>
+            </a:xfrm>
+          </p:grpSpPr>
+          <p:cxnSp>
+            <p:nvCxnSpPr>
+              <p:cNvPr id="10" name="直接箭头连接符 9">
+                <a:extLst>
+                  <a:ext uri="{FF2B5EF4-FFF2-40B4-BE49-F238E27FC236}">
+                    <a16:creationId xmlns:a16="http://schemas.microsoft.com/office/drawing/2014/main" id="{AFC9352F-1A1D-4DB7-A63D-8DFA852D23B9}"/>
+                  </a:ext>
+                </a:extLst>
+              </p:cNvPr>
+              <p:cNvCxnSpPr>
+                <a:cxnSpLocks/>
+              </p:cNvCxnSpPr>
+              <p:nvPr/>
+            </p:nvCxnSpPr>
+            <p:spPr>
+              <a:xfrm flipH="1">
+                <a:off x="1369251" y="4258738"/>
+                <a:ext cx="467936" cy="316489"/>
+              </a:xfrm>
+              <a:prstGeom prst="straightConnector1">
+                <a:avLst/>
+              </a:prstGeom>
+              <a:ln w="19050">
+                <a:solidFill>
+                  <a:srgbClr val="FF0000"/>
+                </a:solidFill>
+                <a:tailEnd type="arrow"/>
+              </a:ln>
+            </p:spPr>
+            <p:style>
+              <a:lnRef idx="1">
+                <a:schemeClr val="accent1"/>
+              </a:lnRef>
+              <a:fillRef idx="0">
+                <a:schemeClr val="accent1"/>
+              </a:fillRef>
+              <a:effectRef idx="0">
+                <a:schemeClr val="accent1"/>
+              </a:effectRef>
+              <a:fontRef idx="minor">
+                <a:schemeClr val="tx1"/>
+              </a:fontRef>
+            </p:style>
+          </p:cxnSp>
+          <p:sp>
+            <p:nvSpPr>
+              <p:cNvPr id="11" name="TextBox 11">
+                <a:extLst>
+                  <a:ext uri="{FF2B5EF4-FFF2-40B4-BE49-F238E27FC236}">
+                    <a16:creationId xmlns:a16="http://schemas.microsoft.com/office/drawing/2014/main" id="{25EEDEF6-7FF5-4BDA-B5A3-1F61061D25CE}"/>
+                  </a:ext>
+                </a:extLst>
+              </p:cNvPr>
+              <p:cNvSpPr txBox="1"/>
+              <p:nvPr/>
+            </p:nvSpPr>
+            <p:spPr>
+              <a:xfrm>
+                <a:off x="1753520" y="3937303"/>
+                <a:ext cx="6026242" cy="378830"/>
+              </a:xfrm>
+              <a:prstGeom prst="rect">
+                <a:avLst/>
+              </a:prstGeom>
+              <a:noFill/>
+            </p:spPr>
+            <p:txBody>
+              <a:bodyPr wrap="none" rtlCol="0">
+                <a:spAutoFit/>
+              </a:bodyPr>
+              <a:lstStyle/>
+              <a:p>
+                <a:pPr marL="0" marR="0" lvl="0" indent="0" algn="l" defTabSz="914400" rtl="0" eaLnBrk="1" fontAlgn="auto" latinLnBrk="0" hangingPunct="1">
+                  <a:lnSpc>
+                    <a:spcPct val="100000"/>
+                  </a:lnSpc>
+                  <a:spcBef>
+                    <a:spcPts val="0"/>
+                  </a:spcBef>
+                  <a:spcAft>
+                    <a:spcPts val="0"/>
+                  </a:spcAft>
+                  <a:buClrTx/>
+                  <a:buSzTx/>
+                  <a:buFontTx/>
+                  <a:buNone/>
+                  <a:tabLst/>
+                  <a:defRPr/>
+                </a:pPr>
+                <a:r>
+                  <a:rPr kumimoji="0" lang="en-US" altLang="zh-CN" sz="1634" b="0" i="0" u="none" strike="noStrike" kern="1200" cap="none" spc="0" normalizeH="0" baseline="0" noProof="0" dirty="0">
+                    <a:ln>
+                      <a:noFill/>
+                    </a:ln>
+                    <a:solidFill>
+                      <a:prstClr val="black"/>
+                    </a:solidFill>
+                    <a:effectLst/>
+                    <a:uLnTx/>
+                    <a:uFillTx/>
+                    <a:latin typeface="Calibri"/>
+                    <a:ea typeface="宋体" panose="02010600030101010101" pitchFamily="2" charset="-122"/>
+                    <a:cs typeface="+mn-cs"/>
+                  </a:rPr>
+                  <a:t>static member variable can not be initialized when it is defined</a:t>
+                </a:r>
+                <a:endParaRPr kumimoji="0" lang="zh-CN" altLang="en-US" sz="1634" b="0" i="0" u="none" strike="noStrike" kern="1200" cap="none" spc="0" normalizeH="0" baseline="0" noProof="0" dirty="0">
+                  <a:ln>
+                    <a:noFill/>
+                  </a:ln>
+                  <a:solidFill>
+                    <a:prstClr val="black"/>
+                  </a:solidFill>
+                  <a:effectLst/>
+                  <a:uLnTx/>
+                  <a:uFillTx/>
+                  <a:latin typeface="Calibri"/>
+                  <a:ea typeface="宋体" panose="02010600030101010101" pitchFamily="2" charset="-122"/>
+                  <a:cs typeface="+mn-cs"/>
+                </a:endParaRPr>
+              </a:p>
+            </p:txBody>
+          </p:sp>
+        </p:grpSp>
+      </p:grpSp>
+      <p:grpSp>
+        <p:nvGrpSpPr>
+          <p:cNvPr id="12" name="组合 11">
+            <a:extLst>
+              <a:ext uri="{FF2B5EF4-FFF2-40B4-BE49-F238E27FC236}">
+                <a16:creationId xmlns:a16="http://schemas.microsoft.com/office/drawing/2014/main" id="{903BEA93-560F-4255-8317-2A794100FC79}"/>
+              </a:ext>
+            </a:extLst>
+          </p:cNvPr>
+          <p:cNvGrpSpPr/>
+          <p:nvPr/>
+        </p:nvGrpSpPr>
+        <p:grpSpPr>
+          <a:xfrm>
+            <a:off x="1428065" y="5794752"/>
+            <a:ext cx="8446739" cy="877834"/>
+            <a:chOff x="1233594" y="4497050"/>
+            <a:chExt cx="9307070" cy="967244"/>
+          </a:xfrm>
+        </p:grpSpPr>
+        <p:sp>
+          <p:nvSpPr>
+            <p:cNvPr id="13" name="矩形 12">
+              <a:extLst>
+                <a:ext uri="{FF2B5EF4-FFF2-40B4-BE49-F238E27FC236}">
+                  <a16:creationId xmlns:a16="http://schemas.microsoft.com/office/drawing/2014/main" id="{597734EF-A6CB-4EE8-9347-9694CACC0F9C}"/>
+                </a:ext>
+              </a:extLst>
+            </p:cNvPr>
+            <p:cNvSpPr/>
+            <p:nvPr/>
+          </p:nvSpPr>
+          <p:spPr>
+            <a:xfrm>
+              <a:off x="1233594" y="5137880"/>
+              <a:ext cx="3148666" cy="326414"/>
+            </a:xfrm>
+            <a:prstGeom prst="rect">
+              <a:avLst/>
+            </a:prstGeom>
+            <a:noFill/>
+            <a:ln w="19050">
+              <a:solidFill>
+                <a:srgbClr val="FF0000"/>
+              </a:solidFill>
+            </a:ln>
+          </p:spPr>
+          <p:style>
+            <a:lnRef idx="2">
+              <a:schemeClr val="accent1">
+                <a:shade val="50000"/>
+              </a:schemeClr>
+            </a:lnRef>
+            <a:fillRef idx="1">
+              <a:schemeClr val="accent1"/>
+            </a:fillRef>
+            <a:effectRef idx="0">
+              <a:schemeClr val="accent1"/>
+            </a:effectRef>
+            <a:fontRef idx="minor">
+              <a:schemeClr val="lt1"/>
+            </a:fontRef>
+          </p:style>
+          <p:txBody>
+            <a:bodyPr rtlCol="0" anchor="ctr"/>
+            <a:lstStyle/>
+            <a:p>
+              <a:pPr marL="0" marR="0" lvl="0" indent="0" algn="ctr" defTabSz="914400" rtl="0" eaLnBrk="1" fontAlgn="auto" latinLnBrk="0" hangingPunct="1">
+                <a:lnSpc>
+                  <a:spcPct val="100000"/>
+                </a:lnSpc>
+                <a:spcBef>
+                  <a:spcPts val="0"/>
+                </a:spcBef>
+                <a:spcAft>
+                  <a:spcPts val="0"/>
+                </a:spcAft>
+                <a:buClrTx/>
+                <a:buSzTx/>
+                <a:buFontTx/>
+                <a:buNone/>
+                <a:tabLst/>
+                <a:defRPr/>
+              </a:pPr>
+              <a:endParaRPr kumimoji="0" lang="zh-CN" altLang="en-US" sz="1634" b="0" i="0" u="none" strike="noStrike" kern="1200" cap="none" spc="0" normalizeH="0" baseline="0" noProof="0" dirty="0">
+                <a:ln>
+                  <a:noFill/>
+                </a:ln>
+                <a:solidFill>
+                  <a:prstClr val="white"/>
+                </a:solidFill>
+                <a:effectLst/>
+                <a:uLnTx/>
+                <a:uFillTx/>
+                <a:latin typeface="Calibri"/>
+                <a:ea typeface="宋体" panose="02010600030101010101" pitchFamily="2" charset="-122"/>
+                <a:cs typeface="+mn-cs"/>
+              </a:endParaRPr>
+            </a:p>
+          </p:txBody>
+        </p:sp>
+        <p:grpSp>
+          <p:nvGrpSpPr>
+            <p:cNvPr id="14" name="组合 13">
+              <a:extLst>
+                <a:ext uri="{FF2B5EF4-FFF2-40B4-BE49-F238E27FC236}">
+                  <a16:creationId xmlns:a16="http://schemas.microsoft.com/office/drawing/2014/main" id="{C4C4CB7D-7CEF-4DBC-9877-A4563B403523}"/>
+                </a:ext>
+              </a:extLst>
+            </p:cNvPr>
+            <p:cNvGrpSpPr/>
+            <p:nvPr/>
+          </p:nvGrpSpPr>
+          <p:grpSpPr>
+            <a:xfrm>
+              <a:off x="3457905" y="4497050"/>
+              <a:ext cx="7082759" cy="637924"/>
+              <a:chOff x="1369251" y="3937303"/>
+              <a:chExt cx="7082759" cy="637924"/>
+            </a:xfrm>
+          </p:grpSpPr>
+          <p:cxnSp>
+            <p:nvCxnSpPr>
+              <p:cNvPr id="15" name="直接箭头连接符 14">
+                <a:extLst>
+                  <a:ext uri="{FF2B5EF4-FFF2-40B4-BE49-F238E27FC236}">
+                    <a16:creationId xmlns:a16="http://schemas.microsoft.com/office/drawing/2014/main" id="{0ACF2A4F-C3EB-424C-AF2E-6C1E3A5CC22D}"/>
+                  </a:ext>
+                </a:extLst>
+              </p:cNvPr>
+              <p:cNvCxnSpPr>
+                <a:cxnSpLocks/>
+              </p:cNvCxnSpPr>
+              <p:nvPr/>
+            </p:nvCxnSpPr>
+            <p:spPr>
+              <a:xfrm flipH="1">
+                <a:off x="1369251" y="4258738"/>
+                <a:ext cx="467936" cy="316489"/>
+              </a:xfrm>
+              <a:prstGeom prst="straightConnector1">
+                <a:avLst/>
+              </a:prstGeom>
+              <a:ln w="19050">
+                <a:solidFill>
+                  <a:srgbClr val="FF0000"/>
+                </a:solidFill>
+                <a:tailEnd type="arrow"/>
+              </a:ln>
+            </p:spPr>
+            <p:style>
+              <a:lnRef idx="1">
+                <a:schemeClr val="accent1"/>
+              </a:lnRef>
+              <a:fillRef idx="0">
+                <a:schemeClr val="accent1"/>
+              </a:fillRef>
+              <a:effectRef idx="0">
+                <a:schemeClr val="accent1"/>
+              </a:effectRef>
+              <a:fontRef idx="minor">
+                <a:schemeClr val="tx1"/>
+              </a:fontRef>
+            </p:style>
+          </p:cxnSp>
+          <p:sp>
+            <p:nvSpPr>
+              <p:cNvPr id="16" name="TextBox 11">
+                <a:extLst>
+                  <a:ext uri="{FF2B5EF4-FFF2-40B4-BE49-F238E27FC236}">
+                    <a16:creationId xmlns:a16="http://schemas.microsoft.com/office/drawing/2014/main" id="{F3E56645-B739-4629-A4E8-199AF5BE0F96}"/>
+                  </a:ext>
+                </a:extLst>
+              </p:cNvPr>
+              <p:cNvSpPr txBox="1"/>
+              <p:nvPr/>
+            </p:nvSpPr>
+            <p:spPr>
+              <a:xfrm>
+                <a:off x="1753520" y="3937303"/>
+                <a:ext cx="6698490" cy="378830"/>
+              </a:xfrm>
+              <a:prstGeom prst="rect">
+                <a:avLst/>
+              </a:prstGeom>
+              <a:noFill/>
+            </p:spPr>
+            <p:txBody>
+              <a:bodyPr wrap="none" rtlCol="0">
+                <a:spAutoFit/>
+              </a:bodyPr>
+              <a:lstStyle/>
+              <a:p>
+                <a:pPr marL="0" marR="0" lvl="0" indent="0" algn="l" defTabSz="914400" rtl="0" eaLnBrk="1" fontAlgn="auto" latinLnBrk="0" hangingPunct="1">
+                  <a:lnSpc>
+                    <a:spcPct val="100000"/>
+                  </a:lnSpc>
+                  <a:spcBef>
+                    <a:spcPts val="0"/>
+                  </a:spcBef>
+                  <a:spcAft>
+                    <a:spcPts val="0"/>
+                  </a:spcAft>
+                  <a:buClrTx/>
+                  <a:buSzTx/>
+                  <a:buFontTx/>
+                  <a:buNone/>
+                  <a:tabLst/>
+                  <a:defRPr/>
+                </a:pPr>
+                <a:r>
+                  <a:rPr kumimoji="0" lang="en-US" altLang="zh-CN" sz="1634" b="0" i="0" u="none" strike="noStrike" kern="1200" cap="none" spc="0" normalizeH="0" baseline="0" noProof="0" dirty="0">
+                    <a:ln>
+                      <a:noFill/>
+                    </a:ln>
+                    <a:solidFill>
+                      <a:prstClr val="black"/>
+                    </a:solidFill>
+                    <a:effectLst/>
+                    <a:uLnTx/>
+                    <a:uFillTx/>
+                    <a:latin typeface="Calibri"/>
+                    <a:ea typeface="宋体" panose="02010600030101010101" pitchFamily="2" charset="-122"/>
+                    <a:cs typeface="+mn-cs"/>
+                  </a:rPr>
+                  <a:t>static member variable must be initialized outside the class definition</a:t>
+                </a:r>
+                <a:endParaRPr kumimoji="0" lang="zh-CN" altLang="en-US" sz="1634" b="0" i="0" u="none" strike="noStrike" kern="1200" cap="none" spc="0" normalizeH="0" baseline="0" noProof="0" dirty="0">
+                  <a:ln>
+                    <a:noFill/>
+                  </a:ln>
+                  <a:solidFill>
+                    <a:prstClr val="black"/>
+                  </a:solidFill>
+                  <a:effectLst/>
+                  <a:uLnTx/>
+                  <a:uFillTx/>
+                  <a:latin typeface="Calibri"/>
+                  <a:ea typeface="宋体" panose="02010600030101010101" pitchFamily="2" charset="-122"/>
+                  <a:cs typeface="+mn-cs"/>
+                </a:endParaRPr>
+              </a:p>
+            </p:txBody>
+          </p:sp>
+        </p:grpSp>
+      </p:grpSp>
+      <p:sp>
+        <p:nvSpPr>
+          <p:cNvPr id="5" name="椭圆 4">
+            <a:extLst>
+              <a:ext uri="{FF2B5EF4-FFF2-40B4-BE49-F238E27FC236}">
+                <a16:creationId xmlns:a16="http://schemas.microsoft.com/office/drawing/2014/main" id="{88C478BF-80FE-4C9D-8F33-CA649A7329F9}"/>
+              </a:ext>
+            </a:extLst>
+          </p:cNvPr>
+          <p:cNvSpPr/>
+          <p:nvPr/>
+        </p:nvSpPr>
+        <p:spPr>
+          <a:xfrm>
+            <a:off x="1764402" y="6388333"/>
+            <a:ext cx="1233701" cy="264221"/>
+          </a:xfrm>
+          <a:prstGeom prst="ellipse">
+            <a:avLst/>
+          </a:prstGeom>
+          <a:noFill/>
+          <a:ln w="19050">
+            <a:solidFill>
+              <a:srgbClr val="00B0F0"/>
+            </a:solidFill>
+          </a:ln>
+        </p:spPr>
+        <p:style>
+          <a:lnRef idx="2">
+            <a:schemeClr val="accent1">
+              <a:shade val="50000"/>
+            </a:schemeClr>
+          </a:lnRef>
+          <a:fillRef idx="1">
+            <a:schemeClr val="accent1"/>
+          </a:fillRef>
+          <a:effectRef idx="0">
+            <a:schemeClr val="accent1"/>
+          </a:effectRef>
+          <a:fontRef idx="minor">
+            <a:schemeClr val="lt1"/>
+          </a:fontRef>
+        </p:style>
+        <p:txBody>
+          <a:bodyPr rtlCol="0" anchor="ctr"/>
+          <a:lstStyle/>
+          <a:p>
+            <a:pPr marL="0" marR="0" lvl="0" indent="0" algn="ctr" defTabSz="914400" rtl="0" eaLnBrk="1" fontAlgn="auto" latinLnBrk="0" hangingPunct="1">
+              <a:lnSpc>
+                <a:spcPct val="100000"/>
+              </a:lnSpc>
+              <a:spcBef>
+                <a:spcPts val="0"/>
+              </a:spcBef>
+              <a:spcAft>
+                <a:spcPts val="0"/>
+              </a:spcAft>
+              <a:buClrTx/>
+              <a:buSzTx/>
+              <a:buFontTx/>
+              <a:buNone/>
+              <a:tabLst/>
+              <a:defRPr/>
+            </a:pPr>
+            <a:endParaRPr kumimoji="0" lang="zh-CN" altLang="en-US" sz="1800" b="0" i="0" u="none" strike="noStrike" kern="1200" cap="none" spc="0" normalizeH="0" baseline="0" noProof="0">
+              <a:ln>
+                <a:noFill/>
+              </a:ln>
+              <a:solidFill>
+                <a:prstClr val="white"/>
+              </a:solidFill>
+              <a:effectLst/>
+              <a:uLnTx/>
+              <a:uFillTx/>
+              <a:latin typeface="Calibri"/>
+              <a:ea typeface="宋体" panose="02010600030101010101" pitchFamily="2" charset="-122"/>
+              <a:cs typeface="+mn-cs"/>
+            </a:endParaRPr>
+          </a:p>
+        </p:txBody>
+      </p:sp>
+    </p:spTree>
+    <p:extLst>
+      <p:ext uri="{BB962C8B-B14F-4D97-AF65-F5344CB8AC3E}">
+        <p14:creationId xmlns:p14="http://schemas.microsoft.com/office/powerpoint/2010/main" val="877492032"/>
+      </p:ext>
+    </p:extLst>
+  </p:cSld>
+  <p:clrMapOvr>
+    <a:masterClrMapping/>
+  </p:clrMapOvr>
+  <p:timing>
+    <p:tnLst>
+      <p:par>
+        <p:cTn id="1" dur="indefinite" restart="never" nodeType="tmRoot">
+          <p:childTnLst>
+            <p:seq concurrent="1" nextAc="seek">
+              <p:cTn id="2" dur="indefinite" nodeType="mainSeq">
+                <p:childTnLst>
+                  <p:par>
+                    <p:cTn id="3" fill="hold">
+                      <p:stCondLst>
+                        <p:cond delay="indefinite"/>
+                      </p:stCondLst>
+                      <p:childTnLst>
+                        <p:par>
+                          <p:cTn id="4" fill="hold">
+                            <p:stCondLst>
+                              <p:cond delay="0"/>
+                            </p:stCondLst>
+                            <p:childTnLst>
+                              <p:par>
+                                <p:cTn id="5" presetID="1" presetClass="entr" presetSubtype="0" fill="hold" nodeType="clickEffect">
+                                  <p:stCondLst>
+                                    <p:cond delay="0"/>
+                                  </p:stCondLst>
+                                  <p:childTnLst>
+                                    <p:set>
+                                      <p:cBhvr>
+                                        <p:cTn id="6" dur="1" fill="hold">
+                                          <p:stCondLst>
+                                            <p:cond delay="0"/>
+                                          </p:stCondLst>
+                                        </p:cTn>
+                                        <p:tgtEl>
+                                          <p:spTgt spid="17"/>
+                                        </p:tgtEl>
+                                        <p:attrNameLst>
+                                          <p:attrName>style.visibility</p:attrName>
+                                        </p:attrNameLst>
+                                      </p:cBhvr>
+                                      <p:to>
+                                        <p:strVal val="visible"/>
+                                      </p:to>
+                                    </p:set>
+                                  </p:childTnLst>
+                                </p:cTn>
+                              </p:par>
+                            </p:childTnLst>
+                          </p:cTn>
+                        </p:par>
+                      </p:childTnLst>
+                    </p:cTn>
+                  </p:par>
+                  <p:par>
+                    <p:cTn id="7" fill="hold">
+                      <p:stCondLst>
+                        <p:cond delay="indefinite"/>
+                      </p:stCondLst>
+                      <p:childTnLst>
+                        <p:par>
+                          <p:cTn id="8" fill="hold">
+                            <p:stCondLst>
+                              <p:cond delay="0"/>
+                            </p:stCondLst>
+                            <p:childTnLst>
+                              <p:par>
+                                <p:cTn id="9" presetID="1" presetClass="entr" presetSubtype="0" fill="hold" nodeType="clickEffect">
+                                  <p:stCondLst>
+                                    <p:cond delay="0"/>
+                                  </p:stCondLst>
+                                  <p:childTnLst>
+                                    <p:set>
+                                      <p:cBhvr>
+                                        <p:cTn id="10" dur="1" fill="hold">
+                                          <p:stCondLst>
+                                            <p:cond delay="0"/>
+                                          </p:stCondLst>
+                                        </p:cTn>
+                                        <p:tgtEl>
+                                          <p:spTgt spid="6"/>
+                                        </p:tgtEl>
+                                        <p:attrNameLst>
+                                          <p:attrName>style.visibility</p:attrName>
+                                        </p:attrNameLst>
+                                      </p:cBhvr>
+                                      <p:to>
+                                        <p:strVal val="visible"/>
+                                      </p:to>
+                                    </p:set>
+                                  </p:childTnLst>
+                                </p:cTn>
+                              </p:par>
+                            </p:childTnLst>
+                          </p:cTn>
+                        </p:par>
+                      </p:childTnLst>
+                    </p:cTn>
+                  </p:par>
+                  <p:par>
+                    <p:cTn id="11" fill="hold">
+                      <p:stCondLst>
+                        <p:cond delay="indefinite"/>
+                      </p:stCondLst>
+                      <p:childTnLst>
+                        <p:par>
+                          <p:cTn id="12" fill="hold">
+                            <p:stCondLst>
+                              <p:cond delay="0"/>
+                            </p:stCondLst>
+                            <p:childTnLst>
+                              <p:par>
+                                <p:cTn id="13" presetID="1" presetClass="entr" presetSubtype="0" fill="hold" nodeType="clickEffect">
+                                  <p:stCondLst>
+                                    <p:cond delay="0"/>
+                                  </p:stCondLst>
+                                  <p:childTnLst>
+                                    <p:set>
+                                      <p:cBhvr>
+                                        <p:cTn id="14" dur="1" fill="hold">
+                                          <p:stCondLst>
+                                            <p:cond delay="0"/>
+                                          </p:stCondLst>
+                                        </p:cTn>
+                                        <p:tgtEl>
+                                          <p:spTgt spid="12"/>
+                                        </p:tgtEl>
+                                        <p:attrNameLst>
+                                          <p:attrName>style.visibility</p:attrName>
+                                        </p:attrNameLst>
+                                      </p:cBhvr>
+                                      <p:to>
+                                        <p:strVal val="visible"/>
+                                      </p:to>
+                                    </p:set>
+                                  </p:childTnLst>
+                                </p:cTn>
+                              </p:par>
+                            </p:childTnLst>
+                          </p:cTn>
+                        </p:par>
+                      </p:childTnLst>
+                    </p:cTn>
+                  </p:par>
+                  <p:par>
+                    <p:cTn id="15" fill="hold">
+                      <p:stCondLst>
+                        <p:cond delay="indefinite"/>
+                      </p:stCondLst>
+                      <p:childTnLst>
+                        <p:par>
+                          <p:cTn id="16" fill="hold">
+                            <p:stCondLst>
+                              <p:cond delay="0"/>
+                            </p:stCondLst>
+                            <p:childTnLst>
+                              <p:par>
+                                <p:cTn id="17" presetID="1" presetClass="entr" presetSubtype="0" fill="hold" grpId="0" nodeType="clickEffect">
+                                  <p:stCondLst>
+                                    <p:cond delay="0"/>
+                                  </p:stCondLst>
+                                  <p:childTnLst>
+                                    <p:set>
+                                      <p:cBhvr>
+                                        <p:cTn id="18" dur="1" fill="hold">
+                                          <p:stCondLst>
+                                            <p:cond delay="0"/>
+                                          </p:stCondLst>
+                                        </p:cTn>
+                                        <p:tgtEl>
+                                          <p:spTgt spid="5"/>
+                                        </p:tgtEl>
+                                        <p:attrNameLst>
+                                          <p:attrName>style.visibility</p:attrName>
+                                        </p:attrNameLst>
+                                      </p:cBhvr>
+                                      <p:to>
+                                        <p:strVal val="visible"/>
+                                      </p:to>
+                                    </p:set>
+                                  </p:childTnLst>
+                                </p:cTn>
+                              </p:par>
+                            </p:childTnLst>
+                          </p:cTn>
+                        </p:par>
+                      </p:childTnLst>
+                    </p:cTn>
+                  </p:par>
+                </p:childTnLst>
+              </p:cTn>
+              <p:prevCondLst>
+                <p:cond evt="onPrev" delay="0">
+                  <p:tgtEl>
+                    <p:sldTgt/>
+                  </p:tgtEl>
+                </p:cond>
+              </p:prevCondLst>
+              <p:nextCondLst>
+                <p:cond evt="onNext" delay="0">
+                  <p:tgtEl>
+                    <p:sldTgt/>
+                  </p:tgtEl>
+                </p:cond>
+              </p:nextCondLst>
+            </p:seq>
+          </p:childTnLst>
+        </p:cTn>
+      </p:par>
+    </p:tnLst>
+    <p:bldLst>
+      <p:bldP spid="5" grpId="0" animBg="1"/>
     </p:bldLst>
   </p:timing>
 </p:sld>

--- a/week09/Lab09.pptx
+++ b/week09/Lab09.pptx
@@ -15075,7 +15075,7 @@
           <a:lstStyle/>
           <a:p>
             <a:r>
-              <a:rPr lang="en-US" altLang="zh-CN">
+              <a:rPr lang="en-US" altLang="zh-CN" dirty="0">
                 <a:sym typeface="+mn-ea"/>
               </a:rPr>
               <a:t>Class in C++</a:t>
@@ -15174,10 +15174,7 @@
               <a:buChar char="Ø"/>
             </a:pPr>
             <a:r>
-              <a:rPr lang="en-US" altLang="zh-CN">
-                <a:highlight>
-                  <a:srgbClr val="FFFF00"/>
-                </a:highlight>
+              <a:rPr lang="en-US" altLang="zh-CN" dirty="0">
                 <a:sym typeface="+mn-ea"/>
               </a:rPr>
               <a:t>Class, object, member variable, member function, static variable &amp; memory Management</a:t>
@@ -15188,42 +15185,42 @@
               <a:buFont typeface="Wingdings" panose="05000000000000000000" charset="0"/>
               <a:buChar char="Ø"/>
             </a:pPr>
-            <a:endParaRPr lang="zh-CN" altLang="en-US"/>
-          </a:p>
-          <a:p>
-            <a:r>
-              <a:rPr lang="en-US" altLang="zh-CN"/>
+            <a:endParaRPr lang="zh-CN" altLang="en-US" dirty="0"/>
+          </a:p>
+          <a:p>
+            <a:r>
+              <a:rPr lang="en-US" altLang="zh-CN" dirty="0"/>
               <a:t>Class in Python vs Class in C++(1)</a:t>
             </a:r>
           </a:p>
           <a:p>
             <a:pPr lvl="1"/>
             <a:r>
-              <a:rPr lang="en-US" altLang="zh-CN"/>
+              <a:rPr lang="en-US" altLang="zh-CN" dirty="0"/>
               <a:t>constructor and destructor</a:t>
             </a:r>
           </a:p>
           <a:p>
             <a:pPr lvl="1"/>
             <a:r>
-              <a:rPr lang="en-US" altLang="zh-CN"/>
+              <a:rPr lang="en-US" altLang="zh-CN" dirty="0"/>
               <a:t>static</a:t>
             </a:r>
           </a:p>
           <a:p>
             <a:pPr lvl="1"/>
             <a:r>
-              <a:rPr lang="en-US" altLang="zh-CN"/>
+              <a:rPr lang="en-US" altLang="zh-CN" dirty="0"/>
               <a:t>const</a:t>
             </a:r>
           </a:p>
           <a:p>
             <a:pPr lvl="1"/>
             <a:r>
-              <a:rPr lang="en-US" altLang="zh-CN"/>
+              <a:rPr lang="en-US" altLang="zh-CN" dirty="0"/>
               <a:t>self</a:t>
             </a:r>
-            <a:endParaRPr lang="en-US" altLang="zh-CN">
+            <a:endParaRPr lang="en-US" altLang="zh-CN" dirty="0">
               <a:highlight>
                 <a:srgbClr val="FFFF00"/>
               </a:highlight>
@@ -15233,38 +15230,38 @@
             <a:pPr marL="457200" lvl="1" indent="0">
               <a:buNone/>
             </a:pPr>
-            <a:endParaRPr lang="en-US" altLang="zh-CN"/>
-          </a:p>
-          <a:p>
-            <a:r>
-              <a:rPr lang="en-US" altLang="zh-CN"/>
+            <a:endParaRPr lang="en-US" altLang="zh-CN" dirty="0"/>
+          </a:p>
+          <a:p>
+            <a:r>
+              <a:rPr lang="en-US" altLang="zh-CN" dirty="0"/>
               <a:t>Practice</a:t>
             </a:r>
-            <a:endParaRPr lang="zh-CN" altLang="en-US"/>
+            <a:endParaRPr lang="zh-CN" altLang="en-US" dirty="0"/>
           </a:p>
           <a:p>
             <a:pPr lvl="1"/>
-            <a:endParaRPr lang="zh-CN" altLang="en-US"/>
+            <a:endParaRPr lang="zh-CN" altLang="en-US" dirty="0"/>
           </a:p>
           <a:p>
             <a:pPr lvl="1"/>
-            <a:endParaRPr lang="zh-CN" altLang="en-US"/>
+            <a:endParaRPr lang="zh-CN" altLang="en-US" dirty="0"/>
           </a:p>
           <a:p>
             <a:pPr marL="457200" lvl="1" indent="0">
               <a:buNone/>
             </a:pPr>
-            <a:endParaRPr lang="en-US" altLang="zh-CN">
+            <a:endParaRPr lang="en-US" altLang="zh-CN" dirty="0">
               <a:highlight>
                 <a:srgbClr val="FFFF00"/>
               </a:highlight>
             </a:endParaRPr>
           </a:p>
           <a:p>
-            <a:endParaRPr lang="en-US" altLang="zh-CN"/>
-          </a:p>
-          <a:p>
-            <a:endParaRPr lang="zh-CN" altLang="en-US"/>
+            <a:endParaRPr lang="en-US" altLang="zh-CN" dirty="0"/>
+          </a:p>
+          <a:p>
+            <a:endParaRPr lang="zh-CN" altLang="en-US" dirty="0"/>
           </a:p>
         </p:txBody>
       </p:sp>
@@ -17116,35 +17113,20 @@
               <a:rPr lang="en-US" altLang="zh-CN" sz="2400" dirty="0">
                 <a:sym typeface="+mn-ea"/>
               </a:rPr>
-              <a:t>You need to explain the reason to a SA to pass the test.  </a:t>
-            </a:r>
-            <a:r>
-              <a:rPr lang="zh-CN" altLang="en-US" sz="2400" dirty="0">
-                <a:highlight>
-                  <a:srgbClr val="FFFF00"/>
-                </a:highlight>
+              <a:t>You need to explain the reason to a SA to pass the test</a:t>
+            </a:r>
+            <a:r>
+              <a:rPr lang="en-US" altLang="zh-CN" sz="2400">
                 <a:sym typeface="+mn-ea"/>
               </a:rPr>
-              <a:t>考虑下是否可以加入析构函数（</a:t>
-            </a:r>
-            <a:r>
-              <a:rPr lang="en-US" altLang="zh-CN" sz="2400" dirty="0">
-                <a:highlight>
-                  <a:srgbClr val="FFFF00"/>
-                </a:highlight>
-                <a:sym typeface="+mn-ea"/>
-              </a:rPr>
-              <a:t>+</a:t>
-            </a:r>
-            <a:r>
-              <a:rPr lang="zh-CN" altLang="en-US" sz="2400" dirty="0">
-                <a:highlight>
-                  <a:srgbClr val="FFFF00"/>
-                </a:highlight>
-                <a:sym typeface="+mn-ea"/>
-              </a:rPr>
-              <a:t>涉及到内存）</a:t>
-            </a:r>
+              <a:t>.  </a:t>
+            </a:r>
+            <a:endParaRPr lang="zh-CN" altLang="en-US" sz="2400" dirty="0">
+              <a:highlight>
+                <a:srgbClr val="FFFF00"/>
+              </a:highlight>
+              <a:sym typeface="+mn-ea"/>
+            </a:endParaRPr>
           </a:p>
         </p:txBody>
       </p:sp>
